--- a/프레젠테이션1.pptx
+++ b/프레젠테이션1.pptx
@@ -5,22 +5,46 @@
     <p:sldMasterId id="2147483648" r:id="rId1"/>
   </p:sldMasterIdLst>
   <p:sldIdLst>
-    <p:sldId id="256" r:id="rId2"/>
-    <p:sldId id="257" r:id="rId3"/>
-    <p:sldId id="258" r:id="rId4"/>
-    <p:sldId id="259" r:id="rId5"/>
-    <p:sldId id="260" r:id="rId6"/>
-    <p:sldId id="261" r:id="rId7"/>
-    <p:sldId id="262" r:id="rId8"/>
-    <p:sldId id="263" r:id="rId9"/>
-    <p:sldId id="264" r:id="rId10"/>
-    <p:sldId id="265" r:id="rId11"/>
-    <p:sldId id="266" r:id="rId12"/>
-    <p:sldId id="267" r:id="rId13"/>
-    <p:sldId id="268" r:id="rId14"/>
-    <p:sldId id="269" r:id="rId15"/>
-    <p:sldId id="270" r:id="rId16"/>
-    <p:sldId id="271" r:id="rId17"/>
+    <p:sldId id="272" r:id="rId2"/>
+    <p:sldId id="256" r:id="rId3"/>
+    <p:sldId id="257" r:id="rId4"/>
+    <p:sldId id="258" r:id="rId5"/>
+    <p:sldId id="259" r:id="rId6"/>
+    <p:sldId id="260" r:id="rId7"/>
+    <p:sldId id="261" r:id="rId8"/>
+    <p:sldId id="262" r:id="rId9"/>
+    <p:sldId id="263" r:id="rId10"/>
+    <p:sldId id="264" r:id="rId11"/>
+    <p:sldId id="265" r:id="rId12"/>
+    <p:sldId id="266" r:id="rId13"/>
+    <p:sldId id="267" r:id="rId14"/>
+    <p:sldId id="268" r:id="rId15"/>
+    <p:sldId id="269" r:id="rId16"/>
+    <p:sldId id="270" r:id="rId17"/>
+    <p:sldId id="271" r:id="rId18"/>
+    <p:sldId id="273" r:id="rId19"/>
+    <p:sldId id="274" r:id="rId20"/>
+    <p:sldId id="275" r:id="rId21"/>
+    <p:sldId id="276" r:id="rId22"/>
+    <p:sldId id="277" r:id="rId23"/>
+    <p:sldId id="278" r:id="rId24"/>
+    <p:sldId id="279" r:id="rId25"/>
+    <p:sldId id="280" r:id="rId26"/>
+    <p:sldId id="281" r:id="rId27"/>
+    <p:sldId id="282" r:id="rId28"/>
+    <p:sldId id="283" r:id="rId29"/>
+    <p:sldId id="284" r:id="rId30"/>
+    <p:sldId id="285" r:id="rId31"/>
+    <p:sldId id="286" r:id="rId32"/>
+    <p:sldId id="287" r:id="rId33"/>
+    <p:sldId id="288" r:id="rId34"/>
+    <p:sldId id="289" r:id="rId35"/>
+    <p:sldId id="290" r:id="rId36"/>
+    <p:sldId id="291" r:id="rId37"/>
+    <p:sldId id="292" r:id="rId38"/>
+    <p:sldId id="293" r:id="rId39"/>
+    <p:sldId id="294" r:id="rId40"/>
+    <p:sldId id="295" r:id="rId41"/>
   </p:sldIdLst>
   <p:sldSz cx="12192000" cy="6858000"/>
   <p:notesSz cx="6858000" cy="9144000"/>
@@ -274,7 +298,7 @@
           <a:p>
             <a:fld id="{1B0EFBA8-5055-49A1-948A-A0EB42255B5C}" type="datetimeFigureOut">
               <a:rPr lang="ko-KR" altLang="en-US" smtClean="0"/>
-              <a:t>2022-03-27</a:t>
+              <a:t>2022-03-28</a:t>
             </a:fld>
             <a:endParaRPr lang="ko-KR" altLang="en-US"/>
           </a:p>
@@ -472,7 +496,7 @@
           <a:p>
             <a:fld id="{1B0EFBA8-5055-49A1-948A-A0EB42255B5C}" type="datetimeFigureOut">
               <a:rPr lang="ko-KR" altLang="en-US" smtClean="0"/>
-              <a:t>2022-03-27</a:t>
+              <a:t>2022-03-28</a:t>
             </a:fld>
             <a:endParaRPr lang="ko-KR" altLang="en-US"/>
           </a:p>
@@ -680,7 +704,7 @@
           <a:p>
             <a:fld id="{1B0EFBA8-5055-49A1-948A-A0EB42255B5C}" type="datetimeFigureOut">
               <a:rPr lang="ko-KR" altLang="en-US" smtClean="0"/>
-              <a:t>2022-03-27</a:t>
+              <a:t>2022-03-28</a:t>
             </a:fld>
             <a:endParaRPr lang="ko-KR" altLang="en-US"/>
           </a:p>
@@ -878,7 +902,7 @@
           <a:p>
             <a:fld id="{1B0EFBA8-5055-49A1-948A-A0EB42255B5C}" type="datetimeFigureOut">
               <a:rPr lang="ko-KR" altLang="en-US" smtClean="0"/>
-              <a:t>2022-03-27</a:t>
+              <a:t>2022-03-28</a:t>
             </a:fld>
             <a:endParaRPr lang="ko-KR" altLang="en-US"/>
           </a:p>
@@ -1153,7 +1177,7 @@
           <a:p>
             <a:fld id="{1B0EFBA8-5055-49A1-948A-A0EB42255B5C}" type="datetimeFigureOut">
               <a:rPr lang="ko-KR" altLang="en-US" smtClean="0"/>
-              <a:t>2022-03-27</a:t>
+              <a:t>2022-03-28</a:t>
             </a:fld>
             <a:endParaRPr lang="ko-KR" altLang="en-US"/>
           </a:p>
@@ -1418,7 +1442,7 @@
           <a:p>
             <a:fld id="{1B0EFBA8-5055-49A1-948A-A0EB42255B5C}" type="datetimeFigureOut">
               <a:rPr lang="ko-KR" altLang="en-US" smtClean="0"/>
-              <a:t>2022-03-27</a:t>
+              <a:t>2022-03-28</a:t>
             </a:fld>
             <a:endParaRPr lang="ko-KR" altLang="en-US"/>
           </a:p>
@@ -1830,7 +1854,7 @@
           <a:p>
             <a:fld id="{1B0EFBA8-5055-49A1-948A-A0EB42255B5C}" type="datetimeFigureOut">
               <a:rPr lang="ko-KR" altLang="en-US" smtClean="0"/>
-              <a:t>2022-03-27</a:t>
+              <a:t>2022-03-28</a:t>
             </a:fld>
             <a:endParaRPr lang="ko-KR" altLang="en-US"/>
           </a:p>
@@ -1971,7 +1995,7 @@
           <a:p>
             <a:fld id="{1B0EFBA8-5055-49A1-948A-A0EB42255B5C}" type="datetimeFigureOut">
               <a:rPr lang="ko-KR" altLang="en-US" smtClean="0"/>
-              <a:t>2022-03-27</a:t>
+              <a:t>2022-03-28</a:t>
             </a:fld>
             <a:endParaRPr lang="ko-KR" altLang="en-US"/>
           </a:p>
@@ -2084,7 +2108,7 @@
           <a:p>
             <a:fld id="{1B0EFBA8-5055-49A1-948A-A0EB42255B5C}" type="datetimeFigureOut">
               <a:rPr lang="ko-KR" altLang="en-US" smtClean="0"/>
-              <a:t>2022-03-27</a:t>
+              <a:t>2022-03-28</a:t>
             </a:fld>
             <a:endParaRPr lang="ko-KR" altLang="en-US"/>
           </a:p>
@@ -2395,7 +2419,7 @@
           <a:p>
             <a:fld id="{1B0EFBA8-5055-49A1-948A-A0EB42255B5C}" type="datetimeFigureOut">
               <a:rPr lang="ko-KR" altLang="en-US" smtClean="0"/>
-              <a:t>2022-03-27</a:t>
+              <a:t>2022-03-28</a:t>
             </a:fld>
             <a:endParaRPr lang="ko-KR" altLang="en-US"/>
           </a:p>
@@ -2683,7 +2707,7 @@
           <a:p>
             <a:fld id="{1B0EFBA8-5055-49A1-948A-A0EB42255B5C}" type="datetimeFigureOut">
               <a:rPr lang="ko-KR" altLang="en-US" smtClean="0"/>
-              <a:t>2022-03-27</a:t>
+              <a:t>2022-03-28</a:t>
             </a:fld>
             <a:endParaRPr lang="ko-KR" altLang="en-US"/>
           </a:p>
@@ -2924,7 +2948,7 @@
           <a:p>
             <a:fld id="{1B0EFBA8-5055-49A1-948A-A0EB42255B5C}" type="datetimeFigureOut">
               <a:rPr lang="ko-KR" altLang="en-US" smtClean="0"/>
-              <a:t>2022-03-27</a:t>
+              <a:t>2022-03-28</a:t>
             </a:fld>
             <a:endParaRPr lang="ko-KR" altLang="en-US"/>
           </a:p>
@@ -3343,10 +3367,10 @@
       </p:grpSpPr>
       <p:sp>
         <p:nvSpPr>
-          <p:cNvPr id="4" name="TextBox 3">
-            <a:extLst>
-              <a:ext uri="{FF2B5EF4-FFF2-40B4-BE49-F238E27FC236}">
-                <a16:creationId xmlns:a16="http://schemas.microsoft.com/office/drawing/2014/main" id="{A6F9B52D-5581-42AC-B0D5-301470508253}"/>
+          <p:cNvPr id="3" name="TextBox 2">
+            <a:extLst>
+              <a:ext uri="{FF2B5EF4-FFF2-40B4-BE49-F238E27FC236}">
+                <a16:creationId xmlns:a16="http://schemas.microsoft.com/office/drawing/2014/main" id="{0F545F72-D7A8-47F9-8523-9A550E70A671}"/>
               </a:ext>
             </a:extLst>
           </p:cNvPr>
@@ -3355,8 +3379,8 @@
         </p:nvSpPr>
         <p:spPr>
           <a:xfrm>
-            <a:off x="1147482" y="519953"/>
-            <a:ext cx="7189694" cy="646331"/>
+            <a:off x="2719754" y="2086708"/>
+            <a:ext cx="1793631" cy="369332"/>
           </a:xfrm>
           <a:prstGeom prst="rect">
             <a:avLst/>
@@ -3370,296 +3394,12 @@
           <a:lstStyle/>
           <a:p>
             <a:r>
-              <a:rPr lang="ko-KR" altLang="en-US" dirty="0"/>
-              <a:t>상수를 정의하여 메서드 </a:t>
-            </a:r>
-            <a:r>
-              <a:rPr lang="ko-KR" altLang="en-US" dirty="0" err="1"/>
-              <a:t>호출시</a:t>
-            </a:r>
-            <a:r>
-              <a:rPr lang="ko-KR" altLang="en-US" dirty="0"/>
-              <a:t> 잘못된 값이 출력 </a:t>
-            </a:r>
-            <a:r>
-              <a:rPr lang="ko-KR" altLang="en-US" dirty="0" err="1"/>
-              <a:t>될수</a:t>
-            </a:r>
-            <a:r>
-              <a:rPr lang="ko-KR" altLang="en-US" dirty="0"/>
-              <a:t> 있다 </a:t>
-            </a:r>
-            <a:r>
-              <a:rPr lang="en-US" altLang="ko-KR" dirty="0"/>
-              <a:t>-&gt; </a:t>
-            </a:r>
-            <a:r>
-              <a:rPr lang="ko-KR" altLang="en-US" dirty="0"/>
-              <a:t>상수를 정의 해서 </a:t>
-            </a:r>
-            <a:r>
-              <a:rPr lang="ko-KR" altLang="en-US" dirty="0" err="1"/>
-              <a:t>쓰는것</a:t>
-            </a:r>
-            <a:r>
-              <a:rPr lang="ko-KR" altLang="en-US" dirty="0"/>
-              <a:t> 보다 </a:t>
-            </a:r>
-            <a:r>
-              <a:rPr lang="en-US" altLang="ko-KR" dirty="0" err="1"/>
-              <a:t>enum</a:t>
-            </a:r>
-            <a:r>
-              <a:rPr lang="ko-KR" altLang="en-US" dirty="0"/>
-              <a:t>을 쓰는 것이 더 안전하다</a:t>
-            </a:r>
-          </a:p>
-        </p:txBody>
-      </p:sp>
-      <p:sp>
-        <p:nvSpPr>
-          <p:cNvPr id="5" name="TextBox 4">
-            <a:extLst>
-              <a:ext uri="{FF2B5EF4-FFF2-40B4-BE49-F238E27FC236}">
-                <a16:creationId xmlns:a16="http://schemas.microsoft.com/office/drawing/2014/main" id="{6F232C2F-4E73-4494-8B49-2B5DBA28D254}"/>
-              </a:ext>
-            </a:extLst>
-          </p:cNvPr>
-          <p:cNvSpPr txBox="1"/>
-          <p:nvPr/>
-        </p:nvSpPr>
-        <p:spPr>
-          <a:xfrm>
-            <a:off x="1228165" y="1783976"/>
-            <a:ext cx="5190564" cy="2308324"/>
-          </a:xfrm>
-          <a:prstGeom prst="rect">
-            <a:avLst/>
-          </a:prstGeom>
-          <a:noFill/>
-        </p:spPr>
-        <p:txBody>
-          <a:bodyPr wrap="square" rtlCol="0">
-            <a:spAutoFit/>
-          </a:bodyPr>
-          <a:lstStyle/>
-          <a:p>
-            <a:r>
-              <a:rPr lang="ko-KR" altLang="en-US" dirty="0"/>
-              <a:t>단</a:t>
-            </a:r>
-            <a:r>
-              <a:rPr lang="en-US" altLang="ko-KR" dirty="0"/>
-              <a:t>, </a:t>
-            </a:r>
-            <a:r>
-              <a:rPr lang="en-US" altLang="ko-KR" dirty="0" err="1"/>
-              <a:t>enum</a:t>
-            </a:r>
-            <a:r>
-              <a:rPr lang="ko-KR" altLang="en-US" dirty="0"/>
-              <a:t>은 오브젝트이므로 </a:t>
-            </a:r>
-            <a:r>
-              <a:rPr lang="en-US" altLang="ko-KR" dirty="0"/>
-              <a:t>DB</a:t>
-            </a:r>
-            <a:r>
-              <a:rPr lang="ko-KR" altLang="en-US" dirty="0"/>
-              <a:t>에 </a:t>
-            </a:r>
-            <a:r>
-              <a:rPr lang="ko-KR" altLang="en-US" dirty="0" err="1"/>
-              <a:t>저장될수</a:t>
-            </a:r>
-            <a:r>
-              <a:rPr lang="ko-KR" altLang="en-US" dirty="0"/>
-              <a:t> 있는 </a:t>
-            </a:r>
-            <a:r>
-              <a:rPr lang="en-US" altLang="ko-KR" dirty="0"/>
-              <a:t>SQL</a:t>
-            </a:r>
-            <a:r>
-              <a:rPr lang="ko-KR" altLang="en-US" dirty="0"/>
-              <a:t>타입이 아니다</a:t>
-            </a:r>
-            <a:r>
-              <a:rPr lang="en-US" altLang="ko-KR" dirty="0"/>
-              <a:t>. </a:t>
-            </a:r>
-            <a:r>
-              <a:rPr lang="ko-KR" altLang="en-US" dirty="0"/>
-              <a:t>따라서 </a:t>
-            </a:r>
-            <a:r>
-              <a:rPr lang="en-US" altLang="ko-KR" dirty="0"/>
-              <a:t>DB</a:t>
-            </a:r>
-            <a:r>
-              <a:rPr lang="ko-KR" altLang="en-US" dirty="0"/>
-              <a:t>에 저장 가능한 정수형 값으로 반환해 줘야한다</a:t>
-            </a:r>
-            <a:r>
-              <a:rPr lang="en-US" altLang="ko-KR" dirty="0"/>
-              <a:t>. (</a:t>
-            </a:r>
-            <a:r>
-              <a:rPr lang="en-US" altLang="ko-KR" dirty="0" err="1"/>
-              <a:t>enum</a:t>
-            </a:r>
-            <a:r>
-              <a:rPr lang="en-US" altLang="ko-KR" dirty="0"/>
-              <a:t> </a:t>
-            </a:r>
-            <a:r>
-              <a:rPr lang="ko-KR" altLang="en-US" dirty="0"/>
-              <a:t>내부에 메서드를 만들어 줌</a:t>
-            </a:r>
-            <a:r>
-              <a:rPr lang="en-US" altLang="ko-KR" dirty="0"/>
-              <a:t>)</a:t>
-            </a:r>
-          </a:p>
-          <a:p>
-            <a:r>
-              <a:rPr lang="ko-KR" altLang="en-US" dirty="0"/>
-              <a:t>반대로 조회를 했을 경우 </a:t>
-            </a:r>
-            <a:r>
-              <a:rPr lang="en-US" altLang="ko-KR" dirty="0" err="1"/>
-              <a:t>ResultSet</a:t>
-            </a:r>
-            <a:r>
-              <a:rPr lang="ko-KR" altLang="en-US" dirty="0"/>
-              <a:t>에서 </a:t>
-            </a:r>
-            <a:r>
-              <a:rPr lang="en-US" altLang="ko-KR" dirty="0"/>
-              <a:t>DB</a:t>
-            </a:r>
-            <a:r>
-              <a:rPr lang="ko-KR" altLang="en-US" dirty="0"/>
-              <a:t>의 타입인 </a:t>
-            </a:r>
-            <a:r>
-              <a:rPr lang="en-US" altLang="ko-KR" dirty="0"/>
-              <a:t>int</a:t>
-            </a:r>
-            <a:r>
-              <a:rPr lang="ko-KR" altLang="en-US" dirty="0"/>
-              <a:t>로 가져오기 때문에 </a:t>
-            </a:r>
-            <a:r>
-              <a:rPr lang="en-US" altLang="ko-KR" dirty="0"/>
-              <a:t>set</a:t>
-            </a:r>
-            <a:r>
-              <a:rPr lang="ko-KR" altLang="en-US" dirty="0"/>
-              <a:t>메서드를 실행 </a:t>
-            </a:r>
-            <a:r>
-              <a:rPr lang="ko-KR" altLang="en-US" dirty="0" err="1"/>
-              <a:t>할때</a:t>
-            </a:r>
-            <a:r>
-              <a:rPr lang="ko-KR" altLang="en-US" dirty="0"/>
-              <a:t> 타입이 일치 하지 않으므로 해당 타입의 </a:t>
-            </a:r>
-            <a:r>
-              <a:rPr lang="ko-KR" altLang="en-US" dirty="0" err="1"/>
-              <a:t>이늄</a:t>
-            </a:r>
-            <a:r>
-              <a:rPr lang="ko-KR" altLang="en-US" dirty="0"/>
-              <a:t> 오브젝트로 바꿔서 </a:t>
-            </a:r>
-            <a:r>
-              <a:rPr lang="en-US" altLang="ko-KR" dirty="0"/>
-              <a:t>set</a:t>
-            </a:r>
-            <a:r>
-              <a:rPr lang="ko-KR" altLang="en-US" dirty="0"/>
-              <a:t>해줘야 함</a:t>
-            </a:r>
-          </a:p>
-        </p:txBody>
-      </p:sp>
-      <p:sp>
-        <p:nvSpPr>
-          <p:cNvPr id="6" name="TextBox 5">
-            <a:extLst>
-              <a:ext uri="{FF2B5EF4-FFF2-40B4-BE49-F238E27FC236}">
-                <a16:creationId xmlns:a16="http://schemas.microsoft.com/office/drawing/2014/main" id="{0B1584EF-8269-46E7-9BCD-66FB1CCD0D00}"/>
-              </a:ext>
-            </a:extLst>
-          </p:cNvPr>
-          <p:cNvSpPr txBox="1"/>
-          <p:nvPr/>
-        </p:nvSpPr>
-        <p:spPr>
-          <a:xfrm>
-            <a:off x="1228165" y="5002306"/>
-            <a:ext cx="8408894" cy="923330"/>
-          </a:xfrm>
-          <a:prstGeom prst="rect">
-            <a:avLst/>
-          </a:prstGeom>
-          <a:noFill/>
-        </p:spPr>
-        <p:txBody>
-          <a:bodyPr wrap="square" rtlCol="0">
-            <a:spAutoFit/>
-          </a:bodyPr>
-          <a:lstStyle/>
-          <a:p>
-            <a:r>
-              <a:rPr lang="en-US" altLang="ko-KR" dirty="0"/>
-              <a:t>JDBC</a:t>
-            </a:r>
-            <a:r>
-              <a:rPr lang="ko-KR" altLang="en-US" dirty="0"/>
-              <a:t>가 사용하는 </a:t>
-            </a:r>
-            <a:r>
-              <a:rPr lang="en-US" altLang="ko-KR" dirty="0"/>
-              <a:t>SQL</a:t>
-            </a:r>
-            <a:r>
-              <a:rPr lang="ko-KR" altLang="en-US" dirty="0"/>
-              <a:t>은 컴파일 과정에서는 자동으로 검증이 되지 않는 단순 문자열에 불과 </a:t>
-            </a:r>
-            <a:r>
-              <a:rPr lang="en-US" altLang="ko-KR" dirty="0"/>
-              <a:t>-&gt; </a:t>
-            </a:r>
-            <a:r>
-              <a:rPr lang="ko-KR" altLang="en-US" dirty="0"/>
-              <a:t>빠르게 실행 가능한 포괄적인 테스트를 </a:t>
-            </a:r>
-            <a:r>
-              <a:rPr lang="ko-KR" altLang="en-US" dirty="0" err="1"/>
-              <a:t>만들어두면</a:t>
-            </a:r>
-            <a:r>
-              <a:rPr lang="ko-KR" altLang="en-US" dirty="0"/>
-              <a:t> 기능의 추가나 수정이 </a:t>
-            </a:r>
-            <a:r>
-              <a:rPr lang="ko-KR" altLang="en-US" dirty="0" err="1"/>
-              <a:t>일어날때</a:t>
-            </a:r>
-            <a:r>
-              <a:rPr lang="ko-KR" altLang="en-US" dirty="0"/>
-              <a:t> 문제를 빠르게 </a:t>
-            </a:r>
-            <a:r>
-              <a:rPr lang="ko-KR" altLang="en-US" dirty="0" err="1"/>
-              <a:t>잡아낼수</a:t>
-            </a:r>
-            <a:r>
-              <a:rPr lang="ko-KR" altLang="en-US" dirty="0"/>
-              <a:t> 있음</a:t>
+              <a:rPr lang="en-US" altLang="ko-KR" dirty="0"/>
+              <a:t>5</a:t>
+            </a:r>
+            <a:r>
+              <a:rPr lang="ko-KR" altLang="en-US" dirty="0"/>
+              <a:t>장</a:t>
             </a:r>
           </a:p>
         </p:txBody>
@@ -3667,7 +3407,7 @@
     </p:spTree>
     <p:extLst>
       <p:ext uri="{BB962C8B-B14F-4D97-AF65-F5344CB8AC3E}">
-        <p14:creationId xmlns:p14="http://schemas.microsoft.com/office/powerpoint/2010/main" val="4020761668"/>
+        <p14:creationId xmlns:p14="http://schemas.microsoft.com/office/powerpoint/2010/main" val="2595246008"/>
       </p:ext>
     </p:extLst>
   </p:cSld>
@@ -3699,7 +3439,7 @@
           <p:cNvPr id="2" name="TextBox 1">
             <a:extLst>
               <a:ext uri="{FF2B5EF4-FFF2-40B4-BE49-F238E27FC236}">
-                <a16:creationId xmlns:a16="http://schemas.microsoft.com/office/drawing/2014/main" id="{EBDA40A3-7ED0-4F52-931F-7E8101A17D3D}"/>
+                <a16:creationId xmlns:a16="http://schemas.microsoft.com/office/drawing/2014/main" id="{21DE09F9-6499-4D69-8047-B6716C2A8A87}"/>
               </a:ext>
             </a:extLst>
           </p:cNvPr>
@@ -3708,8 +3448,8 @@
         </p:nvSpPr>
         <p:spPr>
           <a:xfrm>
-            <a:off x="1837765" y="914400"/>
-            <a:ext cx="8077200" cy="923330"/>
+            <a:off x="2187388" y="654424"/>
+            <a:ext cx="7485530" cy="1477328"/>
           </a:xfrm>
           <a:prstGeom prst="rect">
             <a:avLst/>
@@ -3723,42 +3463,37 @@
           <a:lstStyle/>
           <a:p>
             <a:r>
-              <a:rPr lang="ko-KR" altLang="en-US" dirty="0"/>
-              <a:t>테스트에서만 사용할 클래스라면 번거롭게 파일을 따로 만들지 말고 테스트 클래스 내부에 </a:t>
-            </a:r>
-            <a:r>
               <a:rPr lang="ko-KR" altLang="en-US" dirty="0" err="1"/>
-              <a:t>스태틱</a:t>
-            </a:r>
-            <a:r>
-              <a:rPr lang="ko-KR" altLang="en-US" dirty="0"/>
-              <a:t> 클래스</a:t>
-            </a:r>
-            <a:r>
-              <a:rPr lang="en-US" altLang="ko-KR" dirty="0"/>
-              <a:t>(</a:t>
-            </a:r>
-            <a:r>
-              <a:rPr lang="ko-KR" altLang="en-US" dirty="0"/>
-              <a:t>상속 받은 서브 클래스</a:t>
-            </a:r>
-            <a:r>
-              <a:rPr lang="en-US" altLang="ko-KR" dirty="0"/>
-              <a:t>)</a:t>
-            </a:r>
-            <a:r>
-              <a:rPr lang="ko-KR" altLang="en-US" dirty="0"/>
-              <a:t>로 만드는 것이 간편하다</a:t>
-            </a:r>
-          </a:p>
-        </p:txBody>
-      </p:sp>
-      <p:sp>
-        <p:nvSpPr>
-          <p:cNvPr id="4" name="TextBox 3">
-            <a:extLst>
-              <a:ext uri="{FF2B5EF4-FFF2-40B4-BE49-F238E27FC236}">
-                <a16:creationId xmlns:a16="http://schemas.microsoft.com/office/drawing/2014/main" id="{0E79C07A-AF52-476A-B2D7-5256BA119B00}"/>
+              <a:t>객체지향적인</a:t>
+            </a:r>
+            <a:r>
+              <a:rPr lang="ko-KR" altLang="en-US" dirty="0"/>
+              <a:t> 코드는 다른 오브젝트의 데이터를 가져와서 작업하는 대신 데이터를 갖고 있는 다른 오브젝트에게 작업을 해달라고 요청함</a:t>
+            </a:r>
+            <a:endParaRPr lang="en-US" altLang="ko-KR" dirty="0"/>
+          </a:p>
+          <a:p>
+            <a:endParaRPr lang="en-US" altLang="ko-KR" dirty="0"/>
+          </a:p>
+          <a:p>
+            <a:r>
+              <a:rPr lang="en-US" altLang="ko-KR" dirty="0"/>
+              <a:t>-&gt; </a:t>
+            </a:r>
+            <a:r>
+              <a:rPr lang="ko-KR" altLang="en-US" dirty="0"/>
+              <a:t>오브젝트에게 데이터를 요구하지 말고 작업을 요청하라는 것이 객체지향 프로그래밍의 가장 기본이 되는 원리</a:t>
+            </a:r>
+            <a:endParaRPr lang="en-US" altLang="ko-KR" dirty="0"/>
+          </a:p>
+        </p:txBody>
+      </p:sp>
+      <p:sp>
+        <p:nvSpPr>
+          <p:cNvPr id="3" name="TextBox 2">
+            <a:extLst>
+              <a:ext uri="{FF2B5EF4-FFF2-40B4-BE49-F238E27FC236}">
+                <a16:creationId xmlns:a16="http://schemas.microsoft.com/office/drawing/2014/main" id="{A6207E34-59F0-42AB-BF44-01770C7D2947}"/>
               </a:ext>
             </a:extLst>
           </p:cNvPr>
@@ -3767,8 +3502,8 @@
         </p:nvSpPr>
         <p:spPr>
           <a:xfrm>
-            <a:off x="1927412" y="2223247"/>
-            <a:ext cx="8830235" cy="369332"/>
+            <a:off x="1981200" y="3558988"/>
+            <a:ext cx="9144000" cy="646331"/>
           </a:xfrm>
           <a:prstGeom prst="rect">
             <a:avLst/>
@@ -3783,31 +3518,79 @@
           <a:p>
             <a:r>
               <a:rPr lang="ko-KR" altLang="en-US" dirty="0"/>
-              <a:t>메소드 접근권한을 </a:t>
-            </a:r>
-            <a:r>
-              <a:rPr lang="en-US" altLang="ko-KR" dirty="0"/>
-              <a:t>protected</a:t>
-            </a:r>
-            <a:r>
-              <a:rPr lang="ko-KR" altLang="en-US" dirty="0"/>
-              <a:t>로 수정해서 상속을 통해 </a:t>
-            </a:r>
-            <a:r>
-              <a:rPr lang="ko-KR" altLang="en-US" dirty="0" err="1"/>
-              <a:t>오버라이딩이</a:t>
-            </a:r>
-            <a:r>
-              <a:rPr lang="ko-KR" altLang="en-US" dirty="0"/>
-              <a:t> 가능하도록 함</a:t>
-            </a:r>
+              <a:t>항상 코드를 더 깔끔하고 유연하면서 변화에 대응하기 쉽고 테스트하기 좋게 만들려고 노력해야 함</a:t>
+            </a:r>
+          </a:p>
+        </p:txBody>
+      </p:sp>
+      <p:sp>
+        <p:nvSpPr>
+          <p:cNvPr id="4" name="TextBox 3">
+            <a:extLst>
+              <a:ext uri="{FF2B5EF4-FFF2-40B4-BE49-F238E27FC236}">
+                <a16:creationId xmlns:a16="http://schemas.microsoft.com/office/drawing/2014/main" id="{3F0673C8-DC2C-4BE3-AD60-91322A872B4F}"/>
+              </a:ext>
+            </a:extLst>
+          </p:cNvPr>
+          <p:cNvSpPr txBox="1"/>
+          <p:nvPr/>
+        </p:nvSpPr>
+        <p:spPr>
+          <a:xfrm>
+            <a:off x="1981200" y="4742329"/>
+            <a:ext cx="7109012" cy="923330"/>
+          </a:xfrm>
+          <a:prstGeom prst="rect">
+            <a:avLst/>
+          </a:prstGeom>
+          <a:noFill/>
+        </p:spPr>
+        <p:txBody>
+          <a:bodyPr wrap="square" rtlCol="0">
+            <a:spAutoFit/>
+          </a:bodyPr>
+          <a:lstStyle/>
+          <a:p>
+            <a:r>
+              <a:rPr lang="ko-KR" altLang="en-US" dirty="0"/>
+              <a:t>한 가지 변경 이유가 발생했을 때 여러 군데를 고치게 만든다면 중복 </a:t>
+            </a:r>
+            <a:r>
+              <a:rPr lang="en-US" altLang="ko-KR" dirty="0"/>
+              <a:t>-&gt; </a:t>
+            </a:r>
+            <a:r>
+              <a:rPr lang="ko-KR" altLang="en-US" dirty="0"/>
+              <a:t>상수 값도 마찬가지 므로 정수형 상수로 변경해줌</a:t>
+            </a:r>
+            <a:r>
+              <a:rPr lang="en-US" altLang="ko-KR" dirty="0"/>
+              <a:t>(static</a:t>
+            </a:r>
+            <a:r>
+              <a:rPr lang="ko-KR" altLang="en-US" dirty="0"/>
+              <a:t> </a:t>
+            </a:r>
+            <a:r>
+              <a:rPr lang="en-US" altLang="ko-KR" dirty="0"/>
+              <a:t>final</a:t>
+            </a:r>
+            <a:r>
+              <a:rPr lang="ko-KR" altLang="en-US" dirty="0"/>
+              <a:t> </a:t>
+            </a:r>
+            <a:r>
+              <a:rPr lang="en-US" altLang="ko-KR" dirty="0"/>
+              <a:t>int)</a:t>
+            </a:r>
+            <a:endParaRPr lang="ko-KR" altLang="en-US" dirty="0"/>
           </a:p>
         </p:txBody>
       </p:sp>
     </p:spTree>
     <p:extLst>
       <p:ext uri="{BB962C8B-B14F-4D97-AF65-F5344CB8AC3E}">
-        <p14:creationId xmlns:p14="http://schemas.microsoft.com/office/powerpoint/2010/main" val="1311660853"/>
+        <p14:creationId xmlns:p14="http://schemas.microsoft.com/office/powerpoint/2010/main" val="2731962042"/>
       </p:ext>
     </p:extLst>
   </p:cSld>
@@ -3839,7 +3622,7 @@
           <p:cNvPr id="2" name="TextBox 1">
             <a:extLst>
               <a:ext uri="{FF2B5EF4-FFF2-40B4-BE49-F238E27FC236}">
-                <a16:creationId xmlns:a16="http://schemas.microsoft.com/office/drawing/2014/main" id="{EAC41670-56AF-4EFF-950A-778B4F9FE3B6}"/>
+                <a16:creationId xmlns:a16="http://schemas.microsoft.com/office/drawing/2014/main" id="{EBDA40A3-7ED0-4F52-931F-7E8101A17D3D}"/>
               </a:ext>
             </a:extLst>
           </p:cNvPr>
@@ -3848,8 +3631,8 @@
         </p:nvSpPr>
         <p:spPr>
           <a:xfrm>
-            <a:off x="2277035" y="1344706"/>
-            <a:ext cx="5459506" cy="369332"/>
+            <a:off x="1837765" y="914400"/>
+            <a:ext cx="8077200" cy="923330"/>
           </a:xfrm>
           <a:prstGeom prst="rect">
             <a:avLst/>
@@ -3864,38 +3647,41 @@
           <a:p>
             <a:r>
               <a:rPr lang="ko-KR" altLang="en-US" dirty="0"/>
-              <a:t>트랜잭션</a:t>
-            </a:r>
-            <a:r>
-              <a:rPr lang="en-US" altLang="ko-KR" dirty="0"/>
-              <a:t>: </a:t>
-            </a:r>
-            <a:r>
-              <a:rPr lang="ko-KR" altLang="en-US" dirty="0"/>
-              <a:t>더 이상 나눌 수 없는 단위 작업</a:t>
+              <a:t>테스트에서만 사용할 클래스라면 번거롭게 파일을 따로 만들지 말고 테스트 클래스 내부에 </a:t>
+            </a:r>
+            <a:r>
+              <a:rPr lang="ko-KR" altLang="en-US" dirty="0" err="1"/>
+              <a:t>스태틱</a:t>
+            </a:r>
+            <a:r>
+              <a:rPr lang="ko-KR" altLang="en-US" dirty="0"/>
+              <a:t> 클래스</a:t>
             </a:r>
             <a:r>
               <a:rPr lang="en-US" altLang="ko-KR" dirty="0"/>
               <a:t>(</a:t>
             </a:r>
             <a:r>
-              <a:rPr lang="ko-KR" altLang="en-US" dirty="0" err="1"/>
-              <a:t>원자성</a:t>
+              <a:rPr lang="ko-KR" altLang="en-US" dirty="0"/>
+              <a:t>상속 받은 서브 클래스</a:t>
             </a:r>
             <a:r>
               <a:rPr lang="en-US" altLang="ko-KR" dirty="0"/>
               <a:t>)</a:t>
             </a:r>
-            <a:endParaRPr lang="ko-KR" altLang="en-US" dirty="0"/>
-          </a:p>
-        </p:txBody>
-      </p:sp>
-      <p:sp>
-        <p:nvSpPr>
-          <p:cNvPr id="3" name="TextBox 2">
-            <a:extLst>
-              <a:ext uri="{FF2B5EF4-FFF2-40B4-BE49-F238E27FC236}">
-                <a16:creationId xmlns:a16="http://schemas.microsoft.com/office/drawing/2014/main" id="{C4519848-2662-43B3-A803-06DE67F60C72}"/>
+            <a:r>
+              <a:rPr lang="ko-KR" altLang="en-US" dirty="0"/>
+              <a:t>로 만드는 것이 간편하다</a:t>
+            </a:r>
+          </a:p>
+        </p:txBody>
+      </p:sp>
+      <p:sp>
+        <p:nvSpPr>
+          <p:cNvPr id="4" name="TextBox 3">
+            <a:extLst>
+              <a:ext uri="{FF2B5EF4-FFF2-40B4-BE49-F238E27FC236}">
+                <a16:creationId xmlns:a16="http://schemas.microsoft.com/office/drawing/2014/main" id="{0E79C07A-AF52-476A-B2D7-5256BA119B00}"/>
               </a:ext>
             </a:extLst>
           </p:cNvPr>
@@ -3904,8 +3690,8 @@
         </p:nvSpPr>
         <p:spPr>
           <a:xfrm>
-            <a:off x="2133600" y="2250141"/>
-            <a:ext cx="2904565" cy="1200329"/>
+            <a:off x="1927412" y="2223247"/>
+            <a:ext cx="8830235" cy="369332"/>
           </a:xfrm>
           <a:prstGeom prst="rect">
             <a:avLst/>
@@ -3920,101 +3706,23 @@
           <a:p>
             <a:r>
               <a:rPr lang="ko-KR" altLang="en-US" dirty="0"/>
-              <a:t>더 이상 쪼갤 수 없는 작업 </a:t>
-            </a:r>
-            <a:r>
-              <a:rPr lang="en-US" altLang="ko-KR" dirty="0"/>
-              <a:t>-&gt; </a:t>
-            </a:r>
-            <a:r>
-              <a:rPr lang="ko-KR" altLang="en-US" dirty="0"/>
-              <a:t>전체가 다 성공하든지 아니면 전체가 다 실패하든지</a:t>
-            </a:r>
-          </a:p>
-        </p:txBody>
-      </p:sp>
-      <p:sp>
-        <p:nvSpPr>
-          <p:cNvPr id="4" name="TextBox 3">
-            <a:extLst>
-              <a:ext uri="{FF2B5EF4-FFF2-40B4-BE49-F238E27FC236}">
-                <a16:creationId xmlns:a16="http://schemas.microsoft.com/office/drawing/2014/main" id="{675D0591-46C4-4300-A89F-C5806108616E}"/>
-              </a:ext>
-            </a:extLst>
-          </p:cNvPr>
-          <p:cNvSpPr txBox="1"/>
-          <p:nvPr/>
-        </p:nvSpPr>
-        <p:spPr>
-          <a:xfrm>
-            <a:off x="2133600" y="3666565"/>
-            <a:ext cx="7377953" cy="646331"/>
-          </a:xfrm>
-          <a:prstGeom prst="rect">
-            <a:avLst/>
-          </a:prstGeom>
-          <a:noFill/>
-        </p:spPr>
-        <p:txBody>
-          <a:bodyPr wrap="square" rtlCol="0">
-            <a:spAutoFit/>
-          </a:bodyPr>
-          <a:lstStyle/>
-          <a:p>
-            <a:r>
-              <a:rPr lang="ko-KR" altLang="en-US"/>
-              <a:t>중간에 예외가 발생해서 작업을 완료할 수 없다면 아예 작업이 시작되지 않은 것처럼 초기 상태로 돌려놔야 함</a:t>
-            </a:r>
-          </a:p>
-        </p:txBody>
-      </p:sp>
-      <p:sp>
-        <p:nvSpPr>
-          <p:cNvPr id="5" name="TextBox 4">
-            <a:extLst>
-              <a:ext uri="{FF2B5EF4-FFF2-40B4-BE49-F238E27FC236}">
-                <a16:creationId xmlns:a16="http://schemas.microsoft.com/office/drawing/2014/main" id="{98250F6A-02CE-4BE1-86DC-4445CF40FBB1}"/>
-              </a:ext>
-            </a:extLst>
-          </p:cNvPr>
-          <p:cNvSpPr txBox="1"/>
-          <p:nvPr/>
-        </p:nvSpPr>
-        <p:spPr>
-          <a:xfrm>
-            <a:off x="2026022" y="4528991"/>
-            <a:ext cx="8373035" cy="646331"/>
-          </a:xfrm>
-          <a:prstGeom prst="rect">
-            <a:avLst/>
-          </a:prstGeom>
-          <a:noFill/>
-        </p:spPr>
-        <p:txBody>
-          <a:bodyPr wrap="square" rtlCol="0">
-            <a:spAutoFit/>
-          </a:bodyPr>
-          <a:lstStyle/>
-          <a:p>
-            <a:r>
-              <a:rPr lang="ko-KR" altLang="en-US" dirty="0"/>
-              <a:t>은행 시스템 계좌 작업은 입금계좌 잔고 수정과 출금계좌 잔고 수정이 동시에 </a:t>
-            </a:r>
-            <a:r>
-              <a:rPr lang="en-US" altLang="ko-KR" dirty="0"/>
-              <a:t>(</a:t>
-            </a:r>
-            <a:r>
-              <a:rPr lang="ko-KR" altLang="en-US" dirty="0"/>
-              <a:t>한 트랜잭션으로 묶여서</a:t>
-            </a:r>
-            <a:r>
-              <a:rPr lang="en-US" altLang="ko-KR" dirty="0"/>
-              <a:t>) </a:t>
-            </a:r>
-            <a:r>
-              <a:rPr lang="ko-KR" altLang="en-US" dirty="0"/>
-              <a:t>진행 되야 함</a:t>
+              <a:t>메소드 접근권한을 </a:t>
+            </a:r>
+            <a:r>
+              <a:rPr lang="en-US" altLang="ko-KR" dirty="0"/>
+              <a:t>protected</a:t>
+            </a:r>
+            <a:r>
+              <a:rPr lang="ko-KR" altLang="en-US" dirty="0"/>
+              <a:t>로 수정해서 상속을 통해 </a:t>
+            </a:r>
+            <a:r>
+              <a:rPr lang="ko-KR" altLang="en-US" dirty="0" err="1"/>
+              <a:t>오버라이딩이</a:t>
+            </a:r>
+            <a:r>
+              <a:rPr lang="ko-KR" altLang="en-US" dirty="0"/>
+              <a:t> 가능하도록 함</a:t>
             </a:r>
           </a:p>
         </p:txBody>
@@ -4022,7 +3730,7 @@
     </p:spTree>
     <p:extLst>
       <p:ext uri="{BB962C8B-B14F-4D97-AF65-F5344CB8AC3E}">
-        <p14:creationId xmlns:p14="http://schemas.microsoft.com/office/powerpoint/2010/main" val="358538052"/>
+        <p14:creationId xmlns:p14="http://schemas.microsoft.com/office/powerpoint/2010/main" val="1311660853"/>
       </p:ext>
     </p:extLst>
   </p:cSld>
@@ -4054,7 +3762,7 @@
           <p:cNvPr id="2" name="TextBox 1">
             <a:extLst>
               <a:ext uri="{FF2B5EF4-FFF2-40B4-BE49-F238E27FC236}">
-                <a16:creationId xmlns:a16="http://schemas.microsoft.com/office/drawing/2014/main" id="{4E7BDE06-9738-456A-AB76-44D7C93D0164}"/>
+                <a16:creationId xmlns:a16="http://schemas.microsoft.com/office/drawing/2014/main" id="{EAC41670-56AF-4EFF-950A-778B4F9FE3B6}"/>
               </a:ext>
             </a:extLst>
           </p:cNvPr>
@@ -4063,8 +3771,8 @@
         </p:nvSpPr>
         <p:spPr>
           <a:xfrm>
-            <a:off x="1532965" y="693911"/>
-            <a:ext cx="5351929" cy="1200329"/>
+            <a:off x="2277035" y="1344706"/>
+            <a:ext cx="5459506" cy="369332"/>
           </a:xfrm>
           <a:prstGeom prst="rect">
             <a:avLst/>
@@ -4079,36 +3787,29 @@
           <a:p>
             <a:r>
               <a:rPr lang="ko-KR" altLang="en-US" dirty="0"/>
-              <a:t>첫번째 작업이 성공적으로 실행 </a:t>
+              <a:t>트랜잭션</a:t>
+            </a:r>
+            <a:r>
+              <a:rPr lang="en-US" altLang="ko-KR" dirty="0"/>
+              <a:t>: </a:t>
+            </a:r>
+            <a:r>
+              <a:rPr lang="ko-KR" altLang="en-US" dirty="0"/>
+              <a:t>더 이상 나눌 수 없는 단위 작업</a:t>
+            </a:r>
+            <a:r>
+              <a:rPr lang="en-US" altLang="ko-KR" dirty="0"/>
+              <a:t>(</a:t>
             </a:r>
             <a:r>
               <a:rPr lang="ko-KR" altLang="en-US" dirty="0" err="1"/>
-              <a:t>됬지만</a:t>
-            </a:r>
-            <a:r>
-              <a:rPr lang="en-US" altLang="ko-KR" dirty="0"/>
-              <a:t>, </a:t>
-            </a:r>
-            <a:r>
-              <a:rPr lang="ko-KR" altLang="en-US" dirty="0"/>
-              <a:t>두번째 작업이 성공하기 전에 예외가 발생됐다면 앞에서 처리한 작업도 취소 </a:t>
-            </a:r>
-            <a:r>
-              <a:rPr lang="ko-KR" altLang="en-US" dirty="0" err="1"/>
-              <a:t>시켜야함</a:t>
-            </a:r>
-            <a:endParaRPr lang="en-US" altLang="ko-KR" dirty="0"/>
-          </a:p>
-          <a:p>
-            <a:r>
-              <a:rPr lang="en-US" altLang="ko-KR" dirty="0"/>
-              <a:t>-&gt;</a:t>
-            </a:r>
-            <a:r>
-              <a:rPr lang="ko-KR" altLang="en-US" dirty="0"/>
-              <a:t> 이런 취소 작업을 트랜잭션 롤백이라고 한다</a:t>
-            </a:r>
-            <a:endParaRPr lang="en-US" altLang="ko-KR" dirty="0"/>
+              <a:t>원자성</a:t>
+            </a:r>
+            <a:r>
+              <a:rPr lang="en-US" altLang="ko-KR" dirty="0"/>
+              <a:t>)</a:t>
+            </a:r>
+            <a:endParaRPr lang="ko-KR" altLang="en-US" dirty="0"/>
           </a:p>
         </p:txBody>
       </p:sp>
@@ -4117,7 +3818,7 @@
           <p:cNvPr id="3" name="TextBox 2">
             <a:extLst>
               <a:ext uri="{FF2B5EF4-FFF2-40B4-BE49-F238E27FC236}">
-                <a16:creationId xmlns:a16="http://schemas.microsoft.com/office/drawing/2014/main" id="{964EF708-1FF6-4CA3-B2F2-508ADB3FDBED}"/>
+                <a16:creationId xmlns:a16="http://schemas.microsoft.com/office/drawing/2014/main" id="{C4519848-2662-43B3-A803-06DE67F60C72}"/>
               </a:ext>
             </a:extLst>
           </p:cNvPr>
@@ -4126,8 +3827,8 @@
         </p:nvSpPr>
         <p:spPr>
           <a:xfrm>
-            <a:off x="1515035" y="2788024"/>
-            <a:ext cx="4706471" cy="1200329"/>
+            <a:off x="2133600" y="2250141"/>
+            <a:ext cx="2904565" cy="1200329"/>
           </a:xfrm>
           <a:prstGeom prst="rect">
             <a:avLst/>
@@ -4142,38 +3843,15 @@
           <a:p>
             <a:r>
               <a:rPr lang="ko-KR" altLang="en-US" dirty="0"/>
-              <a:t>여러 개의 작업이 하나의 트랜잭션으로 처리하는 경우에 모든 수행 작업이 다 성공적으로 마무리 </a:t>
-            </a:r>
-            <a:r>
-              <a:rPr lang="ko-KR" altLang="en-US" dirty="0" err="1"/>
-              <a:t>됐음을</a:t>
-            </a:r>
-            <a:r>
-              <a:rPr lang="ko-KR" altLang="en-US" dirty="0"/>
-              <a:t> </a:t>
-            </a:r>
-            <a:r>
-              <a:rPr lang="ko-KR" altLang="en-US" dirty="0" err="1"/>
-              <a:t>확정시켜야함</a:t>
-            </a:r>
-            <a:endParaRPr lang="en-US" altLang="ko-KR" dirty="0"/>
-          </a:p>
-          <a:p>
+              <a:t>더 이상 쪼갤 수 없는 작업 </a:t>
+            </a:r>
             <a:r>
               <a:rPr lang="en-US" altLang="ko-KR" dirty="0"/>
               <a:t>-&gt; </a:t>
             </a:r>
             <a:r>
               <a:rPr lang="ko-KR" altLang="en-US" dirty="0"/>
-              <a:t>이것을 트랜잭션 </a:t>
-            </a:r>
-            <a:r>
-              <a:rPr lang="ko-KR" altLang="en-US" dirty="0" err="1"/>
-              <a:t>커밋</a:t>
-            </a:r>
-            <a:r>
-              <a:rPr lang="ko-KR" altLang="en-US" dirty="0"/>
-              <a:t> 이라고 함</a:t>
+              <a:t>전체가 다 성공하든지 아니면 전체가 다 실패하든지</a:t>
             </a:r>
           </a:p>
         </p:txBody>
@@ -4183,7 +3861,7 @@
           <p:cNvPr id="4" name="TextBox 3">
             <a:extLst>
               <a:ext uri="{FF2B5EF4-FFF2-40B4-BE49-F238E27FC236}">
-                <a16:creationId xmlns:a16="http://schemas.microsoft.com/office/drawing/2014/main" id="{7F327405-2111-4373-8AEF-99DF664D7652}"/>
+                <a16:creationId xmlns:a16="http://schemas.microsoft.com/office/drawing/2014/main" id="{675D0591-46C4-4300-A89F-C5806108616E}"/>
               </a:ext>
             </a:extLst>
           </p:cNvPr>
@@ -4192,8 +3870,8 @@
         </p:nvSpPr>
         <p:spPr>
           <a:xfrm>
-            <a:off x="1515035" y="4948518"/>
-            <a:ext cx="5916706" cy="646331"/>
+            <a:off x="2133600" y="3666565"/>
+            <a:ext cx="7377953" cy="646331"/>
           </a:xfrm>
           <a:prstGeom prst="rect">
             <a:avLst/>
@@ -4207,33 +3885,67 @@
           <a:lstStyle/>
           <a:p>
             <a:r>
-              <a:rPr lang="ko-KR" altLang="en-US" dirty="0"/>
-              <a:t>모든 작업을 무효화하는 롤백</a:t>
-            </a:r>
-            <a:r>
-              <a:rPr lang="en-US" altLang="ko-KR" dirty="0"/>
-              <a:t>, </a:t>
-            </a:r>
-            <a:r>
-              <a:rPr lang="ko-KR" altLang="en-US" dirty="0" err="1"/>
-              <a:t>모든작업을</a:t>
-            </a:r>
-            <a:r>
-              <a:rPr lang="ko-KR" altLang="en-US" dirty="0"/>
-              <a:t> 다 확정하는 </a:t>
-            </a:r>
-            <a:r>
-              <a:rPr lang="ko-KR" altLang="en-US" dirty="0" err="1"/>
-              <a:t>커밋</a:t>
-            </a:r>
-            <a:endParaRPr lang="ko-KR" altLang="en-US" dirty="0"/>
+              <a:rPr lang="ko-KR" altLang="en-US"/>
+              <a:t>중간에 예외가 발생해서 작업을 완료할 수 없다면 아예 작업이 시작되지 않은 것처럼 초기 상태로 돌려놔야 함</a:t>
+            </a:r>
+          </a:p>
+        </p:txBody>
+      </p:sp>
+      <p:sp>
+        <p:nvSpPr>
+          <p:cNvPr id="5" name="TextBox 4">
+            <a:extLst>
+              <a:ext uri="{FF2B5EF4-FFF2-40B4-BE49-F238E27FC236}">
+                <a16:creationId xmlns:a16="http://schemas.microsoft.com/office/drawing/2014/main" id="{98250F6A-02CE-4BE1-86DC-4445CF40FBB1}"/>
+              </a:ext>
+            </a:extLst>
+          </p:cNvPr>
+          <p:cNvSpPr txBox="1"/>
+          <p:nvPr/>
+        </p:nvSpPr>
+        <p:spPr>
+          <a:xfrm>
+            <a:off x="2026022" y="4528991"/>
+            <a:ext cx="8373035" cy="646331"/>
+          </a:xfrm>
+          <a:prstGeom prst="rect">
+            <a:avLst/>
+          </a:prstGeom>
+          <a:noFill/>
+        </p:spPr>
+        <p:txBody>
+          <a:bodyPr wrap="square" rtlCol="0">
+            <a:spAutoFit/>
+          </a:bodyPr>
+          <a:lstStyle/>
+          <a:p>
+            <a:r>
+              <a:rPr lang="ko-KR" altLang="en-US" dirty="0"/>
+              <a:t>은행 시스템 계좌 작업은 입금계좌 잔고 수정과 출금계좌 잔고 수정이 동시에 </a:t>
+            </a:r>
+            <a:r>
+              <a:rPr lang="en-US" altLang="ko-KR" dirty="0"/>
+              <a:t>(</a:t>
+            </a:r>
+            <a:r>
+              <a:rPr lang="ko-KR" altLang="en-US" dirty="0"/>
+              <a:t>한 트랜잭션으로 묶여서</a:t>
+            </a:r>
+            <a:r>
+              <a:rPr lang="en-US" altLang="ko-KR" dirty="0"/>
+              <a:t>) </a:t>
+            </a:r>
+            <a:r>
+              <a:rPr lang="ko-KR" altLang="en-US" dirty="0"/>
+              <a:t>진행 되야 함</a:t>
+            </a:r>
           </a:p>
         </p:txBody>
       </p:sp>
     </p:spTree>
     <p:extLst>
       <p:ext uri="{BB962C8B-B14F-4D97-AF65-F5344CB8AC3E}">
-        <p14:creationId xmlns:p14="http://schemas.microsoft.com/office/powerpoint/2010/main" val="4286507446"/>
+        <p14:creationId xmlns:p14="http://schemas.microsoft.com/office/powerpoint/2010/main" val="358538052"/>
       </p:ext>
     </p:extLst>
   </p:cSld>
@@ -4265,7 +3977,7 @@
           <p:cNvPr id="2" name="TextBox 1">
             <a:extLst>
               <a:ext uri="{FF2B5EF4-FFF2-40B4-BE49-F238E27FC236}">
-                <a16:creationId xmlns:a16="http://schemas.microsoft.com/office/drawing/2014/main" id="{E7E0D974-BFFF-4329-8700-D11B5D320EFB}"/>
+                <a16:creationId xmlns:a16="http://schemas.microsoft.com/office/drawing/2014/main" id="{4E7BDE06-9738-456A-AB76-44D7C93D0164}"/>
               </a:ext>
             </a:extLst>
           </p:cNvPr>
@@ -4274,8 +3986,8 @@
         </p:nvSpPr>
         <p:spPr>
           <a:xfrm>
-            <a:off x="914400" y="762000"/>
-            <a:ext cx="5450541" cy="646331"/>
+            <a:off x="1532965" y="693911"/>
+            <a:ext cx="5351929" cy="1200329"/>
           </a:xfrm>
           <a:prstGeom prst="rect">
             <a:avLst/>
@@ -4290,16 +4002,36 @@
           <a:p>
             <a:r>
               <a:rPr lang="ko-KR" altLang="en-US" dirty="0"/>
-              <a:t>트랜잭션 경계설정</a:t>
-            </a:r>
-            <a:r>
-              <a:rPr lang="en-US" altLang="ko-KR" dirty="0"/>
-              <a:t>: </a:t>
-            </a:r>
-            <a:r>
-              <a:rPr lang="ko-KR" altLang="en-US" dirty="0"/>
-              <a:t>트랜잭션이 시작하는 곳과 끝나는 곳을 지정하는 것</a:t>
-            </a:r>
+              <a:t>첫번째 작업이 성공적으로 실행 </a:t>
+            </a:r>
+            <a:r>
+              <a:rPr lang="ko-KR" altLang="en-US" dirty="0" err="1"/>
+              <a:t>됬지만</a:t>
+            </a:r>
+            <a:r>
+              <a:rPr lang="en-US" altLang="ko-KR" dirty="0"/>
+              <a:t>, </a:t>
+            </a:r>
+            <a:r>
+              <a:rPr lang="ko-KR" altLang="en-US" dirty="0"/>
+              <a:t>두번째 작업이 성공하기 전에 예외가 발생됐다면 앞에서 처리한 작업도 취소 </a:t>
+            </a:r>
+            <a:r>
+              <a:rPr lang="ko-KR" altLang="en-US" dirty="0" err="1"/>
+              <a:t>시켜야함</a:t>
+            </a:r>
+            <a:endParaRPr lang="en-US" altLang="ko-KR" dirty="0"/>
+          </a:p>
+          <a:p>
+            <a:r>
+              <a:rPr lang="en-US" altLang="ko-KR" dirty="0"/>
+              <a:t>-&gt;</a:t>
+            </a:r>
+            <a:r>
+              <a:rPr lang="ko-KR" altLang="en-US" dirty="0"/>
+              <a:t> 이런 취소 작업을 트랜잭션 롤백이라고 한다</a:t>
+            </a:r>
+            <a:endParaRPr lang="en-US" altLang="ko-KR" dirty="0"/>
           </a:p>
         </p:txBody>
       </p:sp>
@@ -4308,7 +4040,7 @@
           <p:cNvPr id="3" name="TextBox 2">
             <a:extLst>
               <a:ext uri="{FF2B5EF4-FFF2-40B4-BE49-F238E27FC236}">
-                <a16:creationId xmlns:a16="http://schemas.microsoft.com/office/drawing/2014/main" id="{923A61F7-E223-4917-BCFF-09C190F56C2E}"/>
+                <a16:creationId xmlns:a16="http://schemas.microsoft.com/office/drawing/2014/main" id="{964EF708-1FF6-4CA3-B2F2-508ADB3FDBED}"/>
               </a:ext>
             </a:extLst>
           </p:cNvPr>
@@ -4317,8 +4049,8 @@
         </p:nvSpPr>
         <p:spPr>
           <a:xfrm>
-            <a:off x="914400" y="1532965"/>
-            <a:ext cx="7368988" cy="646331"/>
+            <a:off x="1515035" y="2788024"/>
+            <a:ext cx="4706471" cy="1200329"/>
           </a:xfrm>
           <a:prstGeom prst="rect">
             <a:avLst/>
@@ -4332,36 +4064,39 @@
           <a:lstStyle/>
           <a:p>
             <a:r>
+              <a:rPr lang="ko-KR" altLang="en-US" dirty="0"/>
+              <a:t>여러 개의 작업이 하나의 트랜잭션으로 처리하는 경우에 모든 수행 작업이 다 성공적으로 마무리 </a:t>
+            </a:r>
+            <a:r>
+              <a:rPr lang="ko-KR" altLang="en-US" dirty="0" err="1"/>
+              <a:t>됐음을</a:t>
+            </a:r>
+            <a:r>
+              <a:rPr lang="ko-KR" altLang="en-US" dirty="0"/>
+              <a:t> </a:t>
+            </a:r>
+            <a:r>
+              <a:rPr lang="ko-KR" altLang="en-US" dirty="0" err="1"/>
+              <a:t>확정시켜야함</a:t>
+            </a:r>
+            <a:endParaRPr lang="en-US" altLang="ko-KR" dirty="0"/>
+          </a:p>
+          <a:p>
+            <a:r>
               <a:rPr lang="en-US" altLang="ko-KR" dirty="0"/>
               <a:t>-&gt; </a:t>
             </a:r>
             <a:r>
-              <a:rPr lang="en-US" altLang="ko-KR" dirty="0" err="1"/>
-              <a:t>setAutoCommit</a:t>
-            </a:r>
-            <a:r>
-              <a:rPr lang="en-US" altLang="ko-KR" dirty="0"/>
-              <a:t>(false)</a:t>
-            </a:r>
-            <a:r>
-              <a:rPr lang="ko-KR" altLang="en-US" dirty="0"/>
-              <a:t>로 트랜잭션 시작을 선언하고 </a:t>
-            </a:r>
-            <a:r>
-              <a:rPr lang="en-US" altLang="ko-KR" dirty="0"/>
-              <a:t>commit() </a:t>
-            </a:r>
-            <a:r>
-              <a:rPr lang="ko-KR" altLang="en-US" dirty="0"/>
-              <a:t>또는 </a:t>
-            </a:r>
-            <a:r>
-              <a:rPr lang="en-US" altLang="ko-KR" dirty="0"/>
-              <a:t>rollback()</a:t>
-            </a:r>
-            <a:r>
-              <a:rPr lang="ko-KR" altLang="en-US" dirty="0"/>
-              <a:t>으로 트랜잭션을 종료하는 작업</a:t>
+              <a:rPr lang="ko-KR" altLang="en-US" dirty="0"/>
+              <a:t>이것을 트랜잭션 </a:t>
+            </a:r>
+            <a:r>
+              <a:rPr lang="ko-KR" altLang="en-US" dirty="0" err="1"/>
+              <a:t>커밋</a:t>
+            </a:r>
+            <a:r>
+              <a:rPr lang="ko-KR" altLang="en-US" dirty="0"/>
+              <a:t> 이라고 함</a:t>
             </a:r>
           </a:p>
         </p:txBody>
@@ -4371,7 +4106,7 @@
           <p:cNvPr id="4" name="TextBox 3">
             <a:extLst>
               <a:ext uri="{FF2B5EF4-FFF2-40B4-BE49-F238E27FC236}">
-                <a16:creationId xmlns:a16="http://schemas.microsoft.com/office/drawing/2014/main" id="{F9B21DDD-B2FB-48CB-AB85-359F599591BF}"/>
+                <a16:creationId xmlns:a16="http://schemas.microsoft.com/office/drawing/2014/main" id="{7F327405-2111-4373-8AEF-99DF664D7652}"/>
               </a:ext>
             </a:extLst>
           </p:cNvPr>
@@ -4380,8 +4115,8 @@
         </p:nvSpPr>
         <p:spPr>
           <a:xfrm>
-            <a:off x="1102659" y="2770094"/>
-            <a:ext cx="9861176" cy="369332"/>
+            <a:off x="1515035" y="4948518"/>
+            <a:ext cx="5916706" cy="646331"/>
           </a:xfrm>
           <a:prstGeom prst="rect">
             <a:avLst/>
@@ -4396,141 +4131,23 @@
           <a:p>
             <a:r>
               <a:rPr lang="ko-KR" altLang="en-US" dirty="0"/>
-              <a:t>트랜잭션의 경계는 하나의 </a:t>
-            </a:r>
-            <a:r>
-              <a:rPr lang="en-US" altLang="ko-KR" dirty="0"/>
-              <a:t>Connection</a:t>
-            </a:r>
-            <a:r>
-              <a:rPr lang="ko-KR" altLang="en-US" dirty="0"/>
-              <a:t>이 만들어지고 닫히는 범위 안에 존재</a:t>
-            </a:r>
-          </a:p>
-        </p:txBody>
-      </p:sp>
-      <p:sp>
-        <p:nvSpPr>
-          <p:cNvPr id="5" name="TextBox 4">
-            <a:extLst>
-              <a:ext uri="{FF2B5EF4-FFF2-40B4-BE49-F238E27FC236}">
-                <a16:creationId xmlns:a16="http://schemas.microsoft.com/office/drawing/2014/main" id="{74D63B99-4E64-45F4-BA47-A62C2578124D}"/>
-              </a:ext>
-            </a:extLst>
-          </p:cNvPr>
-          <p:cNvSpPr txBox="1"/>
-          <p:nvPr/>
-        </p:nvSpPr>
-        <p:spPr>
-          <a:xfrm>
-            <a:off x="1102659" y="3429000"/>
-            <a:ext cx="8238565" cy="923330"/>
-          </a:xfrm>
-          <a:prstGeom prst="rect">
-            <a:avLst/>
-          </a:prstGeom>
-          <a:noFill/>
-        </p:spPr>
-        <p:txBody>
-          <a:bodyPr wrap="square" rtlCol="0">
-            <a:spAutoFit/>
-          </a:bodyPr>
-          <a:lstStyle/>
-          <a:p>
-            <a:r>
-              <a:rPr lang="ko-KR" altLang="en-US" dirty="0"/>
-              <a:t>데이터 액세스 코드를 </a:t>
-            </a:r>
-            <a:r>
-              <a:rPr lang="en-US" altLang="ko-KR" dirty="0"/>
-              <a:t>DAO</a:t>
-            </a:r>
-            <a:r>
-              <a:rPr lang="ko-KR" altLang="en-US" dirty="0"/>
-              <a:t>로 만들어서 </a:t>
+              <a:t>모든 작업을 무효화하는 롤백</a:t>
+            </a:r>
+            <a:r>
+              <a:rPr lang="en-US" altLang="ko-KR" dirty="0"/>
+              <a:t>, </a:t>
             </a:r>
             <a:r>
               <a:rPr lang="ko-KR" altLang="en-US" dirty="0" err="1"/>
-              <a:t>분리해놓았을</a:t>
-            </a:r>
-            <a:r>
-              <a:rPr lang="ko-KR" altLang="en-US" dirty="0"/>
-              <a:t> 경우에는 </a:t>
-            </a:r>
-            <a:r>
-              <a:rPr lang="en-US" altLang="ko-KR" dirty="0"/>
-              <a:t>DAO </a:t>
-            </a:r>
-            <a:r>
-              <a:rPr lang="ko-KR" altLang="en-US" dirty="0"/>
-              <a:t>메소드를 호출 </a:t>
+              <a:t>모든작업을</a:t>
+            </a:r>
+            <a:r>
+              <a:rPr lang="ko-KR" altLang="en-US" dirty="0"/>
+              <a:t> 다 확정하는 </a:t>
             </a:r>
             <a:r>
               <a:rPr lang="ko-KR" altLang="en-US" dirty="0" err="1"/>
-              <a:t>할때</a:t>
-            </a:r>
-            <a:r>
-              <a:rPr lang="ko-KR" altLang="en-US" dirty="0"/>
-              <a:t> 마다 하나의 새로운 트랜잭션이 만들어짐</a:t>
-            </a:r>
-            <a:r>
-              <a:rPr lang="en-US" altLang="ko-KR" dirty="0"/>
-              <a:t>(DB </a:t>
-            </a:r>
-            <a:r>
-              <a:rPr lang="ko-KR" altLang="en-US" dirty="0"/>
-              <a:t>커넥션을 매번 만들기 때문에</a:t>
-            </a:r>
-            <a:r>
-              <a:rPr lang="en-US" altLang="ko-KR" dirty="0"/>
-              <a:t>)</a:t>
-            </a:r>
-          </a:p>
-        </p:txBody>
-      </p:sp>
-      <p:sp>
-        <p:nvSpPr>
-          <p:cNvPr id="6" name="TextBox 5">
-            <a:extLst>
-              <a:ext uri="{FF2B5EF4-FFF2-40B4-BE49-F238E27FC236}">
-                <a16:creationId xmlns:a16="http://schemas.microsoft.com/office/drawing/2014/main" id="{8F7C5CE9-FC61-418B-9DC1-5F6413F8045A}"/>
-              </a:ext>
-            </a:extLst>
-          </p:cNvPr>
-          <p:cNvSpPr txBox="1"/>
-          <p:nvPr/>
-        </p:nvSpPr>
-        <p:spPr>
-          <a:xfrm>
-            <a:off x="1380564" y="5127812"/>
-            <a:ext cx="9260541" cy="646331"/>
-          </a:xfrm>
-          <a:prstGeom prst="rect">
-            <a:avLst/>
-          </a:prstGeom>
-          <a:noFill/>
-        </p:spPr>
-        <p:txBody>
-          <a:bodyPr wrap="square" rtlCol="0">
-            <a:spAutoFit/>
-          </a:bodyPr>
-          <a:lstStyle/>
-          <a:p>
-            <a:r>
-              <a:rPr lang="ko-KR" altLang="en-US" dirty="0"/>
-              <a:t>어떤 일련의 작업이 하나의 트랜잭션으로 묶이려면 그 작업이 진행되는 동안 </a:t>
-            </a:r>
-            <a:r>
-              <a:rPr lang="en-US" altLang="ko-KR" dirty="0"/>
-              <a:t>DB </a:t>
-            </a:r>
-            <a:r>
-              <a:rPr lang="ko-KR" altLang="en-US" dirty="0"/>
-              <a:t>커넥션도 하나만 </a:t>
-            </a:r>
-            <a:r>
-              <a:rPr lang="ko-KR" altLang="en-US" dirty="0" err="1"/>
-              <a:t>사용돼야함</a:t>
+              <a:t>커밋</a:t>
             </a:r>
             <a:endParaRPr lang="ko-KR" altLang="en-US" dirty="0"/>
           </a:p>
@@ -4539,7 +4156,7 @@
     </p:spTree>
     <p:extLst>
       <p:ext uri="{BB962C8B-B14F-4D97-AF65-F5344CB8AC3E}">
-        <p14:creationId xmlns:p14="http://schemas.microsoft.com/office/powerpoint/2010/main" val="2397140134"/>
+        <p14:creationId xmlns:p14="http://schemas.microsoft.com/office/powerpoint/2010/main" val="4286507446"/>
       </p:ext>
     </p:extLst>
   </p:cSld>
@@ -4568,10 +4185,10 @@
       </p:grpSpPr>
       <p:sp>
         <p:nvSpPr>
-          <p:cNvPr id="3" name="TextBox 2">
-            <a:extLst>
-              <a:ext uri="{FF2B5EF4-FFF2-40B4-BE49-F238E27FC236}">
-                <a16:creationId xmlns:a16="http://schemas.microsoft.com/office/drawing/2014/main" id="{07CC3DD4-A232-4D31-81D3-F7A01954B854}"/>
+          <p:cNvPr id="2" name="TextBox 1">
+            <a:extLst>
+              <a:ext uri="{FF2B5EF4-FFF2-40B4-BE49-F238E27FC236}">
+                <a16:creationId xmlns:a16="http://schemas.microsoft.com/office/drawing/2014/main" id="{E7E0D974-BFFF-4329-8700-D11B5D320EFB}"/>
               </a:ext>
             </a:extLst>
           </p:cNvPr>
@@ -4580,8 +4197,8 @@
         </p:nvSpPr>
         <p:spPr>
           <a:xfrm>
-            <a:off x="1604682" y="851647"/>
-            <a:ext cx="7888942" cy="923330"/>
+            <a:off x="914400" y="762000"/>
+            <a:ext cx="5450541" cy="646331"/>
           </a:xfrm>
           <a:prstGeom prst="rect">
             <a:avLst/>
@@ -4596,7 +4213,7 @@
           <a:p>
             <a:r>
               <a:rPr lang="ko-KR" altLang="en-US" dirty="0"/>
-              <a:t>트랜잭션 동기화</a:t>
+              <a:t>트랜잭션 경계설정</a:t>
             </a:r>
             <a:r>
               <a:rPr lang="en-US" altLang="ko-KR" dirty="0"/>
@@ -4604,57 +4221,17 @@
             </a:r>
             <a:r>
               <a:rPr lang="ko-KR" altLang="en-US" dirty="0"/>
-              <a:t>트랜잭션을 시작하기 위해 만든 </a:t>
-            </a:r>
-            <a:r>
-              <a:rPr lang="en-US" altLang="ko-KR" dirty="0"/>
-              <a:t>Connection </a:t>
-            </a:r>
-            <a:r>
-              <a:rPr lang="ko-KR" altLang="en-US" dirty="0"/>
-              <a:t>오브젝트를 특별한 저장소에 보관해두고</a:t>
-            </a:r>
-            <a:r>
-              <a:rPr lang="en-US" altLang="ko-KR" dirty="0"/>
-              <a:t>, </a:t>
-            </a:r>
-            <a:r>
-              <a:rPr lang="ko-KR" altLang="en-US" dirty="0"/>
-              <a:t>이후에 호출되는 </a:t>
-            </a:r>
-            <a:r>
-              <a:rPr lang="en-US" altLang="ko-KR" dirty="0"/>
-              <a:t>DAO</a:t>
-            </a:r>
-            <a:r>
-              <a:rPr lang="ko-KR" altLang="en-US" dirty="0"/>
-              <a:t>의 메소드에서 저장된 </a:t>
-            </a:r>
-            <a:r>
-              <a:rPr lang="en-US" altLang="ko-KR" dirty="0"/>
-              <a:t>Connection</a:t>
-            </a:r>
-            <a:r>
-              <a:rPr lang="ko-KR" altLang="en-US" dirty="0"/>
-              <a:t>을 </a:t>
-            </a:r>
-            <a:r>
-              <a:rPr lang="ko-KR" altLang="en-US" dirty="0" err="1"/>
-              <a:t>가져다가</a:t>
-            </a:r>
-            <a:r>
-              <a:rPr lang="ko-KR" altLang="en-US" dirty="0"/>
-              <a:t> 사용하게 하는 것</a:t>
-            </a:r>
-          </a:p>
-        </p:txBody>
-      </p:sp>
-      <p:sp>
-        <p:nvSpPr>
-          <p:cNvPr id="4" name="TextBox 3">
-            <a:extLst>
-              <a:ext uri="{FF2B5EF4-FFF2-40B4-BE49-F238E27FC236}">
-                <a16:creationId xmlns:a16="http://schemas.microsoft.com/office/drawing/2014/main" id="{B7052BEF-3E89-4118-B6AD-1FDF0A2FF7BC}"/>
+              <a:t>트랜잭션이 시작하는 곳과 끝나는 곳을 지정하는 것</a:t>
+            </a:r>
+          </a:p>
+        </p:txBody>
+      </p:sp>
+      <p:sp>
+        <p:nvSpPr>
+          <p:cNvPr id="3" name="TextBox 2">
+            <a:extLst>
+              <a:ext uri="{FF2B5EF4-FFF2-40B4-BE49-F238E27FC236}">
+                <a16:creationId xmlns:a16="http://schemas.microsoft.com/office/drawing/2014/main" id="{923A61F7-E223-4917-BCFF-09C190F56C2E}"/>
               </a:ext>
             </a:extLst>
           </p:cNvPr>
@@ -4663,8 +4240,8 @@
         </p:nvSpPr>
         <p:spPr>
           <a:xfrm>
-            <a:off x="1604682" y="2178424"/>
-            <a:ext cx="7342094" cy="2862322"/>
+            <a:off x="914400" y="1532965"/>
+            <a:ext cx="7368988" cy="646331"/>
           </a:xfrm>
           <a:prstGeom prst="rect">
             <a:avLst/>
@@ -4678,82 +4255,214 @@
           <a:lstStyle/>
           <a:p>
             <a:r>
-              <a:rPr lang="ko-KR" altLang="en-US" dirty="0"/>
-              <a:t>로컬 트랜잭션은 하나의 </a:t>
-            </a:r>
-            <a:r>
-              <a:rPr lang="en-US" altLang="ko-KR" dirty="0"/>
-              <a:t>DB Connection</a:t>
-            </a:r>
-            <a:r>
-              <a:rPr lang="ko-KR" altLang="en-US" dirty="0"/>
-              <a:t>에 종속이 된다</a:t>
-            </a:r>
-            <a:endParaRPr lang="en-US" altLang="ko-KR" dirty="0"/>
-          </a:p>
-          <a:p>
-            <a:endParaRPr lang="en-US" altLang="ko-KR" dirty="0"/>
-          </a:p>
-          <a:p>
-            <a:r>
               <a:rPr lang="en-US" altLang="ko-KR" dirty="0"/>
               <a:t>-&gt; </a:t>
             </a:r>
             <a:r>
-              <a:rPr lang="ko-KR" altLang="en-US" dirty="0"/>
-              <a:t>하나의 트랜잭션 안에서 여러 개의 </a:t>
-            </a:r>
-            <a:r>
-              <a:rPr lang="en-US" altLang="ko-KR" dirty="0"/>
-              <a:t>DB</a:t>
-            </a:r>
-            <a:r>
-              <a:rPr lang="ko-KR" altLang="en-US" dirty="0"/>
-              <a:t>에 데이터를 넣는 작업이 불가능</a:t>
-            </a:r>
-            <a:endParaRPr lang="en-US" altLang="ko-KR" dirty="0"/>
-          </a:p>
-          <a:p>
-            <a:endParaRPr lang="en-US" altLang="ko-KR" dirty="0"/>
-          </a:p>
-          <a:p>
-            <a:r>
-              <a:rPr lang="en-US" altLang="ko-KR" dirty="0"/>
-              <a:t>-&gt; </a:t>
-            </a:r>
-            <a:r>
-              <a:rPr lang="ko-KR" altLang="en-US" dirty="0"/>
-              <a:t>글로벌 트랜잭션 방식을 사용해서 해결해야함</a:t>
-            </a:r>
-            <a:endParaRPr lang="en-US" altLang="ko-KR" dirty="0"/>
-          </a:p>
-          <a:p>
-            <a:endParaRPr lang="en-US" altLang="ko-KR" dirty="0"/>
-          </a:p>
-          <a:p>
-            <a:r>
-              <a:rPr lang="en-US" altLang="ko-KR" dirty="0"/>
-              <a:t>-&gt; JTA</a:t>
-            </a:r>
-            <a:r>
-              <a:rPr lang="ko-KR" altLang="en-US" dirty="0"/>
-              <a:t>를 이용해 트랜잭션 매니저를 활용하면 여러 개의 </a:t>
-            </a:r>
-            <a:r>
-              <a:rPr lang="en-US" altLang="ko-KR" dirty="0"/>
-              <a:t>DB</a:t>
-            </a:r>
-            <a:r>
-              <a:rPr lang="ko-KR" altLang="en-US" dirty="0"/>
-              <a:t>나 메시징 서버에 대한 작업을 하나의 트랜잭션으로 통합하는 분산 트랜잭션 또는 글로벌 트랜잭션이 가능해짐</a:t>
-            </a:r>
+              <a:rPr lang="en-US" altLang="ko-KR" dirty="0" err="1"/>
+              <a:t>setAutoCommit</a:t>
+            </a:r>
+            <a:r>
+              <a:rPr lang="en-US" altLang="ko-KR" dirty="0"/>
+              <a:t>(false)</a:t>
+            </a:r>
+            <a:r>
+              <a:rPr lang="ko-KR" altLang="en-US" dirty="0"/>
+              <a:t>로 트랜잭션 시작을 선언하고 </a:t>
+            </a:r>
+            <a:r>
+              <a:rPr lang="en-US" altLang="ko-KR" dirty="0"/>
+              <a:t>commit() </a:t>
+            </a:r>
+            <a:r>
+              <a:rPr lang="ko-KR" altLang="en-US" dirty="0"/>
+              <a:t>또는 </a:t>
+            </a:r>
+            <a:r>
+              <a:rPr lang="en-US" altLang="ko-KR" dirty="0"/>
+              <a:t>rollback()</a:t>
+            </a:r>
+            <a:r>
+              <a:rPr lang="ko-KR" altLang="en-US" dirty="0"/>
+              <a:t>으로 트랜잭션을 종료하는 작업</a:t>
+            </a:r>
+          </a:p>
+        </p:txBody>
+      </p:sp>
+      <p:sp>
+        <p:nvSpPr>
+          <p:cNvPr id="4" name="TextBox 3">
+            <a:extLst>
+              <a:ext uri="{FF2B5EF4-FFF2-40B4-BE49-F238E27FC236}">
+                <a16:creationId xmlns:a16="http://schemas.microsoft.com/office/drawing/2014/main" id="{F9B21DDD-B2FB-48CB-AB85-359F599591BF}"/>
+              </a:ext>
+            </a:extLst>
+          </p:cNvPr>
+          <p:cNvSpPr txBox="1"/>
+          <p:nvPr/>
+        </p:nvSpPr>
+        <p:spPr>
+          <a:xfrm>
+            <a:off x="1102659" y="2770094"/>
+            <a:ext cx="9861176" cy="369332"/>
+          </a:xfrm>
+          <a:prstGeom prst="rect">
+            <a:avLst/>
+          </a:prstGeom>
+          <a:noFill/>
+        </p:spPr>
+        <p:txBody>
+          <a:bodyPr wrap="square" rtlCol="0">
+            <a:spAutoFit/>
+          </a:bodyPr>
+          <a:lstStyle/>
+          <a:p>
+            <a:r>
+              <a:rPr lang="ko-KR" altLang="en-US" dirty="0"/>
+              <a:t>트랜잭션의 경계는 하나의 </a:t>
+            </a:r>
+            <a:r>
+              <a:rPr lang="en-US" altLang="ko-KR" dirty="0"/>
+              <a:t>Connection</a:t>
+            </a:r>
+            <a:r>
+              <a:rPr lang="ko-KR" altLang="en-US" dirty="0"/>
+              <a:t>이 만들어지고 닫히는 범위 안에 존재</a:t>
+            </a:r>
+          </a:p>
+        </p:txBody>
+      </p:sp>
+      <p:sp>
+        <p:nvSpPr>
+          <p:cNvPr id="5" name="TextBox 4">
+            <a:extLst>
+              <a:ext uri="{FF2B5EF4-FFF2-40B4-BE49-F238E27FC236}">
+                <a16:creationId xmlns:a16="http://schemas.microsoft.com/office/drawing/2014/main" id="{74D63B99-4E64-45F4-BA47-A62C2578124D}"/>
+              </a:ext>
+            </a:extLst>
+          </p:cNvPr>
+          <p:cNvSpPr txBox="1"/>
+          <p:nvPr/>
+        </p:nvSpPr>
+        <p:spPr>
+          <a:xfrm>
+            <a:off x="1102659" y="3429000"/>
+            <a:ext cx="8238565" cy="923330"/>
+          </a:xfrm>
+          <a:prstGeom prst="rect">
+            <a:avLst/>
+          </a:prstGeom>
+          <a:noFill/>
+        </p:spPr>
+        <p:txBody>
+          <a:bodyPr wrap="square" rtlCol="0">
+            <a:spAutoFit/>
+          </a:bodyPr>
+          <a:lstStyle/>
+          <a:p>
+            <a:r>
+              <a:rPr lang="ko-KR" altLang="en-US" dirty="0"/>
+              <a:t>데이터 액세스 코드를 </a:t>
+            </a:r>
+            <a:r>
+              <a:rPr lang="en-US" altLang="ko-KR" dirty="0"/>
+              <a:t>DAO</a:t>
+            </a:r>
+            <a:r>
+              <a:rPr lang="ko-KR" altLang="en-US" dirty="0"/>
+              <a:t>로 만들어서 </a:t>
+            </a:r>
+            <a:r>
+              <a:rPr lang="ko-KR" altLang="en-US" dirty="0" err="1"/>
+              <a:t>분리해놓았을</a:t>
+            </a:r>
+            <a:r>
+              <a:rPr lang="ko-KR" altLang="en-US" dirty="0"/>
+              <a:t> 경우에는 </a:t>
+            </a:r>
+            <a:r>
+              <a:rPr lang="en-US" altLang="ko-KR" dirty="0"/>
+              <a:t>DAO </a:t>
+            </a:r>
+            <a:r>
+              <a:rPr lang="ko-KR" altLang="en-US" dirty="0"/>
+              <a:t>메소드를 호출 </a:t>
+            </a:r>
+            <a:r>
+              <a:rPr lang="ko-KR" altLang="en-US" dirty="0" err="1"/>
+              <a:t>할때</a:t>
+            </a:r>
+            <a:r>
+              <a:rPr lang="ko-KR" altLang="en-US" dirty="0"/>
+              <a:t> 마다 하나의 새로운 트랜잭션이 만들어짐</a:t>
+            </a:r>
+            <a:r>
+              <a:rPr lang="en-US" altLang="ko-KR" dirty="0"/>
+              <a:t>(DB </a:t>
+            </a:r>
+            <a:r>
+              <a:rPr lang="ko-KR" altLang="en-US" dirty="0"/>
+              <a:t>커넥션을 매번 만들기 때문에</a:t>
+            </a:r>
+            <a:r>
+              <a:rPr lang="en-US" altLang="ko-KR" dirty="0"/>
+              <a:t>)</a:t>
+            </a:r>
+          </a:p>
+        </p:txBody>
+      </p:sp>
+      <p:sp>
+        <p:nvSpPr>
+          <p:cNvPr id="6" name="TextBox 5">
+            <a:extLst>
+              <a:ext uri="{FF2B5EF4-FFF2-40B4-BE49-F238E27FC236}">
+                <a16:creationId xmlns:a16="http://schemas.microsoft.com/office/drawing/2014/main" id="{8F7C5CE9-FC61-418B-9DC1-5F6413F8045A}"/>
+              </a:ext>
+            </a:extLst>
+          </p:cNvPr>
+          <p:cNvSpPr txBox="1"/>
+          <p:nvPr/>
+        </p:nvSpPr>
+        <p:spPr>
+          <a:xfrm>
+            <a:off x="1380564" y="5127812"/>
+            <a:ext cx="9260541" cy="646331"/>
+          </a:xfrm>
+          <a:prstGeom prst="rect">
+            <a:avLst/>
+          </a:prstGeom>
+          <a:noFill/>
+        </p:spPr>
+        <p:txBody>
+          <a:bodyPr wrap="square" rtlCol="0">
+            <a:spAutoFit/>
+          </a:bodyPr>
+          <a:lstStyle/>
+          <a:p>
+            <a:r>
+              <a:rPr lang="ko-KR" altLang="en-US" dirty="0"/>
+              <a:t>어떤 일련의 작업이 하나의 트랜잭션으로 묶이려면 그 작업이 진행되는 동안 </a:t>
+            </a:r>
+            <a:r>
+              <a:rPr lang="en-US" altLang="ko-KR" dirty="0"/>
+              <a:t>DB </a:t>
+            </a:r>
+            <a:r>
+              <a:rPr lang="ko-KR" altLang="en-US" dirty="0"/>
+              <a:t>커넥션도 하나만 </a:t>
+            </a:r>
+            <a:r>
+              <a:rPr lang="ko-KR" altLang="en-US" dirty="0" err="1"/>
+              <a:t>사용돼야함</a:t>
+            </a:r>
+            <a:endParaRPr lang="ko-KR" altLang="en-US" dirty="0"/>
           </a:p>
         </p:txBody>
       </p:sp>
     </p:spTree>
     <p:extLst>
       <p:ext uri="{BB962C8B-B14F-4D97-AF65-F5344CB8AC3E}">
-        <p14:creationId xmlns:p14="http://schemas.microsoft.com/office/powerpoint/2010/main" val="1797223175"/>
+        <p14:creationId xmlns:p14="http://schemas.microsoft.com/office/powerpoint/2010/main" val="2397140134"/>
       </p:ext>
     </p:extLst>
   </p:cSld>
@@ -4782,10 +4491,10 @@
       </p:grpSpPr>
       <p:sp>
         <p:nvSpPr>
-          <p:cNvPr id="2" name="TextBox 1">
-            <a:extLst>
-              <a:ext uri="{FF2B5EF4-FFF2-40B4-BE49-F238E27FC236}">
-                <a16:creationId xmlns:a16="http://schemas.microsoft.com/office/drawing/2014/main" id="{B0751777-4968-42D0-BB0F-121AFAB5BA67}"/>
+          <p:cNvPr id="3" name="TextBox 2">
+            <a:extLst>
+              <a:ext uri="{FF2B5EF4-FFF2-40B4-BE49-F238E27FC236}">
+                <a16:creationId xmlns:a16="http://schemas.microsoft.com/office/drawing/2014/main" id="{07CC3DD4-A232-4D31-81D3-F7A01954B854}"/>
               </a:ext>
             </a:extLst>
           </p:cNvPr>
@@ -4794,8 +4503,8 @@
         </p:nvSpPr>
         <p:spPr>
           <a:xfrm>
-            <a:off x="1272988" y="833717"/>
-            <a:ext cx="6822141" cy="2031325"/>
+            <a:off x="1604682" y="851647"/>
+            <a:ext cx="7888942" cy="923330"/>
           </a:xfrm>
           <a:prstGeom prst="rect">
             <a:avLst/>
@@ -4810,44 +4519,65 @@
           <a:p>
             <a:r>
               <a:rPr lang="ko-KR" altLang="en-US" dirty="0"/>
-              <a:t>일정한 패턴을 갖는 유사한 구조는 추상화를 고려 </a:t>
-            </a:r>
-            <a:endParaRPr lang="en-US" altLang="ko-KR" dirty="0"/>
-          </a:p>
-          <a:p>
-            <a:endParaRPr lang="en-US" altLang="ko-KR" dirty="0"/>
-          </a:p>
-          <a:p>
-            <a:endParaRPr lang="en-US" altLang="ko-KR" dirty="0"/>
-          </a:p>
-          <a:p>
-            <a:r>
-              <a:rPr lang="ko-KR" altLang="en-US" dirty="0"/>
-              <a:t>추상화란 하위 시스템의 공통점을 뽑아내서 분리시키는 것</a:t>
-            </a:r>
-            <a:endParaRPr lang="en-US" altLang="ko-KR" dirty="0"/>
-          </a:p>
-          <a:p>
-            <a:endParaRPr lang="en-US" altLang="ko-KR" dirty="0"/>
-          </a:p>
-          <a:p>
-            <a:r>
-              <a:rPr lang="en-US" altLang="ko-KR" dirty="0"/>
-              <a:t>-&gt; </a:t>
-            </a:r>
-            <a:r>
-              <a:rPr lang="ko-KR" altLang="en-US" dirty="0"/>
-              <a:t>추상화를 하면 하위 시스템이 어떤 것인지 알지 못하거나 바뀌더라도 일관된 방법으로 접근 할 수 있음</a:t>
-            </a:r>
-          </a:p>
-        </p:txBody>
-      </p:sp>
-      <p:sp>
-        <p:nvSpPr>
-          <p:cNvPr id="3" name="TextBox 2">
-            <a:extLst>
-              <a:ext uri="{FF2B5EF4-FFF2-40B4-BE49-F238E27FC236}">
-                <a16:creationId xmlns:a16="http://schemas.microsoft.com/office/drawing/2014/main" id="{B0C8EA34-24E5-43CA-92B1-8665AF71F6A9}"/>
+              <a:t>트랜잭션 동기화</a:t>
+            </a:r>
+            <a:r>
+              <a:rPr lang="en-US" altLang="ko-KR" dirty="0"/>
+              <a:t>: </a:t>
+            </a:r>
+            <a:r>
+              <a:rPr lang="ko-KR" altLang="en-US" dirty="0"/>
+              <a:t>트랜잭션을 시작하기 위해 만든 </a:t>
+            </a:r>
+            <a:r>
+              <a:rPr lang="en-US" altLang="ko-KR" dirty="0"/>
+              <a:t>Connection </a:t>
+            </a:r>
+            <a:r>
+              <a:rPr lang="ko-KR" altLang="en-US" dirty="0"/>
+              <a:t>오브젝트를 특별한 저장소에 보관해두고</a:t>
+            </a:r>
+            <a:r>
+              <a:rPr lang="en-US" altLang="ko-KR" dirty="0"/>
+              <a:t>, </a:t>
+            </a:r>
+            <a:r>
+              <a:rPr lang="ko-KR" altLang="en-US" dirty="0"/>
+              <a:t>이후에 호출되는 </a:t>
+            </a:r>
+            <a:r>
+              <a:rPr lang="en-US" altLang="ko-KR" dirty="0"/>
+              <a:t>DAO</a:t>
+            </a:r>
+            <a:r>
+              <a:rPr lang="ko-KR" altLang="en-US" dirty="0"/>
+              <a:t>의 메소드에서 저장된 </a:t>
+            </a:r>
+            <a:r>
+              <a:rPr lang="en-US" altLang="ko-KR" dirty="0"/>
+              <a:t>Connection</a:t>
+            </a:r>
+            <a:r>
+              <a:rPr lang="ko-KR" altLang="en-US" dirty="0"/>
+              <a:t>을 </a:t>
+            </a:r>
+            <a:r>
+              <a:rPr lang="ko-KR" altLang="en-US" dirty="0" err="1"/>
+              <a:t>가져다가</a:t>
+            </a:r>
+            <a:r>
+              <a:rPr lang="ko-KR" altLang="en-US" dirty="0"/>
+              <a:t> 사용하게 하는 것</a:t>
+            </a:r>
+          </a:p>
+        </p:txBody>
+      </p:sp>
+      <p:sp>
+        <p:nvSpPr>
+          <p:cNvPr id="4" name="TextBox 3">
+            <a:extLst>
+              <a:ext uri="{FF2B5EF4-FFF2-40B4-BE49-F238E27FC236}">
+                <a16:creationId xmlns:a16="http://schemas.microsoft.com/office/drawing/2014/main" id="{B7052BEF-3E89-4118-B6AD-1FDF0A2FF7BC}"/>
               </a:ext>
             </a:extLst>
           </p:cNvPr>
@@ -4856,8 +4586,8 @@
         </p:nvSpPr>
         <p:spPr>
           <a:xfrm>
-            <a:off x="1290918" y="3429000"/>
-            <a:ext cx="7826188" cy="369332"/>
+            <a:off x="1604682" y="2178424"/>
+            <a:ext cx="7342094" cy="2862322"/>
           </a:xfrm>
           <a:prstGeom prst="rect">
             <a:avLst/>
@@ -4871,12 +4601,74 @@
           <a:lstStyle/>
           <a:p>
             <a:r>
-              <a:rPr lang="en-US" altLang="ko-KR" dirty="0"/>
-              <a:t>JDBC: SQL</a:t>
-            </a:r>
-            <a:r>
-              <a:rPr lang="ko-KR" altLang="en-US" dirty="0"/>
-              <a:t>을 이용하는 방식이라는 공통점을 뽑아내 추상화 한 것</a:t>
+              <a:rPr lang="ko-KR" altLang="en-US" dirty="0"/>
+              <a:t>로컬 트랜잭션은 하나의 </a:t>
+            </a:r>
+            <a:r>
+              <a:rPr lang="en-US" altLang="ko-KR" dirty="0"/>
+              <a:t>DB Connection</a:t>
+            </a:r>
+            <a:r>
+              <a:rPr lang="ko-KR" altLang="en-US" dirty="0"/>
+              <a:t>에 종속이 된다</a:t>
+            </a:r>
+            <a:endParaRPr lang="en-US" altLang="ko-KR" dirty="0"/>
+          </a:p>
+          <a:p>
+            <a:endParaRPr lang="en-US" altLang="ko-KR" dirty="0"/>
+          </a:p>
+          <a:p>
+            <a:r>
+              <a:rPr lang="en-US" altLang="ko-KR" dirty="0"/>
+              <a:t>-&gt; </a:t>
+            </a:r>
+            <a:r>
+              <a:rPr lang="ko-KR" altLang="en-US" dirty="0"/>
+              <a:t>하나의 트랜잭션 안에서 여러 개의 </a:t>
+            </a:r>
+            <a:r>
+              <a:rPr lang="en-US" altLang="ko-KR" dirty="0"/>
+              <a:t>DB</a:t>
+            </a:r>
+            <a:r>
+              <a:rPr lang="ko-KR" altLang="en-US" dirty="0"/>
+              <a:t>에 데이터를 넣는 작업이 불가능</a:t>
+            </a:r>
+            <a:endParaRPr lang="en-US" altLang="ko-KR" dirty="0"/>
+          </a:p>
+          <a:p>
+            <a:endParaRPr lang="en-US" altLang="ko-KR" dirty="0"/>
+          </a:p>
+          <a:p>
+            <a:r>
+              <a:rPr lang="en-US" altLang="ko-KR" dirty="0"/>
+              <a:t>-&gt; </a:t>
+            </a:r>
+            <a:r>
+              <a:rPr lang="ko-KR" altLang="en-US" dirty="0"/>
+              <a:t>글로벌 트랜잭션 방식을 사용해서 해결해야함</a:t>
+            </a:r>
+            <a:endParaRPr lang="en-US" altLang="ko-KR" dirty="0"/>
+          </a:p>
+          <a:p>
+            <a:endParaRPr lang="en-US" altLang="ko-KR" dirty="0"/>
+          </a:p>
+          <a:p>
+            <a:r>
+              <a:rPr lang="en-US" altLang="ko-KR" dirty="0"/>
+              <a:t>-&gt; JTA</a:t>
+            </a:r>
+            <a:r>
+              <a:rPr lang="ko-KR" altLang="en-US" dirty="0"/>
+              <a:t>를 이용해 트랜잭션 매니저를 활용하면 여러 개의 </a:t>
+            </a:r>
+            <a:r>
+              <a:rPr lang="en-US" altLang="ko-KR" dirty="0"/>
+              <a:t>DB</a:t>
+            </a:r>
+            <a:r>
+              <a:rPr lang="ko-KR" altLang="en-US" dirty="0"/>
+              <a:t>나 메시징 서버에 대한 작업을 하나의 트랜잭션으로 통합하는 분산 트랜잭션 또는 글로벌 트랜잭션이 가능해짐</a:t>
             </a:r>
           </a:p>
         </p:txBody>
@@ -4884,7 +4676,7 @@
     </p:spTree>
     <p:extLst>
       <p:ext uri="{BB962C8B-B14F-4D97-AF65-F5344CB8AC3E}">
-        <p14:creationId xmlns:p14="http://schemas.microsoft.com/office/powerpoint/2010/main" val="3700792559"/>
+        <p14:creationId xmlns:p14="http://schemas.microsoft.com/office/powerpoint/2010/main" val="1797223175"/>
       </p:ext>
     </p:extLst>
   </p:cSld>
@@ -4916,7 +4708,7 @@
           <p:cNvPr id="2" name="TextBox 1">
             <a:extLst>
               <a:ext uri="{FF2B5EF4-FFF2-40B4-BE49-F238E27FC236}">
-                <a16:creationId xmlns:a16="http://schemas.microsoft.com/office/drawing/2014/main" id="{56AE4E2B-845A-4376-94E4-D44169009C6B}"/>
+                <a16:creationId xmlns:a16="http://schemas.microsoft.com/office/drawing/2014/main" id="{B0751777-4968-42D0-BB0F-121AFAB5BA67}"/>
               </a:ext>
             </a:extLst>
           </p:cNvPr>
@@ -4925,8 +4717,8 @@
         </p:nvSpPr>
         <p:spPr>
           <a:xfrm>
-            <a:off x="1416423" y="797859"/>
-            <a:ext cx="6060141" cy="1754326"/>
+            <a:off x="1272988" y="833717"/>
+            <a:ext cx="6822141" cy="2031325"/>
           </a:xfrm>
           <a:prstGeom prst="rect">
             <a:avLst/>
@@ -4941,6 +4733,137 @@
           <a:p>
             <a:r>
               <a:rPr lang="ko-KR" altLang="en-US" dirty="0"/>
+              <a:t>일정한 패턴을 갖는 유사한 구조는 추상화를 고려 </a:t>
+            </a:r>
+            <a:endParaRPr lang="en-US" altLang="ko-KR" dirty="0"/>
+          </a:p>
+          <a:p>
+            <a:endParaRPr lang="en-US" altLang="ko-KR" dirty="0"/>
+          </a:p>
+          <a:p>
+            <a:endParaRPr lang="en-US" altLang="ko-KR" dirty="0"/>
+          </a:p>
+          <a:p>
+            <a:r>
+              <a:rPr lang="ko-KR" altLang="en-US" dirty="0"/>
+              <a:t>추상화란 하위 시스템의 공통점을 뽑아내서 분리시키는 것</a:t>
+            </a:r>
+            <a:endParaRPr lang="en-US" altLang="ko-KR" dirty="0"/>
+          </a:p>
+          <a:p>
+            <a:endParaRPr lang="en-US" altLang="ko-KR" dirty="0"/>
+          </a:p>
+          <a:p>
+            <a:r>
+              <a:rPr lang="en-US" altLang="ko-KR" dirty="0"/>
+              <a:t>-&gt; </a:t>
+            </a:r>
+            <a:r>
+              <a:rPr lang="ko-KR" altLang="en-US" dirty="0"/>
+              <a:t>추상화를 하면 하위 시스템이 어떤 것인지 알지 못하거나 바뀌더라도 일관된 방법으로 접근 할 수 있음</a:t>
+            </a:r>
+          </a:p>
+        </p:txBody>
+      </p:sp>
+      <p:sp>
+        <p:nvSpPr>
+          <p:cNvPr id="3" name="TextBox 2">
+            <a:extLst>
+              <a:ext uri="{FF2B5EF4-FFF2-40B4-BE49-F238E27FC236}">
+                <a16:creationId xmlns:a16="http://schemas.microsoft.com/office/drawing/2014/main" id="{B0C8EA34-24E5-43CA-92B1-8665AF71F6A9}"/>
+              </a:ext>
+            </a:extLst>
+          </p:cNvPr>
+          <p:cNvSpPr txBox="1"/>
+          <p:nvPr/>
+        </p:nvSpPr>
+        <p:spPr>
+          <a:xfrm>
+            <a:off x="1290918" y="3429000"/>
+            <a:ext cx="7826188" cy="369332"/>
+          </a:xfrm>
+          <a:prstGeom prst="rect">
+            <a:avLst/>
+          </a:prstGeom>
+          <a:noFill/>
+        </p:spPr>
+        <p:txBody>
+          <a:bodyPr wrap="square" rtlCol="0">
+            <a:spAutoFit/>
+          </a:bodyPr>
+          <a:lstStyle/>
+          <a:p>
+            <a:r>
+              <a:rPr lang="en-US" altLang="ko-KR" dirty="0"/>
+              <a:t>JDBC: SQL</a:t>
+            </a:r>
+            <a:r>
+              <a:rPr lang="ko-KR" altLang="en-US" dirty="0"/>
+              <a:t>을 이용하는 방식이라는 공통점을 뽑아내 추상화 한 것</a:t>
+            </a:r>
+          </a:p>
+        </p:txBody>
+      </p:sp>
+    </p:spTree>
+    <p:extLst>
+      <p:ext uri="{BB962C8B-B14F-4D97-AF65-F5344CB8AC3E}">
+        <p14:creationId xmlns:p14="http://schemas.microsoft.com/office/powerpoint/2010/main" val="3700792559"/>
+      </p:ext>
+    </p:extLst>
+  </p:cSld>
+  <p:clrMapOvr>
+    <a:masterClrMapping/>
+  </p:clrMapOvr>
+</p:sld>
+</file>
+
+<file path=ppt/slides/slide17.xml><?xml version="1.0" encoding="utf-8"?>
+<p:sld xmlns:a="http://schemas.openxmlformats.org/drawingml/2006/main" xmlns:r="http://schemas.openxmlformats.org/officeDocument/2006/relationships" xmlns:p="http://schemas.openxmlformats.org/presentationml/2006/main">
+  <p:cSld>
+    <p:spTree>
+      <p:nvGrpSpPr>
+        <p:cNvPr id="1" name=""/>
+        <p:cNvGrpSpPr/>
+        <p:nvPr/>
+      </p:nvGrpSpPr>
+      <p:grpSpPr>
+        <a:xfrm>
+          <a:off x="0" y="0"/>
+          <a:ext cx="0" cy="0"/>
+          <a:chOff x="0" y="0"/>
+          <a:chExt cx="0" cy="0"/>
+        </a:xfrm>
+      </p:grpSpPr>
+      <p:sp>
+        <p:nvSpPr>
+          <p:cNvPr id="2" name="TextBox 1">
+            <a:extLst>
+              <a:ext uri="{FF2B5EF4-FFF2-40B4-BE49-F238E27FC236}">
+                <a16:creationId xmlns:a16="http://schemas.microsoft.com/office/drawing/2014/main" id="{56AE4E2B-845A-4376-94E4-D44169009C6B}"/>
+              </a:ext>
+            </a:extLst>
+          </p:cNvPr>
+          <p:cNvSpPr txBox="1"/>
+          <p:nvPr/>
+        </p:nvSpPr>
+        <p:spPr>
+          <a:xfrm>
+            <a:off x="1416423" y="797859"/>
+            <a:ext cx="6060141" cy="1754326"/>
+          </a:xfrm>
+          <a:prstGeom prst="rect">
+            <a:avLst/>
+          </a:prstGeom>
+          <a:noFill/>
+        </p:spPr>
+        <p:txBody>
+          <a:bodyPr wrap="square" rtlCol="0">
+            <a:spAutoFit/>
+          </a:bodyPr>
+          <a:lstStyle/>
+          <a:p>
+            <a:r>
+              <a:rPr lang="ko-KR" altLang="en-US" dirty="0"/>
               <a:t>스프링의 빈으로 등록할 때 먼저 검토해야 할 것</a:t>
             </a:r>
             <a:r>
@@ -4989,6 +4912,471 @@
     <p:extLst>
       <p:ext uri="{BB962C8B-B14F-4D97-AF65-F5344CB8AC3E}">
         <p14:creationId xmlns:p14="http://schemas.microsoft.com/office/powerpoint/2010/main" val="696208907"/>
+      </p:ext>
+    </p:extLst>
+  </p:cSld>
+  <p:clrMapOvr>
+    <a:masterClrMapping/>
+  </p:clrMapOvr>
+</p:sld>
+</file>
+
+<file path=ppt/slides/slide18.xml><?xml version="1.0" encoding="utf-8"?>
+<p:sld xmlns:a="http://schemas.openxmlformats.org/drawingml/2006/main" xmlns:r="http://schemas.openxmlformats.org/officeDocument/2006/relationships" xmlns:p="http://schemas.openxmlformats.org/presentationml/2006/main">
+  <p:cSld>
+    <p:spTree>
+      <p:nvGrpSpPr>
+        <p:cNvPr id="1" name=""/>
+        <p:cNvGrpSpPr/>
+        <p:nvPr/>
+      </p:nvGrpSpPr>
+      <p:grpSpPr>
+        <a:xfrm>
+          <a:off x="0" y="0"/>
+          <a:ext cx="0" cy="0"/>
+          <a:chOff x="0" y="0"/>
+          <a:chExt cx="0" cy="0"/>
+        </a:xfrm>
+      </p:grpSpPr>
+      <p:sp>
+        <p:nvSpPr>
+          <p:cNvPr id="2" name="TextBox 1">
+            <a:extLst>
+              <a:ext uri="{FF2B5EF4-FFF2-40B4-BE49-F238E27FC236}">
+                <a16:creationId xmlns:a16="http://schemas.microsoft.com/office/drawing/2014/main" id="{1689862C-1580-4DF9-A4F3-28059A1D0DBA}"/>
+              </a:ext>
+            </a:extLst>
+          </p:cNvPr>
+          <p:cNvSpPr txBox="1"/>
+          <p:nvPr/>
+        </p:nvSpPr>
+        <p:spPr>
+          <a:xfrm>
+            <a:off x="2274277" y="961292"/>
+            <a:ext cx="8487508" cy="923330"/>
+          </a:xfrm>
+          <a:prstGeom prst="rect">
+            <a:avLst/>
+          </a:prstGeom>
+          <a:noFill/>
+        </p:spPr>
+        <p:txBody>
+          <a:bodyPr wrap="square" rtlCol="0">
+            <a:spAutoFit/>
+          </a:bodyPr>
+          <a:lstStyle/>
+          <a:p>
+            <a:r>
+              <a:rPr lang="en-US" altLang="ko-KR" dirty="0" err="1"/>
+              <a:t>UserDao</a:t>
+            </a:r>
+            <a:r>
+              <a:rPr lang="ko-KR" altLang="en-US" dirty="0"/>
+              <a:t>와 </a:t>
+            </a:r>
+            <a:r>
+              <a:rPr lang="en-US" altLang="ko-KR" dirty="0" err="1"/>
+              <a:t>UserService</a:t>
+            </a:r>
+            <a:r>
+              <a:rPr lang="ko-KR" altLang="en-US" dirty="0"/>
+              <a:t>는 같은 애플리케이션 로직을 담은 코드지만</a:t>
+            </a:r>
+            <a:r>
+              <a:rPr lang="en-US" altLang="ko-KR" dirty="0"/>
+              <a:t>(</a:t>
+            </a:r>
+            <a:r>
+              <a:rPr lang="ko-KR" altLang="en-US" b="1" dirty="0"/>
+              <a:t>애플리케이션 계층</a:t>
+            </a:r>
+            <a:r>
+              <a:rPr lang="en-US" altLang="ko-KR" dirty="0"/>
+              <a:t>)</a:t>
+            </a:r>
+            <a:r>
+              <a:rPr lang="ko-KR" altLang="en-US" dirty="0"/>
+              <a:t> 내용에 따라 분리 </a:t>
+            </a:r>
+            <a:r>
+              <a:rPr lang="ko-KR" altLang="en-US" dirty="0" err="1"/>
+              <a:t>한것</a:t>
+            </a:r>
+            <a:endParaRPr lang="en-US" altLang="ko-KR" dirty="0"/>
+          </a:p>
+          <a:p>
+            <a:r>
+              <a:rPr lang="en-US" altLang="ko-KR" dirty="0"/>
+              <a:t>-&gt; </a:t>
+            </a:r>
+            <a:r>
+              <a:rPr lang="ko-KR" altLang="en-US" dirty="0"/>
+              <a:t>같은 계층에서 수평적인 분리라고 </a:t>
+            </a:r>
+            <a:r>
+              <a:rPr lang="ko-KR" altLang="en-US" dirty="0" err="1"/>
+              <a:t>볼수</a:t>
+            </a:r>
+            <a:r>
+              <a:rPr lang="ko-KR" altLang="en-US" dirty="0"/>
+              <a:t> 있음</a:t>
+            </a:r>
+          </a:p>
+        </p:txBody>
+      </p:sp>
+      <p:sp>
+        <p:nvSpPr>
+          <p:cNvPr id="3" name="TextBox 2">
+            <a:extLst>
+              <a:ext uri="{FF2B5EF4-FFF2-40B4-BE49-F238E27FC236}">
+                <a16:creationId xmlns:a16="http://schemas.microsoft.com/office/drawing/2014/main" id="{6F6F795C-8D4C-4FB6-97AB-F68F239C666E}"/>
+              </a:ext>
+            </a:extLst>
+          </p:cNvPr>
+          <p:cNvSpPr txBox="1"/>
+          <p:nvPr/>
+        </p:nvSpPr>
+        <p:spPr>
+          <a:xfrm>
+            <a:off x="2274277" y="2338754"/>
+            <a:ext cx="7432431" cy="923330"/>
+          </a:xfrm>
+          <a:prstGeom prst="rect">
+            <a:avLst/>
+          </a:prstGeom>
+          <a:noFill/>
+        </p:spPr>
+        <p:txBody>
+          <a:bodyPr wrap="square" rtlCol="0">
+            <a:spAutoFit/>
+          </a:bodyPr>
+          <a:lstStyle/>
+          <a:p>
+            <a:r>
+              <a:rPr lang="ko-KR" altLang="en-US" dirty="0"/>
+              <a:t>이와 달리 트랜잭션의 추상화는 애플리케이션의 비즈니스 로직과 그 하위에서 동작하는 </a:t>
+            </a:r>
+            <a:r>
+              <a:rPr lang="ko-KR" altLang="en-US" dirty="0" err="1"/>
+              <a:t>로우레벨의</a:t>
+            </a:r>
+            <a:r>
+              <a:rPr lang="ko-KR" altLang="en-US" dirty="0"/>
+              <a:t> 트랜잭션 기술이라는 아예 다른 계층</a:t>
+            </a:r>
+            <a:r>
+              <a:rPr lang="en-US" altLang="ko-KR" dirty="0"/>
+              <a:t>(</a:t>
+            </a:r>
+            <a:r>
+              <a:rPr lang="ko-KR" altLang="en-US" b="1" dirty="0"/>
+              <a:t>서비스 추상화 계층</a:t>
+            </a:r>
+            <a:r>
+              <a:rPr lang="en-US" altLang="ko-KR" dirty="0"/>
+              <a:t>)</a:t>
+            </a:r>
+            <a:r>
+              <a:rPr lang="ko-KR" altLang="en-US" dirty="0"/>
+              <a:t>의 특성을 갖는 코드를 분리한 것</a:t>
+            </a:r>
+          </a:p>
+        </p:txBody>
+      </p:sp>
+      <p:sp>
+        <p:nvSpPr>
+          <p:cNvPr id="4" name="TextBox 3">
+            <a:extLst>
+              <a:ext uri="{FF2B5EF4-FFF2-40B4-BE49-F238E27FC236}">
+                <a16:creationId xmlns:a16="http://schemas.microsoft.com/office/drawing/2014/main" id="{11F9CA46-3A5F-442B-99F0-B8BADC4915FA}"/>
+              </a:ext>
+            </a:extLst>
+          </p:cNvPr>
+          <p:cNvSpPr txBox="1"/>
+          <p:nvPr/>
+        </p:nvSpPr>
+        <p:spPr>
+          <a:xfrm>
+            <a:off x="2474259" y="3998259"/>
+            <a:ext cx="6400800" cy="2308324"/>
+          </a:xfrm>
+          <a:prstGeom prst="rect">
+            <a:avLst/>
+          </a:prstGeom>
+          <a:noFill/>
+        </p:spPr>
+        <p:txBody>
+          <a:bodyPr wrap="square" rtlCol="0">
+            <a:spAutoFit/>
+          </a:bodyPr>
+          <a:lstStyle/>
+          <a:p>
+            <a:r>
+              <a:rPr lang="en-US" altLang="ko-KR" dirty="0" err="1"/>
+              <a:t>UserService</a:t>
+            </a:r>
+            <a:r>
+              <a:rPr lang="ko-KR" altLang="en-US" dirty="0"/>
+              <a:t>가 </a:t>
+            </a:r>
+            <a:r>
+              <a:rPr lang="en-US" altLang="ko-KR" dirty="0" err="1"/>
+              <a:t>UserDao</a:t>
+            </a:r>
+            <a:r>
+              <a:rPr lang="ko-KR" altLang="en-US" dirty="0"/>
+              <a:t>에 의존 하고 있으나</a:t>
+            </a:r>
+            <a:r>
+              <a:rPr lang="en-US" altLang="ko-KR" dirty="0"/>
+              <a:t>, </a:t>
+            </a:r>
+            <a:r>
+              <a:rPr lang="ko-KR" altLang="en-US" dirty="0"/>
+              <a:t>인터페이스와 </a:t>
+            </a:r>
+            <a:r>
+              <a:rPr lang="en-US" altLang="ko-KR" dirty="0"/>
+              <a:t>DI</a:t>
+            </a:r>
+            <a:r>
+              <a:rPr lang="ko-KR" altLang="en-US" dirty="0"/>
+              <a:t>를 통해 연결됨으로써 결합도가 낮아짐</a:t>
+            </a:r>
+            <a:endParaRPr lang="en-US" altLang="ko-KR" dirty="0"/>
+          </a:p>
+          <a:p>
+            <a:endParaRPr lang="en-US" altLang="ko-KR" dirty="0"/>
+          </a:p>
+          <a:p>
+            <a:r>
+              <a:rPr lang="en-US" altLang="ko-KR" dirty="0"/>
+              <a:t>-&gt; </a:t>
+            </a:r>
+            <a:r>
+              <a:rPr lang="ko-KR" altLang="en-US" dirty="0"/>
+              <a:t>결합도가 </a:t>
+            </a:r>
+            <a:r>
+              <a:rPr lang="ko-KR" altLang="en-US" dirty="0" err="1"/>
+              <a:t>낮다는것은</a:t>
+            </a:r>
+            <a:r>
+              <a:rPr lang="ko-KR" altLang="en-US" dirty="0"/>
+              <a:t> 데이터 액세스 로직이나 기술이 바뀐다고 할지라도 </a:t>
+            </a:r>
+            <a:r>
+              <a:rPr lang="en-US" altLang="ko-KR" dirty="0" err="1"/>
+              <a:t>UserService</a:t>
+            </a:r>
+            <a:r>
+              <a:rPr lang="ko-KR" altLang="en-US" dirty="0"/>
+              <a:t>의 코드에는 영향을 주지 않는다는 뜻</a:t>
+            </a:r>
+            <a:endParaRPr lang="en-US" altLang="ko-KR" dirty="0"/>
+          </a:p>
+          <a:p>
+            <a:endParaRPr lang="en-US" altLang="ko-KR" dirty="0"/>
+          </a:p>
+          <a:p>
+            <a:r>
+              <a:rPr lang="en-US" altLang="ko-KR" dirty="0"/>
+              <a:t>-&gt; </a:t>
+            </a:r>
+            <a:r>
+              <a:rPr lang="ko-KR" altLang="en-US" dirty="0"/>
+              <a:t>서로 독립적으로 확장 가능</a:t>
+            </a:r>
+          </a:p>
+        </p:txBody>
+      </p:sp>
+    </p:spTree>
+    <p:extLst>
+      <p:ext uri="{BB962C8B-B14F-4D97-AF65-F5344CB8AC3E}">
+        <p14:creationId xmlns:p14="http://schemas.microsoft.com/office/powerpoint/2010/main" val="593529356"/>
+      </p:ext>
+    </p:extLst>
+  </p:cSld>
+  <p:clrMapOvr>
+    <a:masterClrMapping/>
+  </p:clrMapOvr>
+</p:sld>
+</file>
+
+<file path=ppt/slides/slide19.xml><?xml version="1.0" encoding="utf-8"?>
+<p:sld xmlns:a="http://schemas.openxmlformats.org/drawingml/2006/main" xmlns:r="http://schemas.openxmlformats.org/officeDocument/2006/relationships" xmlns:p="http://schemas.openxmlformats.org/presentationml/2006/main">
+  <p:cSld>
+    <p:spTree>
+      <p:nvGrpSpPr>
+        <p:cNvPr id="1" name=""/>
+        <p:cNvGrpSpPr/>
+        <p:nvPr/>
+      </p:nvGrpSpPr>
+      <p:grpSpPr>
+        <a:xfrm>
+          <a:off x="0" y="0"/>
+          <a:ext cx="0" cy="0"/>
+          <a:chOff x="0" y="0"/>
+          <a:chExt cx="0" cy="0"/>
+        </a:xfrm>
+      </p:grpSpPr>
+      <p:sp>
+        <p:nvSpPr>
+          <p:cNvPr id="2" name="TextBox 1">
+            <a:extLst>
+              <a:ext uri="{FF2B5EF4-FFF2-40B4-BE49-F238E27FC236}">
+                <a16:creationId xmlns:a16="http://schemas.microsoft.com/office/drawing/2014/main" id="{86FE4C5F-E210-4716-8091-41C6FF3BAFE1}"/>
+              </a:ext>
+            </a:extLst>
+          </p:cNvPr>
+          <p:cNvSpPr txBox="1"/>
+          <p:nvPr/>
+        </p:nvSpPr>
+        <p:spPr>
+          <a:xfrm>
+            <a:off x="1344706" y="923329"/>
+            <a:ext cx="5190565" cy="923330"/>
+          </a:xfrm>
+          <a:prstGeom prst="rect">
+            <a:avLst/>
+          </a:prstGeom>
+          <a:noFill/>
+        </p:spPr>
+        <p:txBody>
+          <a:bodyPr wrap="square" rtlCol="0">
+            <a:spAutoFit/>
+          </a:bodyPr>
+          <a:lstStyle/>
+          <a:p>
+            <a:r>
+              <a:rPr lang="ko-KR" altLang="en-US" dirty="0"/>
+              <a:t>애플리케이션 계층과 기술 서비스 계층의 결합도가 낮은 분리는 애플리케이션 코드를 </a:t>
+            </a:r>
+            <a:r>
+              <a:rPr lang="ko-KR" altLang="en-US" dirty="0" err="1"/>
+              <a:t>로우레벨의</a:t>
+            </a:r>
+            <a:r>
+              <a:rPr lang="ko-KR" altLang="en-US" dirty="0"/>
+              <a:t> 기술 서비스와 환경에서 독립시켜준다</a:t>
+            </a:r>
+          </a:p>
+        </p:txBody>
+      </p:sp>
+      <p:sp>
+        <p:nvSpPr>
+          <p:cNvPr id="3" name="TextBox 2">
+            <a:extLst>
+              <a:ext uri="{FF2B5EF4-FFF2-40B4-BE49-F238E27FC236}">
+                <a16:creationId xmlns:a16="http://schemas.microsoft.com/office/drawing/2014/main" id="{9B6589E8-8F9C-4534-A24D-16ABAB12B001}"/>
+              </a:ext>
+            </a:extLst>
+          </p:cNvPr>
+          <p:cNvSpPr txBox="1"/>
+          <p:nvPr/>
+        </p:nvSpPr>
+        <p:spPr>
+          <a:xfrm>
+            <a:off x="1707776" y="2716306"/>
+            <a:ext cx="8126506" cy="923330"/>
+          </a:xfrm>
+          <a:prstGeom prst="rect">
+            <a:avLst/>
+          </a:prstGeom>
+          <a:noFill/>
+        </p:spPr>
+        <p:txBody>
+          <a:bodyPr wrap="square" rtlCol="0">
+            <a:spAutoFit/>
+          </a:bodyPr>
+          <a:lstStyle/>
+          <a:p>
+            <a:r>
+              <a:rPr lang="en-US" altLang="ko-KR" dirty="0"/>
+              <a:t>-&gt; </a:t>
+            </a:r>
+            <a:r>
+              <a:rPr lang="ko-KR" altLang="en-US" dirty="0"/>
+              <a:t>애플리케이션 로직의 종류에 따른 수평적인 구분이든</a:t>
+            </a:r>
+            <a:r>
+              <a:rPr lang="en-US" altLang="ko-KR" dirty="0"/>
+              <a:t>, </a:t>
+            </a:r>
+            <a:r>
+              <a:rPr lang="ko-KR" altLang="en-US" dirty="0"/>
+              <a:t>로직과 기술이라는 수직적인 구분이든 모두 결합도가 낮으며 서로 영향을 주지 않고 자유롭게 확장될 수 있는 구조를 만드는 것이 스프링의 </a:t>
+            </a:r>
+            <a:r>
+              <a:rPr lang="en-US" altLang="ko-KR" dirty="0"/>
+              <a:t>DI</a:t>
+            </a:r>
+            <a:r>
+              <a:rPr lang="ko-KR" altLang="en-US" dirty="0"/>
+              <a:t>의 중요한 역할</a:t>
+            </a:r>
+          </a:p>
+        </p:txBody>
+      </p:sp>
+      <p:sp>
+        <p:nvSpPr>
+          <p:cNvPr id="4" name="TextBox 3">
+            <a:extLst>
+              <a:ext uri="{FF2B5EF4-FFF2-40B4-BE49-F238E27FC236}">
+                <a16:creationId xmlns:a16="http://schemas.microsoft.com/office/drawing/2014/main" id="{3EA216F7-3941-4F61-B8E6-86EA600C9A92}"/>
+              </a:ext>
+            </a:extLst>
+          </p:cNvPr>
+          <p:cNvSpPr txBox="1"/>
+          <p:nvPr/>
+        </p:nvSpPr>
+        <p:spPr>
+          <a:xfrm>
+            <a:off x="1497106" y="4661647"/>
+            <a:ext cx="8928847" cy="369332"/>
+          </a:xfrm>
+          <a:prstGeom prst="rect">
+            <a:avLst/>
+          </a:prstGeom>
+          <a:noFill/>
+        </p:spPr>
+        <p:txBody>
+          <a:bodyPr wrap="square" rtlCol="0">
+            <a:spAutoFit/>
+          </a:bodyPr>
+          <a:lstStyle/>
+          <a:p>
+            <a:r>
+              <a:rPr lang="en-US" altLang="ko-KR" dirty="0"/>
+              <a:t>DI</a:t>
+            </a:r>
+            <a:r>
+              <a:rPr lang="ko-KR" altLang="en-US" dirty="0"/>
+              <a:t>의 가치는 관심</a:t>
+            </a:r>
+            <a:r>
+              <a:rPr lang="en-US" altLang="ko-KR" dirty="0"/>
+              <a:t>, </a:t>
+            </a:r>
+            <a:r>
+              <a:rPr lang="ko-KR" altLang="en-US" dirty="0"/>
+              <a:t>책임</a:t>
+            </a:r>
+            <a:r>
+              <a:rPr lang="en-US" altLang="ko-KR" dirty="0"/>
+              <a:t>, </a:t>
+            </a:r>
+            <a:r>
+              <a:rPr lang="ko-KR" altLang="en-US" dirty="0"/>
+              <a:t>성격이 다른 코드를 깔끔하게 분리하는 데 있음</a:t>
+            </a:r>
+          </a:p>
+        </p:txBody>
+      </p:sp>
+    </p:spTree>
+    <p:extLst>
+      <p:ext uri="{BB962C8B-B14F-4D97-AF65-F5344CB8AC3E}">
+        <p14:creationId xmlns:p14="http://schemas.microsoft.com/office/powerpoint/2010/main" val="2529314905"/>
       </p:ext>
     </p:extLst>
   </p:cSld>
@@ -5017,10 +5405,10 @@
       </p:grpSpPr>
       <p:sp>
         <p:nvSpPr>
-          <p:cNvPr id="2" name="TextBox 1">
-            <a:extLst>
-              <a:ext uri="{FF2B5EF4-FFF2-40B4-BE49-F238E27FC236}">
-                <a16:creationId xmlns:a16="http://schemas.microsoft.com/office/drawing/2014/main" id="{9A79012C-780A-47BE-8A87-AFBF661E4B54}"/>
+          <p:cNvPr id="4" name="TextBox 3">
+            <a:extLst>
+              <a:ext uri="{FF2B5EF4-FFF2-40B4-BE49-F238E27FC236}">
+                <a16:creationId xmlns:a16="http://schemas.microsoft.com/office/drawing/2014/main" id="{A6F9B52D-5581-42AC-B0D5-301470508253}"/>
               </a:ext>
             </a:extLst>
           </p:cNvPr>
@@ -5029,8 +5417,8 @@
         </p:nvSpPr>
         <p:spPr>
           <a:xfrm>
-            <a:off x="1264024" y="1057835"/>
-            <a:ext cx="9888070" cy="923330"/>
+            <a:off x="1147482" y="519953"/>
+            <a:ext cx="7189694" cy="646331"/>
           </a:xfrm>
           <a:prstGeom prst="rect">
             <a:avLst/>
@@ -5045,30 +5433,57 @@
           <a:p>
             <a:r>
               <a:rPr lang="ko-KR" altLang="en-US" dirty="0"/>
-              <a:t>비즈니스 로직을 담은 코드는 데이터 액세스 로직을 담은 코드와 깔끔하게 분리되는 것이 바람직하다</a:t>
-            </a:r>
-            <a:r>
-              <a:rPr lang="en-US" altLang="ko-KR" dirty="0"/>
-              <a:t>. </a:t>
-            </a:r>
-            <a:r>
-              <a:rPr lang="ko-KR" altLang="en-US" dirty="0"/>
-              <a:t>비즈니스 로직 코드 또한 내부적으로 책임과 역할에 따라서 깔끔하게 메소드로 정리돼야 한다</a:t>
-            </a:r>
-            <a:r>
-              <a:rPr lang="en-US" altLang="ko-KR" dirty="0"/>
-              <a:t>.</a:t>
-            </a:r>
-            <a:endParaRPr lang="ko-KR" altLang="en-US" dirty="0"/>
-          </a:p>
-        </p:txBody>
-      </p:sp>
-      <p:sp>
-        <p:nvSpPr>
-          <p:cNvPr id="3" name="TextBox 2">
-            <a:extLst>
-              <a:ext uri="{FF2B5EF4-FFF2-40B4-BE49-F238E27FC236}">
-                <a16:creationId xmlns:a16="http://schemas.microsoft.com/office/drawing/2014/main" id="{23104174-483E-48B7-A46F-916B978DDA23}"/>
+              <a:t>상수를 정의하여 메서드 </a:t>
+            </a:r>
+            <a:r>
+              <a:rPr lang="ko-KR" altLang="en-US" dirty="0" err="1"/>
+              <a:t>호출시</a:t>
+            </a:r>
+            <a:r>
+              <a:rPr lang="ko-KR" altLang="en-US" dirty="0"/>
+              <a:t> 잘못된 값이 출력 </a:t>
+            </a:r>
+            <a:r>
+              <a:rPr lang="ko-KR" altLang="en-US" dirty="0" err="1"/>
+              <a:t>될수</a:t>
+            </a:r>
+            <a:r>
+              <a:rPr lang="ko-KR" altLang="en-US" dirty="0"/>
+              <a:t> 있다 </a:t>
+            </a:r>
+            <a:r>
+              <a:rPr lang="en-US" altLang="ko-KR" dirty="0"/>
+              <a:t>-&gt; </a:t>
+            </a:r>
+            <a:r>
+              <a:rPr lang="ko-KR" altLang="en-US" dirty="0"/>
+              <a:t>상수를 정의 해서 </a:t>
+            </a:r>
+            <a:r>
+              <a:rPr lang="ko-KR" altLang="en-US" dirty="0" err="1"/>
+              <a:t>쓰는것</a:t>
+            </a:r>
+            <a:r>
+              <a:rPr lang="ko-KR" altLang="en-US" dirty="0"/>
+              <a:t> 보다 </a:t>
+            </a:r>
+            <a:r>
+              <a:rPr lang="en-US" altLang="ko-KR" dirty="0" err="1"/>
+              <a:t>enum</a:t>
+            </a:r>
+            <a:r>
+              <a:rPr lang="ko-KR" altLang="en-US" dirty="0"/>
+              <a:t>을 쓰는 것이 더 안전하다</a:t>
+            </a:r>
+          </a:p>
+        </p:txBody>
+      </p:sp>
+      <p:sp>
+        <p:nvSpPr>
+          <p:cNvPr id="5" name="TextBox 4">
+            <a:extLst>
+              <a:ext uri="{FF2B5EF4-FFF2-40B4-BE49-F238E27FC236}">
+                <a16:creationId xmlns:a16="http://schemas.microsoft.com/office/drawing/2014/main" id="{6F232C2F-4E73-4494-8B49-2B5DBA28D254}"/>
               </a:ext>
             </a:extLst>
           </p:cNvPr>
@@ -5077,8 +5492,8 @@
         </p:nvSpPr>
         <p:spPr>
           <a:xfrm>
-            <a:off x="1434353" y="2294965"/>
-            <a:ext cx="10139082" cy="646331"/>
+            <a:off x="1228165" y="1783976"/>
+            <a:ext cx="5190564" cy="2308324"/>
           </a:xfrm>
           <a:prstGeom prst="rect">
             <a:avLst/>
@@ -5093,38 +5508,151 @@
           <a:p>
             <a:r>
               <a:rPr lang="ko-KR" altLang="en-US" dirty="0"/>
-              <a:t>이를 위해서는 </a:t>
-            </a:r>
-            <a:r>
-              <a:rPr lang="en-US" altLang="ko-KR" dirty="0"/>
-              <a:t>DAO</a:t>
-            </a:r>
-            <a:r>
-              <a:rPr lang="ko-KR" altLang="en-US" dirty="0"/>
-              <a:t>의 기술 변화에 서비스 계층의 코드가 영향을 받지 않도록 인터페이스와 </a:t>
-            </a:r>
-            <a:r>
-              <a:rPr lang="en-US" altLang="ko-KR" dirty="0"/>
-              <a:t>DI</a:t>
-            </a:r>
-            <a:r>
-              <a:rPr lang="ko-KR" altLang="en-US" dirty="0"/>
-              <a:t>를 잘 활용해서 결합도를 낮춰줘야 한다</a:t>
-            </a:r>
-            <a:r>
-              <a:rPr lang="en-US" altLang="ko-KR" dirty="0"/>
-              <a:t>.</a:t>
-            </a:r>
-            <a:endParaRPr lang="ko-KR" altLang="en-US" dirty="0"/>
-          </a:p>
-        </p:txBody>
-      </p:sp>
-      <p:sp>
-        <p:nvSpPr>
-          <p:cNvPr id="4" name="TextBox 3">
-            <a:extLst>
-              <a:ext uri="{FF2B5EF4-FFF2-40B4-BE49-F238E27FC236}">
-                <a16:creationId xmlns:a16="http://schemas.microsoft.com/office/drawing/2014/main" id="{EDB4C9AD-4964-44C8-A6FD-DC36869E40EC}"/>
+              <a:t>단</a:t>
+            </a:r>
+            <a:r>
+              <a:rPr lang="en-US" altLang="ko-KR" dirty="0"/>
+              <a:t>, </a:t>
+            </a:r>
+            <a:r>
+              <a:rPr lang="en-US" altLang="ko-KR" dirty="0" err="1"/>
+              <a:t>enum</a:t>
+            </a:r>
+            <a:r>
+              <a:rPr lang="ko-KR" altLang="en-US" dirty="0"/>
+              <a:t>은 오브젝트이므로 </a:t>
+            </a:r>
+            <a:r>
+              <a:rPr lang="en-US" altLang="ko-KR" dirty="0"/>
+              <a:t>DB</a:t>
+            </a:r>
+            <a:r>
+              <a:rPr lang="ko-KR" altLang="en-US" dirty="0"/>
+              <a:t>에 </a:t>
+            </a:r>
+            <a:r>
+              <a:rPr lang="ko-KR" altLang="en-US" dirty="0" err="1"/>
+              <a:t>저장될수</a:t>
+            </a:r>
+            <a:r>
+              <a:rPr lang="ko-KR" altLang="en-US" dirty="0"/>
+              <a:t> 있는 </a:t>
+            </a:r>
+            <a:r>
+              <a:rPr lang="en-US" altLang="ko-KR" dirty="0"/>
+              <a:t>SQL</a:t>
+            </a:r>
+            <a:r>
+              <a:rPr lang="ko-KR" altLang="en-US" dirty="0"/>
+              <a:t>타입이 아니다</a:t>
+            </a:r>
+            <a:r>
+              <a:rPr lang="en-US" altLang="ko-KR" dirty="0"/>
+              <a:t>. </a:t>
+            </a:r>
+            <a:r>
+              <a:rPr lang="ko-KR" altLang="en-US" dirty="0"/>
+              <a:t>따라서 </a:t>
+            </a:r>
+            <a:r>
+              <a:rPr lang="en-US" altLang="ko-KR" dirty="0"/>
+              <a:t>DB</a:t>
+            </a:r>
+            <a:r>
+              <a:rPr lang="ko-KR" altLang="en-US" dirty="0"/>
+              <a:t>에 저장 가능한 정수형 값으로 반환해 줘야한다</a:t>
+            </a:r>
+            <a:r>
+              <a:rPr lang="en-US" altLang="ko-KR" dirty="0"/>
+              <a:t>. (</a:t>
+            </a:r>
+            <a:r>
+              <a:rPr lang="en-US" altLang="ko-KR" dirty="0" err="1"/>
+              <a:t>enum</a:t>
+            </a:r>
+            <a:r>
+              <a:rPr lang="en-US" altLang="ko-KR" dirty="0"/>
+              <a:t> </a:t>
+            </a:r>
+            <a:r>
+              <a:rPr lang="ko-KR" altLang="en-US" dirty="0"/>
+              <a:t>내부에 메서드를 만들어 줌</a:t>
+            </a:r>
+            <a:r>
+              <a:rPr lang="en-US" altLang="ko-KR" dirty="0"/>
+              <a:t>)</a:t>
+            </a:r>
+          </a:p>
+          <a:p>
+            <a:r>
+              <a:rPr lang="ko-KR" altLang="en-US" dirty="0"/>
+              <a:t>반대로 조회를 했을 경우 </a:t>
+            </a:r>
+            <a:r>
+              <a:rPr lang="en-US" altLang="ko-KR" dirty="0" err="1"/>
+              <a:t>ResultSet</a:t>
+            </a:r>
+            <a:r>
+              <a:rPr lang="ko-KR" altLang="en-US" dirty="0"/>
+              <a:t>에서 </a:t>
+            </a:r>
+            <a:r>
+              <a:rPr lang="en-US" altLang="ko-KR" dirty="0"/>
+              <a:t>DB</a:t>
+            </a:r>
+            <a:r>
+              <a:rPr lang="ko-KR" altLang="en-US" dirty="0"/>
+              <a:t>의 타입인 </a:t>
+            </a:r>
+            <a:r>
+              <a:rPr lang="en-US" altLang="ko-KR" dirty="0"/>
+              <a:t>int</a:t>
+            </a:r>
+            <a:r>
+              <a:rPr lang="ko-KR" altLang="en-US" dirty="0"/>
+              <a:t>로 가져오기 때문에 </a:t>
+            </a:r>
+            <a:r>
+              <a:rPr lang="en-US" altLang="ko-KR" dirty="0"/>
+              <a:t>set</a:t>
+            </a:r>
+            <a:r>
+              <a:rPr lang="ko-KR" altLang="en-US" dirty="0"/>
+              <a:t>메서드를 실행 </a:t>
+            </a:r>
+            <a:r>
+              <a:rPr lang="ko-KR" altLang="en-US" dirty="0" err="1"/>
+              <a:t>할때</a:t>
+            </a:r>
+            <a:r>
+              <a:rPr lang="ko-KR" altLang="en-US" dirty="0"/>
+              <a:t> 타입이 일치 하지 않으므로 해당 타입의 </a:t>
+            </a:r>
+            <a:r>
+              <a:rPr lang="ko-KR" altLang="en-US" dirty="0" err="1"/>
+              <a:t>이늄</a:t>
+            </a:r>
+            <a:r>
+              <a:rPr lang="ko-KR" altLang="en-US" dirty="0"/>
+              <a:t> 오브젝트로 바꿔서 </a:t>
+            </a:r>
+            <a:r>
+              <a:rPr lang="en-US" altLang="ko-KR" dirty="0"/>
+              <a:t>set</a:t>
+            </a:r>
+            <a:r>
+              <a:rPr lang="ko-KR" altLang="en-US" dirty="0"/>
+              <a:t>해줘야 함</a:t>
+            </a:r>
+          </a:p>
+        </p:txBody>
+      </p:sp>
+      <p:sp>
+        <p:nvSpPr>
+          <p:cNvPr id="6" name="TextBox 5">
+            <a:extLst>
+              <a:ext uri="{FF2B5EF4-FFF2-40B4-BE49-F238E27FC236}">
+                <a16:creationId xmlns:a16="http://schemas.microsoft.com/office/drawing/2014/main" id="{0B1584EF-8269-46E7-9BCD-66FB1CCD0D00}"/>
               </a:ext>
             </a:extLst>
           </p:cNvPr>
@@ -5133,8 +5661,8 @@
         </p:nvSpPr>
         <p:spPr>
           <a:xfrm>
-            <a:off x="1264024" y="3603812"/>
-            <a:ext cx="10676964" cy="369332"/>
+            <a:off x="1228165" y="5002306"/>
+            <a:ext cx="8408894" cy="923330"/>
           </a:xfrm>
           <a:prstGeom prst="rect">
             <a:avLst/>
@@ -5149,26 +5677,91 @@
           <a:p>
             <a:r>
               <a:rPr lang="en-US" altLang="ko-KR" dirty="0"/>
-              <a:t>DAO</a:t>
-            </a:r>
-            <a:r>
-              <a:rPr lang="ko-KR" altLang="en-US" dirty="0"/>
-              <a:t>를 사용하는 비즈니스 로직에는 단위 작업을 보장해주는 트랜잭션이 필요하다</a:t>
-            </a:r>
-            <a:r>
-              <a:rPr lang="en-US" altLang="ko-KR" dirty="0"/>
-              <a:t>.</a:t>
-            </a:r>
-            <a:endParaRPr lang="ko-KR" altLang="en-US" dirty="0"/>
-          </a:p>
-        </p:txBody>
-      </p:sp>
-      <p:sp>
-        <p:nvSpPr>
-          <p:cNvPr id="5" name="TextBox 4">
-            <a:extLst>
-              <a:ext uri="{FF2B5EF4-FFF2-40B4-BE49-F238E27FC236}">
-                <a16:creationId xmlns:a16="http://schemas.microsoft.com/office/drawing/2014/main" id="{FBBF8FF2-4661-4F25-9A9B-3641E0549B1E}"/>
+              <a:t>JDBC</a:t>
+            </a:r>
+            <a:r>
+              <a:rPr lang="ko-KR" altLang="en-US" dirty="0"/>
+              <a:t>가 사용하는 </a:t>
+            </a:r>
+            <a:r>
+              <a:rPr lang="en-US" altLang="ko-KR" dirty="0"/>
+              <a:t>SQL</a:t>
+            </a:r>
+            <a:r>
+              <a:rPr lang="ko-KR" altLang="en-US" dirty="0"/>
+              <a:t>은 컴파일 과정에서는 자동으로 검증이 되지 않는 단순 문자열에 불과 </a:t>
+            </a:r>
+            <a:r>
+              <a:rPr lang="en-US" altLang="ko-KR" dirty="0"/>
+              <a:t>-&gt; </a:t>
+            </a:r>
+            <a:r>
+              <a:rPr lang="ko-KR" altLang="en-US" dirty="0"/>
+              <a:t>빠르게 실행 가능한 포괄적인 테스트를 </a:t>
+            </a:r>
+            <a:r>
+              <a:rPr lang="ko-KR" altLang="en-US" dirty="0" err="1"/>
+              <a:t>만들어두면</a:t>
+            </a:r>
+            <a:r>
+              <a:rPr lang="ko-KR" altLang="en-US" dirty="0"/>
+              <a:t> 기능의 추가나 수정이 </a:t>
+            </a:r>
+            <a:r>
+              <a:rPr lang="ko-KR" altLang="en-US" dirty="0" err="1"/>
+              <a:t>일어날때</a:t>
+            </a:r>
+            <a:r>
+              <a:rPr lang="ko-KR" altLang="en-US" dirty="0"/>
+              <a:t> 문제를 빠르게 </a:t>
+            </a:r>
+            <a:r>
+              <a:rPr lang="ko-KR" altLang="en-US" dirty="0" err="1"/>
+              <a:t>잡아낼수</a:t>
+            </a:r>
+            <a:r>
+              <a:rPr lang="ko-KR" altLang="en-US" dirty="0"/>
+              <a:t> 있음</a:t>
+            </a:r>
+          </a:p>
+        </p:txBody>
+      </p:sp>
+    </p:spTree>
+    <p:extLst>
+      <p:ext uri="{BB962C8B-B14F-4D97-AF65-F5344CB8AC3E}">
+        <p14:creationId xmlns:p14="http://schemas.microsoft.com/office/powerpoint/2010/main" val="4020761668"/>
+      </p:ext>
+    </p:extLst>
+  </p:cSld>
+  <p:clrMapOvr>
+    <a:masterClrMapping/>
+  </p:clrMapOvr>
+</p:sld>
+</file>
+
+<file path=ppt/slides/slide20.xml><?xml version="1.0" encoding="utf-8"?>
+<p:sld xmlns:a="http://schemas.openxmlformats.org/drawingml/2006/main" xmlns:r="http://schemas.openxmlformats.org/officeDocument/2006/relationships" xmlns:p="http://schemas.openxmlformats.org/presentationml/2006/main">
+  <p:cSld>
+    <p:spTree>
+      <p:nvGrpSpPr>
+        <p:cNvPr id="1" name=""/>
+        <p:cNvGrpSpPr/>
+        <p:nvPr/>
+      </p:nvGrpSpPr>
+      <p:grpSpPr>
+        <a:xfrm>
+          <a:off x="0" y="0"/>
+          <a:ext cx="0" cy="0"/>
+          <a:chOff x="0" y="0"/>
+          <a:chExt cx="0" cy="0"/>
+        </a:xfrm>
+      </p:grpSpPr>
+      <p:sp>
+        <p:nvSpPr>
+          <p:cNvPr id="2" name="TextBox 1">
+            <a:extLst>
+              <a:ext uri="{FF2B5EF4-FFF2-40B4-BE49-F238E27FC236}">
+                <a16:creationId xmlns:a16="http://schemas.microsoft.com/office/drawing/2014/main" id="{259A7D3E-7518-414B-B947-C9281D0FA957}"/>
               </a:ext>
             </a:extLst>
           </p:cNvPr>
@@ -5177,8 +5770,8 @@
         </p:nvSpPr>
         <p:spPr>
           <a:xfrm>
-            <a:off x="1165412" y="4563943"/>
-            <a:ext cx="10676964" cy="646331"/>
+            <a:off x="2447365" y="1048871"/>
+            <a:ext cx="7808259" cy="1200329"/>
           </a:xfrm>
           <a:prstGeom prst="rect">
             <a:avLst/>
@@ -5193,30 +5786,69 @@
           <a:p>
             <a:r>
               <a:rPr lang="ko-KR" altLang="en-US" dirty="0"/>
-              <a:t>트랜잭션의 시작과 종료를 지정하는 일을 트랜잭션 경계설정이라고 한다</a:t>
-            </a:r>
-            <a:r>
-              <a:rPr lang="en-US" altLang="ko-KR" dirty="0"/>
-              <a:t>. </a:t>
-            </a:r>
-            <a:r>
-              <a:rPr lang="ko-KR" altLang="en-US" dirty="0"/>
-              <a:t>트랜잭션 경계설정은 주로 비즈니스 로직 안에서 일어나는 경우가 많다</a:t>
-            </a:r>
-            <a:r>
-              <a:rPr lang="en-US" altLang="ko-KR" dirty="0"/>
-              <a:t>.</a:t>
-            </a:r>
-            <a:endParaRPr lang="ko-KR" altLang="en-US" dirty="0"/>
-          </a:p>
-        </p:txBody>
-      </p:sp>
-      <p:sp>
-        <p:nvSpPr>
-          <p:cNvPr id="6" name="TextBox 5">
-            <a:extLst>
-              <a:ext uri="{FF2B5EF4-FFF2-40B4-BE49-F238E27FC236}">
-                <a16:creationId xmlns:a16="http://schemas.microsoft.com/office/drawing/2014/main" id="{DBFBFC47-33B2-4744-9487-F9E7304DB92E}"/>
+              <a:t>단일 책임 원칙</a:t>
+            </a:r>
+            <a:r>
+              <a:rPr lang="en-US" altLang="ko-KR" dirty="0"/>
+              <a:t>: </a:t>
+            </a:r>
+            <a:r>
+              <a:rPr lang="ko-KR" altLang="en-US" dirty="0"/>
+              <a:t>하나의 모듈은 한 가지 책임을 가져야 한다는 의미</a:t>
+            </a:r>
+            <a:endParaRPr lang="en-US" altLang="ko-KR" dirty="0"/>
+          </a:p>
+          <a:p>
+            <a:endParaRPr lang="en-US" altLang="ko-KR" dirty="0"/>
+          </a:p>
+          <a:p>
+            <a:r>
+              <a:rPr lang="en-US" altLang="ko-KR" dirty="0"/>
+              <a:t>-&gt; </a:t>
+            </a:r>
+            <a:r>
+              <a:rPr lang="ko-KR" altLang="en-US" dirty="0"/>
+              <a:t>어떤 코드에 두가지 책임을 갖고 있다는 것은 코드가 수정되는 이유가 두가지 라는 것</a:t>
+            </a:r>
+          </a:p>
+        </p:txBody>
+      </p:sp>
+    </p:spTree>
+    <p:extLst>
+      <p:ext uri="{BB962C8B-B14F-4D97-AF65-F5344CB8AC3E}">
+        <p14:creationId xmlns:p14="http://schemas.microsoft.com/office/powerpoint/2010/main" val="3977482755"/>
+      </p:ext>
+    </p:extLst>
+  </p:cSld>
+  <p:clrMapOvr>
+    <a:masterClrMapping/>
+  </p:clrMapOvr>
+</p:sld>
+</file>
+
+<file path=ppt/slides/slide21.xml><?xml version="1.0" encoding="utf-8"?>
+<p:sld xmlns:a="http://schemas.openxmlformats.org/drawingml/2006/main" xmlns:r="http://schemas.openxmlformats.org/officeDocument/2006/relationships" xmlns:p="http://schemas.openxmlformats.org/presentationml/2006/main">
+  <p:cSld>
+    <p:spTree>
+      <p:nvGrpSpPr>
+        <p:cNvPr id="1" name=""/>
+        <p:cNvGrpSpPr/>
+        <p:nvPr/>
+      </p:nvGrpSpPr>
+      <p:grpSpPr>
+        <a:xfrm>
+          <a:off x="0" y="0"/>
+          <a:ext cx="0" cy="0"/>
+          <a:chOff x="0" y="0"/>
+          <a:chExt cx="0" cy="0"/>
+        </a:xfrm>
+      </p:grpSpPr>
+      <p:sp>
+        <p:nvSpPr>
+          <p:cNvPr id="2" name="TextBox 1">
+            <a:extLst>
+              <a:ext uri="{FF2B5EF4-FFF2-40B4-BE49-F238E27FC236}">
+                <a16:creationId xmlns:a16="http://schemas.microsoft.com/office/drawing/2014/main" id="{864469C1-7D30-4AAF-8523-97D40F00AFF4}"/>
               </a:ext>
             </a:extLst>
           </p:cNvPr>
@@ -5225,8 +5857,8 @@
         </p:nvSpPr>
         <p:spPr>
           <a:xfrm>
-            <a:off x="1264024" y="5719482"/>
-            <a:ext cx="10309411" cy="646331"/>
+            <a:off x="2985247" y="905435"/>
+            <a:ext cx="7620000" cy="923330"/>
           </a:xfrm>
           <a:prstGeom prst="rect">
             <a:avLst/>
@@ -5241,28 +5873,1469 @@
           <a:p>
             <a:r>
               <a:rPr lang="ko-KR" altLang="en-US" dirty="0"/>
-              <a:t>시작된 트랜잭션 정보를 담은 오브젝트를 파라미터로 </a:t>
-            </a:r>
-            <a:r>
-              <a:rPr lang="en-US" altLang="ko-KR" dirty="0"/>
-              <a:t>DAO</a:t>
-            </a:r>
-            <a:r>
-              <a:rPr lang="ko-KR" altLang="en-US" dirty="0"/>
-              <a:t>에 전달하는 방법은 매우 비효율적이기 때문에 스프링이 제공하는 트랜잭션 동기화 기법을 활용하는 것이 편리하다</a:t>
-            </a:r>
-            <a:r>
-              <a:rPr lang="en-US" altLang="ko-KR" dirty="0"/>
-              <a:t>.</a:t>
-            </a:r>
-            <a:endParaRPr lang="ko-KR" altLang="en-US" dirty="0"/>
+              <a:t>단일 책임 원칙의 장점</a:t>
+            </a:r>
+            <a:r>
+              <a:rPr lang="en-US" altLang="ko-KR" dirty="0"/>
+              <a:t>:</a:t>
+            </a:r>
+            <a:r>
+              <a:rPr lang="ko-KR" altLang="en-US" dirty="0"/>
+              <a:t> 어떤 변경이 필요할 때 수정 대상이 </a:t>
+            </a:r>
+            <a:r>
+              <a:rPr lang="ko-KR" altLang="en-US" dirty="0" err="1"/>
+              <a:t>명확해진다</a:t>
+            </a:r>
+            <a:r>
+              <a:rPr lang="en-US" altLang="ko-KR" dirty="0"/>
+              <a:t>(</a:t>
+            </a:r>
+            <a:r>
+              <a:rPr lang="ko-KR" altLang="en-US" dirty="0"/>
+              <a:t>기술이 바뀌면 기술 계층과 연동을 담당하는 기술 추상화 계층의 설정만 바꿔 주면 됨</a:t>
+            </a:r>
+            <a:r>
+              <a:rPr lang="en-US" altLang="ko-KR" dirty="0"/>
+              <a:t>)</a:t>
+            </a:r>
+          </a:p>
+        </p:txBody>
+      </p:sp>
+      <p:sp>
+        <p:nvSpPr>
+          <p:cNvPr id="3" name="TextBox 2">
+            <a:extLst>
+              <a:ext uri="{FF2B5EF4-FFF2-40B4-BE49-F238E27FC236}">
+                <a16:creationId xmlns:a16="http://schemas.microsoft.com/office/drawing/2014/main" id="{A7553A45-5FCA-4B9D-A34C-59EDDBE4A4BF}"/>
+              </a:ext>
+            </a:extLst>
+          </p:cNvPr>
+          <p:cNvSpPr txBox="1"/>
+          <p:nvPr/>
+        </p:nvSpPr>
+        <p:spPr>
+          <a:xfrm>
+            <a:off x="2891117" y="2375646"/>
+            <a:ext cx="6875929" cy="1754326"/>
+          </a:xfrm>
+          <a:prstGeom prst="rect">
+            <a:avLst/>
+          </a:prstGeom>
+          <a:noFill/>
+        </p:spPr>
+        <p:txBody>
+          <a:bodyPr wrap="square" rtlCol="0">
+            <a:spAutoFit/>
+          </a:bodyPr>
+          <a:lstStyle/>
+          <a:p>
+            <a:r>
+              <a:rPr lang="ko-KR" altLang="en-US" dirty="0"/>
+              <a:t>적절하게 책임과 관심이 다른 코드를 분리하고</a:t>
+            </a:r>
+            <a:r>
+              <a:rPr lang="en-US" altLang="ko-KR" dirty="0"/>
+              <a:t>, </a:t>
+            </a:r>
+            <a:r>
+              <a:rPr lang="ko-KR" altLang="en-US" dirty="0"/>
+              <a:t>서로 영향을 주지 않도록 다양한 추상화 기법을 도입하고</a:t>
+            </a:r>
+            <a:r>
+              <a:rPr lang="en-US" altLang="ko-KR" dirty="0"/>
+              <a:t>, </a:t>
+            </a:r>
+            <a:r>
+              <a:rPr lang="ko-KR" altLang="en-US" dirty="0"/>
+              <a:t>애플리케이션 로직과 기술</a:t>
+            </a:r>
+            <a:r>
+              <a:rPr lang="en-US" altLang="ko-KR" dirty="0"/>
+              <a:t>/</a:t>
+            </a:r>
+            <a:r>
+              <a:rPr lang="ko-KR" altLang="en-US" dirty="0"/>
+              <a:t>환경을 분리하는 등의 작업이 엔터프라이즈 애플리케이션에는 반드시 필요함</a:t>
+            </a:r>
+            <a:endParaRPr lang="en-US" altLang="ko-KR" dirty="0"/>
+          </a:p>
+          <a:p>
+            <a:endParaRPr lang="en-US" altLang="ko-KR" dirty="0"/>
+          </a:p>
+          <a:p>
+            <a:r>
+              <a:rPr lang="en-US" altLang="ko-KR" dirty="0"/>
+              <a:t>-&gt; </a:t>
+            </a:r>
+            <a:r>
+              <a:rPr lang="ko-KR" altLang="en-US" dirty="0"/>
+              <a:t>이를 위한 핵심적인 도구가 스프링의 </a:t>
+            </a:r>
+            <a:r>
+              <a:rPr lang="en-US" altLang="ko-KR" dirty="0"/>
+              <a:t>DI</a:t>
+            </a:r>
+            <a:r>
+              <a:rPr lang="ko-KR" altLang="en-US" dirty="0"/>
+              <a:t>임</a:t>
+            </a:r>
+          </a:p>
+        </p:txBody>
+      </p:sp>
+      <p:sp>
+        <p:nvSpPr>
+          <p:cNvPr id="4" name="TextBox 3">
+            <a:extLst>
+              <a:ext uri="{FF2B5EF4-FFF2-40B4-BE49-F238E27FC236}">
+                <a16:creationId xmlns:a16="http://schemas.microsoft.com/office/drawing/2014/main" id="{7B9000E3-9A52-4049-AD6B-28B0A04ACBC7}"/>
+              </a:ext>
+            </a:extLst>
+          </p:cNvPr>
+          <p:cNvSpPr txBox="1"/>
+          <p:nvPr/>
+        </p:nvSpPr>
+        <p:spPr>
+          <a:xfrm>
+            <a:off x="2985247" y="4831976"/>
+            <a:ext cx="7978588" cy="1754326"/>
+          </a:xfrm>
+          <a:prstGeom prst="rect">
+            <a:avLst/>
+          </a:prstGeom>
+          <a:noFill/>
+        </p:spPr>
+        <p:txBody>
+          <a:bodyPr wrap="square" rtlCol="0">
+            <a:spAutoFit/>
+          </a:bodyPr>
+          <a:lstStyle/>
+          <a:p>
+            <a:r>
+              <a:rPr lang="ko-KR" altLang="en-US" dirty="0"/>
+              <a:t>단일 책임 원칙을 잘 지키는 코드를 만들기 위해 인터페이스를 도입하고 이를 </a:t>
+            </a:r>
+            <a:r>
+              <a:rPr lang="en-US" altLang="ko-KR" dirty="0"/>
+              <a:t>DI</a:t>
+            </a:r>
+            <a:r>
+              <a:rPr lang="ko-KR" altLang="en-US" dirty="0"/>
+              <a:t>로 연결</a:t>
+            </a:r>
+            <a:endParaRPr lang="en-US" altLang="ko-KR" dirty="0"/>
+          </a:p>
+          <a:p>
+            <a:r>
+              <a:rPr lang="en-US" altLang="ko-KR" dirty="0"/>
+              <a:t>-&gt; </a:t>
+            </a:r>
+            <a:r>
+              <a:rPr lang="ko-KR" altLang="en-US" dirty="0"/>
+              <a:t>그 결과로 단일 책임 </a:t>
+            </a:r>
+            <a:r>
+              <a:rPr lang="ko-KR" altLang="en-US" dirty="0" err="1"/>
+              <a:t>원칙뿐</a:t>
+            </a:r>
+            <a:r>
+              <a:rPr lang="ko-KR" altLang="en-US" dirty="0"/>
+              <a:t> 아니라 개방 폐쇄 원칙도 잘 지키고 결합도가 낮고 응집도가 높은 코드를 만들 수 있음</a:t>
+            </a:r>
+            <a:endParaRPr lang="en-US" altLang="ko-KR" dirty="0"/>
+          </a:p>
+          <a:p>
+            <a:r>
+              <a:rPr lang="ko-KR" altLang="en-US" dirty="0"/>
+              <a:t>뿐만 아니라 전략 패턴</a:t>
+            </a:r>
+            <a:r>
+              <a:rPr lang="en-US" altLang="ko-KR" dirty="0"/>
+              <a:t>,</a:t>
+            </a:r>
+            <a:r>
+              <a:rPr lang="ko-KR" altLang="en-US" dirty="0"/>
+              <a:t> 어댑터 </a:t>
+            </a:r>
+            <a:r>
+              <a:rPr lang="ko-KR" altLang="en-US" dirty="0" err="1"/>
+              <a:t>패턴등</a:t>
+            </a:r>
+            <a:r>
+              <a:rPr lang="ko-KR" altLang="en-US" dirty="0"/>
+              <a:t> 여러가지 디자인 패턴이 자연스럽게 적용 됨</a:t>
+            </a:r>
           </a:p>
         </p:txBody>
       </p:sp>
     </p:spTree>
     <p:extLst>
       <p:ext uri="{BB962C8B-B14F-4D97-AF65-F5344CB8AC3E}">
-        <p14:creationId xmlns:p14="http://schemas.microsoft.com/office/powerpoint/2010/main" val="654988685"/>
+        <p14:creationId xmlns:p14="http://schemas.microsoft.com/office/powerpoint/2010/main" val="900990273"/>
+      </p:ext>
+    </p:extLst>
+  </p:cSld>
+  <p:clrMapOvr>
+    <a:masterClrMapping/>
+  </p:clrMapOvr>
+</p:sld>
+</file>
+
+<file path=ppt/slides/slide22.xml><?xml version="1.0" encoding="utf-8"?>
+<p:sld xmlns:a="http://schemas.openxmlformats.org/drawingml/2006/main" xmlns:r="http://schemas.openxmlformats.org/officeDocument/2006/relationships" xmlns:p="http://schemas.openxmlformats.org/presentationml/2006/main">
+  <p:cSld>
+    <p:spTree>
+      <p:nvGrpSpPr>
+        <p:cNvPr id="1" name=""/>
+        <p:cNvGrpSpPr/>
+        <p:nvPr/>
+      </p:nvGrpSpPr>
+      <p:grpSpPr>
+        <a:xfrm>
+          <a:off x="0" y="0"/>
+          <a:ext cx="0" cy="0"/>
+          <a:chOff x="0" y="0"/>
+          <a:chExt cx="0" cy="0"/>
+        </a:xfrm>
+      </p:grpSpPr>
+      <p:sp>
+        <p:nvSpPr>
+          <p:cNvPr id="2" name="TextBox 1">
+            <a:extLst>
+              <a:ext uri="{FF2B5EF4-FFF2-40B4-BE49-F238E27FC236}">
+                <a16:creationId xmlns:a16="http://schemas.microsoft.com/office/drawing/2014/main" id="{224094F5-E400-462C-B80F-79DFF435EA90}"/>
+              </a:ext>
+            </a:extLst>
+          </p:cNvPr>
+          <p:cNvSpPr txBox="1"/>
+          <p:nvPr/>
+        </p:nvSpPr>
+        <p:spPr>
+          <a:xfrm>
+            <a:off x="2617694" y="681318"/>
+            <a:ext cx="7817224" cy="2862322"/>
+          </a:xfrm>
+          <a:prstGeom prst="rect">
+            <a:avLst/>
+          </a:prstGeom>
+          <a:noFill/>
+        </p:spPr>
+        <p:txBody>
+          <a:bodyPr wrap="square" rtlCol="0">
+            <a:spAutoFit/>
+          </a:bodyPr>
+          <a:lstStyle/>
+          <a:p>
+            <a:r>
+              <a:rPr lang="ko-KR" altLang="en-US" dirty="0"/>
+              <a:t>메일 발송 테스트 하려면 서버가 필요함 </a:t>
+            </a:r>
+            <a:r>
+              <a:rPr lang="en-US" altLang="ko-KR" dirty="0"/>
+              <a:t>-&gt; </a:t>
+            </a:r>
+            <a:r>
+              <a:rPr lang="ko-KR" altLang="en-US" dirty="0"/>
+              <a:t>하지만 테스트 </a:t>
+            </a:r>
+            <a:r>
+              <a:rPr lang="ko-KR" altLang="en-US" dirty="0" err="1"/>
+              <a:t>할때마다</a:t>
+            </a:r>
+            <a:r>
+              <a:rPr lang="ko-KR" altLang="en-US" dirty="0"/>
+              <a:t> 실제로 서버에 메일을 보내는 것은 서버에 부담을 줌 </a:t>
+            </a:r>
+            <a:r>
+              <a:rPr lang="en-US" altLang="ko-KR" dirty="0"/>
+              <a:t>-&gt; </a:t>
+            </a:r>
+            <a:r>
+              <a:rPr lang="ko-KR" altLang="en-US" dirty="0"/>
+              <a:t>실제 메일 서버를 사용하지 않고 테스트 메일 서버를 사용 </a:t>
+            </a:r>
+            <a:r>
+              <a:rPr lang="en-US" altLang="ko-KR" dirty="0"/>
+              <a:t>-&gt; </a:t>
+            </a:r>
+            <a:r>
+              <a:rPr lang="ko-KR" altLang="en-US" dirty="0"/>
+              <a:t>실제 메일 전송을 수행하는 </a:t>
+            </a:r>
+            <a:r>
+              <a:rPr lang="en-US" altLang="ko-KR" dirty="0" err="1"/>
+              <a:t>JavaMail</a:t>
+            </a:r>
+            <a:r>
+              <a:rPr lang="ko-KR" altLang="en-US" dirty="0"/>
+              <a:t> </a:t>
+            </a:r>
+            <a:r>
+              <a:rPr lang="en-US" altLang="ko-KR" dirty="0"/>
+              <a:t>API</a:t>
+            </a:r>
+            <a:r>
+              <a:rPr lang="ko-KR" altLang="en-US" dirty="0"/>
+              <a:t> 대신에 </a:t>
+            </a:r>
+            <a:r>
+              <a:rPr lang="en-US" altLang="ko-KR" dirty="0" err="1"/>
+              <a:t>JavaMail</a:t>
+            </a:r>
+            <a:r>
+              <a:rPr lang="ko-KR" altLang="en-US" dirty="0" err="1"/>
+              <a:t>과같은</a:t>
+            </a:r>
+            <a:r>
+              <a:rPr lang="ko-KR" altLang="en-US" dirty="0"/>
+              <a:t> </a:t>
+            </a:r>
+            <a:r>
+              <a:rPr lang="ko-KR" altLang="en-US" dirty="0" err="1"/>
+              <a:t>인터</a:t>
+            </a:r>
+            <a:r>
+              <a:rPr lang="ko-KR" altLang="en-US" dirty="0"/>
+              <a:t> 페이스를 갖는 오브젝트를 생성해서 사용 </a:t>
+            </a:r>
+            <a:r>
+              <a:rPr lang="en-US" altLang="ko-KR" dirty="0"/>
+              <a:t>-&gt; </a:t>
+            </a:r>
+            <a:r>
+              <a:rPr lang="ko-KR" altLang="en-US" dirty="0"/>
+              <a:t>하지만 </a:t>
+            </a:r>
+            <a:r>
+              <a:rPr lang="en-US" altLang="ko-KR" dirty="0" err="1"/>
+              <a:t>JavaMail</a:t>
+            </a:r>
+            <a:r>
+              <a:rPr lang="ko-KR" altLang="en-US" dirty="0"/>
+              <a:t>은 확장이나 지원이 불가능하도록 만들어진 악명 높은 </a:t>
+            </a:r>
+            <a:r>
+              <a:rPr lang="en-US" altLang="ko-KR" dirty="0"/>
+              <a:t>API</a:t>
+            </a:r>
+            <a:r>
+              <a:rPr lang="ko-KR" altLang="en-US" dirty="0"/>
+              <a:t>중 하나</a:t>
+            </a:r>
+            <a:endParaRPr lang="en-US" altLang="ko-KR" dirty="0"/>
+          </a:p>
+          <a:p>
+            <a:r>
+              <a:rPr lang="en-US" altLang="ko-KR" dirty="0"/>
+              <a:t>-&gt; </a:t>
+            </a:r>
+            <a:r>
+              <a:rPr lang="ko-KR" altLang="en-US" dirty="0"/>
+              <a:t>스프링이 제공하는 메일 서비스 추상화</a:t>
+            </a:r>
+            <a:r>
+              <a:rPr lang="en-US" altLang="ko-KR" dirty="0"/>
+              <a:t>(</a:t>
+            </a:r>
+            <a:r>
+              <a:rPr lang="en-US" altLang="ko-KR" dirty="0" err="1"/>
+              <a:t>MailSender</a:t>
+            </a:r>
+            <a:r>
+              <a:rPr lang="en-US" altLang="ko-KR" dirty="0"/>
+              <a:t> </a:t>
+            </a:r>
+            <a:r>
+              <a:rPr lang="ko-KR" altLang="en-US" dirty="0"/>
+              <a:t>인터페이스</a:t>
+            </a:r>
+            <a:r>
+              <a:rPr lang="en-US" altLang="ko-KR" dirty="0"/>
+              <a:t>)</a:t>
+            </a:r>
+            <a:r>
+              <a:rPr lang="ko-KR" altLang="en-US" dirty="0"/>
+              <a:t>기능을 통해 해결</a:t>
+            </a:r>
+            <a:endParaRPr lang="en-US" altLang="ko-KR" dirty="0"/>
+          </a:p>
+          <a:p>
+            <a:endParaRPr lang="en-US" altLang="ko-KR" dirty="0"/>
+          </a:p>
+          <a:p>
+            <a:r>
+              <a:rPr lang="en-US" altLang="ko-KR" dirty="0"/>
+              <a:t>-&gt; </a:t>
+            </a:r>
+            <a:r>
+              <a:rPr lang="en-US" altLang="ko-KR" dirty="0" err="1"/>
+              <a:t>MailSender</a:t>
+            </a:r>
+            <a:r>
+              <a:rPr lang="en-US" altLang="ko-KR" dirty="0"/>
+              <a:t> </a:t>
+            </a:r>
+            <a:r>
+              <a:rPr lang="ko-KR" altLang="en-US" dirty="0"/>
+              <a:t>구현 클래스를 만들어서 </a:t>
+            </a:r>
+            <a:r>
+              <a:rPr lang="en-US" altLang="ko-KR" dirty="0"/>
+              <a:t>DI</a:t>
+            </a:r>
+            <a:r>
+              <a:rPr lang="ko-KR" altLang="en-US" dirty="0"/>
+              <a:t>해주면 됨</a:t>
+            </a:r>
+          </a:p>
+        </p:txBody>
+      </p:sp>
+    </p:spTree>
+    <p:extLst>
+      <p:ext uri="{BB962C8B-B14F-4D97-AF65-F5344CB8AC3E}">
+        <p14:creationId xmlns:p14="http://schemas.microsoft.com/office/powerpoint/2010/main" val="2661190674"/>
+      </p:ext>
+    </p:extLst>
+  </p:cSld>
+  <p:clrMapOvr>
+    <a:masterClrMapping/>
+  </p:clrMapOvr>
+</p:sld>
+</file>
+
+<file path=ppt/slides/slide23.xml><?xml version="1.0" encoding="utf-8"?>
+<p:sld xmlns:a="http://schemas.openxmlformats.org/drawingml/2006/main" xmlns:r="http://schemas.openxmlformats.org/officeDocument/2006/relationships" xmlns:p="http://schemas.openxmlformats.org/presentationml/2006/main">
+  <p:cSld>
+    <p:spTree>
+      <p:nvGrpSpPr>
+        <p:cNvPr id="1" name=""/>
+        <p:cNvGrpSpPr/>
+        <p:nvPr/>
+      </p:nvGrpSpPr>
+      <p:grpSpPr>
+        <a:xfrm>
+          <a:off x="0" y="0"/>
+          <a:ext cx="0" cy="0"/>
+          <a:chOff x="0" y="0"/>
+          <a:chExt cx="0" cy="0"/>
+        </a:xfrm>
+      </p:grpSpPr>
+      <p:sp>
+        <p:nvSpPr>
+          <p:cNvPr id="2" name="TextBox 1">
+            <a:extLst>
+              <a:ext uri="{FF2B5EF4-FFF2-40B4-BE49-F238E27FC236}">
+                <a16:creationId xmlns:a16="http://schemas.microsoft.com/office/drawing/2014/main" id="{88C5AB19-D9B6-4FE8-B9FC-4DBB9855232A}"/>
+              </a:ext>
+            </a:extLst>
+          </p:cNvPr>
+          <p:cNvSpPr txBox="1"/>
+          <p:nvPr/>
+        </p:nvSpPr>
+        <p:spPr>
+          <a:xfrm>
+            <a:off x="2411506" y="950259"/>
+            <a:ext cx="3756212" cy="3416320"/>
+          </a:xfrm>
+          <a:prstGeom prst="rect">
+            <a:avLst/>
+          </a:prstGeom>
+          <a:noFill/>
+        </p:spPr>
+        <p:txBody>
+          <a:bodyPr wrap="square" rtlCol="0">
+            <a:spAutoFit/>
+          </a:bodyPr>
+          <a:lstStyle/>
+          <a:p>
+            <a:r>
+              <a:rPr lang="ko-KR" altLang="en-US" dirty="0"/>
+              <a:t>스프링의 </a:t>
+            </a:r>
+            <a:r>
+              <a:rPr lang="en-US" altLang="ko-KR" dirty="0"/>
+              <a:t>XML </a:t>
+            </a:r>
+            <a:r>
+              <a:rPr lang="ko-KR" altLang="en-US" dirty="0"/>
+              <a:t>설정파일을 테스트용으로 따로 만든 이유</a:t>
+            </a:r>
+            <a:r>
+              <a:rPr lang="en-US" altLang="ko-KR" dirty="0"/>
+              <a:t>: </a:t>
+            </a:r>
+            <a:r>
+              <a:rPr lang="ko-KR" altLang="en-US" dirty="0"/>
+              <a:t>개발자 환경에서 손쉽게 이용할 수 있는 테스트용 </a:t>
+            </a:r>
+            <a:r>
+              <a:rPr lang="en-US" altLang="ko-KR" dirty="0"/>
+              <a:t>DB</a:t>
+            </a:r>
+            <a:r>
+              <a:rPr lang="ko-KR" altLang="en-US" dirty="0"/>
+              <a:t>를 사용하도록 만들기 위해서</a:t>
+            </a:r>
+            <a:endParaRPr lang="en-US" altLang="ko-KR" dirty="0"/>
+          </a:p>
+          <a:p>
+            <a:endParaRPr lang="en-US" altLang="ko-KR" dirty="0"/>
+          </a:p>
+          <a:p>
+            <a:r>
+              <a:rPr lang="en-US" altLang="ko-KR" dirty="0"/>
+              <a:t>-&gt; </a:t>
+            </a:r>
+            <a:r>
+              <a:rPr lang="ko-KR" altLang="en-US" dirty="0"/>
+              <a:t>이처럼 테스트 환경에서 유용하게 사용하는 기법이 있음</a:t>
+            </a:r>
+            <a:endParaRPr lang="en-US" altLang="ko-KR" dirty="0"/>
+          </a:p>
+          <a:p>
+            <a:endParaRPr lang="en-US" altLang="ko-KR" dirty="0"/>
+          </a:p>
+          <a:p>
+            <a:r>
+              <a:rPr lang="en-US" altLang="ko-KR" dirty="0"/>
+              <a:t>-&gt; </a:t>
+            </a:r>
+            <a:r>
+              <a:rPr lang="ko-KR" altLang="en-US" dirty="0"/>
+              <a:t>테스트할 대상이 의존하고 있는 오브젝트를 </a:t>
+            </a:r>
+            <a:r>
+              <a:rPr lang="en-US" altLang="ko-KR" dirty="0"/>
+              <a:t>DI</a:t>
+            </a:r>
+            <a:r>
+              <a:rPr lang="ko-KR" altLang="en-US" dirty="0"/>
+              <a:t>를 통해 </a:t>
+            </a:r>
+            <a:r>
+              <a:rPr lang="ko-KR" altLang="en-US" dirty="0" err="1"/>
+              <a:t>바꿔치기</a:t>
+            </a:r>
+            <a:r>
+              <a:rPr lang="ko-KR" altLang="en-US" dirty="0"/>
+              <a:t> </a:t>
+            </a:r>
+            <a:r>
+              <a:rPr lang="ko-KR" altLang="en-US" dirty="0" err="1"/>
+              <a:t>하는것</a:t>
+            </a:r>
+            <a:endParaRPr lang="ko-KR" altLang="en-US" dirty="0"/>
+          </a:p>
+        </p:txBody>
+      </p:sp>
+    </p:spTree>
+    <p:extLst>
+      <p:ext uri="{BB962C8B-B14F-4D97-AF65-F5344CB8AC3E}">
+        <p14:creationId xmlns:p14="http://schemas.microsoft.com/office/powerpoint/2010/main" val="592982931"/>
+      </p:ext>
+    </p:extLst>
+  </p:cSld>
+  <p:clrMapOvr>
+    <a:masterClrMapping/>
+  </p:clrMapOvr>
+</p:sld>
+</file>
+
+<file path=ppt/slides/slide24.xml><?xml version="1.0" encoding="utf-8"?>
+<p:sld xmlns:a="http://schemas.openxmlformats.org/drawingml/2006/main" xmlns:r="http://schemas.openxmlformats.org/officeDocument/2006/relationships" xmlns:p="http://schemas.openxmlformats.org/presentationml/2006/main">
+  <p:cSld>
+    <p:spTree>
+      <p:nvGrpSpPr>
+        <p:cNvPr id="1" name=""/>
+        <p:cNvGrpSpPr/>
+        <p:nvPr/>
+      </p:nvGrpSpPr>
+      <p:grpSpPr>
+        <a:xfrm>
+          <a:off x="0" y="0"/>
+          <a:ext cx="0" cy="0"/>
+          <a:chOff x="0" y="0"/>
+          <a:chExt cx="0" cy="0"/>
+        </a:xfrm>
+      </p:grpSpPr>
+      <p:sp>
+        <p:nvSpPr>
+          <p:cNvPr id="2" name="TextBox 1">
+            <a:extLst>
+              <a:ext uri="{FF2B5EF4-FFF2-40B4-BE49-F238E27FC236}">
+                <a16:creationId xmlns:a16="http://schemas.microsoft.com/office/drawing/2014/main" id="{C7927D15-4724-4A03-B73F-115F59C01E55}"/>
+              </a:ext>
+            </a:extLst>
+          </p:cNvPr>
+          <p:cNvSpPr txBox="1"/>
+          <p:nvPr/>
+        </p:nvSpPr>
+        <p:spPr>
+          <a:xfrm>
+            <a:off x="2859741" y="1299882"/>
+            <a:ext cx="4536141" cy="2308324"/>
+          </a:xfrm>
+          <a:prstGeom prst="rect">
+            <a:avLst/>
+          </a:prstGeom>
+          <a:noFill/>
+        </p:spPr>
+        <p:txBody>
+          <a:bodyPr wrap="square" rtlCol="0">
+            <a:spAutoFit/>
+          </a:bodyPr>
+          <a:lstStyle/>
+          <a:p>
+            <a:r>
+              <a:rPr lang="ko-KR" altLang="en-US" dirty="0"/>
+              <a:t>의존한다는 말</a:t>
+            </a:r>
+            <a:r>
+              <a:rPr lang="en-US" altLang="ko-KR" dirty="0"/>
+              <a:t>: </a:t>
+            </a:r>
+            <a:r>
+              <a:rPr lang="ko-KR" altLang="en-US" dirty="0"/>
+              <a:t>종속되거나 기능을 사용한다는 의미</a:t>
+            </a:r>
+            <a:endParaRPr lang="en-US" altLang="ko-KR" dirty="0"/>
+          </a:p>
+          <a:p>
+            <a:r>
+              <a:rPr lang="en-US" altLang="ko-KR" dirty="0"/>
+              <a:t>-&gt; </a:t>
+            </a:r>
+            <a:r>
+              <a:rPr lang="ko-KR" altLang="en-US" dirty="0"/>
+              <a:t>사용하는 오브젝트의 기능이 </a:t>
+            </a:r>
+            <a:r>
+              <a:rPr lang="ko-KR" altLang="en-US" dirty="0" err="1"/>
+              <a:t>바뀌었을때</a:t>
+            </a:r>
+            <a:r>
+              <a:rPr lang="ko-KR" altLang="en-US" dirty="0"/>
+              <a:t> 자신이 영향을 받음</a:t>
+            </a:r>
+            <a:endParaRPr lang="en-US" altLang="ko-KR" dirty="0"/>
+          </a:p>
+          <a:p>
+            <a:endParaRPr lang="en-US" altLang="ko-KR" dirty="0"/>
+          </a:p>
+          <a:p>
+            <a:r>
+              <a:rPr lang="ko-KR" altLang="en-US" dirty="0"/>
+              <a:t>의존 오브젝트 </a:t>
+            </a:r>
+            <a:r>
+              <a:rPr lang="en-US" altLang="ko-KR" dirty="0"/>
+              <a:t>=== </a:t>
+            </a:r>
+            <a:r>
+              <a:rPr lang="ko-KR" altLang="en-US" dirty="0"/>
+              <a:t>협력 오브젝트</a:t>
+            </a:r>
+            <a:endParaRPr lang="en-US" altLang="ko-KR" dirty="0"/>
+          </a:p>
+          <a:p>
+            <a:r>
+              <a:rPr lang="en-US" altLang="ko-KR" dirty="0"/>
+              <a:t>-&gt; </a:t>
+            </a:r>
+            <a:r>
+              <a:rPr lang="ko-KR" altLang="en-US" dirty="0"/>
+              <a:t>함께 협력해서 일을 처리하는 대상이기 때문</a:t>
+            </a:r>
+          </a:p>
+        </p:txBody>
+      </p:sp>
+      <p:sp>
+        <p:nvSpPr>
+          <p:cNvPr id="3" name="TextBox 2">
+            <a:extLst>
+              <a:ext uri="{FF2B5EF4-FFF2-40B4-BE49-F238E27FC236}">
+                <a16:creationId xmlns:a16="http://schemas.microsoft.com/office/drawing/2014/main" id="{CE54074E-5BCF-414C-AFC3-314C5652B028}"/>
+              </a:ext>
+            </a:extLst>
+          </p:cNvPr>
+          <p:cNvSpPr txBox="1"/>
+          <p:nvPr/>
+        </p:nvSpPr>
+        <p:spPr>
+          <a:xfrm>
+            <a:off x="2752164" y="3765176"/>
+            <a:ext cx="7539318" cy="923330"/>
+          </a:xfrm>
+          <a:prstGeom prst="rect">
+            <a:avLst/>
+          </a:prstGeom>
+          <a:noFill/>
+        </p:spPr>
+        <p:txBody>
+          <a:bodyPr wrap="square" rtlCol="0">
+            <a:spAutoFit/>
+          </a:bodyPr>
+          <a:lstStyle/>
+          <a:p>
+            <a:r>
+              <a:rPr lang="ko-KR" altLang="en-US" dirty="0"/>
+              <a:t>테스트 환경을 </a:t>
+            </a:r>
+            <a:r>
+              <a:rPr lang="ko-KR" altLang="en-US" dirty="0" err="1"/>
+              <a:t>만들어주기</a:t>
+            </a:r>
+            <a:r>
+              <a:rPr lang="ko-KR" altLang="en-US" dirty="0"/>
+              <a:t> 위해</a:t>
+            </a:r>
+            <a:r>
+              <a:rPr lang="en-US" altLang="ko-KR" dirty="0"/>
+              <a:t>, </a:t>
+            </a:r>
+            <a:r>
+              <a:rPr lang="ko-KR" altLang="en-US" dirty="0"/>
+              <a:t>테스트 대상이 되는 오브젝트의 기능에만 충실하게 수행하면서 빠르게</a:t>
+            </a:r>
+            <a:r>
+              <a:rPr lang="en-US" altLang="ko-KR" dirty="0"/>
+              <a:t>, </a:t>
+            </a:r>
+            <a:r>
+              <a:rPr lang="ko-KR" altLang="en-US" dirty="0"/>
+              <a:t>자주 테스트를 실행할 수 있도록 사용하는 오브젝트를 테스트 대역 이라고 함</a:t>
+            </a:r>
+          </a:p>
+        </p:txBody>
+      </p:sp>
+    </p:spTree>
+    <p:extLst>
+      <p:ext uri="{BB962C8B-B14F-4D97-AF65-F5344CB8AC3E}">
+        <p14:creationId xmlns:p14="http://schemas.microsoft.com/office/powerpoint/2010/main" val="3623115891"/>
+      </p:ext>
+    </p:extLst>
+  </p:cSld>
+  <p:clrMapOvr>
+    <a:masterClrMapping/>
+  </p:clrMapOvr>
+</p:sld>
+</file>
+
+<file path=ppt/slides/slide25.xml><?xml version="1.0" encoding="utf-8"?>
+<p:sld xmlns:a="http://schemas.openxmlformats.org/drawingml/2006/main" xmlns:r="http://schemas.openxmlformats.org/officeDocument/2006/relationships" xmlns:p="http://schemas.openxmlformats.org/presentationml/2006/main">
+  <p:cSld>
+    <p:spTree>
+      <p:nvGrpSpPr>
+        <p:cNvPr id="1" name=""/>
+        <p:cNvGrpSpPr/>
+        <p:nvPr/>
+      </p:nvGrpSpPr>
+      <p:grpSpPr>
+        <a:xfrm>
+          <a:off x="0" y="0"/>
+          <a:ext cx="0" cy="0"/>
+          <a:chOff x="0" y="0"/>
+          <a:chExt cx="0" cy="0"/>
+        </a:xfrm>
+      </p:grpSpPr>
+      <p:sp>
+        <p:nvSpPr>
+          <p:cNvPr id="2" name="TextBox 1">
+            <a:extLst>
+              <a:ext uri="{FF2B5EF4-FFF2-40B4-BE49-F238E27FC236}">
+                <a16:creationId xmlns:a16="http://schemas.microsoft.com/office/drawing/2014/main" id="{A53B7976-BDB2-416A-94BF-1EA979517668}"/>
+              </a:ext>
+            </a:extLst>
+          </p:cNvPr>
+          <p:cNvSpPr txBox="1"/>
+          <p:nvPr/>
+        </p:nvSpPr>
+        <p:spPr>
+          <a:xfrm>
+            <a:off x="2725271" y="555813"/>
+            <a:ext cx="4078942" cy="2308324"/>
+          </a:xfrm>
+          <a:prstGeom prst="rect">
+            <a:avLst/>
+          </a:prstGeom>
+          <a:noFill/>
+        </p:spPr>
+        <p:txBody>
+          <a:bodyPr wrap="square" rtlCol="0">
+            <a:spAutoFit/>
+          </a:bodyPr>
+          <a:lstStyle/>
+          <a:p>
+            <a:r>
+              <a:rPr lang="ko-KR" altLang="en-US" dirty="0"/>
+              <a:t>테스트 </a:t>
+            </a:r>
+            <a:r>
+              <a:rPr lang="ko-KR" altLang="en-US" dirty="0" err="1"/>
+              <a:t>스텁</a:t>
+            </a:r>
+            <a:r>
+              <a:rPr lang="en-US" altLang="ko-KR" dirty="0"/>
+              <a:t>: </a:t>
+            </a:r>
+            <a:r>
+              <a:rPr lang="ko-KR" altLang="en-US" dirty="0"/>
+              <a:t>테스트 대상 오브젝트의 의존객체로서 존재하면서 테스트 동안에 코드가 정상적으로 수행할 수 있도록 돕는 것을 말함</a:t>
+            </a:r>
+            <a:endParaRPr lang="en-US" altLang="ko-KR" dirty="0"/>
+          </a:p>
+          <a:p>
+            <a:endParaRPr lang="en-US" altLang="ko-KR" dirty="0"/>
+          </a:p>
+          <a:p>
+            <a:r>
+              <a:rPr lang="en-US" altLang="ko-KR" dirty="0"/>
+              <a:t>-&gt; </a:t>
+            </a:r>
+            <a:r>
+              <a:rPr lang="ko-KR" altLang="en-US" dirty="0"/>
+              <a:t>일반적으로 메소드를 통해 전달하는 파라미터와 달리</a:t>
+            </a:r>
+            <a:r>
+              <a:rPr lang="en-US" altLang="ko-KR" dirty="0"/>
+              <a:t>, </a:t>
+            </a:r>
+            <a:r>
+              <a:rPr lang="ko-KR" altLang="en-US" dirty="0"/>
+              <a:t>테스트 코드 내부에서 간접적으로 사용됨</a:t>
+            </a:r>
+            <a:endParaRPr lang="en-US" altLang="ko-KR" dirty="0"/>
+          </a:p>
+        </p:txBody>
+      </p:sp>
+      <p:sp>
+        <p:nvSpPr>
+          <p:cNvPr id="3" name="TextBox 2">
+            <a:extLst>
+              <a:ext uri="{FF2B5EF4-FFF2-40B4-BE49-F238E27FC236}">
+                <a16:creationId xmlns:a16="http://schemas.microsoft.com/office/drawing/2014/main" id="{3526160E-A9C3-43FD-84B1-2B531993A713}"/>
+              </a:ext>
+            </a:extLst>
+          </p:cNvPr>
+          <p:cNvSpPr txBox="1"/>
+          <p:nvPr/>
+        </p:nvSpPr>
+        <p:spPr>
+          <a:xfrm>
+            <a:off x="2823882" y="3200400"/>
+            <a:ext cx="3827930" cy="2031325"/>
+          </a:xfrm>
+          <a:prstGeom prst="rect">
+            <a:avLst/>
+          </a:prstGeom>
+          <a:noFill/>
+        </p:spPr>
+        <p:txBody>
+          <a:bodyPr wrap="square" rtlCol="0">
+            <a:spAutoFit/>
+          </a:bodyPr>
+          <a:lstStyle/>
+          <a:p>
+            <a:r>
+              <a:rPr lang="ko-KR" altLang="en-US" dirty="0"/>
+              <a:t>단위 테스트에서는 보통 입력 값을 테스트 대상 오브젝트의 메소드의 파라미터로 전달 하고</a:t>
+            </a:r>
+            <a:r>
+              <a:rPr lang="en-US" altLang="ko-KR" dirty="0"/>
+              <a:t>, </a:t>
+            </a:r>
+            <a:r>
+              <a:rPr lang="ko-KR" altLang="en-US" dirty="0"/>
+              <a:t>메소드의 리턴 값을 출력 값으로 보고 검증</a:t>
+            </a:r>
+            <a:endParaRPr lang="en-US" altLang="ko-KR" dirty="0"/>
+          </a:p>
+          <a:p>
+            <a:endParaRPr lang="en-US" altLang="ko-KR" dirty="0"/>
+          </a:p>
+          <a:p>
+            <a:r>
+              <a:rPr lang="en-US" altLang="ko-KR" dirty="0"/>
+              <a:t>-&gt; </a:t>
+            </a:r>
+            <a:r>
+              <a:rPr lang="ko-KR" altLang="en-US" dirty="0" err="1"/>
+              <a:t>스텁을</a:t>
+            </a:r>
+            <a:r>
+              <a:rPr lang="ko-KR" altLang="en-US" dirty="0"/>
+              <a:t> 이용하면 간접적인 입력 값을 지정해 </a:t>
+            </a:r>
+            <a:r>
+              <a:rPr lang="ko-KR" altLang="en-US" dirty="0" err="1"/>
+              <a:t>줄수</a:t>
+            </a:r>
+            <a:r>
+              <a:rPr lang="ko-KR" altLang="en-US" dirty="0"/>
+              <a:t> 있음</a:t>
+            </a:r>
+          </a:p>
+        </p:txBody>
+      </p:sp>
+    </p:spTree>
+    <p:extLst>
+      <p:ext uri="{BB962C8B-B14F-4D97-AF65-F5344CB8AC3E}">
+        <p14:creationId xmlns:p14="http://schemas.microsoft.com/office/powerpoint/2010/main" val="1755185893"/>
+      </p:ext>
+    </p:extLst>
+  </p:cSld>
+  <p:clrMapOvr>
+    <a:masterClrMapping/>
+  </p:clrMapOvr>
+</p:sld>
+</file>
+
+<file path=ppt/slides/slide26.xml><?xml version="1.0" encoding="utf-8"?>
+<p:sld xmlns:a="http://schemas.openxmlformats.org/drawingml/2006/main" xmlns:r="http://schemas.openxmlformats.org/officeDocument/2006/relationships" xmlns:p="http://schemas.openxmlformats.org/presentationml/2006/main">
+  <p:cSld>
+    <p:spTree>
+      <p:nvGrpSpPr>
+        <p:cNvPr id="1" name=""/>
+        <p:cNvGrpSpPr/>
+        <p:nvPr/>
+      </p:nvGrpSpPr>
+      <p:grpSpPr>
+        <a:xfrm>
+          <a:off x="0" y="0"/>
+          <a:ext cx="0" cy="0"/>
+          <a:chOff x="0" y="0"/>
+          <a:chExt cx="0" cy="0"/>
+        </a:xfrm>
+      </p:grpSpPr>
+      <p:sp>
+        <p:nvSpPr>
+          <p:cNvPr id="2" name="TextBox 1">
+            <a:extLst>
+              <a:ext uri="{FF2B5EF4-FFF2-40B4-BE49-F238E27FC236}">
+                <a16:creationId xmlns:a16="http://schemas.microsoft.com/office/drawing/2014/main" id="{5ED49D3D-7DA3-4930-AFA2-314B3C91A507}"/>
+              </a:ext>
+            </a:extLst>
+          </p:cNvPr>
+          <p:cNvSpPr txBox="1"/>
+          <p:nvPr/>
+        </p:nvSpPr>
+        <p:spPr>
+          <a:xfrm>
+            <a:off x="2967318" y="546847"/>
+            <a:ext cx="7494494" cy="646331"/>
+          </a:xfrm>
+          <a:prstGeom prst="rect">
+            <a:avLst/>
+          </a:prstGeom>
+          <a:noFill/>
+        </p:spPr>
+        <p:txBody>
+          <a:bodyPr wrap="square" rtlCol="0">
+            <a:spAutoFit/>
+          </a:bodyPr>
+          <a:lstStyle/>
+          <a:p>
+            <a:r>
+              <a:rPr lang="ko-KR" altLang="en-US" dirty="0"/>
+              <a:t>간접적인 출력 결과를 검증하려면 </a:t>
+            </a:r>
+            <a:r>
+              <a:rPr lang="en-US" altLang="ko-KR" dirty="0"/>
+              <a:t>-&gt; </a:t>
+            </a:r>
+            <a:r>
+              <a:rPr lang="ko-KR" altLang="en-US" dirty="0"/>
+              <a:t>일반적인 검증</a:t>
+            </a:r>
+            <a:r>
+              <a:rPr lang="en-US" altLang="ko-KR" dirty="0"/>
+              <a:t>(</a:t>
+            </a:r>
+            <a:r>
+              <a:rPr lang="en-US" altLang="ko-KR" dirty="0" err="1"/>
+              <a:t>assertThat</a:t>
+            </a:r>
+            <a:r>
+              <a:rPr lang="en-US" altLang="ko-KR" dirty="0"/>
+              <a:t>())</a:t>
+            </a:r>
+            <a:r>
+              <a:rPr lang="ko-KR" altLang="en-US" dirty="0"/>
+              <a:t>으로는 안됨 </a:t>
+            </a:r>
+            <a:r>
+              <a:rPr lang="en-US" altLang="ko-KR" dirty="0"/>
+              <a:t>-&gt; </a:t>
+            </a:r>
+            <a:r>
+              <a:rPr lang="ko-KR" altLang="en-US" dirty="0"/>
+              <a:t>목 오브젝트를 사용</a:t>
+            </a:r>
+          </a:p>
+        </p:txBody>
+      </p:sp>
+      <p:sp>
+        <p:nvSpPr>
+          <p:cNvPr id="3" name="TextBox 2">
+            <a:extLst>
+              <a:ext uri="{FF2B5EF4-FFF2-40B4-BE49-F238E27FC236}">
+                <a16:creationId xmlns:a16="http://schemas.microsoft.com/office/drawing/2014/main" id="{91735209-A200-4F00-AA33-BC12DEE69D84}"/>
+              </a:ext>
+            </a:extLst>
+          </p:cNvPr>
+          <p:cNvSpPr txBox="1"/>
+          <p:nvPr/>
+        </p:nvSpPr>
+        <p:spPr>
+          <a:xfrm>
+            <a:off x="3316941" y="2070847"/>
+            <a:ext cx="7261412" cy="1200329"/>
+          </a:xfrm>
+          <a:prstGeom prst="rect">
+            <a:avLst/>
+          </a:prstGeom>
+          <a:noFill/>
+        </p:spPr>
+        <p:txBody>
+          <a:bodyPr wrap="square" rtlCol="0">
+            <a:spAutoFit/>
+          </a:bodyPr>
+          <a:lstStyle/>
+          <a:p>
+            <a:r>
+              <a:rPr lang="ko-KR" altLang="en-US" dirty="0"/>
+              <a:t>목</a:t>
+            </a:r>
+            <a:r>
+              <a:rPr lang="en-US" altLang="ko-KR" dirty="0"/>
+              <a:t> </a:t>
+            </a:r>
+            <a:r>
+              <a:rPr lang="ko-KR" altLang="en-US" dirty="0"/>
+              <a:t>오브젝트는 </a:t>
+            </a:r>
+            <a:r>
+              <a:rPr lang="ko-KR" altLang="en-US" dirty="0" err="1"/>
+              <a:t>스텁처럼</a:t>
+            </a:r>
+            <a:r>
+              <a:rPr lang="ko-KR" altLang="en-US" dirty="0"/>
+              <a:t> 테스트 오브젝트가 정상적으로 실행되도록 도와주면서</a:t>
+            </a:r>
+            <a:r>
+              <a:rPr lang="en-US" altLang="ko-KR" dirty="0"/>
+              <a:t>, </a:t>
+            </a:r>
+            <a:r>
+              <a:rPr lang="ko-KR" altLang="en-US" dirty="0"/>
+              <a:t>테스트 오브젝트와 자신의 사이에서 일어나는 커뮤니케이션 내용을 </a:t>
+            </a:r>
+            <a:r>
+              <a:rPr lang="ko-KR" altLang="en-US" dirty="0" err="1"/>
+              <a:t>저장해뒀다가</a:t>
+            </a:r>
+            <a:r>
+              <a:rPr lang="ko-KR" altLang="en-US" dirty="0"/>
+              <a:t> 테스트 결과를 검증하는 데 활용할 수 있게 </a:t>
+            </a:r>
+            <a:r>
+              <a:rPr lang="ko-KR" altLang="en-US" dirty="0" err="1"/>
+              <a:t>해줌</a:t>
+            </a:r>
+            <a:endParaRPr lang="ko-KR" altLang="en-US" dirty="0"/>
+          </a:p>
+        </p:txBody>
+      </p:sp>
+      <p:sp>
+        <p:nvSpPr>
+          <p:cNvPr id="4" name="TextBox 3">
+            <a:extLst>
+              <a:ext uri="{FF2B5EF4-FFF2-40B4-BE49-F238E27FC236}">
+                <a16:creationId xmlns:a16="http://schemas.microsoft.com/office/drawing/2014/main" id="{9FA7812B-4B26-47C5-AAE0-1CB87B5D1F1D}"/>
+              </a:ext>
+            </a:extLst>
+          </p:cNvPr>
+          <p:cNvSpPr txBox="1"/>
+          <p:nvPr/>
+        </p:nvSpPr>
+        <p:spPr>
+          <a:xfrm>
+            <a:off x="2850776" y="3989294"/>
+            <a:ext cx="4473389" cy="1477328"/>
+          </a:xfrm>
+          <a:prstGeom prst="rect">
+            <a:avLst/>
+          </a:prstGeom>
+          <a:noFill/>
+        </p:spPr>
+        <p:txBody>
+          <a:bodyPr wrap="square" rtlCol="0">
+            <a:spAutoFit/>
+          </a:bodyPr>
+          <a:lstStyle/>
+          <a:p>
+            <a:r>
+              <a:rPr lang="ko-KR" altLang="en-US" dirty="0"/>
+              <a:t>테스트 대상이 의존하고 있는 다른 의존 </a:t>
+            </a:r>
+            <a:r>
+              <a:rPr lang="ko-KR" altLang="en-US" dirty="0" err="1"/>
+              <a:t>오브젝트와도</a:t>
+            </a:r>
+            <a:r>
+              <a:rPr lang="ko-KR" altLang="en-US" dirty="0"/>
+              <a:t> 커뮤니케이션하기 때문에 간접적으로 테스트 대상이 받아야할 입력 값이 필요 </a:t>
+            </a:r>
+            <a:r>
+              <a:rPr lang="en-US" altLang="ko-KR" dirty="0"/>
+              <a:t>-&gt; </a:t>
+            </a:r>
+            <a:r>
+              <a:rPr lang="ko-KR" altLang="en-US" dirty="0"/>
+              <a:t>목 오브젝트를 통해 검증 가능</a:t>
+            </a:r>
+          </a:p>
+        </p:txBody>
+      </p:sp>
+    </p:spTree>
+    <p:extLst>
+      <p:ext uri="{BB962C8B-B14F-4D97-AF65-F5344CB8AC3E}">
+        <p14:creationId xmlns:p14="http://schemas.microsoft.com/office/powerpoint/2010/main" val="718788607"/>
+      </p:ext>
+    </p:extLst>
+  </p:cSld>
+  <p:clrMapOvr>
+    <a:masterClrMapping/>
+  </p:clrMapOvr>
+</p:sld>
+</file>
+
+<file path=ppt/slides/slide27.xml><?xml version="1.0" encoding="utf-8"?>
+<p:sld xmlns:a="http://schemas.openxmlformats.org/drawingml/2006/main" xmlns:r="http://schemas.openxmlformats.org/officeDocument/2006/relationships" xmlns:p="http://schemas.openxmlformats.org/presentationml/2006/main">
+  <p:cSld>
+    <p:spTree>
+      <p:nvGrpSpPr>
+        <p:cNvPr id="1" name=""/>
+        <p:cNvGrpSpPr/>
+        <p:nvPr/>
+      </p:nvGrpSpPr>
+      <p:grpSpPr>
+        <a:xfrm>
+          <a:off x="0" y="0"/>
+          <a:ext cx="0" cy="0"/>
+          <a:chOff x="0" y="0"/>
+          <a:chExt cx="0" cy="0"/>
+        </a:xfrm>
+      </p:grpSpPr>
+      <p:sp>
+        <p:nvSpPr>
+          <p:cNvPr id="2" name="TextBox 1">
+            <a:extLst>
+              <a:ext uri="{FF2B5EF4-FFF2-40B4-BE49-F238E27FC236}">
+                <a16:creationId xmlns:a16="http://schemas.microsoft.com/office/drawing/2014/main" id="{B87ECFA4-94B9-437C-A06E-C847BC23719D}"/>
+              </a:ext>
+            </a:extLst>
+          </p:cNvPr>
+          <p:cNvSpPr txBox="1"/>
+          <p:nvPr/>
+        </p:nvSpPr>
+        <p:spPr>
+          <a:xfrm>
+            <a:off x="2719754" y="2086708"/>
+            <a:ext cx="1793631" cy="369332"/>
+          </a:xfrm>
+          <a:prstGeom prst="rect">
+            <a:avLst/>
+          </a:prstGeom>
+          <a:noFill/>
+        </p:spPr>
+        <p:txBody>
+          <a:bodyPr wrap="square" rtlCol="0">
+            <a:spAutoFit/>
+          </a:bodyPr>
+          <a:lstStyle/>
+          <a:p>
+            <a:r>
+              <a:rPr lang="en-US" altLang="ko-KR" dirty="0"/>
+              <a:t>7</a:t>
+            </a:r>
+            <a:r>
+              <a:rPr lang="ko-KR" altLang="en-US" dirty="0"/>
+              <a:t>장</a:t>
+            </a:r>
+          </a:p>
+        </p:txBody>
+      </p:sp>
+    </p:spTree>
+    <p:extLst>
+      <p:ext uri="{BB962C8B-B14F-4D97-AF65-F5344CB8AC3E}">
+        <p14:creationId xmlns:p14="http://schemas.microsoft.com/office/powerpoint/2010/main" val="1268527664"/>
+      </p:ext>
+    </p:extLst>
+  </p:cSld>
+  <p:clrMapOvr>
+    <a:masterClrMapping/>
+  </p:clrMapOvr>
+</p:sld>
+</file>
+
+<file path=ppt/slides/slide28.xml><?xml version="1.0" encoding="utf-8"?>
+<p:sld xmlns:a="http://schemas.openxmlformats.org/drawingml/2006/main" xmlns:r="http://schemas.openxmlformats.org/officeDocument/2006/relationships" xmlns:p="http://schemas.openxmlformats.org/presentationml/2006/main">
+  <p:cSld>
+    <p:spTree>
+      <p:nvGrpSpPr>
+        <p:cNvPr id="1" name=""/>
+        <p:cNvGrpSpPr/>
+        <p:nvPr/>
+      </p:nvGrpSpPr>
+      <p:grpSpPr>
+        <a:xfrm>
+          <a:off x="0" y="0"/>
+          <a:ext cx="0" cy="0"/>
+          <a:chOff x="0" y="0"/>
+          <a:chExt cx="0" cy="0"/>
+        </a:xfrm>
+      </p:grpSpPr>
+      <p:sp>
+        <p:nvSpPr>
+          <p:cNvPr id="2" name="TextBox 1">
+            <a:extLst>
+              <a:ext uri="{FF2B5EF4-FFF2-40B4-BE49-F238E27FC236}">
+                <a16:creationId xmlns:a16="http://schemas.microsoft.com/office/drawing/2014/main" id="{DAC6A0C6-0618-47F0-B686-6B7819DB80E3}"/>
+              </a:ext>
+            </a:extLst>
+          </p:cNvPr>
+          <p:cNvSpPr txBox="1"/>
+          <p:nvPr/>
+        </p:nvSpPr>
+        <p:spPr>
+          <a:xfrm>
+            <a:off x="1649506" y="878541"/>
+            <a:ext cx="6472518" cy="369332"/>
+          </a:xfrm>
+          <a:prstGeom prst="rect">
+            <a:avLst/>
+          </a:prstGeom>
+          <a:noFill/>
+        </p:spPr>
+        <p:txBody>
+          <a:bodyPr wrap="square" rtlCol="0">
+            <a:spAutoFit/>
+          </a:bodyPr>
+          <a:lstStyle/>
+          <a:p>
+            <a:r>
+              <a:rPr lang="ko-KR" altLang="en-US" dirty="0"/>
+              <a:t>스프링의 </a:t>
+            </a:r>
+            <a:r>
+              <a:rPr lang="en-US" altLang="ko-KR" dirty="0"/>
+              <a:t>3</a:t>
+            </a:r>
+            <a:r>
+              <a:rPr lang="ko-KR" altLang="en-US" dirty="0"/>
+              <a:t>대 핵심 기술</a:t>
+            </a:r>
+            <a:r>
+              <a:rPr lang="en-US" altLang="ko-KR" dirty="0"/>
+              <a:t>: IoC/DI, </a:t>
+            </a:r>
+            <a:r>
+              <a:rPr lang="ko-KR" altLang="en-US" dirty="0"/>
+              <a:t>서비스 추상화</a:t>
+            </a:r>
+            <a:r>
+              <a:rPr lang="en-US" altLang="ko-KR" dirty="0"/>
+              <a:t>, AOP</a:t>
+            </a:r>
+            <a:endParaRPr lang="ko-KR" altLang="en-US" dirty="0"/>
+          </a:p>
+        </p:txBody>
+      </p:sp>
+    </p:spTree>
+    <p:extLst>
+      <p:ext uri="{BB962C8B-B14F-4D97-AF65-F5344CB8AC3E}">
+        <p14:creationId xmlns:p14="http://schemas.microsoft.com/office/powerpoint/2010/main" val="604274727"/>
+      </p:ext>
+    </p:extLst>
+  </p:cSld>
+  <p:clrMapOvr>
+    <a:masterClrMapping/>
+  </p:clrMapOvr>
+</p:sld>
+</file>
+
+<file path=ppt/slides/slide29.xml><?xml version="1.0" encoding="utf-8"?>
+<p:sld xmlns:a="http://schemas.openxmlformats.org/drawingml/2006/main" xmlns:r="http://schemas.openxmlformats.org/officeDocument/2006/relationships" xmlns:p="http://schemas.openxmlformats.org/presentationml/2006/main">
+  <p:cSld>
+    <p:spTree>
+      <p:nvGrpSpPr>
+        <p:cNvPr id="1" name=""/>
+        <p:cNvGrpSpPr/>
+        <p:nvPr/>
+      </p:nvGrpSpPr>
+      <p:grpSpPr>
+        <a:xfrm>
+          <a:off x="0" y="0"/>
+          <a:ext cx="0" cy="0"/>
+          <a:chOff x="0" y="0"/>
+          <a:chExt cx="0" cy="0"/>
+        </a:xfrm>
+      </p:grpSpPr>
+      <p:sp>
+        <p:nvSpPr>
+          <p:cNvPr id="2" name="TextBox 1">
+            <a:extLst>
+              <a:ext uri="{FF2B5EF4-FFF2-40B4-BE49-F238E27FC236}">
+                <a16:creationId xmlns:a16="http://schemas.microsoft.com/office/drawing/2014/main" id="{020BEFBF-4432-42F7-BDCF-D4378276EB49}"/>
+              </a:ext>
+            </a:extLst>
+          </p:cNvPr>
+          <p:cNvSpPr txBox="1"/>
+          <p:nvPr/>
+        </p:nvSpPr>
+        <p:spPr>
+          <a:xfrm>
+            <a:off x="1281953" y="896471"/>
+            <a:ext cx="3693459" cy="369332"/>
+          </a:xfrm>
+          <a:prstGeom prst="rect">
+            <a:avLst/>
+          </a:prstGeom>
+          <a:noFill/>
+        </p:spPr>
+        <p:txBody>
+          <a:bodyPr wrap="square" rtlCol="0">
+            <a:spAutoFit/>
+          </a:bodyPr>
+          <a:lstStyle/>
+          <a:p>
+            <a:r>
+              <a:rPr lang="en-US" altLang="ko-KR" dirty="0"/>
+              <a:t>SQL</a:t>
+            </a:r>
+            <a:r>
+              <a:rPr lang="ko-KR" altLang="en-US" dirty="0"/>
+              <a:t>과 </a:t>
+            </a:r>
+            <a:r>
+              <a:rPr lang="en-US" altLang="ko-KR" dirty="0"/>
+              <a:t>DAO </a:t>
+            </a:r>
+            <a:r>
+              <a:rPr lang="ko-KR" altLang="en-US" dirty="0"/>
+              <a:t>분리</a:t>
+            </a:r>
+          </a:p>
+        </p:txBody>
+      </p:sp>
+      <p:sp>
+        <p:nvSpPr>
+          <p:cNvPr id="3" name="TextBox 2">
+            <a:extLst>
+              <a:ext uri="{FF2B5EF4-FFF2-40B4-BE49-F238E27FC236}">
+                <a16:creationId xmlns:a16="http://schemas.microsoft.com/office/drawing/2014/main" id="{5EBE7ED8-DAD2-44D9-8A34-FB41ED182E3E}"/>
+              </a:ext>
+            </a:extLst>
+          </p:cNvPr>
+          <p:cNvSpPr txBox="1"/>
+          <p:nvPr/>
+        </p:nvSpPr>
+        <p:spPr>
+          <a:xfrm>
+            <a:off x="1281953" y="1954306"/>
+            <a:ext cx="4814047" cy="2308324"/>
+          </a:xfrm>
+          <a:prstGeom prst="rect">
+            <a:avLst/>
+          </a:prstGeom>
+          <a:noFill/>
+        </p:spPr>
+        <p:txBody>
+          <a:bodyPr wrap="square" rtlCol="0">
+            <a:spAutoFit/>
+          </a:bodyPr>
+          <a:lstStyle/>
+          <a:p>
+            <a:r>
+              <a:rPr lang="en-US" altLang="ko-KR" dirty="0"/>
+              <a:t>SQL </a:t>
+            </a:r>
+            <a:r>
+              <a:rPr lang="ko-KR" altLang="en-US" dirty="0"/>
+              <a:t>변경이 필요한 상황이 발생하면 </a:t>
+            </a:r>
+            <a:r>
+              <a:rPr lang="en-US" altLang="ko-KR" dirty="0"/>
+              <a:t>SQL</a:t>
+            </a:r>
+            <a:r>
+              <a:rPr lang="ko-KR" altLang="en-US" dirty="0"/>
+              <a:t>을 담고 있는 </a:t>
+            </a:r>
+            <a:r>
+              <a:rPr lang="en-US" altLang="ko-KR" dirty="0"/>
+              <a:t>DAO </a:t>
+            </a:r>
+            <a:r>
+              <a:rPr lang="ko-KR" altLang="en-US" dirty="0"/>
+              <a:t>코드가 수정될 수 밖에 없음</a:t>
+            </a:r>
+            <a:endParaRPr lang="en-US" altLang="ko-KR" dirty="0"/>
+          </a:p>
+          <a:p>
+            <a:endParaRPr lang="en-US" altLang="ko-KR" dirty="0"/>
+          </a:p>
+          <a:p>
+            <a:r>
+              <a:rPr lang="en-US" altLang="ko-KR" dirty="0"/>
+              <a:t>-&gt; </a:t>
+            </a:r>
+            <a:r>
+              <a:rPr lang="ko-KR" altLang="en-US" dirty="0"/>
+              <a:t>현실적으로 </a:t>
+            </a:r>
+            <a:r>
+              <a:rPr lang="en-US" altLang="ko-KR" dirty="0"/>
+              <a:t>SQL </a:t>
+            </a:r>
+            <a:r>
+              <a:rPr lang="ko-KR" altLang="en-US" dirty="0"/>
+              <a:t>변경 작업은 빈번하게 </a:t>
+            </a:r>
+            <a:r>
+              <a:rPr lang="ko-KR" altLang="en-US" dirty="0" err="1"/>
+              <a:t>일어남</a:t>
+            </a:r>
+            <a:endParaRPr lang="en-US" altLang="ko-KR" dirty="0"/>
+          </a:p>
+          <a:p>
+            <a:endParaRPr lang="en-US" altLang="ko-KR" dirty="0"/>
+          </a:p>
+          <a:p>
+            <a:r>
+              <a:rPr lang="en-US" altLang="ko-KR" dirty="0"/>
+              <a:t>-&gt; SQL</a:t>
+            </a:r>
+            <a:r>
+              <a:rPr lang="ko-KR" altLang="en-US" dirty="0"/>
+              <a:t>을 적절히 분리해 </a:t>
+            </a:r>
+            <a:r>
+              <a:rPr lang="en-US" altLang="ko-KR" dirty="0"/>
+              <a:t>DAO </a:t>
+            </a:r>
+            <a:r>
+              <a:rPr lang="ko-KR" altLang="en-US" dirty="0"/>
+              <a:t>코드와 다른 파일이나 위치에 두고 관리하면 좋음</a:t>
+            </a:r>
+          </a:p>
+        </p:txBody>
+      </p:sp>
+    </p:spTree>
+    <p:extLst>
+      <p:ext uri="{BB962C8B-B14F-4D97-AF65-F5344CB8AC3E}">
+        <p14:creationId xmlns:p14="http://schemas.microsoft.com/office/powerpoint/2010/main" val="1809068971"/>
       </p:ext>
     </p:extLst>
   </p:cSld>
@@ -5291,10 +7364,10 @@
       </p:grpSpPr>
       <p:sp>
         <p:nvSpPr>
-          <p:cNvPr id="3" name="TextBox 2">
-            <a:extLst>
-              <a:ext uri="{FF2B5EF4-FFF2-40B4-BE49-F238E27FC236}">
-                <a16:creationId xmlns:a16="http://schemas.microsoft.com/office/drawing/2014/main" id="{91DF19FF-54F2-4350-B6B4-5AB6C51CF647}"/>
+          <p:cNvPr id="2" name="TextBox 1">
+            <a:extLst>
+              <a:ext uri="{FF2B5EF4-FFF2-40B4-BE49-F238E27FC236}">
+                <a16:creationId xmlns:a16="http://schemas.microsoft.com/office/drawing/2014/main" id="{9A79012C-780A-47BE-8A87-AFBF661E4B54}"/>
               </a:ext>
             </a:extLst>
           </p:cNvPr>
@@ -5304,7 +7377,7 @@
         <p:spPr>
           <a:xfrm>
             <a:off x="1264024" y="1057835"/>
-            <a:ext cx="9888070" cy="646331"/>
+            <a:ext cx="9888070" cy="923330"/>
           </a:xfrm>
           <a:prstGeom prst="rect">
             <a:avLst/>
@@ -5319,15 +7392,7 @@
           <a:p>
             <a:r>
               <a:rPr lang="ko-KR" altLang="en-US" dirty="0"/>
-              <a:t>자바에서 사용되는 트랜잭션 </a:t>
-            </a:r>
-            <a:r>
-              <a:rPr lang="en-US" altLang="ko-KR" dirty="0"/>
-              <a:t>API</a:t>
-            </a:r>
-            <a:r>
-              <a:rPr lang="ko-KR" altLang="en-US" dirty="0"/>
-              <a:t>의 종류와 방법은 다양하다</a:t>
+              <a:t>비즈니스 로직을 담은 코드는 데이터 액세스 로직을 담은 코드와 깔끔하게 분리되는 것이 바람직하다</a:t>
             </a:r>
             <a:r>
               <a:rPr lang="en-US" altLang="ko-KR" dirty="0"/>
@@ -5335,7 +7400,7 @@
             </a:r>
             <a:r>
               <a:rPr lang="ko-KR" altLang="en-US" dirty="0"/>
-              <a:t>환경과 서버에 따라서 트랜잭션 방법이 변경되면 경계설정 코드도 함께 변경돼야 한다</a:t>
+              <a:t>비즈니스 로직 코드 또한 내부적으로 책임과 역할에 따라서 깔끔하게 메소드로 정리돼야 한다</a:t>
             </a:r>
             <a:r>
               <a:rPr lang="en-US" altLang="ko-KR" dirty="0"/>
@@ -5347,10 +7412,10 @@
       </p:sp>
       <p:sp>
         <p:nvSpPr>
-          <p:cNvPr id="4" name="TextBox 3">
-            <a:extLst>
-              <a:ext uri="{FF2B5EF4-FFF2-40B4-BE49-F238E27FC236}">
-                <a16:creationId xmlns:a16="http://schemas.microsoft.com/office/drawing/2014/main" id="{5D3A050B-29A9-47DD-8620-DAB974DE9CBB}"/>
+          <p:cNvPr id="3" name="TextBox 2">
+            <a:extLst>
+              <a:ext uri="{FF2B5EF4-FFF2-40B4-BE49-F238E27FC236}">
+                <a16:creationId xmlns:a16="http://schemas.microsoft.com/office/drawing/2014/main" id="{23104174-483E-48B7-A46F-916B978DDA23}"/>
               </a:ext>
             </a:extLst>
           </p:cNvPr>
@@ -5359,8 +7424,8 @@
         </p:nvSpPr>
         <p:spPr>
           <a:xfrm>
-            <a:off x="1308845" y="1918448"/>
-            <a:ext cx="9888070" cy="646331"/>
+            <a:off x="1434353" y="2294965"/>
+            <a:ext cx="10139082" cy="646331"/>
           </a:xfrm>
           <a:prstGeom prst="rect">
             <a:avLst/>
@@ -5375,15 +7440,23 @@
           <a:p>
             <a:r>
               <a:rPr lang="ko-KR" altLang="en-US" dirty="0"/>
-              <a:t>트랜잭션 방법에 따라 비즈니스 로직을 담은 코드가 함께 변경되면 단일 책임 원칙에 위배 되며</a:t>
-            </a:r>
-            <a:r>
-              <a:rPr lang="en-US" altLang="ko-KR" dirty="0"/>
-              <a:t>, DAO</a:t>
-            </a:r>
-            <a:r>
-              <a:rPr lang="ko-KR" altLang="en-US" dirty="0"/>
-              <a:t>가 사용하는 특정 기술에 대해 강한 결합을 만들어낸다</a:t>
+              <a:t>이를 위해서는 </a:t>
+            </a:r>
+            <a:r>
+              <a:rPr lang="en-US" altLang="ko-KR" dirty="0"/>
+              <a:t>DAO</a:t>
+            </a:r>
+            <a:r>
+              <a:rPr lang="ko-KR" altLang="en-US" dirty="0"/>
+              <a:t>의 기술 변화에 서비스 계층의 코드가 영향을 받지 않도록 인터페이스와 </a:t>
+            </a:r>
+            <a:r>
+              <a:rPr lang="en-US" altLang="ko-KR" dirty="0"/>
+              <a:t>DI</a:t>
+            </a:r>
+            <a:r>
+              <a:rPr lang="ko-KR" altLang="en-US" dirty="0"/>
+              <a:t>를 잘 활용해서 결합도를 낮춰줘야 한다</a:t>
             </a:r>
             <a:r>
               <a:rPr lang="en-US" altLang="ko-KR" dirty="0"/>
@@ -5395,10 +7468,10 @@
       </p:sp>
       <p:sp>
         <p:nvSpPr>
-          <p:cNvPr id="5" name="TextBox 4">
-            <a:extLst>
-              <a:ext uri="{FF2B5EF4-FFF2-40B4-BE49-F238E27FC236}">
-                <a16:creationId xmlns:a16="http://schemas.microsoft.com/office/drawing/2014/main" id="{7080AB7E-E18B-4972-8427-0360207789A0}"/>
+          <p:cNvPr id="4" name="TextBox 3">
+            <a:extLst>
+              <a:ext uri="{FF2B5EF4-FFF2-40B4-BE49-F238E27FC236}">
+                <a16:creationId xmlns:a16="http://schemas.microsoft.com/office/drawing/2014/main" id="{EDB4C9AD-4964-44C8-A6FD-DC36869E40EC}"/>
               </a:ext>
             </a:extLst>
           </p:cNvPr>
@@ -5407,8 +7480,8 @@
         </p:nvSpPr>
         <p:spPr>
           <a:xfrm>
-            <a:off x="1290918" y="2986121"/>
-            <a:ext cx="9888070" cy="646331"/>
+            <a:off x="1264024" y="3603812"/>
+            <a:ext cx="10676964" cy="369332"/>
           </a:xfrm>
           <a:prstGeom prst="rect">
             <a:avLst/>
@@ -5422,8 +7495,12 @@
           <a:lstStyle/>
           <a:p>
             <a:r>
-              <a:rPr lang="ko-KR" altLang="en-US" dirty="0"/>
-              <a:t>트랜잭션 경계설정 코드가 비즈니스 로직 코드에 영향을 주지 않게 하려면 스프링이 제공하는 트랜잭션 서비스 추상화를 이용하면 된다</a:t>
+              <a:rPr lang="en-US" altLang="ko-KR" dirty="0"/>
+              <a:t>DAO</a:t>
+            </a:r>
+            <a:r>
+              <a:rPr lang="ko-KR" altLang="en-US" dirty="0"/>
+              <a:t>를 사용하는 비즈니스 로직에는 단위 작업을 보장해주는 트랜잭션이 필요하다</a:t>
             </a:r>
             <a:r>
               <a:rPr lang="en-US" altLang="ko-KR" dirty="0"/>
@@ -5435,10 +7512,10 @@
       </p:sp>
       <p:sp>
         <p:nvSpPr>
-          <p:cNvPr id="6" name="TextBox 5">
-            <a:extLst>
-              <a:ext uri="{FF2B5EF4-FFF2-40B4-BE49-F238E27FC236}">
-                <a16:creationId xmlns:a16="http://schemas.microsoft.com/office/drawing/2014/main" id="{09BD25D9-D9E5-4964-82C6-8872385E41AB}"/>
+          <p:cNvPr id="5" name="TextBox 4">
+            <a:extLst>
+              <a:ext uri="{FF2B5EF4-FFF2-40B4-BE49-F238E27FC236}">
+                <a16:creationId xmlns:a16="http://schemas.microsoft.com/office/drawing/2014/main" id="{FBBF8FF2-4661-4F25-9A9B-3641E0549B1E}"/>
               </a:ext>
             </a:extLst>
           </p:cNvPr>
@@ -5447,8 +7524,8 @@
         </p:nvSpPr>
         <p:spPr>
           <a:xfrm>
-            <a:off x="1371598" y="4177554"/>
-            <a:ext cx="9888070" cy="646331"/>
+            <a:off x="1165412" y="4563943"/>
+            <a:ext cx="10676964" cy="646331"/>
           </a:xfrm>
           <a:prstGeom prst="rect">
             <a:avLst/>
@@ -5463,31 +7540,15 @@
           <a:p>
             <a:r>
               <a:rPr lang="ko-KR" altLang="en-US" dirty="0"/>
-              <a:t>서비스 추상화는 </a:t>
-            </a:r>
-            <a:r>
-              <a:rPr lang="ko-KR" altLang="en-US" dirty="0" err="1"/>
-              <a:t>로우레벨의</a:t>
-            </a:r>
-            <a:r>
-              <a:rPr lang="ko-KR" altLang="en-US" dirty="0"/>
-              <a:t> 트랜잭션 기술과 </a:t>
-            </a:r>
-            <a:r>
-              <a:rPr lang="en-US" altLang="ko-KR" dirty="0"/>
-              <a:t>API</a:t>
-            </a:r>
-            <a:r>
-              <a:rPr lang="ko-KR" altLang="en-US" dirty="0"/>
-              <a:t>의 변화에 상관없이 일관된 </a:t>
-            </a:r>
-            <a:r>
-              <a:rPr lang="en-US" altLang="ko-KR" dirty="0"/>
-              <a:t>API</a:t>
-            </a:r>
-            <a:r>
-              <a:rPr lang="ko-KR" altLang="en-US" dirty="0"/>
-              <a:t>를 가진 추상화 계층을 도입한다</a:t>
+              <a:t>트랜잭션의 시작과 종료를 지정하는 일을 트랜잭션 경계설정이라고 한다</a:t>
+            </a:r>
+            <a:r>
+              <a:rPr lang="en-US" altLang="ko-KR" dirty="0"/>
+              <a:t>. </a:t>
+            </a:r>
+            <a:r>
+              <a:rPr lang="ko-KR" altLang="en-US" dirty="0"/>
+              <a:t>트랜잭션 경계설정은 주로 비즈니스 로직 안에서 일어나는 경우가 많다</a:t>
             </a:r>
             <a:r>
               <a:rPr lang="en-US" altLang="ko-KR" dirty="0"/>
@@ -5499,10 +7560,10 @@
       </p:sp>
       <p:sp>
         <p:nvSpPr>
-          <p:cNvPr id="7" name="TextBox 6">
-            <a:extLst>
-              <a:ext uri="{FF2B5EF4-FFF2-40B4-BE49-F238E27FC236}">
-                <a16:creationId xmlns:a16="http://schemas.microsoft.com/office/drawing/2014/main" id="{686C760D-C230-4A7E-B753-3E625FBE1751}"/>
+          <p:cNvPr id="6" name="TextBox 5">
+            <a:extLst>
+              <a:ext uri="{FF2B5EF4-FFF2-40B4-BE49-F238E27FC236}">
+                <a16:creationId xmlns:a16="http://schemas.microsoft.com/office/drawing/2014/main" id="{DBFBFC47-33B2-4744-9487-F9E7304DB92E}"/>
               </a:ext>
             </a:extLst>
           </p:cNvPr>
@@ -5511,8 +7572,8 @@
         </p:nvSpPr>
         <p:spPr>
           <a:xfrm>
-            <a:off x="1264024" y="5245227"/>
-            <a:ext cx="9888070" cy="646331"/>
+            <a:off x="1264024" y="5719482"/>
+            <a:ext cx="10309411" cy="646331"/>
           </a:xfrm>
           <a:prstGeom prst="rect">
             <a:avLst/>
@@ -5527,40 +7588,1328 @@
           <a:p>
             <a:r>
               <a:rPr lang="ko-KR" altLang="en-US" dirty="0"/>
-              <a:t>서비스 추상화는 테스트하기 어려운 </a:t>
-            </a:r>
-            <a:r>
-              <a:rPr lang="en-US" altLang="ko-KR" dirty="0" err="1"/>
-              <a:t>JavaMail</a:t>
-            </a:r>
-            <a:r>
-              <a:rPr lang="en-US" altLang="ko-KR" dirty="0"/>
-              <a:t> </a:t>
-            </a:r>
-            <a:r>
-              <a:rPr lang="ko-KR" altLang="en-US" dirty="0"/>
-              <a:t>같은 기술에도 적용할 수 있다</a:t>
-            </a:r>
-            <a:r>
-              <a:rPr lang="en-US" altLang="ko-KR" dirty="0"/>
-              <a:t>. </a:t>
-            </a:r>
-            <a:r>
-              <a:rPr lang="ko-KR" altLang="en-US" dirty="0"/>
-              <a:t>테스트를 편리하게 작성하도록 도와주는 것만으로도 서비스 추상화는 가치가 있다</a:t>
+              <a:t>시작된 트랜잭션 정보를 담은 오브젝트를 파라미터로 </a:t>
+            </a:r>
+            <a:r>
+              <a:rPr lang="en-US" altLang="ko-KR" dirty="0"/>
+              <a:t>DAO</a:t>
+            </a:r>
+            <a:r>
+              <a:rPr lang="ko-KR" altLang="en-US" dirty="0"/>
+              <a:t>에 전달하는 방법은 매우 비효율적이기 때문에 스프링이 제공하는 트랜잭션 동기화 기법을 활용하는 것이 편리하다</a:t>
             </a:r>
             <a:r>
               <a:rPr lang="en-US" altLang="ko-KR" dirty="0"/>
               <a:t>.</a:t>
             </a:r>
             <a:endParaRPr lang="ko-KR" altLang="en-US" dirty="0"/>
+          </a:p>
+        </p:txBody>
+      </p:sp>
+      <p:sp>
+        <p:nvSpPr>
+          <p:cNvPr id="7" name="TextBox 6">
+            <a:extLst>
+              <a:ext uri="{FF2B5EF4-FFF2-40B4-BE49-F238E27FC236}">
+                <a16:creationId xmlns:a16="http://schemas.microsoft.com/office/drawing/2014/main" id="{372B205B-6D60-471C-90D8-2EFCDE48078C}"/>
+              </a:ext>
+            </a:extLst>
+          </p:cNvPr>
+          <p:cNvSpPr txBox="1"/>
+          <p:nvPr/>
+        </p:nvSpPr>
+        <p:spPr>
+          <a:xfrm>
+            <a:off x="1434353" y="295835"/>
+            <a:ext cx="1783976" cy="367553"/>
+          </a:xfrm>
+          <a:prstGeom prst="rect">
+            <a:avLst/>
+          </a:prstGeom>
+          <a:noFill/>
+        </p:spPr>
+        <p:txBody>
+          <a:bodyPr wrap="square" rtlCol="0">
+            <a:spAutoFit/>
+          </a:bodyPr>
+          <a:lstStyle/>
+          <a:p>
+            <a:r>
+              <a:rPr lang="en-US" altLang="ko-KR" dirty="0"/>
+              <a:t>5</a:t>
+            </a:r>
+            <a:r>
+              <a:rPr lang="ko-KR" altLang="en-US" dirty="0"/>
+              <a:t>장 정리 부분</a:t>
+            </a:r>
           </a:p>
         </p:txBody>
       </p:sp>
     </p:spTree>
     <p:extLst>
       <p:ext uri="{BB962C8B-B14F-4D97-AF65-F5344CB8AC3E}">
-        <p14:creationId xmlns:p14="http://schemas.microsoft.com/office/powerpoint/2010/main" val="3560600875"/>
+        <p14:creationId xmlns:p14="http://schemas.microsoft.com/office/powerpoint/2010/main" val="654988685"/>
+      </p:ext>
+    </p:extLst>
+  </p:cSld>
+  <p:clrMapOvr>
+    <a:masterClrMapping/>
+  </p:clrMapOvr>
+</p:sld>
+</file>
+
+<file path=ppt/slides/slide30.xml><?xml version="1.0" encoding="utf-8"?>
+<p:sld xmlns:a="http://schemas.openxmlformats.org/drawingml/2006/main" xmlns:r="http://schemas.openxmlformats.org/officeDocument/2006/relationships" xmlns:p="http://schemas.openxmlformats.org/presentationml/2006/main">
+  <p:cSld>
+    <p:spTree>
+      <p:nvGrpSpPr>
+        <p:cNvPr id="1" name=""/>
+        <p:cNvGrpSpPr/>
+        <p:nvPr/>
+      </p:nvGrpSpPr>
+      <p:grpSpPr>
+        <a:xfrm>
+          <a:off x="0" y="0"/>
+          <a:ext cx="0" cy="0"/>
+          <a:chOff x="0" y="0"/>
+          <a:chExt cx="0" cy="0"/>
+        </a:xfrm>
+      </p:grpSpPr>
+      <p:sp>
+        <p:nvSpPr>
+          <p:cNvPr id="2" name="TextBox 1">
+            <a:extLst>
+              <a:ext uri="{FF2B5EF4-FFF2-40B4-BE49-F238E27FC236}">
+                <a16:creationId xmlns:a16="http://schemas.microsoft.com/office/drawing/2014/main" id="{AD0F598B-3CF5-4A81-9852-8164742750C4}"/>
+              </a:ext>
+            </a:extLst>
+          </p:cNvPr>
+          <p:cNvSpPr txBox="1"/>
+          <p:nvPr/>
+        </p:nvSpPr>
+        <p:spPr>
+          <a:xfrm>
+            <a:off x="1272987" y="537882"/>
+            <a:ext cx="3899647" cy="369332"/>
+          </a:xfrm>
+          <a:prstGeom prst="rect">
+            <a:avLst/>
+          </a:prstGeom>
+          <a:noFill/>
+        </p:spPr>
+        <p:txBody>
+          <a:bodyPr wrap="square" rtlCol="0">
+            <a:spAutoFit/>
+          </a:bodyPr>
+          <a:lstStyle/>
+          <a:p>
+            <a:r>
+              <a:rPr lang="en-US" altLang="ko-KR" dirty="0"/>
+              <a:t>XML </a:t>
+            </a:r>
+            <a:r>
+              <a:rPr lang="ko-KR" altLang="en-US" dirty="0"/>
+              <a:t>설정을 이용한 분리</a:t>
+            </a:r>
+          </a:p>
+        </p:txBody>
+      </p:sp>
+      <p:sp>
+        <p:nvSpPr>
+          <p:cNvPr id="3" name="TextBox 2">
+            <a:extLst>
+              <a:ext uri="{FF2B5EF4-FFF2-40B4-BE49-F238E27FC236}">
+                <a16:creationId xmlns:a16="http://schemas.microsoft.com/office/drawing/2014/main" id="{5B4CFB8B-D643-4570-9222-CCBA75B09E7E}"/>
+              </a:ext>
+            </a:extLst>
+          </p:cNvPr>
+          <p:cNvSpPr txBox="1"/>
+          <p:nvPr/>
+        </p:nvSpPr>
+        <p:spPr>
+          <a:xfrm>
+            <a:off x="1739153" y="1380565"/>
+            <a:ext cx="6033247" cy="369332"/>
+          </a:xfrm>
+          <a:prstGeom prst="rect">
+            <a:avLst/>
+          </a:prstGeom>
+          <a:noFill/>
+        </p:spPr>
+        <p:txBody>
+          <a:bodyPr wrap="square" rtlCol="0">
+            <a:spAutoFit/>
+          </a:bodyPr>
+          <a:lstStyle/>
+          <a:p>
+            <a:r>
+              <a:rPr lang="ko-KR" altLang="en-US" dirty="0"/>
+              <a:t>가장 손쉽게 생각해볼 수 있는 </a:t>
+            </a:r>
+            <a:r>
+              <a:rPr lang="en-US" altLang="ko-KR" dirty="0"/>
+              <a:t>SQL </a:t>
+            </a:r>
+            <a:r>
+              <a:rPr lang="ko-KR" altLang="en-US" dirty="0"/>
+              <a:t>분리 방법</a:t>
+            </a:r>
+          </a:p>
+        </p:txBody>
+      </p:sp>
+      <p:sp>
+        <p:nvSpPr>
+          <p:cNvPr id="4" name="TextBox 3">
+            <a:extLst>
+              <a:ext uri="{FF2B5EF4-FFF2-40B4-BE49-F238E27FC236}">
+                <a16:creationId xmlns:a16="http://schemas.microsoft.com/office/drawing/2014/main" id="{AE202022-71BE-47C8-AAE3-D44D586D2319}"/>
+              </a:ext>
+            </a:extLst>
+          </p:cNvPr>
+          <p:cNvSpPr txBox="1"/>
+          <p:nvPr/>
+        </p:nvSpPr>
+        <p:spPr>
+          <a:xfrm>
+            <a:off x="1837764" y="2348753"/>
+            <a:ext cx="7028329" cy="1200329"/>
+          </a:xfrm>
+          <a:prstGeom prst="rect">
+            <a:avLst/>
+          </a:prstGeom>
+          <a:noFill/>
+        </p:spPr>
+        <p:txBody>
+          <a:bodyPr wrap="square" rtlCol="0">
+            <a:spAutoFit/>
+          </a:bodyPr>
+          <a:lstStyle/>
+          <a:p>
+            <a:r>
+              <a:rPr lang="en-US" altLang="ko-KR" dirty="0"/>
+              <a:t>Map</a:t>
+            </a:r>
+            <a:r>
+              <a:rPr lang="ko-KR" altLang="en-US" dirty="0"/>
+              <a:t>을 이용하면 프로퍼티는 하나만 만들어도 되기 때문에 </a:t>
+            </a:r>
+            <a:r>
+              <a:rPr lang="en-US" altLang="ko-KR" dirty="0"/>
+              <a:t>DAO</a:t>
+            </a:r>
+            <a:r>
+              <a:rPr lang="ko-KR" altLang="en-US" dirty="0"/>
+              <a:t>코드가 더 간결 해짐</a:t>
+            </a:r>
+            <a:endParaRPr lang="en-US" altLang="ko-KR" dirty="0"/>
+          </a:p>
+          <a:p>
+            <a:r>
+              <a:rPr lang="en-US" altLang="ko-KR" dirty="0"/>
+              <a:t>-&gt; &lt;map&gt;</a:t>
+            </a:r>
+            <a:r>
+              <a:rPr lang="ko-KR" altLang="en-US" dirty="0"/>
+              <a:t>태그와 </a:t>
+            </a:r>
+            <a:r>
+              <a:rPr lang="en-US" altLang="ko-KR" dirty="0"/>
+              <a:t>&lt;entry&gt; </a:t>
+            </a:r>
+            <a:r>
+              <a:rPr lang="ko-KR" altLang="en-US" dirty="0"/>
+              <a:t>태그를 </a:t>
+            </a:r>
+            <a:r>
+              <a:rPr lang="en-US" altLang="ko-KR" dirty="0"/>
+              <a:t>&lt;property&gt; </a:t>
+            </a:r>
+            <a:r>
+              <a:rPr lang="ko-KR" altLang="en-US" dirty="0"/>
+              <a:t>태그 내부에 넣어서 사용</a:t>
+            </a:r>
+          </a:p>
+        </p:txBody>
+      </p:sp>
+      <p:sp>
+        <p:nvSpPr>
+          <p:cNvPr id="5" name="TextBox 4">
+            <a:extLst>
+              <a:ext uri="{FF2B5EF4-FFF2-40B4-BE49-F238E27FC236}">
+                <a16:creationId xmlns:a16="http://schemas.microsoft.com/office/drawing/2014/main" id="{43E1C50B-BA05-4AD5-9980-8C84D6D84640}"/>
+              </a:ext>
+            </a:extLst>
+          </p:cNvPr>
+          <p:cNvSpPr txBox="1"/>
+          <p:nvPr/>
+        </p:nvSpPr>
+        <p:spPr>
+          <a:xfrm>
+            <a:off x="1272987" y="4249271"/>
+            <a:ext cx="7593106" cy="923330"/>
+          </a:xfrm>
+          <a:prstGeom prst="rect">
+            <a:avLst/>
+          </a:prstGeom>
+          <a:noFill/>
+        </p:spPr>
+        <p:txBody>
+          <a:bodyPr wrap="square" rtlCol="0">
+            <a:spAutoFit/>
+          </a:bodyPr>
+          <a:lstStyle/>
+          <a:p>
+            <a:r>
+              <a:rPr lang="ko-KR" altLang="en-US" dirty="0"/>
+              <a:t>하지만 </a:t>
+            </a:r>
+            <a:r>
+              <a:rPr lang="en-US" altLang="ko-KR" dirty="0"/>
+              <a:t>SQL</a:t>
+            </a:r>
+            <a:r>
+              <a:rPr lang="ko-KR" altLang="en-US" dirty="0"/>
+              <a:t>과 </a:t>
+            </a:r>
+            <a:r>
+              <a:rPr lang="en-US" altLang="ko-KR" dirty="0"/>
+              <a:t>DI</a:t>
+            </a:r>
+            <a:r>
+              <a:rPr lang="ko-KR" altLang="en-US" dirty="0"/>
+              <a:t>설정 정보가 섞여 있으면 관리하기 좋지 않음 </a:t>
+            </a:r>
+            <a:r>
+              <a:rPr lang="en-US" altLang="ko-KR" dirty="0"/>
+              <a:t>-&gt; SQL </a:t>
+            </a:r>
+            <a:r>
+              <a:rPr lang="ko-KR" altLang="en-US" dirty="0"/>
+              <a:t>제공 기능을 </a:t>
+            </a:r>
+            <a:r>
+              <a:rPr lang="ko-KR" altLang="en-US" dirty="0" err="1"/>
+              <a:t>분리해주는게</a:t>
+            </a:r>
+            <a:r>
+              <a:rPr lang="ko-KR" altLang="en-US" dirty="0"/>
+              <a:t> 유연하고 확장성이 뛰어난 서비스를 </a:t>
+            </a:r>
+            <a:r>
+              <a:rPr lang="ko-KR" altLang="en-US" dirty="0" err="1"/>
+              <a:t>만들수</a:t>
+            </a:r>
+            <a:r>
+              <a:rPr lang="ko-KR" altLang="en-US" dirty="0"/>
+              <a:t> 있음 </a:t>
+            </a:r>
+            <a:r>
+              <a:rPr lang="en-US" altLang="ko-KR" dirty="0"/>
+              <a:t>-&gt; SQL </a:t>
+            </a:r>
+            <a:r>
+              <a:rPr lang="ko-KR" altLang="en-US" dirty="0"/>
+              <a:t>서비스 인터페이스 설계</a:t>
+            </a:r>
+          </a:p>
+        </p:txBody>
+      </p:sp>
+    </p:spTree>
+    <p:extLst>
+      <p:ext uri="{BB962C8B-B14F-4D97-AF65-F5344CB8AC3E}">
+        <p14:creationId xmlns:p14="http://schemas.microsoft.com/office/powerpoint/2010/main" val="2300065468"/>
+      </p:ext>
+    </p:extLst>
+  </p:cSld>
+  <p:clrMapOvr>
+    <a:masterClrMapping/>
+  </p:clrMapOvr>
+</p:sld>
+</file>
+
+<file path=ppt/slides/slide31.xml><?xml version="1.0" encoding="utf-8"?>
+<p:sld xmlns:a="http://schemas.openxmlformats.org/drawingml/2006/main" xmlns:r="http://schemas.openxmlformats.org/officeDocument/2006/relationships" xmlns:p="http://schemas.openxmlformats.org/presentationml/2006/main">
+  <p:cSld>
+    <p:spTree>
+      <p:nvGrpSpPr>
+        <p:cNvPr id="1" name=""/>
+        <p:cNvGrpSpPr/>
+        <p:nvPr/>
+      </p:nvGrpSpPr>
+      <p:grpSpPr>
+        <a:xfrm>
+          <a:off x="0" y="0"/>
+          <a:ext cx="0" cy="0"/>
+          <a:chOff x="0" y="0"/>
+          <a:chExt cx="0" cy="0"/>
+        </a:xfrm>
+      </p:grpSpPr>
+      <p:sp>
+        <p:nvSpPr>
+          <p:cNvPr id="2" name="TextBox 1">
+            <a:extLst>
+              <a:ext uri="{FF2B5EF4-FFF2-40B4-BE49-F238E27FC236}">
+                <a16:creationId xmlns:a16="http://schemas.microsoft.com/office/drawing/2014/main" id="{444508D4-CCC1-485E-B372-97EAB2AE0769}"/>
+              </a:ext>
+            </a:extLst>
+          </p:cNvPr>
+          <p:cNvSpPr txBox="1"/>
+          <p:nvPr/>
+        </p:nvSpPr>
+        <p:spPr>
+          <a:xfrm>
+            <a:off x="2805953" y="977153"/>
+            <a:ext cx="6436659" cy="646331"/>
+          </a:xfrm>
+          <a:prstGeom prst="rect">
+            <a:avLst/>
+          </a:prstGeom>
+          <a:noFill/>
+        </p:spPr>
+        <p:txBody>
+          <a:bodyPr wrap="square" rtlCol="0">
+            <a:spAutoFit/>
+          </a:bodyPr>
+          <a:lstStyle/>
+          <a:p>
+            <a:r>
+              <a:rPr lang="ko-KR" altLang="en-US" dirty="0"/>
+              <a:t>가장 간단한 방법으로 기능이 동작하게 만든 다음</a:t>
+            </a:r>
+            <a:r>
+              <a:rPr lang="en-US" altLang="ko-KR" dirty="0"/>
+              <a:t>, </a:t>
+            </a:r>
+            <a:r>
+              <a:rPr lang="ko-KR" altLang="en-US" dirty="0"/>
+              <a:t>차근차근 좀 더 나은 구조와 코드로 개선해 나가면 됨</a:t>
+            </a:r>
+          </a:p>
+        </p:txBody>
+      </p:sp>
+      <p:sp>
+        <p:nvSpPr>
+          <p:cNvPr id="3" name="TextBox 2">
+            <a:extLst>
+              <a:ext uri="{FF2B5EF4-FFF2-40B4-BE49-F238E27FC236}">
+                <a16:creationId xmlns:a16="http://schemas.microsoft.com/office/drawing/2014/main" id="{234FD320-B08E-4B48-9783-DAF0850411A4}"/>
+              </a:ext>
+            </a:extLst>
+          </p:cNvPr>
+          <p:cNvSpPr txBox="1"/>
+          <p:nvPr/>
+        </p:nvSpPr>
+        <p:spPr>
+          <a:xfrm>
+            <a:off x="2429434" y="1990165"/>
+            <a:ext cx="7091083" cy="1754326"/>
+          </a:xfrm>
+          <a:prstGeom prst="rect">
+            <a:avLst/>
+          </a:prstGeom>
+          <a:noFill/>
+        </p:spPr>
+        <p:txBody>
+          <a:bodyPr wrap="square" rtlCol="0">
+            <a:spAutoFit/>
+          </a:bodyPr>
+          <a:lstStyle/>
+          <a:p>
+            <a:r>
+              <a:rPr lang="ko-KR" altLang="en-US" dirty="0"/>
+              <a:t>생성자에서 예외가 발생할 수도 있는 복잡한 초기화 작업을 다루는 것은 좋지 않음 </a:t>
+            </a:r>
+            <a:r>
+              <a:rPr lang="en-US" altLang="ko-KR" dirty="0"/>
+              <a:t>-&gt; </a:t>
+            </a:r>
+            <a:r>
+              <a:rPr lang="ko-KR" altLang="en-US" dirty="0"/>
+              <a:t>오브젝트를 생성하는 중에 생성자에서 발생하는 예외는 다루기 힘들고</a:t>
+            </a:r>
+            <a:r>
+              <a:rPr lang="en-US" altLang="ko-KR" dirty="0"/>
+              <a:t>, </a:t>
+            </a:r>
+            <a:r>
+              <a:rPr lang="ko-KR" altLang="en-US" dirty="0"/>
+              <a:t>상속하기 불편하며</a:t>
+            </a:r>
+            <a:r>
+              <a:rPr lang="en-US" altLang="ko-KR" dirty="0"/>
+              <a:t>, </a:t>
+            </a:r>
+            <a:r>
+              <a:rPr lang="ko-KR" altLang="en-US" dirty="0"/>
+              <a:t>보안에도 문제가 생길 수 있음</a:t>
+            </a:r>
+            <a:endParaRPr lang="en-US" altLang="ko-KR" dirty="0"/>
+          </a:p>
+          <a:p>
+            <a:r>
+              <a:rPr lang="en-US" altLang="ko-KR" dirty="0"/>
+              <a:t>-&gt; </a:t>
+            </a:r>
+            <a:r>
+              <a:rPr lang="ko-KR" altLang="en-US" dirty="0"/>
+              <a:t>일단 초기 상태를 가진 오브젝트를 </a:t>
+            </a:r>
+            <a:r>
+              <a:rPr lang="ko-KR" altLang="en-US" dirty="0" err="1"/>
+              <a:t>만들어놓고</a:t>
+            </a:r>
+            <a:r>
+              <a:rPr lang="ko-KR" altLang="en-US" dirty="0"/>
+              <a:t> 별도의 초기화 메소드를 사용하는 방법이 </a:t>
+            </a:r>
+            <a:r>
+              <a:rPr lang="ko-KR" altLang="en-US" dirty="0" err="1"/>
+              <a:t>바람직</a:t>
+            </a:r>
+            <a:endParaRPr lang="ko-KR" altLang="en-US" dirty="0"/>
+          </a:p>
+        </p:txBody>
+      </p:sp>
+      <p:sp>
+        <p:nvSpPr>
+          <p:cNvPr id="4" name="TextBox 3">
+            <a:extLst>
+              <a:ext uri="{FF2B5EF4-FFF2-40B4-BE49-F238E27FC236}">
+                <a16:creationId xmlns:a16="http://schemas.microsoft.com/office/drawing/2014/main" id="{7A05F340-168B-42D5-A401-93F17B086952}"/>
+              </a:ext>
+            </a:extLst>
+          </p:cNvPr>
+          <p:cNvSpPr txBox="1"/>
+          <p:nvPr/>
+        </p:nvSpPr>
+        <p:spPr>
+          <a:xfrm>
+            <a:off x="2590800" y="4464424"/>
+            <a:ext cx="7252447" cy="646331"/>
+          </a:xfrm>
+          <a:prstGeom prst="rect">
+            <a:avLst/>
+          </a:prstGeom>
+          <a:noFill/>
+        </p:spPr>
+        <p:txBody>
+          <a:bodyPr wrap="square" rtlCol="0">
+            <a:spAutoFit/>
+          </a:bodyPr>
+          <a:lstStyle/>
+          <a:p>
+            <a:r>
+              <a:rPr lang="ko-KR" altLang="en-US" dirty="0" err="1"/>
+              <a:t>읽어들일</a:t>
+            </a:r>
+            <a:r>
+              <a:rPr lang="ko-KR" altLang="en-US" dirty="0"/>
+              <a:t> 파일의 위치와 이름이 코드에 고정되어 있다 </a:t>
+            </a:r>
+            <a:r>
+              <a:rPr lang="en-US" altLang="ko-KR" dirty="0"/>
+              <a:t>-&gt; </a:t>
+            </a:r>
+            <a:r>
+              <a:rPr lang="ko-KR" altLang="en-US" dirty="0"/>
+              <a:t>바뀔 가능성이 있으므로 외부에서 </a:t>
+            </a:r>
+            <a:r>
+              <a:rPr lang="en-US" altLang="ko-KR" dirty="0"/>
+              <a:t>DI</a:t>
+            </a:r>
+            <a:r>
+              <a:rPr lang="ko-KR" altLang="en-US" dirty="0"/>
+              <a:t>로 설정해 </a:t>
+            </a:r>
+            <a:r>
+              <a:rPr lang="ko-KR" altLang="en-US" dirty="0" err="1"/>
+              <a:t>줄수</a:t>
+            </a:r>
+            <a:r>
+              <a:rPr lang="ko-KR" altLang="en-US" dirty="0"/>
+              <a:t> 있게 </a:t>
+            </a:r>
+            <a:r>
+              <a:rPr lang="ko-KR" altLang="en-US" dirty="0" err="1"/>
+              <a:t>만드는게</a:t>
+            </a:r>
+            <a:r>
+              <a:rPr lang="ko-KR" altLang="en-US" dirty="0"/>
+              <a:t> </a:t>
+            </a:r>
+            <a:r>
+              <a:rPr lang="ko-KR" altLang="en-US" dirty="0" err="1"/>
+              <a:t>바람직</a:t>
+            </a:r>
+            <a:endParaRPr lang="ko-KR" altLang="en-US" dirty="0"/>
+          </a:p>
+        </p:txBody>
+      </p:sp>
+    </p:spTree>
+    <p:extLst>
+      <p:ext uri="{BB962C8B-B14F-4D97-AF65-F5344CB8AC3E}">
+        <p14:creationId xmlns:p14="http://schemas.microsoft.com/office/powerpoint/2010/main" val="1657005353"/>
+      </p:ext>
+    </p:extLst>
+  </p:cSld>
+  <p:clrMapOvr>
+    <a:masterClrMapping/>
+  </p:clrMapOvr>
+</p:sld>
+</file>
+
+<file path=ppt/slides/slide32.xml><?xml version="1.0" encoding="utf-8"?>
+<p:sld xmlns:a="http://schemas.openxmlformats.org/drawingml/2006/main" xmlns:r="http://schemas.openxmlformats.org/officeDocument/2006/relationships" xmlns:p="http://schemas.openxmlformats.org/presentationml/2006/main">
+  <p:cSld>
+    <p:spTree>
+      <p:nvGrpSpPr>
+        <p:cNvPr id="1" name=""/>
+        <p:cNvGrpSpPr/>
+        <p:nvPr/>
+      </p:nvGrpSpPr>
+      <p:grpSpPr>
+        <a:xfrm>
+          <a:off x="0" y="0"/>
+          <a:ext cx="0" cy="0"/>
+          <a:chOff x="0" y="0"/>
+          <a:chExt cx="0" cy="0"/>
+        </a:xfrm>
+      </p:grpSpPr>
+      <p:sp>
+        <p:nvSpPr>
+          <p:cNvPr id="3" name="TextBox 2">
+            <a:extLst>
+              <a:ext uri="{FF2B5EF4-FFF2-40B4-BE49-F238E27FC236}">
+                <a16:creationId xmlns:a16="http://schemas.microsoft.com/office/drawing/2014/main" id="{8C173AFD-4087-43F1-9E72-DB90031D5120}"/>
+              </a:ext>
+            </a:extLst>
+          </p:cNvPr>
+          <p:cNvSpPr txBox="1"/>
+          <p:nvPr/>
+        </p:nvSpPr>
+        <p:spPr>
+          <a:xfrm>
+            <a:off x="1622612" y="797859"/>
+            <a:ext cx="8821270" cy="923330"/>
+          </a:xfrm>
+          <a:prstGeom prst="rect">
+            <a:avLst/>
+          </a:prstGeom>
+          <a:noFill/>
+        </p:spPr>
+        <p:txBody>
+          <a:bodyPr wrap="square" rtlCol="0">
+            <a:spAutoFit/>
+          </a:bodyPr>
+          <a:lstStyle/>
+          <a:p>
+            <a:r>
+              <a:rPr lang="ko-KR" altLang="en-US" dirty="0"/>
+              <a:t>빈 후처리기</a:t>
+            </a:r>
+            <a:r>
+              <a:rPr lang="en-US" altLang="ko-KR" dirty="0"/>
+              <a:t>: </a:t>
+            </a:r>
+            <a:r>
+              <a:rPr lang="ko-KR" altLang="en-US" dirty="0"/>
+              <a:t>스프링 컨테이너가 빈을 생성한 뒤에 부가적인 작업을 </a:t>
+            </a:r>
+            <a:r>
+              <a:rPr lang="ko-KR" altLang="en-US" dirty="0" err="1"/>
+              <a:t>수핼할</a:t>
+            </a:r>
+            <a:r>
+              <a:rPr lang="ko-KR" altLang="en-US" dirty="0"/>
+              <a:t> 수 있게 해주는 특별한 기능</a:t>
+            </a:r>
+            <a:endParaRPr lang="en-US" altLang="ko-KR" dirty="0"/>
+          </a:p>
+          <a:p>
+            <a:r>
+              <a:rPr lang="en-US" altLang="ko-KR" dirty="0"/>
+              <a:t>-&gt; </a:t>
+            </a:r>
+            <a:r>
+              <a:rPr lang="ko-KR" altLang="en-US" dirty="0" err="1"/>
+              <a:t>예를들어</a:t>
+            </a:r>
+            <a:r>
+              <a:rPr lang="ko-KR" altLang="en-US" dirty="0"/>
+              <a:t> </a:t>
+            </a:r>
+            <a:r>
+              <a:rPr lang="en-US" altLang="ko-KR" dirty="0"/>
+              <a:t>AOP</a:t>
+            </a:r>
+            <a:r>
+              <a:rPr lang="ko-KR" altLang="en-US" dirty="0"/>
+              <a:t>를 위한 프록시 자동생성기</a:t>
+            </a:r>
+          </a:p>
+        </p:txBody>
+      </p:sp>
+      <p:sp>
+        <p:nvSpPr>
+          <p:cNvPr id="4" name="TextBox 3">
+            <a:extLst>
+              <a:ext uri="{FF2B5EF4-FFF2-40B4-BE49-F238E27FC236}">
+                <a16:creationId xmlns:a16="http://schemas.microsoft.com/office/drawing/2014/main" id="{0BA2864A-2662-4642-B679-09E9FFA2047C}"/>
+              </a:ext>
+            </a:extLst>
+          </p:cNvPr>
+          <p:cNvSpPr txBox="1"/>
+          <p:nvPr/>
+        </p:nvSpPr>
+        <p:spPr>
+          <a:xfrm>
+            <a:off x="1622612" y="2312894"/>
+            <a:ext cx="9152964" cy="923330"/>
+          </a:xfrm>
+          <a:prstGeom prst="rect">
+            <a:avLst/>
+          </a:prstGeom>
+          <a:noFill/>
+        </p:spPr>
+        <p:txBody>
+          <a:bodyPr wrap="square" rtlCol="0">
+            <a:spAutoFit/>
+          </a:bodyPr>
+          <a:lstStyle/>
+          <a:p>
+            <a:r>
+              <a:rPr lang="en-US" altLang="ko-KR" dirty="0"/>
+              <a:t>applicationContext.xml </a:t>
+            </a:r>
+            <a:r>
+              <a:rPr lang="ko-KR" altLang="en-US" dirty="0"/>
+              <a:t>파일에 </a:t>
+            </a:r>
+            <a:r>
+              <a:rPr lang="en-US" altLang="ko-KR" dirty="0"/>
+              <a:t>context </a:t>
+            </a:r>
+            <a:r>
+              <a:rPr lang="ko-KR" altLang="en-US" dirty="0"/>
+              <a:t>네임스페이스를 사용해서 </a:t>
+            </a:r>
+            <a:r>
+              <a:rPr lang="en-US" altLang="ko-KR" dirty="0"/>
+              <a:t>&lt;</a:t>
+            </a:r>
+            <a:r>
+              <a:rPr lang="en-US" altLang="ko-KR" dirty="0" err="1"/>
+              <a:t>context:annotation-config</a:t>
+            </a:r>
+            <a:r>
+              <a:rPr lang="en-US" altLang="ko-KR" dirty="0"/>
+              <a:t>/&gt;</a:t>
+            </a:r>
+            <a:r>
+              <a:rPr lang="ko-KR" altLang="en-US" dirty="0"/>
+              <a:t>태그를 만들어 설정파일에 넣어주면 빈 설정 기능에 사용할 수 있는 특별한 </a:t>
+            </a:r>
+            <a:r>
+              <a:rPr lang="ko-KR" altLang="en-US" dirty="0" err="1"/>
+              <a:t>애노테이션</a:t>
+            </a:r>
+            <a:r>
+              <a:rPr lang="ko-KR" altLang="en-US" dirty="0"/>
+              <a:t> 기능을 부여해주는 빈 후처리기들이 등록 됨</a:t>
+            </a:r>
+          </a:p>
+        </p:txBody>
+      </p:sp>
+      <p:sp>
+        <p:nvSpPr>
+          <p:cNvPr id="5" name="TextBox 4">
+            <a:extLst>
+              <a:ext uri="{FF2B5EF4-FFF2-40B4-BE49-F238E27FC236}">
+                <a16:creationId xmlns:a16="http://schemas.microsoft.com/office/drawing/2014/main" id="{1C4A8483-1DA9-46B0-9A04-F5205C2E58AB}"/>
+              </a:ext>
+            </a:extLst>
+          </p:cNvPr>
+          <p:cNvSpPr txBox="1"/>
+          <p:nvPr/>
+        </p:nvSpPr>
+        <p:spPr>
+          <a:xfrm>
+            <a:off x="1622612" y="3810000"/>
+            <a:ext cx="8310282" cy="923330"/>
+          </a:xfrm>
+          <a:prstGeom prst="rect">
+            <a:avLst/>
+          </a:prstGeom>
+          <a:noFill/>
+        </p:spPr>
+        <p:txBody>
+          <a:bodyPr wrap="square" rtlCol="0">
+            <a:spAutoFit/>
+          </a:bodyPr>
+          <a:lstStyle/>
+          <a:p>
+            <a:r>
+              <a:rPr lang="en-US" altLang="ko-KR" dirty="0"/>
+              <a:t>&lt;</a:t>
+            </a:r>
+            <a:r>
+              <a:rPr lang="en-US" altLang="ko-KR" dirty="0" err="1"/>
+              <a:t>context:annotation-config</a:t>
+            </a:r>
+            <a:r>
+              <a:rPr lang="en-US" altLang="ko-KR" dirty="0"/>
+              <a:t>/&gt; </a:t>
+            </a:r>
+            <a:r>
+              <a:rPr lang="ko-KR" altLang="en-US" dirty="0"/>
+              <a:t>선언에 의해 </a:t>
+            </a:r>
+            <a:r>
+              <a:rPr lang="en-US" altLang="ko-KR" dirty="0"/>
+              <a:t>@PostConstruct</a:t>
+            </a:r>
+            <a:r>
+              <a:rPr lang="ko-KR" altLang="en-US" dirty="0"/>
+              <a:t>를 사용 할 수 있음</a:t>
+            </a:r>
+            <a:endParaRPr lang="en-US" altLang="ko-KR" dirty="0"/>
+          </a:p>
+          <a:p>
+            <a:endParaRPr lang="en-US" altLang="ko-KR" dirty="0"/>
+          </a:p>
+          <a:p>
+            <a:r>
+              <a:rPr lang="en-US" altLang="ko-KR" dirty="0"/>
+              <a:t>-&gt; @PostConstruct: </a:t>
+            </a:r>
+            <a:r>
+              <a:rPr lang="ko-KR" altLang="en-US" dirty="0"/>
+              <a:t>빈 오브젝트의 초기화 메소드를 지정하는 데 사용</a:t>
+            </a:r>
+          </a:p>
+        </p:txBody>
+      </p:sp>
+      <p:sp>
+        <p:nvSpPr>
+          <p:cNvPr id="7" name="TextBox 6">
+            <a:extLst>
+              <a:ext uri="{FF2B5EF4-FFF2-40B4-BE49-F238E27FC236}">
+                <a16:creationId xmlns:a16="http://schemas.microsoft.com/office/drawing/2014/main" id="{99FA6978-859B-4807-AA5E-636CEBDF3A7D}"/>
+              </a:ext>
+            </a:extLst>
+          </p:cNvPr>
+          <p:cNvSpPr txBox="1"/>
+          <p:nvPr/>
+        </p:nvSpPr>
+        <p:spPr>
+          <a:xfrm>
+            <a:off x="1828800" y="5122440"/>
+            <a:ext cx="7144871" cy="923330"/>
+          </a:xfrm>
+          <a:prstGeom prst="rect">
+            <a:avLst/>
+          </a:prstGeom>
+          <a:noFill/>
+        </p:spPr>
+        <p:txBody>
+          <a:bodyPr wrap="square" rtlCol="0">
+            <a:spAutoFit/>
+          </a:bodyPr>
+          <a:lstStyle/>
+          <a:p>
+            <a:r>
+              <a:rPr lang="ko-KR" altLang="en-US" dirty="0"/>
+              <a:t>생성자와 달리 프로퍼티까지 모두 준비된 후</a:t>
+            </a:r>
+            <a:r>
+              <a:rPr lang="en-US" altLang="ko-KR" dirty="0"/>
+              <a:t>(</a:t>
+            </a:r>
+            <a:r>
+              <a:rPr lang="ko-KR" altLang="en-US" dirty="0"/>
+              <a:t>빈 오브젝트가 생성되고 의존 오브젝트와 설정 값을 넣어주는 </a:t>
+            </a:r>
+            <a:r>
+              <a:rPr lang="en-US" altLang="ko-KR" dirty="0"/>
+              <a:t>DI </a:t>
+            </a:r>
+            <a:r>
+              <a:rPr lang="ko-KR" altLang="en-US" dirty="0"/>
+              <a:t>작업까지 마친 후</a:t>
+            </a:r>
+            <a:r>
+              <a:rPr lang="en-US" altLang="ko-KR" dirty="0"/>
+              <a:t>)</a:t>
+            </a:r>
+            <a:r>
+              <a:rPr lang="ko-KR" altLang="en-US" dirty="0"/>
+              <a:t>에 실행됨</a:t>
+            </a:r>
+            <a:r>
+              <a:rPr lang="en-US" altLang="ko-KR" dirty="0"/>
+              <a:t>(</a:t>
+            </a:r>
+            <a:r>
+              <a:rPr lang="ko-KR" altLang="en-US" dirty="0"/>
+              <a:t>매우 유용</a:t>
+            </a:r>
+            <a:r>
+              <a:rPr lang="en-US" altLang="ko-KR" dirty="0"/>
+              <a:t>)</a:t>
+            </a:r>
+            <a:endParaRPr lang="ko-KR" altLang="en-US" dirty="0"/>
+          </a:p>
+        </p:txBody>
+      </p:sp>
+    </p:spTree>
+    <p:extLst>
+      <p:ext uri="{BB962C8B-B14F-4D97-AF65-F5344CB8AC3E}">
+        <p14:creationId xmlns:p14="http://schemas.microsoft.com/office/powerpoint/2010/main" val="374103577"/>
+      </p:ext>
+    </p:extLst>
+  </p:cSld>
+  <p:clrMapOvr>
+    <a:masterClrMapping/>
+  </p:clrMapOvr>
+</p:sld>
+</file>
+
+<file path=ppt/slides/slide33.xml><?xml version="1.0" encoding="utf-8"?>
+<p:sld xmlns:a="http://schemas.openxmlformats.org/drawingml/2006/main" xmlns:r="http://schemas.openxmlformats.org/officeDocument/2006/relationships" xmlns:p="http://schemas.openxmlformats.org/presentationml/2006/main">
+  <p:cSld>
+    <p:spTree>
+      <p:nvGrpSpPr>
+        <p:cNvPr id="1" name=""/>
+        <p:cNvGrpSpPr/>
+        <p:nvPr/>
+      </p:nvGrpSpPr>
+      <p:grpSpPr>
+        <a:xfrm>
+          <a:off x="0" y="0"/>
+          <a:ext cx="0" cy="0"/>
+          <a:chOff x="0" y="0"/>
+          <a:chExt cx="0" cy="0"/>
+        </a:xfrm>
+      </p:grpSpPr>
+      <p:sp>
+        <p:nvSpPr>
+          <p:cNvPr id="3" name="TextBox 2">
+            <a:extLst>
+              <a:ext uri="{FF2B5EF4-FFF2-40B4-BE49-F238E27FC236}">
+                <a16:creationId xmlns:a16="http://schemas.microsoft.com/office/drawing/2014/main" id="{B5F15780-1525-41FE-8C3F-6DF3F64E9A16}"/>
+              </a:ext>
+            </a:extLst>
+          </p:cNvPr>
+          <p:cNvSpPr txBox="1"/>
+          <p:nvPr/>
+        </p:nvSpPr>
+        <p:spPr>
+          <a:xfrm>
+            <a:off x="1882587" y="502024"/>
+            <a:ext cx="7888941" cy="1200329"/>
+          </a:xfrm>
+          <a:prstGeom prst="rect">
+            <a:avLst/>
+          </a:prstGeom>
+          <a:noFill/>
+        </p:spPr>
+        <p:txBody>
+          <a:bodyPr wrap="square" rtlCol="0">
+            <a:spAutoFit/>
+          </a:bodyPr>
+          <a:lstStyle/>
+          <a:p>
+            <a:r>
+              <a:rPr lang="ko-KR" altLang="en-US" dirty="0"/>
+              <a:t>서로 변하는 시기와 성질이 다른 것</a:t>
+            </a:r>
+            <a:r>
+              <a:rPr lang="en-US" altLang="ko-KR" dirty="0"/>
+              <a:t>, </a:t>
+            </a:r>
+            <a:r>
+              <a:rPr lang="ko-KR" altLang="en-US" dirty="0"/>
+              <a:t>변하는 것과 변하지 않는 것을 함께 두는 건 바람직한 설계구조가 아님</a:t>
+            </a:r>
+            <a:endParaRPr lang="en-US" altLang="ko-KR" dirty="0"/>
+          </a:p>
+          <a:p>
+            <a:r>
+              <a:rPr lang="en-US" altLang="ko-KR" dirty="0"/>
+              <a:t>-&gt; </a:t>
+            </a:r>
+            <a:r>
+              <a:rPr lang="ko-KR" altLang="en-US" dirty="0"/>
+              <a:t>서로 관심이 다른 코드들을 분리하고</a:t>
+            </a:r>
+            <a:r>
+              <a:rPr lang="en-US" altLang="ko-KR" dirty="0"/>
+              <a:t>, </a:t>
+            </a:r>
+            <a:r>
+              <a:rPr lang="ko-KR" altLang="en-US" dirty="0"/>
+              <a:t>서로 코드에 영향을 주지 않으면서 유연하게 확장 가능하도록 </a:t>
+            </a:r>
+            <a:r>
+              <a:rPr lang="en-US" altLang="ko-KR" dirty="0"/>
+              <a:t>DI</a:t>
+            </a:r>
+            <a:r>
+              <a:rPr lang="ko-KR" altLang="en-US" dirty="0"/>
+              <a:t>를 적용</a:t>
+            </a:r>
+          </a:p>
+        </p:txBody>
+      </p:sp>
+      <p:sp>
+        <p:nvSpPr>
+          <p:cNvPr id="4" name="TextBox 3">
+            <a:extLst>
+              <a:ext uri="{FF2B5EF4-FFF2-40B4-BE49-F238E27FC236}">
+                <a16:creationId xmlns:a16="http://schemas.microsoft.com/office/drawing/2014/main" id="{1E74443F-67B0-4A59-8908-C7BBC0A69689}"/>
+              </a:ext>
+            </a:extLst>
+          </p:cNvPr>
+          <p:cNvSpPr txBox="1"/>
+          <p:nvPr/>
+        </p:nvSpPr>
+        <p:spPr>
+          <a:xfrm>
+            <a:off x="2321859" y="2554941"/>
+            <a:ext cx="8193741" cy="369332"/>
+          </a:xfrm>
+          <a:prstGeom prst="rect">
+            <a:avLst/>
+          </a:prstGeom>
+          <a:noFill/>
+        </p:spPr>
+        <p:txBody>
+          <a:bodyPr wrap="square" rtlCol="0">
+            <a:spAutoFit/>
+          </a:bodyPr>
+          <a:lstStyle/>
+          <a:p>
+            <a:r>
+              <a:rPr lang="ko-KR" altLang="en-US" dirty="0"/>
+              <a:t>변경 가능한 기능은 전략 패턴을 적용해 별도의 오브젝트로 분리해줘야 함</a:t>
+            </a:r>
+          </a:p>
+        </p:txBody>
+      </p:sp>
+      <p:sp>
+        <p:nvSpPr>
+          <p:cNvPr id="5" name="TextBox 4">
+            <a:extLst>
+              <a:ext uri="{FF2B5EF4-FFF2-40B4-BE49-F238E27FC236}">
+                <a16:creationId xmlns:a16="http://schemas.microsoft.com/office/drawing/2014/main" id="{A8BAC370-4E63-4B0E-A021-8E32DD201CBC}"/>
+              </a:ext>
+            </a:extLst>
+          </p:cNvPr>
+          <p:cNvSpPr txBox="1"/>
+          <p:nvPr/>
+        </p:nvSpPr>
+        <p:spPr>
+          <a:xfrm>
+            <a:off x="1712259" y="3783106"/>
+            <a:ext cx="5567082" cy="1754326"/>
+          </a:xfrm>
+          <a:prstGeom prst="rect">
+            <a:avLst/>
+          </a:prstGeom>
+          <a:noFill/>
+        </p:spPr>
+        <p:txBody>
+          <a:bodyPr wrap="square" rtlCol="0">
+            <a:spAutoFit/>
+          </a:bodyPr>
+          <a:lstStyle/>
+          <a:p>
+            <a:r>
+              <a:rPr lang="en-US" altLang="ko-KR" dirty="0" err="1"/>
+              <a:t>SqlService</a:t>
+            </a:r>
+            <a:r>
+              <a:rPr lang="ko-KR" altLang="en-US" dirty="0"/>
+              <a:t>가 </a:t>
+            </a:r>
+            <a:r>
+              <a:rPr lang="en-US" altLang="ko-KR" dirty="0" err="1"/>
+              <a:t>SqReader</a:t>
+            </a:r>
+            <a:r>
+              <a:rPr lang="ko-KR" altLang="en-US" dirty="0"/>
+              <a:t>에게 데이터를 달라고 요청하고</a:t>
+            </a:r>
+            <a:r>
+              <a:rPr lang="en-US" altLang="ko-KR" dirty="0"/>
+              <a:t>, </a:t>
+            </a:r>
+            <a:r>
+              <a:rPr lang="ko-KR" altLang="en-US" dirty="0"/>
+              <a:t>다시 </a:t>
+            </a:r>
+            <a:r>
+              <a:rPr lang="en-US" altLang="ko-KR" dirty="0" err="1"/>
+              <a:t>SqlRegistry</a:t>
+            </a:r>
+            <a:r>
+              <a:rPr lang="ko-KR" altLang="en-US" dirty="0"/>
+              <a:t>에게 이 데이터를 사용하라고 하는 것 보다는 </a:t>
+            </a:r>
+            <a:r>
+              <a:rPr lang="en-US" altLang="ko-KR" dirty="0" err="1"/>
+              <a:t>SqlReader</a:t>
+            </a:r>
+            <a:r>
+              <a:rPr lang="ko-KR" altLang="en-US" dirty="0"/>
+              <a:t>에게 </a:t>
+            </a:r>
+            <a:r>
+              <a:rPr lang="en-US" altLang="ko-KR" dirty="0" err="1"/>
+              <a:t>SqlRegistry</a:t>
+            </a:r>
+            <a:r>
+              <a:rPr lang="en-US" altLang="ko-KR" dirty="0"/>
+              <a:t>  </a:t>
+            </a:r>
+            <a:r>
+              <a:rPr lang="ko-KR" altLang="en-US" dirty="0"/>
+              <a:t>전략을 제공해주면서 이를 이용해 </a:t>
+            </a:r>
+            <a:r>
+              <a:rPr lang="en-US" altLang="ko-KR" dirty="0"/>
+              <a:t>SQL </a:t>
+            </a:r>
+            <a:r>
+              <a:rPr lang="ko-KR" altLang="en-US" dirty="0"/>
+              <a:t>정보를 </a:t>
+            </a:r>
+            <a:r>
+              <a:rPr lang="en-US" altLang="ko-KR" dirty="0" err="1"/>
+              <a:t>SqlRegistry</a:t>
+            </a:r>
+            <a:r>
+              <a:rPr lang="ko-KR" altLang="en-US" dirty="0"/>
+              <a:t>에 저장하라고 요청하는 편이 낫다</a:t>
+            </a:r>
+            <a:r>
+              <a:rPr lang="en-US" altLang="ko-KR" dirty="0"/>
+              <a:t>.</a:t>
+            </a:r>
+          </a:p>
+          <a:p>
+            <a:r>
+              <a:rPr lang="en-US" altLang="ko-KR" dirty="0"/>
+              <a:t>-&gt;</a:t>
+            </a:r>
+            <a:r>
+              <a:rPr lang="ko-KR" altLang="en-US" dirty="0"/>
+              <a:t> </a:t>
+            </a:r>
+            <a:r>
+              <a:rPr lang="en-US" altLang="ko-KR" dirty="0" err="1"/>
+              <a:t>sqlReader.readSql</a:t>
+            </a:r>
+            <a:r>
+              <a:rPr lang="en-US" altLang="ko-KR" dirty="0"/>
+              <a:t>(</a:t>
+            </a:r>
+            <a:r>
+              <a:rPr lang="en-US" altLang="ko-KR" dirty="0" err="1"/>
+              <a:t>sqlRegistry</a:t>
+            </a:r>
+            <a:r>
+              <a:rPr lang="en-US" altLang="ko-KR" dirty="0"/>
+              <a:t>);</a:t>
+            </a:r>
+          </a:p>
+        </p:txBody>
+      </p:sp>
+    </p:spTree>
+    <p:extLst>
+      <p:ext uri="{BB962C8B-B14F-4D97-AF65-F5344CB8AC3E}">
+        <p14:creationId xmlns:p14="http://schemas.microsoft.com/office/powerpoint/2010/main" val="968363480"/>
+      </p:ext>
+    </p:extLst>
+  </p:cSld>
+  <p:clrMapOvr>
+    <a:masterClrMapping/>
+  </p:clrMapOvr>
+</p:sld>
+</file>
+
+<file path=ppt/slides/slide34.xml><?xml version="1.0" encoding="utf-8"?>
+<p:sld xmlns:a="http://schemas.openxmlformats.org/drawingml/2006/main" xmlns:r="http://schemas.openxmlformats.org/officeDocument/2006/relationships" xmlns:p="http://schemas.openxmlformats.org/presentationml/2006/main">
+  <p:cSld>
+    <p:spTree>
+      <p:nvGrpSpPr>
+        <p:cNvPr id="1" name=""/>
+        <p:cNvGrpSpPr/>
+        <p:nvPr/>
+      </p:nvGrpSpPr>
+      <p:grpSpPr>
+        <a:xfrm>
+          <a:off x="0" y="0"/>
+          <a:ext cx="0" cy="0"/>
+          <a:chOff x="0" y="0"/>
+          <a:chExt cx="0" cy="0"/>
+        </a:xfrm>
+      </p:grpSpPr>
+    </p:spTree>
+    <p:extLst>
+      <p:ext uri="{BB962C8B-B14F-4D97-AF65-F5344CB8AC3E}">
+        <p14:creationId xmlns:p14="http://schemas.microsoft.com/office/powerpoint/2010/main" val="2438944254"/>
+      </p:ext>
+    </p:extLst>
+  </p:cSld>
+  <p:clrMapOvr>
+    <a:masterClrMapping/>
+  </p:clrMapOvr>
+</p:sld>
+</file>
+
+<file path=ppt/slides/slide35.xml><?xml version="1.0" encoding="utf-8"?>
+<p:sld xmlns:a="http://schemas.openxmlformats.org/drawingml/2006/main" xmlns:r="http://schemas.openxmlformats.org/officeDocument/2006/relationships" xmlns:p="http://schemas.openxmlformats.org/presentationml/2006/main">
+  <p:cSld>
+    <p:spTree>
+      <p:nvGrpSpPr>
+        <p:cNvPr id="1" name=""/>
+        <p:cNvGrpSpPr/>
+        <p:nvPr/>
+      </p:nvGrpSpPr>
+      <p:grpSpPr>
+        <a:xfrm>
+          <a:off x="0" y="0"/>
+          <a:ext cx="0" cy="0"/>
+          <a:chOff x="0" y="0"/>
+          <a:chExt cx="0" cy="0"/>
+        </a:xfrm>
+      </p:grpSpPr>
+    </p:spTree>
+    <p:extLst>
+      <p:ext uri="{BB962C8B-B14F-4D97-AF65-F5344CB8AC3E}">
+        <p14:creationId xmlns:p14="http://schemas.microsoft.com/office/powerpoint/2010/main" val="1230934381"/>
+      </p:ext>
+    </p:extLst>
+  </p:cSld>
+  <p:clrMapOvr>
+    <a:masterClrMapping/>
+  </p:clrMapOvr>
+</p:sld>
+</file>
+
+<file path=ppt/slides/slide36.xml><?xml version="1.0" encoding="utf-8"?>
+<p:sld xmlns:a="http://schemas.openxmlformats.org/drawingml/2006/main" xmlns:r="http://schemas.openxmlformats.org/officeDocument/2006/relationships" xmlns:p="http://schemas.openxmlformats.org/presentationml/2006/main">
+  <p:cSld>
+    <p:spTree>
+      <p:nvGrpSpPr>
+        <p:cNvPr id="1" name=""/>
+        <p:cNvGrpSpPr/>
+        <p:nvPr/>
+      </p:nvGrpSpPr>
+      <p:grpSpPr>
+        <a:xfrm>
+          <a:off x="0" y="0"/>
+          <a:ext cx="0" cy="0"/>
+          <a:chOff x="0" y="0"/>
+          <a:chExt cx="0" cy="0"/>
+        </a:xfrm>
+      </p:grpSpPr>
+    </p:spTree>
+    <p:extLst>
+      <p:ext uri="{BB962C8B-B14F-4D97-AF65-F5344CB8AC3E}">
+        <p14:creationId xmlns:p14="http://schemas.microsoft.com/office/powerpoint/2010/main" val="2563927266"/>
+      </p:ext>
+    </p:extLst>
+  </p:cSld>
+  <p:clrMapOvr>
+    <a:masterClrMapping/>
+  </p:clrMapOvr>
+</p:sld>
+</file>
+
+<file path=ppt/slides/slide37.xml><?xml version="1.0" encoding="utf-8"?>
+<p:sld xmlns:a="http://schemas.openxmlformats.org/drawingml/2006/main" xmlns:r="http://schemas.openxmlformats.org/officeDocument/2006/relationships" xmlns:p="http://schemas.openxmlformats.org/presentationml/2006/main">
+  <p:cSld>
+    <p:spTree>
+      <p:nvGrpSpPr>
+        <p:cNvPr id="1" name=""/>
+        <p:cNvGrpSpPr/>
+        <p:nvPr/>
+      </p:nvGrpSpPr>
+      <p:grpSpPr>
+        <a:xfrm>
+          <a:off x="0" y="0"/>
+          <a:ext cx="0" cy="0"/>
+          <a:chOff x="0" y="0"/>
+          <a:chExt cx="0" cy="0"/>
+        </a:xfrm>
+      </p:grpSpPr>
+    </p:spTree>
+    <p:extLst>
+      <p:ext uri="{BB962C8B-B14F-4D97-AF65-F5344CB8AC3E}">
+        <p14:creationId xmlns:p14="http://schemas.microsoft.com/office/powerpoint/2010/main" val="2104677955"/>
+      </p:ext>
+    </p:extLst>
+  </p:cSld>
+  <p:clrMapOvr>
+    <a:masterClrMapping/>
+  </p:clrMapOvr>
+</p:sld>
+</file>
+
+<file path=ppt/slides/slide38.xml><?xml version="1.0" encoding="utf-8"?>
+<p:sld xmlns:a="http://schemas.openxmlformats.org/drawingml/2006/main" xmlns:r="http://schemas.openxmlformats.org/officeDocument/2006/relationships" xmlns:p="http://schemas.openxmlformats.org/presentationml/2006/main">
+  <p:cSld>
+    <p:spTree>
+      <p:nvGrpSpPr>
+        <p:cNvPr id="1" name=""/>
+        <p:cNvGrpSpPr/>
+        <p:nvPr/>
+      </p:nvGrpSpPr>
+      <p:grpSpPr>
+        <a:xfrm>
+          <a:off x="0" y="0"/>
+          <a:ext cx="0" cy="0"/>
+          <a:chOff x="0" y="0"/>
+          <a:chExt cx="0" cy="0"/>
+        </a:xfrm>
+      </p:grpSpPr>
+    </p:spTree>
+    <p:extLst>
+      <p:ext uri="{BB962C8B-B14F-4D97-AF65-F5344CB8AC3E}">
+        <p14:creationId xmlns:p14="http://schemas.microsoft.com/office/powerpoint/2010/main" val="3500231688"/>
+      </p:ext>
+    </p:extLst>
+  </p:cSld>
+  <p:clrMapOvr>
+    <a:masterClrMapping/>
+  </p:clrMapOvr>
+</p:sld>
+</file>
+
+<file path=ppt/slides/slide39.xml><?xml version="1.0" encoding="utf-8"?>
+<p:sld xmlns:a="http://schemas.openxmlformats.org/drawingml/2006/main" xmlns:r="http://schemas.openxmlformats.org/officeDocument/2006/relationships" xmlns:p="http://schemas.openxmlformats.org/presentationml/2006/main">
+  <p:cSld>
+    <p:spTree>
+      <p:nvGrpSpPr>
+        <p:cNvPr id="1" name=""/>
+        <p:cNvGrpSpPr/>
+        <p:nvPr/>
+      </p:nvGrpSpPr>
+      <p:grpSpPr>
+        <a:xfrm>
+          <a:off x="0" y="0"/>
+          <a:ext cx="0" cy="0"/>
+          <a:chOff x="0" y="0"/>
+          <a:chExt cx="0" cy="0"/>
+        </a:xfrm>
+      </p:grpSpPr>
+    </p:spTree>
+    <p:extLst>
+      <p:ext uri="{BB962C8B-B14F-4D97-AF65-F5344CB8AC3E}">
+        <p14:creationId xmlns:p14="http://schemas.microsoft.com/office/powerpoint/2010/main" val="541153044"/>
       </p:ext>
     </p:extLst>
   </p:cSld>
@@ -5589,10 +8938,10 @@
       </p:grpSpPr>
       <p:sp>
         <p:nvSpPr>
-          <p:cNvPr id="2" name="TextBox 1">
-            <a:extLst>
-              <a:ext uri="{FF2B5EF4-FFF2-40B4-BE49-F238E27FC236}">
-                <a16:creationId xmlns:a16="http://schemas.microsoft.com/office/drawing/2014/main" id="{1F1C214A-13E3-4391-8E41-D707474326F1}"/>
+          <p:cNvPr id="3" name="TextBox 2">
+            <a:extLst>
+              <a:ext uri="{FF2B5EF4-FFF2-40B4-BE49-F238E27FC236}">
+                <a16:creationId xmlns:a16="http://schemas.microsoft.com/office/drawing/2014/main" id="{91DF19FF-54F2-4350-B6B4-5AB6C51CF647}"/>
               </a:ext>
             </a:extLst>
           </p:cNvPr>
@@ -5601,7 +8950,7 @@
         </p:nvSpPr>
         <p:spPr>
           <a:xfrm>
-            <a:off x="1048871" y="771839"/>
+            <a:off x="1264024" y="1057835"/>
             <a:ext cx="9888070" cy="646331"/>
           </a:xfrm>
           <a:prstGeom prst="rect">
@@ -5617,7 +8966,23 @@
           <a:p>
             <a:r>
               <a:rPr lang="ko-KR" altLang="en-US" dirty="0"/>
-              <a:t>테스트 대상이 사용하는 의존 오브젝트를 대체할 수 있도록 만든 오브젝트를 테스트 대역이라고 한다</a:t>
+              <a:t>자바에서 사용되는 트랜잭션 </a:t>
+            </a:r>
+            <a:r>
+              <a:rPr lang="en-US" altLang="ko-KR" dirty="0"/>
+              <a:t>API</a:t>
+            </a:r>
+            <a:r>
+              <a:rPr lang="ko-KR" altLang="en-US" dirty="0"/>
+              <a:t>의 종류와 방법은 다양하다</a:t>
+            </a:r>
+            <a:r>
+              <a:rPr lang="en-US" altLang="ko-KR" dirty="0"/>
+              <a:t>. </a:t>
+            </a:r>
+            <a:r>
+              <a:rPr lang="ko-KR" altLang="en-US" dirty="0"/>
+              <a:t>환경과 서버에 따라서 트랜잭션 방법이 변경되면 경계설정 코드도 함께 변경돼야 한다</a:t>
             </a:r>
             <a:r>
               <a:rPr lang="en-US" altLang="ko-KR" dirty="0"/>
@@ -5629,10 +8994,10 @@
       </p:sp>
       <p:sp>
         <p:nvSpPr>
-          <p:cNvPr id="3" name="TextBox 2">
-            <a:extLst>
-              <a:ext uri="{FF2B5EF4-FFF2-40B4-BE49-F238E27FC236}">
-                <a16:creationId xmlns:a16="http://schemas.microsoft.com/office/drawing/2014/main" id="{754F9B0F-88A0-41A1-ADDF-1096EA75D1D1}"/>
+          <p:cNvPr id="4" name="TextBox 3">
+            <a:extLst>
+              <a:ext uri="{FF2B5EF4-FFF2-40B4-BE49-F238E27FC236}">
+                <a16:creationId xmlns:a16="http://schemas.microsoft.com/office/drawing/2014/main" id="{5D3A050B-29A9-47DD-8620-DAB974DE9CBB}"/>
               </a:ext>
             </a:extLst>
           </p:cNvPr>
@@ -5641,7 +9006,7 @@
         </p:nvSpPr>
         <p:spPr>
           <a:xfrm>
-            <a:off x="1048871" y="1766921"/>
+            <a:off x="1308845" y="1918448"/>
             <a:ext cx="9888070" cy="646331"/>
           </a:xfrm>
           <a:prstGeom prst="rect">
@@ -5657,7 +9022,15 @@
           <a:p>
             <a:r>
               <a:rPr lang="ko-KR" altLang="en-US" dirty="0"/>
-              <a:t>테스트 대역은 테스트 대상 오브젝트가 원활하게 동작할 수 있도록 도우면서 테스트를 위해 간접적인 정보를 제공해주기도 한다</a:t>
+              <a:t>트랜잭션 방법에 따라 비즈니스 로직을 담은 코드가 함께 변경되면 단일 책임 원칙에 위배 되며</a:t>
+            </a:r>
+            <a:r>
+              <a:rPr lang="en-US" altLang="ko-KR" dirty="0"/>
+              <a:t>, DAO</a:t>
+            </a:r>
+            <a:r>
+              <a:rPr lang="ko-KR" altLang="en-US" dirty="0"/>
+              <a:t>가 사용하는 특정 기술에 대해 강한 결합을 만들어낸다</a:t>
             </a:r>
             <a:r>
               <a:rPr lang="en-US" altLang="ko-KR" dirty="0"/>
@@ -5669,10 +9042,10 @@
       </p:sp>
       <p:sp>
         <p:nvSpPr>
-          <p:cNvPr id="4" name="TextBox 3">
-            <a:extLst>
-              <a:ext uri="{FF2B5EF4-FFF2-40B4-BE49-F238E27FC236}">
-                <a16:creationId xmlns:a16="http://schemas.microsoft.com/office/drawing/2014/main" id="{BA719C1E-9136-4669-8F8C-CA532BF1EDBA}"/>
+          <p:cNvPr id="5" name="TextBox 4">
+            <a:extLst>
+              <a:ext uri="{FF2B5EF4-FFF2-40B4-BE49-F238E27FC236}">
+                <a16:creationId xmlns:a16="http://schemas.microsoft.com/office/drawing/2014/main" id="{7080AB7E-E18B-4972-8427-0360207789A0}"/>
               </a:ext>
             </a:extLst>
           </p:cNvPr>
@@ -5681,7 +9054,7 @@
         </p:nvSpPr>
         <p:spPr>
           <a:xfrm>
-            <a:off x="1151965" y="2995085"/>
+            <a:off x="1290918" y="2986121"/>
             <a:ext cx="9888070" cy="646331"/>
           </a:xfrm>
           <a:prstGeom prst="rect">
@@ -5697,7 +9070,131 @@
           <a:p>
             <a:r>
               <a:rPr lang="ko-KR" altLang="en-US" dirty="0"/>
-              <a:t>테스트 대역 중에서 테스트 대상으로부터 전달받은 정보를 검증할 수 있도록 설계된 것을 목 오브젝트라고 한다</a:t>
+              <a:t>트랜잭션 경계설정 코드가 비즈니스 로직 코드에 영향을 주지 않게 하려면 스프링이 제공하는 트랜잭션 서비스 추상화를 이용하면 된다</a:t>
+            </a:r>
+            <a:r>
+              <a:rPr lang="en-US" altLang="ko-KR" dirty="0"/>
+              <a:t>.</a:t>
+            </a:r>
+            <a:endParaRPr lang="ko-KR" altLang="en-US" dirty="0"/>
+          </a:p>
+        </p:txBody>
+      </p:sp>
+      <p:sp>
+        <p:nvSpPr>
+          <p:cNvPr id="6" name="TextBox 5">
+            <a:extLst>
+              <a:ext uri="{FF2B5EF4-FFF2-40B4-BE49-F238E27FC236}">
+                <a16:creationId xmlns:a16="http://schemas.microsoft.com/office/drawing/2014/main" id="{09BD25D9-D9E5-4964-82C6-8872385E41AB}"/>
+              </a:ext>
+            </a:extLst>
+          </p:cNvPr>
+          <p:cNvSpPr txBox="1"/>
+          <p:nvPr/>
+        </p:nvSpPr>
+        <p:spPr>
+          <a:xfrm>
+            <a:off x="1371598" y="4177554"/>
+            <a:ext cx="9888070" cy="646331"/>
+          </a:xfrm>
+          <a:prstGeom prst="rect">
+            <a:avLst/>
+          </a:prstGeom>
+          <a:noFill/>
+        </p:spPr>
+        <p:txBody>
+          <a:bodyPr wrap="square" rtlCol="0">
+            <a:spAutoFit/>
+          </a:bodyPr>
+          <a:lstStyle/>
+          <a:p>
+            <a:r>
+              <a:rPr lang="ko-KR" altLang="en-US" dirty="0"/>
+              <a:t>서비스 추상화는 </a:t>
+            </a:r>
+            <a:r>
+              <a:rPr lang="ko-KR" altLang="en-US" dirty="0" err="1"/>
+              <a:t>로우레벨의</a:t>
+            </a:r>
+            <a:r>
+              <a:rPr lang="ko-KR" altLang="en-US" dirty="0"/>
+              <a:t> 트랜잭션 기술과 </a:t>
+            </a:r>
+            <a:r>
+              <a:rPr lang="en-US" altLang="ko-KR" dirty="0"/>
+              <a:t>API</a:t>
+            </a:r>
+            <a:r>
+              <a:rPr lang="ko-KR" altLang="en-US" dirty="0"/>
+              <a:t>의 변화에 상관없이 일관된 </a:t>
+            </a:r>
+            <a:r>
+              <a:rPr lang="en-US" altLang="ko-KR" dirty="0"/>
+              <a:t>API</a:t>
+            </a:r>
+            <a:r>
+              <a:rPr lang="ko-KR" altLang="en-US" dirty="0"/>
+              <a:t>를 가진 추상화 계층을 도입한다</a:t>
+            </a:r>
+            <a:r>
+              <a:rPr lang="en-US" altLang="ko-KR" dirty="0"/>
+              <a:t>.</a:t>
+            </a:r>
+            <a:endParaRPr lang="ko-KR" altLang="en-US" dirty="0"/>
+          </a:p>
+        </p:txBody>
+      </p:sp>
+      <p:sp>
+        <p:nvSpPr>
+          <p:cNvPr id="7" name="TextBox 6">
+            <a:extLst>
+              <a:ext uri="{FF2B5EF4-FFF2-40B4-BE49-F238E27FC236}">
+                <a16:creationId xmlns:a16="http://schemas.microsoft.com/office/drawing/2014/main" id="{686C760D-C230-4A7E-B753-3E625FBE1751}"/>
+              </a:ext>
+            </a:extLst>
+          </p:cNvPr>
+          <p:cNvSpPr txBox="1"/>
+          <p:nvPr/>
+        </p:nvSpPr>
+        <p:spPr>
+          <a:xfrm>
+            <a:off x="1264024" y="5245227"/>
+            <a:ext cx="9888070" cy="646331"/>
+          </a:xfrm>
+          <a:prstGeom prst="rect">
+            <a:avLst/>
+          </a:prstGeom>
+          <a:noFill/>
+        </p:spPr>
+        <p:txBody>
+          <a:bodyPr wrap="square" rtlCol="0">
+            <a:spAutoFit/>
+          </a:bodyPr>
+          <a:lstStyle/>
+          <a:p>
+            <a:r>
+              <a:rPr lang="ko-KR" altLang="en-US" dirty="0"/>
+              <a:t>서비스 추상화는 테스트하기 어려운 </a:t>
+            </a:r>
+            <a:r>
+              <a:rPr lang="en-US" altLang="ko-KR" dirty="0" err="1"/>
+              <a:t>JavaMail</a:t>
+            </a:r>
+            <a:r>
+              <a:rPr lang="en-US" altLang="ko-KR" dirty="0"/>
+              <a:t> </a:t>
+            </a:r>
+            <a:r>
+              <a:rPr lang="ko-KR" altLang="en-US" dirty="0"/>
+              <a:t>같은 기술에도 적용할 수 있다</a:t>
+            </a:r>
+            <a:r>
+              <a:rPr lang="en-US" altLang="ko-KR" dirty="0"/>
+              <a:t>. </a:t>
+            </a:r>
+            <a:r>
+              <a:rPr lang="ko-KR" altLang="en-US" dirty="0"/>
+              <a:t>테스트를 편리하게 작성하도록 도와주는 것만으로도 서비스 추상화는 가치가 있다</a:t>
             </a:r>
             <a:r>
               <a:rPr lang="en-US" altLang="ko-KR" dirty="0"/>
@@ -5710,7 +9207,37 @@
     </p:spTree>
     <p:extLst>
       <p:ext uri="{BB962C8B-B14F-4D97-AF65-F5344CB8AC3E}">
-        <p14:creationId xmlns:p14="http://schemas.microsoft.com/office/powerpoint/2010/main" val="1557294608"/>
+        <p14:creationId xmlns:p14="http://schemas.microsoft.com/office/powerpoint/2010/main" val="3560600875"/>
+      </p:ext>
+    </p:extLst>
+  </p:cSld>
+  <p:clrMapOvr>
+    <a:masterClrMapping/>
+  </p:clrMapOvr>
+</p:sld>
+</file>
+
+<file path=ppt/slides/slide40.xml><?xml version="1.0" encoding="utf-8"?>
+<p:sld xmlns:a="http://schemas.openxmlformats.org/drawingml/2006/main" xmlns:r="http://schemas.openxmlformats.org/officeDocument/2006/relationships" xmlns:p="http://schemas.openxmlformats.org/presentationml/2006/main">
+  <p:cSld>
+    <p:spTree>
+      <p:nvGrpSpPr>
+        <p:cNvPr id="1" name=""/>
+        <p:cNvGrpSpPr/>
+        <p:nvPr/>
+      </p:nvGrpSpPr>
+      <p:grpSpPr>
+        <a:xfrm>
+          <a:off x="0" y="0"/>
+          <a:ext cx="0" cy="0"/>
+          <a:chOff x="0" y="0"/>
+          <a:chExt cx="0" cy="0"/>
+        </a:xfrm>
+      </p:grpSpPr>
+    </p:spTree>
+    <p:extLst>
+      <p:ext uri="{BB962C8B-B14F-4D97-AF65-F5344CB8AC3E}">
+        <p14:creationId xmlns:p14="http://schemas.microsoft.com/office/powerpoint/2010/main" val="295099099"/>
       </p:ext>
     </p:extLst>
   </p:cSld>
@@ -5739,10 +9266,10 @@
       </p:grpSpPr>
       <p:sp>
         <p:nvSpPr>
-          <p:cNvPr id="3" name="TextBox 2">
-            <a:extLst>
-              <a:ext uri="{FF2B5EF4-FFF2-40B4-BE49-F238E27FC236}">
-                <a16:creationId xmlns:a16="http://schemas.microsoft.com/office/drawing/2014/main" id="{B3627BE3-2716-4A15-A5FE-4A74CD91B787}"/>
+          <p:cNvPr id="2" name="TextBox 1">
+            <a:extLst>
+              <a:ext uri="{FF2B5EF4-FFF2-40B4-BE49-F238E27FC236}">
+                <a16:creationId xmlns:a16="http://schemas.microsoft.com/office/drawing/2014/main" id="{1F1C214A-13E3-4391-8E41-D707474326F1}"/>
               </a:ext>
             </a:extLst>
           </p:cNvPr>
@@ -5751,8 +9278,8 @@
         </p:nvSpPr>
         <p:spPr>
           <a:xfrm>
-            <a:off x="1219200" y="743181"/>
-            <a:ext cx="6096000" cy="646331"/>
+            <a:off x="1048871" y="771839"/>
+            <a:ext cx="9888070" cy="646331"/>
           </a:xfrm>
           <a:prstGeom prst="rect">
             <a:avLst/>
@@ -5760,28 +9287,18 @@
           <a:noFill/>
         </p:spPr>
         <p:txBody>
-          <a:bodyPr wrap="square">
+          <a:bodyPr wrap="square" rtlCol="0">
             <a:spAutoFit/>
           </a:bodyPr>
           <a:lstStyle/>
           <a:p>
             <a:r>
-              <a:rPr lang="en-US" altLang="ko-KR" sz="1800" dirty="0">
-                <a:solidFill>
-                  <a:srgbClr val="646464"/>
-                </a:solidFill>
-                <a:latin typeface="Consolas" panose="020B0609020204030204" pitchFamily="49" charset="0"/>
-              </a:rPr>
-              <a:t>@Before: </a:t>
-            </a:r>
-            <a:r>
-              <a:rPr lang="ko-KR" altLang="en-US" sz="1800" dirty="0">
-                <a:solidFill>
-                  <a:srgbClr val="646464"/>
-                </a:solidFill>
-                <a:latin typeface="Consolas" panose="020B0609020204030204" pitchFamily="49" charset="0"/>
-              </a:rPr>
-              <a:t>테스트 메서드가 실행되기 전에 항상 실행되는 것</a:t>
+              <a:rPr lang="ko-KR" altLang="en-US" dirty="0"/>
+              <a:t>테스트 대상이 사용하는 의존 오브젝트를 대체할 수 있도록 만든 오브젝트를 테스트 대역이라고 한다</a:t>
+            </a:r>
+            <a:r>
+              <a:rPr lang="en-US" altLang="ko-KR" dirty="0"/>
+              <a:t>.</a:t>
             </a:r>
             <a:endParaRPr lang="ko-KR" altLang="en-US" dirty="0"/>
           </a:p>
@@ -5789,10 +9306,10 @@
       </p:sp>
       <p:sp>
         <p:nvSpPr>
-          <p:cNvPr id="4" name="TextBox 3">
-            <a:extLst>
-              <a:ext uri="{FF2B5EF4-FFF2-40B4-BE49-F238E27FC236}">
-                <a16:creationId xmlns:a16="http://schemas.microsoft.com/office/drawing/2014/main" id="{42662F6B-D585-4FD5-803A-0F678A57AC0C}"/>
+          <p:cNvPr id="3" name="TextBox 2">
+            <a:extLst>
+              <a:ext uri="{FF2B5EF4-FFF2-40B4-BE49-F238E27FC236}">
+                <a16:creationId xmlns:a16="http://schemas.microsoft.com/office/drawing/2014/main" id="{754F9B0F-88A0-41A1-ADDF-1096EA75D1D1}"/>
               </a:ext>
             </a:extLst>
           </p:cNvPr>
@@ -5801,8 +9318,8 @@
         </p:nvSpPr>
         <p:spPr>
           <a:xfrm>
-            <a:off x="1219200" y="2151529"/>
-            <a:ext cx="3433482" cy="4524315"/>
+            <a:off x="1048871" y="1766921"/>
+            <a:ext cx="9888070" cy="646331"/>
           </a:xfrm>
           <a:prstGeom prst="rect">
             <a:avLst/>
@@ -5816,113 +9333,52 @@
           <a:lstStyle/>
           <a:p>
             <a:r>
-              <a:rPr lang="en-US" altLang="ko-KR" dirty="0"/>
-              <a:t>JDBC</a:t>
-            </a:r>
-            <a:r>
-              <a:rPr lang="ko-KR" altLang="en-US" dirty="0"/>
-              <a:t>개발에서 가장 많은 실수가 일어나는 곳은 </a:t>
-            </a:r>
-            <a:r>
-              <a:rPr lang="en-US" altLang="ko-KR" dirty="0"/>
-              <a:t>SQL</a:t>
-            </a:r>
-            <a:r>
-              <a:rPr lang="ko-KR" altLang="en-US" dirty="0"/>
-              <a:t>문장</a:t>
-            </a:r>
-            <a:endParaRPr lang="en-US" altLang="ko-KR" dirty="0"/>
-          </a:p>
-          <a:p>
-            <a:r>
-              <a:rPr lang="en-US" altLang="ko-KR" dirty="0"/>
-              <a:t>-&gt; UPDATE </a:t>
-            </a:r>
-            <a:r>
-              <a:rPr lang="ko-KR" altLang="en-US" dirty="0"/>
-              <a:t>문장에서 </a:t>
-            </a:r>
-            <a:r>
-              <a:rPr lang="en-US" altLang="ko-KR" dirty="0"/>
-              <a:t>WHERE</a:t>
-            </a:r>
-            <a:r>
-              <a:rPr lang="ko-KR" altLang="en-US" dirty="0"/>
-              <a:t>절을 빼먹는 경우 검증 하기가 </a:t>
-            </a:r>
-            <a:r>
-              <a:rPr lang="ko-KR" altLang="en-US" dirty="0" err="1"/>
-              <a:t>힘듬</a:t>
-            </a:r>
-            <a:r>
-              <a:rPr lang="ko-KR" altLang="en-US" dirty="0"/>
-              <a:t> </a:t>
-            </a:r>
-            <a:endParaRPr lang="en-US" altLang="ko-KR" dirty="0"/>
-          </a:p>
-          <a:p>
-            <a:endParaRPr lang="en-US" altLang="ko-KR" dirty="0"/>
-          </a:p>
-          <a:p>
-            <a:r>
-              <a:rPr lang="en-US" altLang="ko-KR" dirty="0"/>
-              <a:t>-&gt; </a:t>
-            </a:r>
-            <a:r>
-              <a:rPr lang="ko-KR" altLang="en-US" dirty="0"/>
-              <a:t>해결방안</a:t>
-            </a:r>
-            <a:endParaRPr lang="en-US" altLang="ko-KR" dirty="0"/>
-          </a:p>
-          <a:p>
-            <a:pPr marL="342900" indent="-342900">
-              <a:buAutoNum type="arabicPeriod"/>
-            </a:pPr>
-            <a:r>
-              <a:rPr lang="en-US" altLang="ko-KR" dirty="0"/>
-              <a:t>update()</a:t>
-            </a:r>
-            <a:r>
-              <a:rPr lang="ko-KR" altLang="en-US" dirty="0"/>
-              <a:t>가 돌려주는 리턴 값을 확인</a:t>
-            </a:r>
-            <a:endParaRPr lang="en-US" altLang="ko-KR" dirty="0"/>
-          </a:p>
-          <a:p>
-            <a:pPr marL="342900" indent="-342900">
-              <a:buAutoNum type="arabicPeriod"/>
-            </a:pPr>
-            <a:r>
-              <a:rPr lang="ko-KR" altLang="en-US" dirty="0"/>
-              <a:t>테스트를 보강해서 사용자 외의 정보는 변경되지 않음을 확인</a:t>
-            </a:r>
-            <a:r>
-              <a:rPr lang="en-US" altLang="ko-KR" dirty="0"/>
-              <a:t>(</a:t>
-            </a:r>
-            <a:r>
-              <a:rPr lang="ko-KR" altLang="en-US" dirty="0"/>
-              <a:t>사용자를 </a:t>
-            </a:r>
-            <a:r>
-              <a:rPr lang="ko-KR" altLang="en-US" dirty="0" err="1"/>
-              <a:t>두명</a:t>
-            </a:r>
-            <a:r>
-              <a:rPr lang="ko-KR" altLang="en-US" dirty="0"/>
-              <a:t> 등록해 놓고</a:t>
-            </a:r>
-            <a:r>
-              <a:rPr lang="en-US" altLang="ko-KR" dirty="0"/>
-              <a:t>, </a:t>
-            </a:r>
-            <a:r>
-              <a:rPr lang="ko-KR" altLang="en-US" dirty="0"/>
-              <a:t>그중 하나만 수정한 뒤에 수정된 사용자와 수정하지 않은 사용자의 정보를 모두 확인</a:t>
-            </a:r>
-            <a:r>
-              <a:rPr lang="en-US" altLang="ko-KR" dirty="0"/>
-              <a:t>)</a:t>
+              <a:rPr lang="ko-KR" altLang="en-US" dirty="0"/>
+              <a:t>테스트 대역은 테스트 대상 오브젝트가 원활하게 동작할 수 있도록 도우면서 테스트를 위해 간접적인 정보를 제공해주기도 한다</a:t>
+            </a:r>
+            <a:r>
+              <a:rPr lang="en-US" altLang="ko-KR" dirty="0"/>
+              <a:t>.</a:t>
+            </a:r>
+            <a:endParaRPr lang="ko-KR" altLang="en-US" dirty="0"/>
+          </a:p>
+        </p:txBody>
+      </p:sp>
+      <p:sp>
+        <p:nvSpPr>
+          <p:cNvPr id="4" name="TextBox 3">
+            <a:extLst>
+              <a:ext uri="{FF2B5EF4-FFF2-40B4-BE49-F238E27FC236}">
+                <a16:creationId xmlns:a16="http://schemas.microsoft.com/office/drawing/2014/main" id="{BA719C1E-9136-4669-8F8C-CA532BF1EDBA}"/>
+              </a:ext>
+            </a:extLst>
+          </p:cNvPr>
+          <p:cNvSpPr txBox="1"/>
+          <p:nvPr/>
+        </p:nvSpPr>
+        <p:spPr>
+          <a:xfrm>
+            <a:off x="1151965" y="2995085"/>
+            <a:ext cx="9888070" cy="646331"/>
+          </a:xfrm>
+          <a:prstGeom prst="rect">
+            <a:avLst/>
+          </a:prstGeom>
+          <a:noFill/>
+        </p:spPr>
+        <p:txBody>
+          <a:bodyPr wrap="square" rtlCol="0">
+            <a:spAutoFit/>
+          </a:bodyPr>
+          <a:lstStyle/>
+          <a:p>
+            <a:r>
+              <a:rPr lang="ko-KR" altLang="en-US" dirty="0"/>
+              <a:t>테스트 대역 중에서 테스트 대상으로부터 전달받은 정보를 검증할 수 있도록 설계된 것을 목 오브젝트라고 한다</a:t>
+            </a:r>
+            <a:r>
+              <a:rPr lang="en-US" altLang="ko-KR" dirty="0"/>
+              <a:t>.</a:t>
             </a:r>
             <a:endParaRPr lang="ko-KR" altLang="en-US" dirty="0"/>
           </a:p>
@@ -5931,7 +9387,7 @@
     </p:spTree>
     <p:extLst>
       <p:ext uri="{BB962C8B-B14F-4D97-AF65-F5344CB8AC3E}">
-        <p14:creationId xmlns:p14="http://schemas.microsoft.com/office/powerpoint/2010/main" val="2143333445"/>
+        <p14:creationId xmlns:p14="http://schemas.microsoft.com/office/powerpoint/2010/main" val="1557294608"/>
       </p:ext>
     </p:extLst>
   </p:cSld>
@@ -5960,10 +9416,10 @@
       </p:grpSpPr>
       <p:sp>
         <p:nvSpPr>
-          <p:cNvPr id="2" name="TextBox 1">
-            <a:extLst>
-              <a:ext uri="{FF2B5EF4-FFF2-40B4-BE49-F238E27FC236}">
-                <a16:creationId xmlns:a16="http://schemas.microsoft.com/office/drawing/2014/main" id="{1157B27A-E39A-47DD-A3A7-3BBD5A9BC9F4}"/>
+          <p:cNvPr id="3" name="TextBox 2">
+            <a:extLst>
+              <a:ext uri="{FF2B5EF4-FFF2-40B4-BE49-F238E27FC236}">
+                <a16:creationId xmlns:a16="http://schemas.microsoft.com/office/drawing/2014/main" id="{B3627BE3-2716-4A15-A5FE-4A74CD91B787}"/>
               </a:ext>
             </a:extLst>
           </p:cNvPr>
@@ -5972,8 +9428,8 @@
         </p:nvSpPr>
         <p:spPr>
           <a:xfrm>
-            <a:off x="2120151" y="1820707"/>
-            <a:ext cx="7754471" cy="646331"/>
+            <a:off x="1219200" y="743181"/>
+            <a:ext cx="6096000" cy="646331"/>
           </a:xfrm>
           <a:prstGeom prst="rect">
             <a:avLst/>
@@ -5981,52 +9437,39 @@
           <a:noFill/>
         </p:spPr>
         <p:txBody>
-          <a:bodyPr wrap="square" rtlCol="0">
+          <a:bodyPr wrap="square">
             <a:spAutoFit/>
           </a:bodyPr>
           <a:lstStyle/>
           <a:p>
             <a:r>
-              <a:rPr lang="en-US" altLang="ko-KR" dirty="0"/>
-              <a:t>Service</a:t>
-            </a:r>
-            <a:r>
-              <a:rPr lang="ko-KR" altLang="en-US" dirty="0"/>
-              <a:t>는 </a:t>
-            </a:r>
-            <a:r>
-              <a:rPr lang="en-US" altLang="ko-KR" dirty="0"/>
-              <a:t>Dao</a:t>
-            </a:r>
-            <a:r>
-              <a:rPr lang="ko-KR" altLang="en-US" dirty="0"/>
-              <a:t>의 구현 클래스가 바뀌어도 영향 받지 않도록 해야 한다 </a:t>
-            </a:r>
-            <a:r>
-              <a:rPr lang="en-US" altLang="ko-KR" dirty="0"/>
-              <a:t>-&gt; DAO</a:t>
-            </a:r>
-            <a:r>
-              <a:rPr lang="ko-KR" altLang="en-US" dirty="0"/>
-              <a:t>의 인터페이스를 사용하고 </a:t>
-            </a:r>
-            <a:r>
-              <a:rPr lang="en-US" altLang="ko-KR" dirty="0"/>
-              <a:t>DI</a:t>
-            </a:r>
-            <a:r>
-              <a:rPr lang="ko-KR" altLang="en-US" dirty="0"/>
-              <a:t>를 적용</a:t>
-            </a:r>
-          </a:p>
-        </p:txBody>
-      </p:sp>
-      <p:sp>
-        <p:nvSpPr>
-          <p:cNvPr id="3" name="TextBox 2">
-            <a:extLst>
-              <a:ext uri="{FF2B5EF4-FFF2-40B4-BE49-F238E27FC236}">
-                <a16:creationId xmlns:a16="http://schemas.microsoft.com/office/drawing/2014/main" id="{2224F241-0B73-4633-98EE-00324C636A9B}"/>
+              <a:rPr lang="en-US" altLang="ko-KR" sz="1800" dirty="0">
+                <a:solidFill>
+                  <a:srgbClr val="646464"/>
+                </a:solidFill>
+                <a:latin typeface="Consolas" panose="020B0609020204030204" pitchFamily="49" charset="0"/>
+              </a:rPr>
+              <a:t>@Before: </a:t>
+            </a:r>
+            <a:r>
+              <a:rPr lang="ko-KR" altLang="en-US" sz="1800" dirty="0">
+                <a:solidFill>
+                  <a:srgbClr val="646464"/>
+                </a:solidFill>
+                <a:latin typeface="Consolas" panose="020B0609020204030204" pitchFamily="49" charset="0"/>
+              </a:rPr>
+              <a:t>테스트 메서드가 실행되기 전에 항상 실행되는 것</a:t>
+            </a:r>
+            <a:endParaRPr lang="ko-KR" altLang="en-US" dirty="0"/>
+          </a:p>
+        </p:txBody>
+      </p:sp>
+      <p:sp>
+        <p:nvSpPr>
+          <p:cNvPr id="4" name="TextBox 3">
+            <a:extLst>
+              <a:ext uri="{FF2B5EF4-FFF2-40B4-BE49-F238E27FC236}">
+                <a16:creationId xmlns:a16="http://schemas.microsoft.com/office/drawing/2014/main" id="{42662F6B-D585-4FD5-803A-0F678A57AC0C}"/>
               </a:ext>
             </a:extLst>
           </p:cNvPr>
@@ -6035,8 +9478,8 @@
         </p:nvSpPr>
         <p:spPr>
           <a:xfrm>
-            <a:off x="2447364" y="2644588"/>
-            <a:ext cx="7100047" cy="646331"/>
+            <a:off x="1219200" y="2151529"/>
+            <a:ext cx="3433482" cy="4524315"/>
           </a:xfrm>
           <a:prstGeom prst="rect">
             <a:avLst/>
@@ -6050,204 +9493,101 @@
           <a:lstStyle/>
           <a:p>
             <a:r>
-              <a:rPr lang="ko-KR" altLang="en-US" b="1" i="0" dirty="0">
-                <a:solidFill>
-                  <a:srgbClr val="5F6368"/>
-                </a:solidFill>
-                <a:effectLst/>
-                <a:latin typeface="Apple SD Gothic Neo"/>
-              </a:rPr>
-              <a:t>플래그</a:t>
-            </a:r>
-            <a:r>
-              <a:rPr lang="en-US" altLang="ko-KR" b="0" i="0" dirty="0">
-                <a:solidFill>
-                  <a:srgbClr val="4D5156"/>
-                </a:solidFill>
-                <a:effectLst/>
-                <a:latin typeface="Apple SD Gothic Neo"/>
-              </a:rPr>
+              <a:rPr lang="en-US" altLang="ko-KR" dirty="0"/>
+              <a:t>JDBC</a:t>
+            </a:r>
+            <a:r>
+              <a:rPr lang="ko-KR" altLang="en-US" dirty="0"/>
+              <a:t>개발에서 가장 많은 실수가 일어나는 곳은 </a:t>
+            </a:r>
+            <a:r>
+              <a:rPr lang="en-US" altLang="ko-KR" dirty="0"/>
+              <a:t>SQL</a:t>
+            </a:r>
+            <a:r>
+              <a:rPr lang="ko-KR" altLang="en-US" dirty="0"/>
+              <a:t>문장</a:t>
+            </a:r>
+            <a:endParaRPr lang="en-US" altLang="ko-KR" dirty="0"/>
+          </a:p>
+          <a:p>
+            <a:r>
+              <a:rPr lang="en-US" altLang="ko-KR" dirty="0"/>
+              <a:t>-&gt; UPDATE </a:t>
+            </a:r>
+            <a:r>
+              <a:rPr lang="ko-KR" altLang="en-US" dirty="0"/>
+              <a:t>문장에서 </a:t>
+            </a:r>
+            <a:r>
+              <a:rPr lang="en-US" altLang="ko-KR" dirty="0"/>
+              <a:t>WHERE</a:t>
+            </a:r>
+            <a:r>
+              <a:rPr lang="ko-KR" altLang="en-US" dirty="0"/>
+              <a:t>절을 빼먹는 경우 검증 하기가 </a:t>
+            </a:r>
+            <a:r>
+              <a:rPr lang="ko-KR" altLang="en-US" dirty="0" err="1"/>
+              <a:t>힘듬</a:t>
+            </a:r>
+            <a:r>
+              <a:rPr lang="ko-KR" altLang="en-US" dirty="0"/>
+              <a:t> </a:t>
+            </a:r>
+            <a:endParaRPr lang="en-US" altLang="ko-KR" dirty="0"/>
+          </a:p>
+          <a:p>
+            <a:endParaRPr lang="en-US" altLang="ko-KR" dirty="0"/>
+          </a:p>
+          <a:p>
+            <a:r>
+              <a:rPr lang="en-US" altLang="ko-KR" dirty="0"/>
+              <a:t>-&gt; </a:t>
+            </a:r>
+            <a:r>
+              <a:rPr lang="ko-KR" altLang="en-US" dirty="0"/>
+              <a:t>해결방안</a:t>
+            </a:r>
+            <a:endParaRPr lang="en-US" altLang="ko-KR" dirty="0"/>
+          </a:p>
+          <a:p>
+            <a:pPr marL="342900" indent="-342900">
+              <a:buAutoNum type="arabicPeriod"/>
+            </a:pPr>
+            <a:r>
+              <a:rPr lang="en-US" altLang="ko-KR" dirty="0"/>
+              <a:t>update()</a:t>
+            </a:r>
+            <a:r>
+              <a:rPr lang="ko-KR" altLang="en-US" dirty="0"/>
+              <a:t>가 돌려주는 리턴 값을 확인</a:t>
+            </a:r>
+            <a:endParaRPr lang="en-US" altLang="ko-KR" dirty="0"/>
+          </a:p>
+          <a:p>
+            <a:pPr marL="342900" indent="-342900">
+              <a:buAutoNum type="arabicPeriod"/>
+            </a:pPr>
+            <a:r>
+              <a:rPr lang="ko-KR" altLang="en-US" dirty="0"/>
+              <a:t>테스트를 보강해서 사용자 외의 정보는 변경되지 않음을 확인</a:t>
+            </a:r>
+            <a:r>
+              <a:rPr lang="en-US" altLang="ko-KR" dirty="0"/>
               <a:t>(</a:t>
             </a:r>
             <a:r>
-              <a:rPr lang="en-US" altLang="ko-KR" b="1" i="0" dirty="0">
-                <a:solidFill>
-                  <a:srgbClr val="5F6368"/>
-                </a:solidFill>
-                <a:effectLst/>
-                <a:latin typeface="Apple SD Gothic Neo"/>
-              </a:rPr>
-              <a:t>flag</a:t>
-            </a:r>
-            <a:r>
-              <a:rPr lang="en-US" altLang="ko-KR" b="0" i="0" dirty="0">
-                <a:solidFill>
-                  <a:srgbClr val="4D5156"/>
-                </a:solidFill>
-                <a:effectLst/>
-                <a:latin typeface="Apple SD Gothic Neo"/>
-              </a:rPr>
-              <a:t>)</a:t>
-            </a:r>
-            <a:r>
-              <a:rPr lang="ko-KR" altLang="en-US" b="0" i="0" dirty="0">
-                <a:solidFill>
-                  <a:srgbClr val="4D5156"/>
-                </a:solidFill>
-                <a:effectLst/>
-                <a:latin typeface="Apple SD Gothic Neo"/>
-              </a:rPr>
-              <a:t>란 원래 </a:t>
-            </a:r>
-            <a:r>
-              <a:rPr lang="en-US" altLang="ko-KR" b="0" i="0" dirty="0">
-                <a:solidFill>
-                  <a:srgbClr val="4D5156"/>
-                </a:solidFill>
-                <a:effectLst/>
-                <a:latin typeface="Apple SD Gothic Neo"/>
-              </a:rPr>
-              <a:t>"</a:t>
-            </a:r>
-            <a:r>
-              <a:rPr lang="ko-KR" altLang="en-US" b="0" i="0" dirty="0">
-                <a:solidFill>
-                  <a:srgbClr val="4D5156"/>
-                </a:solidFill>
-                <a:effectLst/>
-                <a:latin typeface="Apple SD Gothic Neo"/>
-              </a:rPr>
-              <a:t>깃발</a:t>
-            </a:r>
-            <a:r>
-              <a:rPr lang="en-US" altLang="ko-KR" b="0" i="0" dirty="0">
-                <a:solidFill>
-                  <a:srgbClr val="4D5156"/>
-                </a:solidFill>
-                <a:effectLst/>
-                <a:latin typeface="Apple SD Gothic Neo"/>
-              </a:rPr>
-              <a:t>"</a:t>
-            </a:r>
-            <a:r>
-              <a:rPr lang="ko-KR" altLang="en-US" b="0" i="0" dirty="0">
-                <a:solidFill>
-                  <a:srgbClr val="4D5156"/>
-                </a:solidFill>
-                <a:effectLst/>
-                <a:latin typeface="Apple SD Gothic Neo"/>
-              </a:rPr>
-              <a:t>이라는 뜻</a:t>
-            </a:r>
-            <a:r>
-              <a:rPr lang="en-US" altLang="ko-KR" b="0" i="0" dirty="0">
-                <a:solidFill>
-                  <a:srgbClr val="4D5156"/>
-                </a:solidFill>
-                <a:effectLst/>
-                <a:latin typeface="Apple SD Gothic Neo"/>
-              </a:rPr>
-              <a:t>. </a:t>
-            </a:r>
-            <a:r>
-              <a:rPr lang="ko-KR" altLang="en-US" b="0" i="0" dirty="0">
-                <a:solidFill>
-                  <a:srgbClr val="4D5156"/>
-                </a:solidFill>
-                <a:effectLst/>
-                <a:latin typeface="Apple SD Gothic Neo"/>
-              </a:rPr>
-              <a:t>프로그래밍에서는 </a:t>
-            </a:r>
-            <a:r>
-              <a:rPr lang="en-US" altLang="ko-KR" b="0" i="0" dirty="0">
-                <a:solidFill>
-                  <a:srgbClr val="4D5156"/>
-                </a:solidFill>
-                <a:effectLst/>
-                <a:latin typeface="Apple SD Gothic Neo"/>
-              </a:rPr>
-              <a:t>"</a:t>
-            </a:r>
-            <a:r>
-              <a:rPr lang="ko-KR" altLang="en-US" b="0" i="0" dirty="0">
-                <a:solidFill>
-                  <a:srgbClr val="4D5156"/>
-                </a:solidFill>
-                <a:effectLst/>
-                <a:latin typeface="Apple SD Gothic Neo"/>
-              </a:rPr>
-              <a:t>상태를 기록하고 처리 흐름을 제어하기 위한 </a:t>
-            </a:r>
-            <a:r>
-              <a:rPr lang="en-US" altLang="ko-KR" b="0" i="0" dirty="0" err="1">
-                <a:solidFill>
-                  <a:srgbClr val="4D5156"/>
-                </a:solidFill>
-                <a:effectLst/>
-                <a:latin typeface="Apple SD Gothic Neo"/>
-              </a:rPr>
-              <a:t>boolean</a:t>
-            </a:r>
-            <a:r>
-              <a:rPr lang="en-US" altLang="ko-KR" b="0" i="0" dirty="0">
-                <a:solidFill>
-                  <a:srgbClr val="4D5156"/>
-                </a:solidFill>
-                <a:effectLst/>
-                <a:latin typeface="Apple SD Gothic Neo"/>
-              </a:rPr>
-              <a:t> </a:t>
-            </a:r>
-            <a:r>
-              <a:rPr lang="ko-KR" altLang="en-US" b="0" i="0" dirty="0">
-                <a:solidFill>
-                  <a:srgbClr val="4D5156"/>
-                </a:solidFill>
-                <a:effectLst/>
-                <a:latin typeface="Apple SD Gothic Neo"/>
-              </a:rPr>
-              <a:t>타입 변수</a:t>
-            </a:r>
-            <a:endParaRPr lang="ko-KR" altLang="en-US" dirty="0"/>
-          </a:p>
-        </p:txBody>
-      </p:sp>
-      <p:sp>
-        <p:nvSpPr>
-          <p:cNvPr id="4" name="TextBox 3">
-            <a:extLst>
-              <a:ext uri="{FF2B5EF4-FFF2-40B4-BE49-F238E27FC236}">
-                <a16:creationId xmlns:a16="http://schemas.microsoft.com/office/drawing/2014/main" id="{769BB37E-646A-4DE9-B06F-BB3B591CCC44}"/>
-              </a:ext>
-            </a:extLst>
-          </p:cNvPr>
-          <p:cNvSpPr txBox="1"/>
-          <p:nvPr/>
-        </p:nvSpPr>
-        <p:spPr>
-          <a:xfrm>
-            <a:off x="2841812" y="4114800"/>
-            <a:ext cx="3854823" cy="1754326"/>
-          </a:xfrm>
-          <a:prstGeom prst="rect">
-            <a:avLst/>
-          </a:prstGeom>
-          <a:noFill/>
-        </p:spPr>
-        <p:txBody>
-          <a:bodyPr wrap="square" rtlCol="0">
-            <a:spAutoFit/>
-          </a:bodyPr>
-          <a:lstStyle/>
-          <a:p>
-            <a:r>
-              <a:rPr lang="en-US" altLang="ko-KR" dirty="0"/>
-              <a:t>BASIC, SILVER, GOLD </a:t>
-            </a:r>
-            <a:r>
-              <a:rPr lang="ko-KR" altLang="en-US" dirty="0"/>
-              <a:t>세 가지가 있고</a:t>
+              <a:rPr lang="ko-KR" altLang="en-US" dirty="0"/>
+              <a:t>사용자를 </a:t>
+            </a:r>
+            <a:r>
+              <a:rPr lang="ko-KR" altLang="en-US" dirty="0" err="1"/>
+              <a:t>두명</a:t>
+            </a:r>
+            <a:r>
+              <a:rPr lang="ko-KR" altLang="en-US" dirty="0"/>
+              <a:t> 등록해 놓고</a:t>
             </a:r>
             <a:r>
               <a:rPr lang="en-US" altLang="ko-KR" dirty="0"/>
@@ -6255,74 +9595,7 @@
             </a:r>
             <a:r>
               <a:rPr lang="ko-KR" altLang="en-US" dirty="0"/>
-              <a:t>변경이 일어나지 않는 </a:t>
-            </a:r>
-            <a:r>
-              <a:rPr lang="en-US" altLang="ko-KR" dirty="0"/>
-              <a:t>GOLD</a:t>
-            </a:r>
-            <a:r>
-              <a:rPr lang="ko-KR" altLang="en-US" dirty="0"/>
-              <a:t>를 제외한 나머지 두 가지가 변경이 </a:t>
-            </a:r>
-            <a:r>
-              <a:rPr lang="ko-KR" altLang="en-US" dirty="0" err="1"/>
-              <a:t>되는경우와</a:t>
-            </a:r>
-            <a:r>
-              <a:rPr lang="ko-KR" altLang="en-US" dirty="0"/>
-              <a:t> 아닌 경우가 있을 때는 최소한 다섯 가지 경우를 살펴봐야한다</a:t>
-            </a:r>
-          </a:p>
-        </p:txBody>
-      </p:sp>
-      <p:sp>
-        <p:nvSpPr>
-          <p:cNvPr id="5" name="TextBox 4">
-            <a:extLst>
-              <a:ext uri="{FF2B5EF4-FFF2-40B4-BE49-F238E27FC236}">
-                <a16:creationId xmlns:a16="http://schemas.microsoft.com/office/drawing/2014/main" id="{D28614F2-D3FB-49AA-AD73-6C7C0141E73F}"/>
-              </a:ext>
-            </a:extLst>
-          </p:cNvPr>
-          <p:cNvSpPr txBox="1"/>
-          <p:nvPr/>
-        </p:nvSpPr>
-        <p:spPr>
-          <a:xfrm>
-            <a:off x="2120151" y="1066800"/>
-            <a:ext cx="5562602" cy="646331"/>
-          </a:xfrm>
-          <a:prstGeom prst="rect">
-            <a:avLst/>
-          </a:prstGeom>
-          <a:noFill/>
-        </p:spPr>
-        <p:txBody>
-          <a:bodyPr wrap="square" rtlCol="0">
-            <a:spAutoFit/>
-          </a:bodyPr>
-          <a:lstStyle/>
-          <a:p>
-            <a:r>
-              <a:rPr lang="ko-KR" altLang="en-US" dirty="0"/>
-              <a:t>비즈니스 로직은 </a:t>
-            </a:r>
-            <a:r>
-              <a:rPr lang="en-US" altLang="ko-KR" dirty="0"/>
-              <a:t>Service</a:t>
-            </a:r>
-            <a:r>
-              <a:rPr lang="ko-KR" altLang="en-US" dirty="0"/>
-              <a:t>에 구현</a:t>
-            </a:r>
-            <a:r>
-              <a:rPr lang="en-US" altLang="ko-KR" dirty="0"/>
-              <a:t>(</a:t>
-            </a:r>
-            <a:r>
-              <a:rPr lang="ko-KR" altLang="en-US" dirty="0"/>
-              <a:t>하나의 관심사에만 집중하도록</a:t>
+              <a:t>그중 하나만 수정한 뒤에 수정된 사용자와 수정하지 않은 사용자의 정보를 모두 확인</a:t>
             </a:r>
             <a:r>
               <a:rPr lang="en-US" altLang="ko-KR" dirty="0"/>
@@ -6335,7 +9608,7 @@
     </p:spTree>
     <p:extLst>
       <p:ext uri="{BB962C8B-B14F-4D97-AF65-F5344CB8AC3E}">
-        <p14:creationId xmlns:p14="http://schemas.microsoft.com/office/powerpoint/2010/main" val="4293470768"/>
+        <p14:creationId xmlns:p14="http://schemas.microsoft.com/office/powerpoint/2010/main" val="2143333445"/>
       </p:ext>
     </p:extLst>
   </p:cSld>
@@ -6367,7 +9640,7 @@
           <p:cNvPr id="2" name="TextBox 1">
             <a:extLst>
               <a:ext uri="{FF2B5EF4-FFF2-40B4-BE49-F238E27FC236}">
-                <a16:creationId xmlns:a16="http://schemas.microsoft.com/office/drawing/2014/main" id="{DF114073-6CEB-4C19-801C-6F4510010224}"/>
+                <a16:creationId xmlns:a16="http://schemas.microsoft.com/office/drawing/2014/main" id="{1157B27A-E39A-47DD-A3A7-3BBD5A9BC9F4}"/>
               </a:ext>
             </a:extLst>
           </p:cNvPr>
@@ -6376,8 +9649,8 @@
         </p:nvSpPr>
         <p:spPr>
           <a:xfrm>
-            <a:off x="1174376" y="1111624"/>
-            <a:ext cx="3720353" cy="3693319"/>
+            <a:off x="2120151" y="1820707"/>
+            <a:ext cx="7754471" cy="646331"/>
           </a:xfrm>
           <a:prstGeom prst="rect">
             <a:avLst/>
@@ -6391,57 +9664,267 @@
           <a:lstStyle/>
           <a:p>
             <a:r>
-              <a:rPr lang="ko-KR" altLang="en-US" dirty="0"/>
-              <a:t>작성된 코드를 살펴 볼 때</a:t>
-            </a:r>
-            <a:endParaRPr lang="en-US" altLang="ko-KR" dirty="0"/>
-          </a:p>
-          <a:p>
-            <a:endParaRPr lang="en-US" altLang="ko-KR" dirty="0"/>
-          </a:p>
-          <a:p>
-            <a:r>
-              <a:rPr lang="ko-KR" altLang="en-US" dirty="0"/>
-              <a:t>코드에 중복된 부분은 없는가</a:t>
-            </a:r>
-            <a:r>
-              <a:rPr lang="en-US" altLang="ko-KR" dirty="0"/>
-              <a:t>?</a:t>
-            </a:r>
-          </a:p>
-          <a:p>
-            <a:endParaRPr lang="en-US" altLang="ko-KR" dirty="0"/>
-          </a:p>
-          <a:p>
-            <a:r>
-              <a:rPr lang="ko-KR" altLang="en-US" dirty="0"/>
-              <a:t>코드가 무엇을 하는 것인지 이해하기 불편하지 않은가</a:t>
-            </a:r>
-            <a:r>
-              <a:rPr lang="en-US" altLang="ko-KR" dirty="0"/>
-              <a:t>?</a:t>
-            </a:r>
-          </a:p>
-          <a:p>
-            <a:endParaRPr lang="en-US" altLang="ko-KR" dirty="0"/>
-          </a:p>
-          <a:p>
-            <a:r>
-              <a:rPr lang="ko-KR" altLang="en-US" dirty="0"/>
-              <a:t>코드가 자신이 있어야 할 자리에 있는가</a:t>
-            </a:r>
-            <a:r>
-              <a:rPr lang="en-US" altLang="ko-KR" dirty="0"/>
-              <a:t>?</a:t>
-            </a:r>
-          </a:p>
-          <a:p>
-            <a:endParaRPr lang="en-US" altLang="ko-KR" dirty="0"/>
-          </a:p>
-          <a:p>
-            <a:r>
-              <a:rPr lang="ko-KR" altLang="en-US" dirty="0"/>
-              <a:t>앞으로 변경이 일어난다면 어떤 것이 있을 수 있고</a:t>
+              <a:rPr lang="en-US" altLang="ko-KR" dirty="0"/>
+              <a:t>Service</a:t>
+            </a:r>
+            <a:r>
+              <a:rPr lang="ko-KR" altLang="en-US" dirty="0"/>
+              <a:t>는 </a:t>
+            </a:r>
+            <a:r>
+              <a:rPr lang="en-US" altLang="ko-KR" dirty="0"/>
+              <a:t>Dao</a:t>
+            </a:r>
+            <a:r>
+              <a:rPr lang="ko-KR" altLang="en-US" dirty="0"/>
+              <a:t>의 구현 클래스가 바뀌어도 영향 받지 않도록 해야 한다 </a:t>
+            </a:r>
+            <a:r>
+              <a:rPr lang="en-US" altLang="ko-KR" dirty="0"/>
+              <a:t>-&gt; DAO</a:t>
+            </a:r>
+            <a:r>
+              <a:rPr lang="ko-KR" altLang="en-US" dirty="0"/>
+              <a:t>의 인터페이스를 사용하고 </a:t>
+            </a:r>
+            <a:r>
+              <a:rPr lang="en-US" altLang="ko-KR" dirty="0"/>
+              <a:t>DI</a:t>
+            </a:r>
+            <a:r>
+              <a:rPr lang="ko-KR" altLang="en-US" dirty="0"/>
+              <a:t>를 적용</a:t>
+            </a:r>
+          </a:p>
+        </p:txBody>
+      </p:sp>
+      <p:sp>
+        <p:nvSpPr>
+          <p:cNvPr id="3" name="TextBox 2">
+            <a:extLst>
+              <a:ext uri="{FF2B5EF4-FFF2-40B4-BE49-F238E27FC236}">
+                <a16:creationId xmlns:a16="http://schemas.microsoft.com/office/drawing/2014/main" id="{2224F241-0B73-4633-98EE-00324C636A9B}"/>
+              </a:ext>
+            </a:extLst>
+          </p:cNvPr>
+          <p:cNvSpPr txBox="1"/>
+          <p:nvPr/>
+        </p:nvSpPr>
+        <p:spPr>
+          <a:xfrm>
+            <a:off x="2447364" y="2644588"/>
+            <a:ext cx="7100047" cy="646331"/>
+          </a:xfrm>
+          <a:prstGeom prst="rect">
+            <a:avLst/>
+          </a:prstGeom>
+          <a:noFill/>
+        </p:spPr>
+        <p:txBody>
+          <a:bodyPr wrap="square" rtlCol="0">
+            <a:spAutoFit/>
+          </a:bodyPr>
+          <a:lstStyle/>
+          <a:p>
+            <a:r>
+              <a:rPr lang="ko-KR" altLang="en-US" b="1" i="0" dirty="0">
+                <a:solidFill>
+                  <a:srgbClr val="5F6368"/>
+                </a:solidFill>
+                <a:effectLst/>
+                <a:latin typeface="Apple SD Gothic Neo"/>
+              </a:rPr>
+              <a:t>플래그</a:t>
+            </a:r>
+            <a:r>
+              <a:rPr lang="en-US" altLang="ko-KR" b="0" i="0" dirty="0">
+                <a:solidFill>
+                  <a:srgbClr val="4D5156"/>
+                </a:solidFill>
+                <a:effectLst/>
+                <a:latin typeface="Apple SD Gothic Neo"/>
+              </a:rPr>
+              <a:t>(</a:t>
+            </a:r>
+            <a:r>
+              <a:rPr lang="en-US" altLang="ko-KR" b="1" i="0" dirty="0">
+                <a:solidFill>
+                  <a:srgbClr val="5F6368"/>
+                </a:solidFill>
+                <a:effectLst/>
+                <a:latin typeface="Apple SD Gothic Neo"/>
+              </a:rPr>
+              <a:t>flag</a:t>
+            </a:r>
+            <a:r>
+              <a:rPr lang="en-US" altLang="ko-KR" b="0" i="0" dirty="0">
+                <a:solidFill>
+                  <a:srgbClr val="4D5156"/>
+                </a:solidFill>
+                <a:effectLst/>
+                <a:latin typeface="Apple SD Gothic Neo"/>
+              </a:rPr>
+              <a:t>)</a:t>
+            </a:r>
+            <a:r>
+              <a:rPr lang="ko-KR" altLang="en-US" b="0" i="0" dirty="0">
+                <a:solidFill>
+                  <a:srgbClr val="4D5156"/>
+                </a:solidFill>
+                <a:effectLst/>
+                <a:latin typeface="Apple SD Gothic Neo"/>
+              </a:rPr>
+              <a:t>란 원래 </a:t>
+            </a:r>
+            <a:r>
+              <a:rPr lang="en-US" altLang="ko-KR" b="0" i="0" dirty="0">
+                <a:solidFill>
+                  <a:srgbClr val="4D5156"/>
+                </a:solidFill>
+                <a:effectLst/>
+                <a:latin typeface="Apple SD Gothic Neo"/>
+              </a:rPr>
+              <a:t>"</a:t>
+            </a:r>
+            <a:r>
+              <a:rPr lang="ko-KR" altLang="en-US" b="0" i="0" dirty="0">
+                <a:solidFill>
+                  <a:srgbClr val="4D5156"/>
+                </a:solidFill>
+                <a:effectLst/>
+                <a:latin typeface="Apple SD Gothic Neo"/>
+              </a:rPr>
+              <a:t>깃발</a:t>
+            </a:r>
+            <a:r>
+              <a:rPr lang="en-US" altLang="ko-KR" b="0" i="0" dirty="0">
+                <a:solidFill>
+                  <a:srgbClr val="4D5156"/>
+                </a:solidFill>
+                <a:effectLst/>
+                <a:latin typeface="Apple SD Gothic Neo"/>
+              </a:rPr>
+              <a:t>"</a:t>
+            </a:r>
+            <a:r>
+              <a:rPr lang="ko-KR" altLang="en-US" b="0" i="0" dirty="0">
+                <a:solidFill>
+                  <a:srgbClr val="4D5156"/>
+                </a:solidFill>
+                <a:effectLst/>
+                <a:latin typeface="Apple SD Gothic Neo"/>
+              </a:rPr>
+              <a:t>이라는 뜻</a:t>
+            </a:r>
+            <a:r>
+              <a:rPr lang="en-US" altLang="ko-KR" b="0" i="0" dirty="0">
+                <a:solidFill>
+                  <a:srgbClr val="4D5156"/>
+                </a:solidFill>
+                <a:effectLst/>
+                <a:latin typeface="Apple SD Gothic Neo"/>
+              </a:rPr>
+              <a:t>. </a:t>
+            </a:r>
+            <a:r>
+              <a:rPr lang="ko-KR" altLang="en-US" b="0" i="0" dirty="0">
+                <a:solidFill>
+                  <a:srgbClr val="4D5156"/>
+                </a:solidFill>
+                <a:effectLst/>
+                <a:latin typeface="Apple SD Gothic Neo"/>
+              </a:rPr>
+              <a:t>프로그래밍에서는 </a:t>
+            </a:r>
+            <a:r>
+              <a:rPr lang="en-US" altLang="ko-KR" b="0" i="0" dirty="0">
+                <a:solidFill>
+                  <a:srgbClr val="4D5156"/>
+                </a:solidFill>
+                <a:effectLst/>
+                <a:latin typeface="Apple SD Gothic Neo"/>
+              </a:rPr>
+              <a:t>"</a:t>
+            </a:r>
+            <a:r>
+              <a:rPr lang="ko-KR" altLang="en-US" b="0" i="0" dirty="0">
+                <a:solidFill>
+                  <a:srgbClr val="4D5156"/>
+                </a:solidFill>
+                <a:effectLst/>
+                <a:latin typeface="Apple SD Gothic Neo"/>
+              </a:rPr>
+              <a:t>상태를 기록하고 처리 흐름을 제어하기 위한 </a:t>
+            </a:r>
+            <a:r>
+              <a:rPr lang="en-US" altLang="ko-KR" b="0" i="0" dirty="0" err="1">
+                <a:solidFill>
+                  <a:srgbClr val="4D5156"/>
+                </a:solidFill>
+                <a:effectLst/>
+                <a:latin typeface="Apple SD Gothic Neo"/>
+              </a:rPr>
+              <a:t>boolean</a:t>
+            </a:r>
+            <a:r>
+              <a:rPr lang="en-US" altLang="ko-KR" b="0" i="0" dirty="0">
+                <a:solidFill>
+                  <a:srgbClr val="4D5156"/>
+                </a:solidFill>
+                <a:effectLst/>
+                <a:latin typeface="Apple SD Gothic Neo"/>
+              </a:rPr>
+              <a:t> </a:t>
+            </a:r>
+            <a:r>
+              <a:rPr lang="ko-KR" altLang="en-US" b="0" i="0" dirty="0">
+                <a:solidFill>
+                  <a:srgbClr val="4D5156"/>
+                </a:solidFill>
+                <a:effectLst/>
+                <a:latin typeface="Apple SD Gothic Neo"/>
+              </a:rPr>
+              <a:t>타입 변수</a:t>
+            </a:r>
+            <a:endParaRPr lang="ko-KR" altLang="en-US" dirty="0"/>
+          </a:p>
+        </p:txBody>
+      </p:sp>
+      <p:sp>
+        <p:nvSpPr>
+          <p:cNvPr id="4" name="TextBox 3">
+            <a:extLst>
+              <a:ext uri="{FF2B5EF4-FFF2-40B4-BE49-F238E27FC236}">
+                <a16:creationId xmlns:a16="http://schemas.microsoft.com/office/drawing/2014/main" id="{769BB37E-646A-4DE9-B06F-BB3B591CCC44}"/>
+              </a:ext>
+            </a:extLst>
+          </p:cNvPr>
+          <p:cNvSpPr txBox="1"/>
+          <p:nvPr/>
+        </p:nvSpPr>
+        <p:spPr>
+          <a:xfrm>
+            <a:off x="2841812" y="4114800"/>
+            <a:ext cx="3854823" cy="1754326"/>
+          </a:xfrm>
+          <a:prstGeom prst="rect">
+            <a:avLst/>
+          </a:prstGeom>
+          <a:noFill/>
+        </p:spPr>
+        <p:txBody>
+          <a:bodyPr wrap="square" rtlCol="0">
+            <a:spAutoFit/>
+          </a:bodyPr>
+          <a:lstStyle/>
+          <a:p>
+            <a:r>
+              <a:rPr lang="en-US" altLang="ko-KR" dirty="0"/>
+              <a:t>BASIC, SILVER, GOLD </a:t>
+            </a:r>
+            <a:r>
+              <a:rPr lang="ko-KR" altLang="en-US" dirty="0"/>
+              <a:t>세 가지가 있고</a:t>
             </a:r>
             <a:r>
               <a:rPr lang="en-US" altLang="ko-KR" dirty="0"/>
@@ -6449,11 +9932,78 @@
             </a:r>
             <a:r>
               <a:rPr lang="ko-KR" altLang="en-US" dirty="0"/>
-              <a:t>그 변화에 쉽게 대응할 수 있게 작성되어 있는가</a:t>
-            </a:r>
-            <a:r>
-              <a:rPr lang="en-US" altLang="ko-KR" dirty="0"/>
-              <a:t>?</a:t>
+              <a:t>변경이 일어나지 않는 </a:t>
+            </a:r>
+            <a:r>
+              <a:rPr lang="en-US" altLang="ko-KR" dirty="0"/>
+              <a:t>GOLD</a:t>
+            </a:r>
+            <a:r>
+              <a:rPr lang="ko-KR" altLang="en-US" dirty="0"/>
+              <a:t>를 제외한 나머지 두 가지가 변경이 </a:t>
+            </a:r>
+            <a:r>
+              <a:rPr lang="ko-KR" altLang="en-US" dirty="0" err="1"/>
+              <a:t>되는경우와</a:t>
+            </a:r>
+            <a:r>
+              <a:rPr lang="ko-KR" altLang="en-US" dirty="0"/>
+              <a:t> 아닌 경우가 있을 때는 최소한 다섯 가지 경우를 살펴봐야한다</a:t>
+            </a:r>
+          </a:p>
+        </p:txBody>
+      </p:sp>
+      <p:sp>
+        <p:nvSpPr>
+          <p:cNvPr id="5" name="TextBox 4">
+            <a:extLst>
+              <a:ext uri="{FF2B5EF4-FFF2-40B4-BE49-F238E27FC236}">
+                <a16:creationId xmlns:a16="http://schemas.microsoft.com/office/drawing/2014/main" id="{D28614F2-D3FB-49AA-AD73-6C7C0141E73F}"/>
+              </a:ext>
+            </a:extLst>
+          </p:cNvPr>
+          <p:cNvSpPr txBox="1"/>
+          <p:nvPr/>
+        </p:nvSpPr>
+        <p:spPr>
+          <a:xfrm>
+            <a:off x="2120151" y="1066800"/>
+            <a:ext cx="5562602" cy="646331"/>
+          </a:xfrm>
+          <a:prstGeom prst="rect">
+            <a:avLst/>
+          </a:prstGeom>
+          <a:noFill/>
+        </p:spPr>
+        <p:txBody>
+          <a:bodyPr wrap="square" rtlCol="0">
+            <a:spAutoFit/>
+          </a:bodyPr>
+          <a:lstStyle/>
+          <a:p>
+            <a:r>
+              <a:rPr lang="ko-KR" altLang="en-US" dirty="0"/>
+              <a:t>비즈니스 로직은 </a:t>
+            </a:r>
+            <a:r>
+              <a:rPr lang="en-US" altLang="ko-KR" dirty="0"/>
+              <a:t>Service</a:t>
+            </a:r>
+            <a:r>
+              <a:rPr lang="ko-KR" altLang="en-US" dirty="0"/>
+              <a:t>에 구현</a:t>
+            </a:r>
+            <a:r>
+              <a:rPr lang="en-US" altLang="ko-KR" dirty="0"/>
+              <a:t>(</a:t>
+            </a:r>
+            <a:r>
+              <a:rPr lang="ko-KR" altLang="en-US" dirty="0"/>
+              <a:t>하나의 관심사에만 집중하도록</a:t>
+            </a:r>
+            <a:r>
+              <a:rPr lang="en-US" altLang="ko-KR" dirty="0"/>
+              <a:t>)</a:t>
             </a:r>
             <a:endParaRPr lang="ko-KR" altLang="en-US" dirty="0"/>
           </a:p>
@@ -6462,7 +10012,7 @@
     </p:spTree>
     <p:extLst>
       <p:ext uri="{BB962C8B-B14F-4D97-AF65-F5344CB8AC3E}">
-        <p14:creationId xmlns:p14="http://schemas.microsoft.com/office/powerpoint/2010/main" val="3368677451"/>
+        <p14:creationId xmlns:p14="http://schemas.microsoft.com/office/powerpoint/2010/main" val="4293470768"/>
       </p:ext>
     </p:extLst>
   </p:cSld>
@@ -6494,7 +10044,7 @@
           <p:cNvPr id="2" name="TextBox 1">
             <a:extLst>
               <a:ext uri="{FF2B5EF4-FFF2-40B4-BE49-F238E27FC236}">
-                <a16:creationId xmlns:a16="http://schemas.microsoft.com/office/drawing/2014/main" id="{76C756EA-F468-44D7-82FE-32244DDBB9B4}"/>
+                <a16:creationId xmlns:a16="http://schemas.microsoft.com/office/drawing/2014/main" id="{DF114073-6CEB-4C19-801C-6F4510010224}"/>
               </a:ext>
             </a:extLst>
           </p:cNvPr>
@@ -6503,8 +10053,8 @@
         </p:nvSpPr>
         <p:spPr>
           <a:xfrm>
-            <a:off x="1577788" y="815788"/>
-            <a:ext cx="3747247" cy="1754326"/>
+            <a:off x="1174376" y="1111624"/>
+            <a:ext cx="3720353" cy="3693319"/>
           </a:xfrm>
           <a:prstGeom prst="rect">
             <a:avLst/>
@@ -6519,172 +10069,77 @@
           <a:p>
             <a:r>
               <a:rPr lang="ko-KR" altLang="en-US" dirty="0"/>
-              <a:t>코드가 깔끔해 보이지 않는 이유</a:t>
-            </a:r>
-            <a:r>
-              <a:rPr lang="en-US" altLang="ko-KR" dirty="0"/>
-              <a:t>: </a:t>
-            </a:r>
-            <a:r>
-              <a:rPr lang="ko-KR" altLang="en-US" dirty="0"/>
-              <a:t>성격이 다른 여러 가지 로직이 한데 섞여 있기 때문</a:t>
+              <a:t>작성된 코드를 살펴 볼 때</a:t>
             </a:r>
             <a:endParaRPr lang="en-US" altLang="ko-KR" dirty="0"/>
           </a:p>
           <a:p>
-            <a:r>
-              <a:rPr lang="en-US" altLang="ko-KR" dirty="0"/>
-              <a:t>-&gt; </a:t>
-            </a:r>
-            <a:r>
-              <a:rPr lang="ko-KR" altLang="en-US" dirty="0"/>
-              <a:t>유지보수가 어려워질 수 있음 </a:t>
-            </a:r>
-            <a:r>
-              <a:rPr lang="en-US" altLang="ko-KR" dirty="0"/>
-              <a:t>-&gt; </a:t>
-            </a:r>
-            <a:r>
-              <a:rPr lang="ko-KR" altLang="en-US" dirty="0"/>
-              <a:t>그렇다고 분리를 하면 코드가 더 복잡해짐</a:t>
-            </a:r>
-          </a:p>
-        </p:txBody>
-      </p:sp>
-      <p:sp>
-        <p:nvSpPr>
-          <p:cNvPr id="3" name="TextBox 2">
-            <a:extLst>
-              <a:ext uri="{FF2B5EF4-FFF2-40B4-BE49-F238E27FC236}">
-                <a16:creationId xmlns:a16="http://schemas.microsoft.com/office/drawing/2014/main" id="{B2422057-DA88-4A25-AB3B-01BD2BB085CF}"/>
-              </a:ext>
-            </a:extLst>
-          </p:cNvPr>
-          <p:cNvSpPr txBox="1"/>
-          <p:nvPr/>
-        </p:nvSpPr>
-        <p:spPr>
-          <a:xfrm>
-            <a:off x="1855694" y="2994212"/>
-            <a:ext cx="2886635" cy="646331"/>
-          </a:xfrm>
-          <a:prstGeom prst="rect">
-            <a:avLst/>
-          </a:prstGeom>
-          <a:noFill/>
-        </p:spPr>
-        <p:txBody>
-          <a:bodyPr wrap="square" rtlCol="0">
-            <a:spAutoFit/>
-          </a:bodyPr>
-          <a:lstStyle/>
-          <a:p>
-            <a:r>
-              <a:rPr lang="ko-KR" altLang="en-US" dirty="0"/>
-              <a:t>로직에서 처리할 수 없는 경우는 예외를 던져준다</a:t>
-            </a:r>
-          </a:p>
-        </p:txBody>
-      </p:sp>
-      <p:sp>
-        <p:nvSpPr>
-          <p:cNvPr id="4" name="TextBox 3">
-            <a:extLst>
-              <a:ext uri="{FF2B5EF4-FFF2-40B4-BE49-F238E27FC236}">
-                <a16:creationId xmlns:a16="http://schemas.microsoft.com/office/drawing/2014/main" id="{E9C3B007-BE0E-4DD7-B551-E06B99890A12}"/>
-              </a:ext>
-            </a:extLst>
-          </p:cNvPr>
-          <p:cNvSpPr txBox="1"/>
-          <p:nvPr/>
-        </p:nvSpPr>
-        <p:spPr>
-          <a:xfrm>
-            <a:off x="1290918" y="4231341"/>
-            <a:ext cx="9475694" cy="1477328"/>
-          </a:xfrm>
-          <a:prstGeom prst="rect">
-            <a:avLst/>
-          </a:prstGeom>
-          <a:noFill/>
-        </p:spPr>
-        <p:txBody>
-          <a:bodyPr wrap="square" rtlCol="0">
-            <a:spAutoFit/>
-          </a:bodyPr>
-          <a:lstStyle/>
-          <a:p>
-            <a:r>
-              <a:rPr lang="en-US" altLang="ko-KR" dirty="0"/>
-              <a:t>User</a:t>
-            </a:r>
-            <a:r>
-              <a:rPr lang="ko-KR" altLang="en-US" dirty="0"/>
-              <a:t>의 내부 정보가 변경되는 것은 </a:t>
-            </a:r>
-            <a:r>
-              <a:rPr lang="en-US" altLang="ko-KR" dirty="0" err="1"/>
-              <a:t>UserService</a:t>
-            </a:r>
-            <a:r>
-              <a:rPr lang="ko-KR" altLang="en-US" dirty="0"/>
-              <a:t>보다는 </a:t>
-            </a:r>
-            <a:r>
-              <a:rPr lang="en-US" altLang="ko-KR" dirty="0"/>
-              <a:t>User</a:t>
-            </a:r>
-            <a:r>
-              <a:rPr lang="ko-KR" altLang="en-US" dirty="0"/>
-              <a:t>가 스스로 다루는 게 적절함</a:t>
-            </a:r>
             <a:endParaRPr lang="en-US" altLang="ko-KR" dirty="0"/>
           </a:p>
           <a:p>
+            <a:r>
+              <a:rPr lang="ko-KR" altLang="en-US" dirty="0"/>
+              <a:t>코드에 중복된 부분은 없는가</a:t>
+            </a:r>
+            <a:r>
+              <a:rPr lang="en-US" altLang="ko-KR" dirty="0"/>
+              <a:t>?</a:t>
+            </a:r>
+          </a:p>
+          <a:p>
             <a:endParaRPr lang="en-US" altLang="ko-KR" dirty="0"/>
           </a:p>
           <a:p>
             <a:r>
-              <a:rPr lang="en-US" altLang="ko-KR" dirty="0"/>
-              <a:t>-&gt; User</a:t>
-            </a:r>
-            <a:r>
-              <a:rPr lang="ko-KR" altLang="en-US" dirty="0"/>
-              <a:t>에 내부 정보를 다루는 기능을 추가</a:t>
-            </a:r>
+              <a:rPr lang="ko-KR" altLang="en-US" dirty="0"/>
+              <a:t>코드가 무엇을 하는 것인지 이해하기 불편하지 않은가</a:t>
+            </a:r>
+            <a:r>
+              <a:rPr lang="en-US" altLang="ko-KR" dirty="0"/>
+              <a:t>?</a:t>
+            </a:r>
+          </a:p>
+          <a:p>
             <a:endParaRPr lang="en-US" altLang="ko-KR" dirty="0"/>
           </a:p>
           <a:p>
+            <a:r>
+              <a:rPr lang="ko-KR" altLang="en-US" dirty="0"/>
+              <a:t>코드가 자신이 있어야 할 자리에 있는가</a:t>
+            </a:r>
+            <a:r>
+              <a:rPr lang="en-US" altLang="ko-KR" dirty="0"/>
+              <a:t>?</a:t>
+            </a:r>
+          </a:p>
+          <a:p>
             <a:endParaRPr lang="en-US" altLang="ko-KR" dirty="0"/>
           </a:p>
           <a:p>
             <a:r>
-              <a:rPr lang="en-US" altLang="ko-KR" dirty="0"/>
-              <a:t>-&gt; </a:t>
-            </a:r>
-            <a:r>
-              <a:rPr lang="en-US" altLang="ko-KR" dirty="0" err="1"/>
-              <a:t>UserService</a:t>
-            </a:r>
-            <a:r>
-              <a:rPr lang="ko-KR" altLang="en-US" dirty="0"/>
-              <a:t>가 </a:t>
-            </a:r>
-            <a:r>
-              <a:rPr lang="en-US" altLang="ko-KR" dirty="0"/>
-              <a:t>User</a:t>
-            </a:r>
-            <a:r>
-              <a:rPr lang="ko-KR" altLang="en-US" dirty="0"/>
-              <a:t>에게 내부 정보를 변경하로 요청하는 편이 낫다</a:t>
-            </a:r>
+              <a:rPr lang="ko-KR" altLang="en-US" dirty="0"/>
+              <a:t>앞으로 변경이 일어난다면 어떤 것이 있을 수 있고</a:t>
+            </a:r>
+            <a:r>
+              <a:rPr lang="en-US" altLang="ko-KR" dirty="0"/>
+              <a:t>, </a:t>
+            </a:r>
+            <a:r>
+              <a:rPr lang="ko-KR" altLang="en-US" dirty="0"/>
+              <a:t>그 변화에 쉽게 대응할 수 있게 작성되어 있는가</a:t>
+            </a:r>
+            <a:r>
+              <a:rPr lang="en-US" altLang="ko-KR" dirty="0"/>
+              <a:t>?</a:t>
+            </a:r>
+            <a:endParaRPr lang="ko-KR" altLang="en-US" dirty="0"/>
           </a:p>
         </p:txBody>
       </p:sp>
     </p:spTree>
     <p:extLst>
       <p:ext uri="{BB962C8B-B14F-4D97-AF65-F5344CB8AC3E}">
-        <p14:creationId xmlns:p14="http://schemas.microsoft.com/office/powerpoint/2010/main" val="1217010113"/>
+        <p14:creationId xmlns:p14="http://schemas.microsoft.com/office/powerpoint/2010/main" val="3368677451"/>
       </p:ext>
     </p:extLst>
   </p:cSld>
@@ -6716,7 +10171,7 @@
           <p:cNvPr id="2" name="TextBox 1">
             <a:extLst>
               <a:ext uri="{FF2B5EF4-FFF2-40B4-BE49-F238E27FC236}">
-                <a16:creationId xmlns:a16="http://schemas.microsoft.com/office/drawing/2014/main" id="{21DE09F9-6499-4D69-8047-B6716C2A8A87}"/>
+                <a16:creationId xmlns:a16="http://schemas.microsoft.com/office/drawing/2014/main" id="{76C756EA-F468-44D7-82FE-32244DDBB9B4}"/>
               </a:ext>
             </a:extLst>
           </p:cNvPr>
@@ -6725,8 +10180,8 @@
         </p:nvSpPr>
         <p:spPr>
           <a:xfrm>
-            <a:off x="2187388" y="654424"/>
-            <a:ext cx="7485530" cy="1477328"/>
+            <a:off x="1577788" y="815788"/>
+            <a:ext cx="3747247" cy="1754326"/>
           </a:xfrm>
           <a:prstGeom prst="rect">
             <a:avLst/>
@@ -6740,28 +10195,36 @@
           <a:lstStyle/>
           <a:p>
             <a:r>
-              <a:rPr lang="ko-KR" altLang="en-US" dirty="0" err="1"/>
-              <a:t>객체지향적인</a:t>
-            </a:r>
-            <a:r>
-              <a:rPr lang="ko-KR" altLang="en-US" dirty="0"/>
-              <a:t> 코드는 다른 오브젝트의 데이터를 가져와서 작업하는 대신 데이터를 갖고 있는 다른 오브젝트에게 작업을 해달라고 요청함</a:t>
+              <a:rPr lang="ko-KR" altLang="en-US" dirty="0"/>
+              <a:t>코드가 깔끔해 보이지 않는 이유</a:t>
+            </a:r>
+            <a:r>
+              <a:rPr lang="en-US" altLang="ko-KR" dirty="0"/>
+              <a:t>: </a:t>
+            </a:r>
+            <a:r>
+              <a:rPr lang="ko-KR" altLang="en-US" dirty="0"/>
+              <a:t>성격이 다른 여러 가지 로직이 한데 섞여 있기 때문</a:t>
             </a:r>
             <a:endParaRPr lang="en-US" altLang="ko-KR" dirty="0"/>
           </a:p>
           <a:p>
-            <a:endParaRPr lang="en-US" altLang="ko-KR" dirty="0"/>
-          </a:p>
-          <a:p>
             <a:r>
               <a:rPr lang="en-US" altLang="ko-KR" dirty="0"/>
               <a:t>-&gt; </a:t>
             </a:r>
             <a:r>
               <a:rPr lang="ko-KR" altLang="en-US" dirty="0"/>
-              <a:t>오브젝트에게 데이터를 요구하지 말고 작업을 요청하라는 것이 객체지향 프로그래밍의 가장 기본이 되는 원리</a:t>
-            </a:r>
-            <a:endParaRPr lang="en-US" altLang="ko-KR" dirty="0"/>
+              <a:t>유지보수가 어려워질 수 있음 </a:t>
+            </a:r>
+            <a:r>
+              <a:rPr lang="en-US" altLang="ko-KR" dirty="0"/>
+              <a:t>-&gt; </a:t>
+            </a:r>
+            <a:r>
+              <a:rPr lang="ko-KR" altLang="en-US" dirty="0"/>
+              <a:t>그렇다고 분리를 하면 코드가 더 복잡해짐</a:t>
+            </a:r>
           </a:p>
         </p:txBody>
       </p:sp>
@@ -6770,7 +10233,7 @@
           <p:cNvPr id="3" name="TextBox 2">
             <a:extLst>
               <a:ext uri="{FF2B5EF4-FFF2-40B4-BE49-F238E27FC236}">
-                <a16:creationId xmlns:a16="http://schemas.microsoft.com/office/drawing/2014/main" id="{A6207E34-59F0-42AB-BF44-01770C7D2947}"/>
+                <a16:creationId xmlns:a16="http://schemas.microsoft.com/office/drawing/2014/main" id="{B2422057-DA88-4A25-AB3B-01BD2BB085CF}"/>
               </a:ext>
             </a:extLst>
           </p:cNvPr>
@@ -6779,8 +10242,8 @@
         </p:nvSpPr>
         <p:spPr>
           <a:xfrm>
-            <a:off x="1981200" y="3558988"/>
-            <a:ext cx="9144000" cy="646331"/>
+            <a:off x="1855694" y="2994212"/>
+            <a:ext cx="2886635" cy="646331"/>
           </a:xfrm>
           <a:prstGeom prst="rect">
             <a:avLst/>
@@ -6795,7 +10258,7 @@
           <a:p>
             <a:r>
               <a:rPr lang="ko-KR" altLang="en-US" dirty="0"/>
-              <a:t>항상 코드를 더 깔끔하고 유연하면서 변화에 대응하기 쉽고 테스트하기 좋게 만들려고 노력해야 함</a:t>
+              <a:t>로직에서 처리할 수 없는 경우는 예외를 던져준다</a:t>
             </a:r>
           </a:p>
         </p:txBody>
@@ -6805,7 +10268,7 @@
           <p:cNvPr id="4" name="TextBox 3">
             <a:extLst>
               <a:ext uri="{FF2B5EF4-FFF2-40B4-BE49-F238E27FC236}">
-                <a16:creationId xmlns:a16="http://schemas.microsoft.com/office/drawing/2014/main" id="{3F0673C8-DC2C-4BE3-AD60-91322A872B4F}"/>
+                <a16:creationId xmlns:a16="http://schemas.microsoft.com/office/drawing/2014/main" id="{E9C3B007-BE0E-4DD7-B551-E06B99890A12}"/>
               </a:ext>
             </a:extLst>
           </p:cNvPr>
@@ -6814,8 +10277,8 @@
         </p:nvSpPr>
         <p:spPr>
           <a:xfrm>
-            <a:off x="1981200" y="4742329"/>
-            <a:ext cx="7109012" cy="923330"/>
+            <a:off x="1290918" y="4231341"/>
+            <a:ext cx="9475694" cy="1477328"/>
           </a:xfrm>
           <a:prstGeom prst="rect">
             <a:avLst/>
@@ -6829,45 +10292,76 @@
           <a:lstStyle/>
           <a:p>
             <a:r>
-              <a:rPr lang="ko-KR" altLang="en-US" dirty="0"/>
-              <a:t>한 가지 변경 이유가 발생했을 때 여러 군데를 고치게 만든다면 중복 </a:t>
-            </a:r>
+              <a:rPr lang="en-US" altLang="ko-KR" dirty="0"/>
+              <a:t>User</a:t>
+            </a:r>
+            <a:r>
+              <a:rPr lang="ko-KR" altLang="en-US" dirty="0"/>
+              <a:t>의 내부 정보가 변경되는 것은 </a:t>
+            </a:r>
+            <a:r>
+              <a:rPr lang="en-US" altLang="ko-KR" dirty="0" err="1"/>
+              <a:t>UserService</a:t>
+            </a:r>
+            <a:r>
+              <a:rPr lang="ko-KR" altLang="en-US" dirty="0"/>
+              <a:t>보다는 </a:t>
+            </a:r>
+            <a:r>
+              <a:rPr lang="en-US" altLang="ko-KR" dirty="0"/>
+              <a:t>User</a:t>
+            </a:r>
+            <a:r>
+              <a:rPr lang="ko-KR" altLang="en-US" dirty="0"/>
+              <a:t>가 스스로 다루는 게 적절함</a:t>
+            </a:r>
+            <a:endParaRPr lang="en-US" altLang="ko-KR" dirty="0"/>
+          </a:p>
+          <a:p>
+            <a:endParaRPr lang="en-US" altLang="ko-KR" dirty="0"/>
+          </a:p>
+          <a:p>
+            <a:r>
+              <a:rPr lang="en-US" altLang="ko-KR" dirty="0"/>
+              <a:t>-&gt; User</a:t>
+            </a:r>
+            <a:r>
+              <a:rPr lang="ko-KR" altLang="en-US" dirty="0"/>
+              <a:t>에 내부 정보를 다루는 기능을 추가</a:t>
+            </a:r>
+            <a:endParaRPr lang="en-US" altLang="ko-KR" dirty="0"/>
+          </a:p>
+          <a:p>
+            <a:endParaRPr lang="en-US" altLang="ko-KR" dirty="0"/>
+          </a:p>
+          <a:p>
             <a:r>
               <a:rPr lang="en-US" altLang="ko-KR" dirty="0"/>
               <a:t>-&gt; </a:t>
             </a:r>
             <a:r>
-              <a:rPr lang="ko-KR" altLang="en-US" dirty="0"/>
-              <a:t>상수 값도 마찬가지 므로 정수형 상수로 변경해줌</a:t>
-            </a:r>
-            <a:r>
-              <a:rPr lang="en-US" altLang="ko-KR" dirty="0"/>
-              <a:t>(static</a:t>
-            </a:r>
-            <a:r>
-              <a:rPr lang="ko-KR" altLang="en-US" dirty="0"/>
-              <a:t> </a:t>
-            </a:r>
-            <a:r>
-              <a:rPr lang="en-US" altLang="ko-KR" dirty="0"/>
-              <a:t>final</a:t>
-            </a:r>
-            <a:r>
-              <a:rPr lang="ko-KR" altLang="en-US" dirty="0"/>
-              <a:t> </a:t>
-            </a:r>
-            <a:r>
-              <a:rPr lang="en-US" altLang="ko-KR" dirty="0"/>
-              <a:t>int)</a:t>
-            </a:r>
-            <a:endParaRPr lang="ko-KR" altLang="en-US" dirty="0"/>
+              <a:rPr lang="en-US" altLang="ko-KR" dirty="0" err="1"/>
+              <a:t>UserService</a:t>
+            </a:r>
+            <a:r>
+              <a:rPr lang="ko-KR" altLang="en-US" dirty="0"/>
+              <a:t>가 </a:t>
+            </a:r>
+            <a:r>
+              <a:rPr lang="en-US" altLang="ko-KR" dirty="0"/>
+              <a:t>User</a:t>
+            </a:r>
+            <a:r>
+              <a:rPr lang="ko-KR" altLang="en-US" dirty="0"/>
+              <a:t>에게 내부 정보를 변경하로 요청하는 편이 낫다</a:t>
+            </a:r>
           </a:p>
         </p:txBody>
       </p:sp>
     </p:spTree>
     <p:extLst>
       <p:ext uri="{BB962C8B-B14F-4D97-AF65-F5344CB8AC3E}">
-        <p14:creationId xmlns:p14="http://schemas.microsoft.com/office/powerpoint/2010/main" val="2731962042"/>
+        <p14:creationId xmlns:p14="http://schemas.microsoft.com/office/powerpoint/2010/main" val="1217010113"/>
       </p:ext>
     </p:extLst>
   </p:cSld>

--- a/프레젠테이션1.pptx
+++ b/프레젠테이션1.pptx
@@ -8756,6 +8756,155 @@
           <a:chExt cx="0" cy="0"/>
         </a:xfrm>
       </p:grpSpPr>
+      <p:sp>
+        <p:nvSpPr>
+          <p:cNvPr id="2" name="TextBox 1">
+            <a:extLst>
+              <a:ext uri="{FF2B5EF4-FFF2-40B4-BE49-F238E27FC236}">
+                <a16:creationId xmlns:a16="http://schemas.microsoft.com/office/drawing/2014/main" id="{DB8AFA26-9177-4800-BC77-976ECEE10A12}"/>
+              </a:ext>
+            </a:extLst>
+          </p:cNvPr>
+          <p:cNvSpPr txBox="1"/>
+          <p:nvPr/>
+        </p:nvSpPr>
+        <p:spPr>
+          <a:xfrm>
+            <a:off x="1828800" y="690282"/>
+            <a:ext cx="7100047" cy="646331"/>
+          </a:xfrm>
+          <a:prstGeom prst="rect">
+            <a:avLst/>
+          </a:prstGeom>
+          <a:noFill/>
+        </p:spPr>
+        <p:txBody>
+          <a:bodyPr wrap="square" rtlCol="0">
+            <a:spAutoFit/>
+          </a:bodyPr>
+          <a:lstStyle/>
+          <a:p>
+            <a:r>
+              <a:rPr lang="ko-KR" altLang="en-US" dirty="0"/>
+              <a:t>특정 클래스 내에서 인터페이스를 구현한 부분의 코드는 구현한 클래스의 내부 정보</a:t>
+            </a:r>
+            <a:r>
+              <a:rPr lang="en-US" altLang="ko-KR" dirty="0"/>
+              <a:t>(</a:t>
+            </a:r>
+            <a:r>
+              <a:rPr lang="ko-KR" altLang="en-US" dirty="0"/>
+              <a:t>다른 변수와 메소드</a:t>
+            </a:r>
+            <a:r>
+              <a:rPr lang="en-US" altLang="ko-KR" dirty="0"/>
+              <a:t>)</a:t>
+            </a:r>
+            <a:r>
+              <a:rPr lang="ko-KR" altLang="en-US" dirty="0"/>
+              <a:t>에 직접 접근하면 안된다 </a:t>
+            </a:r>
+          </a:p>
+        </p:txBody>
+      </p:sp>
+      <p:sp>
+        <p:nvSpPr>
+          <p:cNvPr id="3" name="TextBox 2">
+            <a:extLst>
+              <a:ext uri="{FF2B5EF4-FFF2-40B4-BE49-F238E27FC236}">
+                <a16:creationId xmlns:a16="http://schemas.microsoft.com/office/drawing/2014/main" id="{523CEE4F-90C6-4E8C-950B-19854D3085EE}"/>
+              </a:ext>
+            </a:extLst>
+          </p:cNvPr>
+          <p:cNvSpPr txBox="1"/>
+          <p:nvPr/>
+        </p:nvSpPr>
+        <p:spPr>
+          <a:xfrm>
+            <a:off x="2017059" y="2384611"/>
+            <a:ext cx="8588188" cy="1200329"/>
+          </a:xfrm>
+          <a:prstGeom prst="rect">
+            <a:avLst/>
+          </a:prstGeom>
+          <a:noFill/>
+        </p:spPr>
+        <p:txBody>
+          <a:bodyPr wrap="square" rtlCol="0">
+            <a:spAutoFit/>
+          </a:bodyPr>
+          <a:lstStyle/>
+          <a:p>
+            <a:r>
+              <a:rPr lang="ko-KR" altLang="en-US" dirty="0"/>
+              <a:t>디폴트 의존관계</a:t>
+            </a:r>
+            <a:r>
+              <a:rPr lang="en-US" altLang="ko-KR" dirty="0"/>
+              <a:t>: </a:t>
+            </a:r>
+            <a:r>
+              <a:rPr lang="ko-KR" altLang="en-US" dirty="0"/>
+              <a:t>외부에서 </a:t>
+            </a:r>
+            <a:r>
+              <a:rPr lang="en-US" altLang="ko-KR" dirty="0"/>
+              <a:t>DI </a:t>
+            </a:r>
+            <a:r>
+              <a:rPr lang="ko-KR" altLang="en-US" dirty="0"/>
+              <a:t>받지 않는 경우 기본적으로 자동 적용되는 의존관계</a:t>
+            </a:r>
+            <a:endParaRPr lang="en-US" altLang="ko-KR" dirty="0"/>
+          </a:p>
+          <a:p>
+            <a:endParaRPr lang="en-US" altLang="ko-KR" dirty="0"/>
+          </a:p>
+          <a:p>
+            <a:r>
+              <a:rPr lang="en-US" altLang="ko-KR" dirty="0"/>
+              <a:t>-&gt; DI </a:t>
+            </a:r>
+            <a:r>
+              <a:rPr lang="ko-KR" altLang="en-US" dirty="0"/>
+              <a:t>설정이 없을 경우</a:t>
+            </a:r>
+            <a:r>
+              <a:rPr lang="en-US" altLang="ko-KR" dirty="0"/>
+              <a:t>, </a:t>
+            </a:r>
+            <a:r>
+              <a:rPr lang="ko-KR" altLang="en-US" dirty="0"/>
+              <a:t>디폴트 의존 오브젝트를 오브젝트 내에서 스스로 </a:t>
+            </a:r>
+            <a:r>
+              <a:rPr lang="en-US" altLang="ko-KR" dirty="0"/>
+              <a:t>DI </a:t>
+            </a:r>
+            <a:r>
+              <a:rPr lang="ko-KR" altLang="en-US" dirty="0"/>
+              <a:t>하는 것</a:t>
+            </a:r>
+            <a:r>
+              <a:rPr lang="en-US" altLang="ko-KR" dirty="0"/>
+              <a:t>(</a:t>
+            </a:r>
+            <a:r>
+              <a:rPr lang="ko-KR" altLang="en-US" dirty="0" err="1"/>
+              <a:t>디폴트값으로</a:t>
+            </a:r>
+            <a:r>
+              <a:rPr lang="ko-KR" altLang="en-US" dirty="0"/>
+              <a:t> 생각</a:t>
+            </a:r>
+            <a:r>
+              <a:rPr lang="en-US" altLang="ko-KR" dirty="0"/>
+              <a:t>)</a:t>
+            </a:r>
+            <a:endParaRPr lang="ko-KR" altLang="en-US" dirty="0"/>
+          </a:p>
+        </p:txBody>
+      </p:sp>
     </p:spTree>
     <p:extLst>
       <p:ext uri="{BB962C8B-B14F-4D97-AF65-F5344CB8AC3E}">
@@ -8786,6 +8935,104 @@
           <a:chExt cx="0" cy="0"/>
         </a:xfrm>
       </p:grpSpPr>
+      <p:sp>
+        <p:nvSpPr>
+          <p:cNvPr id="2" name="TextBox 1">
+            <a:extLst>
+              <a:ext uri="{FF2B5EF4-FFF2-40B4-BE49-F238E27FC236}">
+                <a16:creationId xmlns:a16="http://schemas.microsoft.com/office/drawing/2014/main" id="{139DC6CE-8A2C-47D4-8A97-EBA2A661DB9B}"/>
+              </a:ext>
+            </a:extLst>
+          </p:cNvPr>
+          <p:cNvSpPr txBox="1"/>
+          <p:nvPr/>
+        </p:nvSpPr>
+        <p:spPr>
+          <a:xfrm>
+            <a:off x="1470212" y="869576"/>
+            <a:ext cx="4347882" cy="646331"/>
+          </a:xfrm>
+          <a:prstGeom prst="rect">
+            <a:avLst/>
+          </a:prstGeom>
+          <a:noFill/>
+        </p:spPr>
+        <p:txBody>
+          <a:bodyPr wrap="square" rtlCol="0">
+            <a:spAutoFit/>
+          </a:bodyPr>
+          <a:lstStyle/>
+          <a:p>
+            <a:r>
+              <a:rPr lang="en-US" altLang="ko-KR" dirty="0"/>
+              <a:t>XML</a:t>
+            </a:r>
+            <a:r>
+              <a:rPr lang="ko-KR" altLang="en-US" dirty="0"/>
+              <a:t>과 </a:t>
+            </a:r>
+            <a:r>
+              <a:rPr lang="ko-KR" altLang="en-US" dirty="0" err="1"/>
+              <a:t>자바오브젝트를</a:t>
+            </a:r>
+            <a:r>
+              <a:rPr lang="ko-KR" altLang="en-US" dirty="0"/>
+              <a:t> 매핑해서 상호 변환해주는 기술을 </a:t>
+            </a:r>
+            <a:r>
+              <a:rPr lang="en-US" altLang="ko-KR" dirty="0"/>
+              <a:t>OXM</a:t>
+            </a:r>
+            <a:r>
+              <a:rPr lang="ko-KR" altLang="en-US" dirty="0"/>
+              <a:t>이라고 한다</a:t>
+            </a:r>
+          </a:p>
+        </p:txBody>
+      </p:sp>
+      <p:sp>
+        <p:nvSpPr>
+          <p:cNvPr id="3" name="TextBox 2">
+            <a:extLst>
+              <a:ext uri="{FF2B5EF4-FFF2-40B4-BE49-F238E27FC236}">
+                <a16:creationId xmlns:a16="http://schemas.microsoft.com/office/drawing/2014/main" id="{A2612C04-F293-49BF-9306-FD288A9BE7B5}"/>
+              </a:ext>
+            </a:extLst>
+          </p:cNvPr>
+          <p:cNvSpPr txBox="1"/>
+          <p:nvPr/>
+        </p:nvSpPr>
+        <p:spPr>
+          <a:xfrm>
+            <a:off x="1470212" y="1945341"/>
+            <a:ext cx="6651812" cy="369332"/>
+          </a:xfrm>
+          <a:prstGeom prst="rect">
+            <a:avLst/>
+          </a:prstGeom>
+          <a:noFill/>
+        </p:spPr>
+        <p:txBody>
+          <a:bodyPr wrap="square" rtlCol="0">
+            <a:spAutoFit/>
+          </a:bodyPr>
+          <a:lstStyle/>
+          <a:p>
+            <a:r>
+              <a:rPr lang="ko-KR" altLang="en-US" dirty="0"/>
+              <a:t>기능이 같은 여러가지 기술이 존재 한다 </a:t>
+            </a:r>
+            <a:r>
+              <a:rPr lang="en-US" altLang="ko-KR" dirty="0"/>
+              <a:t>-&gt; </a:t>
+            </a:r>
+            <a:r>
+              <a:rPr lang="ko-KR" altLang="en-US" dirty="0"/>
+              <a:t>서비스 추상화</a:t>
+            </a:r>
+          </a:p>
+        </p:txBody>
+      </p:sp>
     </p:spTree>
     <p:extLst>
       <p:ext uri="{BB962C8B-B14F-4D97-AF65-F5344CB8AC3E}">

--- a/프레젠테이션1.pptx
+++ b/프레젠테이션1.pptx
@@ -45,6 +45,22 @@
     <p:sldId id="293" r:id="rId39"/>
     <p:sldId id="294" r:id="rId40"/>
     <p:sldId id="295" r:id="rId41"/>
+    <p:sldId id="296" r:id="rId42"/>
+    <p:sldId id="297" r:id="rId43"/>
+    <p:sldId id="298" r:id="rId44"/>
+    <p:sldId id="299" r:id="rId45"/>
+    <p:sldId id="300" r:id="rId46"/>
+    <p:sldId id="301" r:id="rId47"/>
+    <p:sldId id="302" r:id="rId48"/>
+    <p:sldId id="303" r:id="rId49"/>
+    <p:sldId id="304" r:id="rId50"/>
+    <p:sldId id="305" r:id="rId51"/>
+    <p:sldId id="306" r:id="rId52"/>
+    <p:sldId id="307" r:id="rId53"/>
+    <p:sldId id="308" r:id="rId54"/>
+    <p:sldId id="309" r:id="rId55"/>
+    <p:sldId id="310" r:id="rId56"/>
+    <p:sldId id="311" r:id="rId57"/>
   </p:sldIdLst>
   <p:sldSz cx="12192000" cy="6858000"/>
   <p:notesSz cx="6858000" cy="9144000"/>
@@ -298,7 +314,7 @@
           <a:p>
             <a:fld id="{1B0EFBA8-5055-49A1-948A-A0EB42255B5C}" type="datetimeFigureOut">
               <a:rPr lang="ko-KR" altLang="en-US" smtClean="0"/>
-              <a:t>2022-03-28</a:t>
+              <a:t>2022-03-29</a:t>
             </a:fld>
             <a:endParaRPr lang="ko-KR" altLang="en-US"/>
           </a:p>
@@ -496,7 +512,7 @@
           <a:p>
             <a:fld id="{1B0EFBA8-5055-49A1-948A-A0EB42255B5C}" type="datetimeFigureOut">
               <a:rPr lang="ko-KR" altLang="en-US" smtClean="0"/>
-              <a:t>2022-03-28</a:t>
+              <a:t>2022-03-29</a:t>
             </a:fld>
             <a:endParaRPr lang="ko-KR" altLang="en-US"/>
           </a:p>
@@ -704,7 +720,7 @@
           <a:p>
             <a:fld id="{1B0EFBA8-5055-49A1-948A-A0EB42255B5C}" type="datetimeFigureOut">
               <a:rPr lang="ko-KR" altLang="en-US" smtClean="0"/>
-              <a:t>2022-03-28</a:t>
+              <a:t>2022-03-29</a:t>
             </a:fld>
             <a:endParaRPr lang="ko-KR" altLang="en-US"/>
           </a:p>
@@ -902,7 +918,7 @@
           <a:p>
             <a:fld id="{1B0EFBA8-5055-49A1-948A-A0EB42255B5C}" type="datetimeFigureOut">
               <a:rPr lang="ko-KR" altLang="en-US" smtClean="0"/>
-              <a:t>2022-03-28</a:t>
+              <a:t>2022-03-29</a:t>
             </a:fld>
             <a:endParaRPr lang="ko-KR" altLang="en-US"/>
           </a:p>
@@ -1177,7 +1193,7 @@
           <a:p>
             <a:fld id="{1B0EFBA8-5055-49A1-948A-A0EB42255B5C}" type="datetimeFigureOut">
               <a:rPr lang="ko-KR" altLang="en-US" smtClean="0"/>
-              <a:t>2022-03-28</a:t>
+              <a:t>2022-03-29</a:t>
             </a:fld>
             <a:endParaRPr lang="ko-KR" altLang="en-US"/>
           </a:p>
@@ -1442,7 +1458,7 @@
           <a:p>
             <a:fld id="{1B0EFBA8-5055-49A1-948A-A0EB42255B5C}" type="datetimeFigureOut">
               <a:rPr lang="ko-KR" altLang="en-US" smtClean="0"/>
-              <a:t>2022-03-28</a:t>
+              <a:t>2022-03-29</a:t>
             </a:fld>
             <a:endParaRPr lang="ko-KR" altLang="en-US"/>
           </a:p>
@@ -1854,7 +1870,7 @@
           <a:p>
             <a:fld id="{1B0EFBA8-5055-49A1-948A-A0EB42255B5C}" type="datetimeFigureOut">
               <a:rPr lang="ko-KR" altLang="en-US" smtClean="0"/>
-              <a:t>2022-03-28</a:t>
+              <a:t>2022-03-29</a:t>
             </a:fld>
             <a:endParaRPr lang="ko-KR" altLang="en-US"/>
           </a:p>
@@ -1995,7 +2011,7 @@
           <a:p>
             <a:fld id="{1B0EFBA8-5055-49A1-948A-A0EB42255B5C}" type="datetimeFigureOut">
               <a:rPr lang="ko-KR" altLang="en-US" smtClean="0"/>
-              <a:t>2022-03-28</a:t>
+              <a:t>2022-03-29</a:t>
             </a:fld>
             <a:endParaRPr lang="ko-KR" altLang="en-US"/>
           </a:p>
@@ -2108,7 +2124,7 @@
           <a:p>
             <a:fld id="{1B0EFBA8-5055-49A1-948A-A0EB42255B5C}" type="datetimeFigureOut">
               <a:rPr lang="ko-KR" altLang="en-US" smtClean="0"/>
-              <a:t>2022-03-28</a:t>
+              <a:t>2022-03-29</a:t>
             </a:fld>
             <a:endParaRPr lang="ko-KR" altLang="en-US"/>
           </a:p>
@@ -2419,7 +2435,7 @@
           <a:p>
             <a:fld id="{1B0EFBA8-5055-49A1-948A-A0EB42255B5C}" type="datetimeFigureOut">
               <a:rPr lang="ko-KR" altLang="en-US" smtClean="0"/>
-              <a:t>2022-03-28</a:t>
+              <a:t>2022-03-29</a:t>
             </a:fld>
             <a:endParaRPr lang="ko-KR" altLang="en-US"/>
           </a:p>
@@ -2707,7 +2723,7 @@
           <a:p>
             <a:fld id="{1B0EFBA8-5055-49A1-948A-A0EB42255B5C}" type="datetimeFigureOut">
               <a:rPr lang="ko-KR" altLang="en-US" smtClean="0"/>
-              <a:t>2022-03-28</a:t>
+              <a:t>2022-03-29</a:t>
             </a:fld>
             <a:endParaRPr lang="ko-KR" altLang="en-US"/>
           </a:p>
@@ -2948,7 +2964,7 @@
           <a:p>
             <a:fld id="{1B0EFBA8-5055-49A1-948A-A0EB42255B5C}" type="datetimeFigureOut">
               <a:rPr lang="ko-KR" altLang="en-US" smtClean="0"/>
-              <a:t>2022-03-28</a:t>
+              <a:t>2022-03-29</a:t>
             </a:fld>
             <a:endParaRPr lang="ko-KR" altLang="en-US"/>
           </a:p>
@@ -9063,6 +9079,45 @@
           <a:chExt cx="0" cy="0"/>
         </a:xfrm>
       </p:grpSpPr>
+      <p:sp>
+        <p:nvSpPr>
+          <p:cNvPr id="2" name="TextBox 1">
+            <a:extLst>
+              <a:ext uri="{FF2B5EF4-FFF2-40B4-BE49-F238E27FC236}">
+                <a16:creationId xmlns:a16="http://schemas.microsoft.com/office/drawing/2014/main" id="{E8D5805F-32E6-44CF-978A-905FF107020C}"/>
+              </a:ext>
+            </a:extLst>
+          </p:cNvPr>
+          <p:cNvSpPr txBox="1"/>
+          <p:nvPr/>
+        </p:nvSpPr>
+        <p:spPr>
+          <a:xfrm>
+            <a:off x="2689412" y="1479176"/>
+            <a:ext cx="3209364" cy="369332"/>
+          </a:xfrm>
+          <a:prstGeom prst="rect">
+            <a:avLst/>
+          </a:prstGeom>
+          <a:noFill/>
+        </p:spPr>
+        <p:txBody>
+          <a:bodyPr wrap="square" rtlCol="0">
+            <a:spAutoFit/>
+          </a:bodyPr>
+          <a:lstStyle/>
+          <a:p>
+            <a:r>
+              <a:rPr lang="en-US" altLang="ko-KR" dirty="0"/>
+              <a:t>7.3 </a:t>
+            </a:r>
+            <a:r>
+              <a:rPr lang="ko-KR" altLang="en-US" dirty="0"/>
+              <a:t>보류</a:t>
+            </a:r>
+          </a:p>
+        </p:txBody>
+      </p:sp>
     </p:spTree>
     <p:extLst>
       <p:ext uri="{BB962C8B-B14F-4D97-AF65-F5344CB8AC3E}">
@@ -9093,6 +9148,134 @@
           <a:chExt cx="0" cy="0"/>
         </a:xfrm>
       </p:grpSpPr>
+      <p:sp>
+        <p:nvSpPr>
+          <p:cNvPr id="2" name="TextBox 1">
+            <a:extLst>
+              <a:ext uri="{FF2B5EF4-FFF2-40B4-BE49-F238E27FC236}">
+                <a16:creationId xmlns:a16="http://schemas.microsoft.com/office/drawing/2014/main" id="{BFD7DFFD-52CA-4E72-84DB-AC831AB103C1}"/>
+              </a:ext>
+            </a:extLst>
+          </p:cNvPr>
+          <p:cNvSpPr txBox="1"/>
+          <p:nvPr/>
+        </p:nvSpPr>
+        <p:spPr>
+          <a:xfrm>
+            <a:off x="1048871" y="627529"/>
+            <a:ext cx="4814047" cy="369332"/>
+          </a:xfrm>
+          <a:prstGeom prst="rect">
+            <a:avLst/>
+          </a:prstGeom>
+          <a:noFill/>
+        </p:spPr>
+        <p:txBody>
+          <a:bodyPr wrap="square" rtlCol="0">
+            <a:spAutoFit/>
+          </a:bodyPr>
+          <a:lstStyle/>
+          <a:p>
+            <a:r>
+              <a:rPr lang="en-US" altLang="ko-KR" dirty="0"/>
+              <a:t>7.4 </a:t>
+            </a:r>
+            <a:r>
+              <a:rPr lang="ko-KR" altLang="en-US" dirty="0"/>
+              <a:t>인터페이스 상속을 통한 안전한 기능확장</a:t>
+            </a:r>
+          </a:p>
+        </p:txBody>
+      </p:sp>
+      <p:sp>
+        <p:nvSpPr>
+          <p:cNvPr id="3" name="TextBox 2">
+            <a:extLst>
+              <a:ext uri="{FF2B5EF4-FFF2-40B4-BE49-F238E27FC236}">
+                <a16:creationId xmlns:a16="http://schemas.microsoft.com/office/drawing/2014/main" id="{AD907F62-6948-4158-859B-664A042986F4}"/>
+              </a:ext>
+            </a:extLst>
+          </p:cNvPr>
+          <p:cNvSpPr txBox="1"/>
+          <p:nvPr/>
+        </p:nvSpPr>
+        <p:spPr>
+          <a:xfrm>
+            <a:off x="1416424" y="1559859"/>
+            <a:ext cx="6311152" cy="2862322"/>
+          </a:xfrm>
+          <a:prstGeom prst="rect">
+            <a:avLst/>
+          </a:prstGeom>
+          <a:noFill/>
+        </p:spPr>
+        <p:txBody>
+          <a:bodyPr wrap="square" rtlCol="0">
+            <a:spAutoFit/>
+          </a:bodyPr>
+          <a:lstStyle/>
+          <a:p>
+            <a:r>
+              <a:rPr lang="en-US" altLang="ko-KR" dirty="0"/>
+              <a:t>DI</a:t>
+            </a:r>
+            <a:r>
+              <a:rPr lang="ko-KR" altLang="en-US" dirty="0"/>
+              <a:t>의 가치를 제대로 얻으려면 먼저 유연하고 확장 가능한 좋은 오브젝트 설계가 필요함</a:t>
+            </a:r>
+            <a:endParaRPr lang="en-US" altLang="ko-KR" dirty="0"/>
+          </a:p>
+          <a:p>
+            <a:endParaRPr lang="en-US" altLang="ko-KR" dirty="0"/>
+          </a:p>
+          <a:p>
+            <a:r>
+              <a:rPr lang="en-US" altLang="ko-KR" dirty="0"/>
+              <a:t>-&gt; DI</a:t>
+            </a:r>
+            <a:r>
+              <a:rPr lang="ko-KR" altLang="en-US" dirty="0"/>
+              <a:t>를 의식하면서 설계하는 방식</a:t>
+            </a:r>
+            <a:endParaRPr lang="en-US" altLang="ko-KR" dirty="0"/>
+          </a:p>
+          <a:p>
+            <a:endParaRPr lang="en-US" altLang="ko-KR" dirty="0"/>
+          </a:p>
+          <a:p>
+            <a:r>
+              <a:rPr lang="en-US" altLang="ko-KR" dirty="0"/>
+              <a:t>-&gt; </a:t>
+            </a:r>
+            <a:r>
+              <a:rPr lang="ko-KR" altLang="en-US" dirty="0"/>
+              <a:t>최소한 두개 이상의 의존관계를 가지는 오브젝트를 적절한 책임에 따라 분리</a:t>
+            </a:r>
+            <a:endParaRPr lang="en-US" altLang="ko-KR" dirty="0"/>
+          </a:p>
+          <a:p>
+            <a:endParaRPr lang="en-US" altLang="ko-KR" dirty="0"/>
+          </a:p>
+          <a:p>
+            <a:r>
+              <a:rPr lang="en-US" altLang="ko-KR" dirty="0"/>
+              <a:t>-&gt; </a:t>
+            </a:r>
+            <a:r>
+              <a:rPr lang="ko-KR" altLang="en-US" dirty="0"/>
+              <a:t>항상 의존 오브젝트는 자유롭게 </a:t>
+            </a:r>
+            <a:r>
+              <a:rPr lang="ko-KR" altLang="en-US" b="1" dirty="0"/>
+              <a:t>확장</a:t>
+            </a:r>
+            <a:r>
+              <a:rPr lang="ko-KR" altLang="en-US" dirty="0"/>
+              <a:t> 될 수 있다는 점을 염두에 둬야 함</a:t>
+            </a:r>
+          </a:p>
+        </p:txBody>
+      </p:sp>
     </p:spTree>
     <p:extLst>
       <p:ext uri="{BB962C8B-B14F-4D97-AF65-F5344CB8AC3E}">
@@ -9123,6 +9306,157 @@
           <a:chExt cx="0" cy="0"/>
         </a:xfrm>
       </p:grpSpPr>
+      <p:sp>
+        <p:nvSpPr>
+          <p:cNvPr id="2" name="TextBox 1">
+            <a:extLst>
+              <a:ext uri="{FF2B5EF4-FFF2-40B4-BE49-F238E27FC236}">
+                <a16:creationId xmlns:a16="http://schemas.microsoft.com/office/drawing/2014/main" id="{07CF213B-7EDA-4E20-9883-750AEE114E83}"/>
+              </a:ext>
+            </a:extLst>
+          </p:cNvPr>
+          <p:cNvSpPr txBox="1"/>
+          <p:nvPr/>
+        </p:nvSpPr>
+        <p:spPr>
+          <a:xfrm>
+            <a:off x="1586753" y="1021976"/>
+            <a:ext cx="6069106" cy="3416320"/>
+          </a:xfrm>
+          <a:prstGeom prst="rect">
+            <a:avLst/>
+          </a:prstGeom>
+          <a:noFill/>
+        </p:spPr>
+        <p:txBody>
+          <a:bodyPr wrap="square" rtlCol="0">
+            <a:spAutoFit/>
+          </a:bodyPr>
+          <a:lstStyle/>
+          <a:p>
+            <a:r>
+              <a:rPr lang="en-US" altLang="ko-KR" dirty="0"/>
+              <a:t>DI</a:t>
+            </a:r>
+            <a:r>
+              <a:rPr lang="ko-KR" altLang="en-US" dirty="0"/>
+              <a:t>를 </a:t>
+            </a:r>
+            <a:r>
+              <a:rPr lang="en-US" altLang="ko-KR" dirty="0"/>
+              <a:t>DI</a:t>
+            </a:r>
+            <a:r>
+              <a:rPr lang="ko-KR" altLang="en-US" dirty="0"/>
+              <a:t>답게 만들려면 두 개의 오브젝트가 </a:t>
+            </a:r>
+            <a:r>
+              <a:rPr lang="ko-KR" altLang="en-US" dirty="0" err="1"/>
+              <a:t>인터페이스틑</a:t>
+            </a:r>
+            <a:r>
+              <a:rPr lang="ko-KR" altLang="en-US" dirty="0"/>
+              <a:t> 통해 느슨하게 연결돼야 함</a:t>
+            </a:r>
+            <a:endParaRPr lang="en-US" altLang="ko-KR" dirty="0"/>
+          </a:p>
+          <a:p>
+            <a:endParaRPr lang="en-US" altLang="ko-KR" dirty="0"/>
+          </a:p>
+          <a:p>
+            <a:r>
+              <a:rPr lang="en-US" altLang="ko-KR" dirty="0"/>
+              <a:t>-&gt; </a:t>
+            </a:r>
+            <a:r>
+              <a:rPr lang="ko-KR" altLang="en-US" dirty="0"/>
+              <a:t>인터페이스를 사용하는 첫번째 이유는 다형성을 얻기 위함</a:t>
+            </a:r>
+            <a:endParaRPr lang="en-US" altLang="ko-KR" dirty="0"/>
+          </a:p>
+          <a:p>
+            <a:endParaRPr lang="en-US" altLang="ko-KR" dirty="0"/>
+          </a:p>
+          <a:p>
+            <a:r>
+              <a:rPr lang="en-US" altLang="ko-KR" dirty="0"/>
+              <a:t>-&gt; </a:t>
+            </a:r>
+            <a:r>
+              <a:rPr lang="ko-KR" altLang="en-US" dirty="0"/>
+              <a:t>하나의 인터페이스를 통해 여러 개의 구현을 바꿔가면서 사용할 수 있게 하는 것이 목적</a:t>
+            </a:r>
+            <a:endParaRPr lang="en-US" altLang="ko-KR" dirty="0"/>
+          </a:p>
+          <a:p>
+            <a:endParaRPr lang="en-US" altLang="ko-KR" dirty="0"/>
+          </a:p>
+          <a:p>
+            <a:endParaRPr lang="en-US" altLang="ko-KR" dirty="0"/>
+          </a:p>
+          <a:p>
+            <a:r>
+              <a:rPr lang="en-US" altLang="ko-KR" dirty="0"/>
+              <a:t>-&gt; </a:t>
+            </a:r>
+            <a:r>
+              <a:rPr lang="ko-KR" altLang="en-US" dirty="0"/>
+              <a:t>두번째 이유</a:t>
+            </a:r>
+            <a:r>
+              <a:rPr lang="en-US" altLang="ko-KR" dirty="0"/>
+              <a:t>:</a:t>
+            </a:r>
+            <a:r>
+              <a:rPr lang="ko-KR" altLang="en-US" dirty="0"/>
+              <a:t> 클라이언트와 의존 오브젝트 사이의 관계를 명확하게 해줄 수 있음</a:t>
+            </a:r>
+          </a:p>
+        </p:txBody>
+      </p:sp>
+      <p:sp>
+        <p:nvSpPr>
+          <p:cNvPr id="4" name="TextBox 3">
+            <a:extLst>
+              <a:ext uri="{FF2B5EF4-FFF2-40B4-BE49-F238E27FC236}">
+                <a16:creationId xmlns:a16="http://schemas.microsoft.com/office/drawing/2014/main" id="{FEAB2C32-8360-4B39-A4A5-9EA23690AD13}"/>
+              </a:ext>
+            </a:extLst>
+          </p:cNvPr>
+          <p:cNvSpPr txBox="1"/>
+          <p:nvPr/>
+        </p:nvSpPr>
+        <p:spPr>
+          <a:xfrm>
+            <a:off x="2097741" y="4303059"/>
+            <a:ext cx="4509247" cy="369332"/>
+          </a:xfrm>
+          <a:prstGeom prst="rect">
+            <a:avLst/>
+          </a:prstGeom>
+          <a:noFill/>
+        </p:spPr>
+        <p:txBody>
+          <a:bodyPr wrap="square" rtlCol="0">
+            <a:spAutoFit/>
+          </a:bodyPr>
+          <a:lstStyle/>
+          <a:p>
+            <a:r>
+              <a:rPr lang="ko-KR" altLang="en-US" dirty="0"/>
+              <a:t>클래스에 </a:t>
+            </a:r>
+            <a:r>
+              <a:rPr lang="en-US" altLang="ko-KR" dirty="0"/>
+              <a:t>final</a:t>
+            </a:r>
+            <a:r>
+              <a:rPr lang="ko-KR" altLang="en-US" dirty="0"/>
+              <a:t>이 붙으면 상속 불가</a:t>
+            </a:r>
+          </a:p>
+        </p:txBody>
+      </p:sp>
     </p:spTree>
     <p:extLst>
       <p:ext uri="{BB962C8B-B14F-4D97-AF65-F5344CB8AC3E}">
@@ -9153,6 +9487,159 @@
           <a:chExt cx="0" cy="0"/>
         </a:xfrm>
       </p:grpSpPr>
+      <p:sp>
+        <p:nvSpPr>
+          <p:cNvPr id="2" name="TextBox 1">
+            <a:extLst>
+              <a:ext uri="{FF2B5EF4-FFF2-40B4-BE49-F238E27FC236}">
+                <a16:creationId xmlns:a16="http://schemas.microsoft.com/office/drawing/2014/main" id="{051A6B14-5BFA-42D0-97DE-D6268899CDF1}"/>
+              </a:ext>
+            </a:extLst>
+          </p:cNvPr>
+          <p:cNvSpPr txBox="1"/>
+          <p:nvPr/>
+        </p:nvSpPr>
+        <p:spPr>
+          <a:xfrm>
+            <a:off x="2115671" y="779929"/>
+            <a:ext cx="3801035" cy="2031325"/>
+          </a:xfrm>
+          <a:prstGeom prst="rect">
+            <a:avLst/>
+          </a:prstGeom>
+          <a:noFill/>
+        </p:spPr>
+        <p:txBody>
+          <a:bodyPr wrap="square" rtlCol="0">
+            <a:spAutoFit/>
+          </a:bodyPr>
+          <a:lstStyle/>
+          <a:p>
+            <a:r>
+              <a:rPr lang="ko-KR" altLang="en-US" dirty="0"/>
+              <a:t>인터페이스는 하나의 오브젝트가 여러 개를 구현할 수 있으므로</a:t>
+            </a:r>
+            <a:r>
+              <a:rPr lang="en-US" altLang="ko-KR" dirty="0"/>
+              <a:t>, </a:t>
+            </a:r>
+            <a:r>
+              <a:rPr lang="ko-KR" altLang="en-US" dirty="0"/>
+              <a:t>하나의 오브젝트를 바라보는 창이 여러가지일 수 있음</a:t>
+            </a:r>
+            <a:endParaRPr lang="en-US" altLang="ko-KR" dirty="0"/>
+          </a:p>
+          <a:p>
+            <a:r>
+              <a:rPr lang="en-US" altLang="ko-KR" dirty="0"/>
+              <a:t>(</a:t>
+            </a:r>
+            <a:r>
+              <a:rPr lang="ko-KR" altLang="en-US" dirty="0"/>
+              <a:t>인터페이스를 클라이언트의 종류에 따라 분리해서 오브젝트가 구현하게 할 수 있음</a:t>
+            </a:r>
+            <a:r>
+              <a:rPr lang="en-US" altLang="ko-KR" dirty="0"/>
+              <a:t>)</a:t>
+            </a:r>
+            <a:endParaRPr lang="ko-KR" altLang="en-US" dirty="0"/>
+          </a:p>
+        </p:txBody>
+      </p:sp>
+      <p:sp>
+        <p:nvSpPr>
+          <p:cNvPr id="3" name="TextBox 2">
+            <a:extLst>
+              <a:ext uri="{FF2B5EF4-FFF2-40B4-BE49-F238E27FC236}">
+                <a16:creationId xmlns:a16="http://schemas.microsoft.com/office/drawing/2014/main" id="{A02E61F6-5BD0-4839-AF28-0738ADE2626D}"/>
+              </a:ext>
+            </a:extLst>
+          </p:cNvPr>
+          <p:cNvSpPr txBox="1"/>
+          <p:nvPr/>
+        </p:nvSpPr>
+        <p:spPr>
+          <a:xfrm>
+            <a:off x="2312894" y="3343835"/>
+            <a:ext cx="7010400" cy="1200329"/>
+          </a:xfrm>
+          <a:prstGeom prst="rect">
+            <a:avLst/>
+          </a:prstGeom>
+          <a:noFill/>
+        </p:spPr>
+        <p:txBody>
+          <a:bodyPr wrap="square" rtlCol="0">
+            <a:spAutoFit/>
+          </a:bodyPr>
+          <a:lstStyle/>
+          <a:p>
+            <a:r>
+              <a:rPr lang="ko-KR" altLang="en-US" dirty="0"/>
+              <a:t>인터페이스 분리 원칙</a:t>
+            </a:r>
+            <a:r>
+              <a:rPr lang="en-US" altLang="ko-KR" dirty="0"/>
+              <a:t>: </a:t>
+            </a:r>
+            <a:r>
+              <a:rPr lang="ko-KR" altLang="en-US" dirty="0"/>
+              <a:t>오브젝트가 그 자체로 충분히 응집도가 높은 작은 단위로 설계됐더라도</a:t>
+            </a:r>
+            <a:r>
+              <a:rPr lang="en-US" altLang="ko-KR" dirty="0"/>
+              <a:t>, </a:t>
+            </a:r>
+            <a:r>
+              <a:rPr lang="ko-KR" altLang="en-US" dirty="0"/>
+              <a:t>목적과 관심이 각기 다른 클라이언트가 있다면 인터페이스를 통해 이를 적절하게 분리해줄 필요가 있음</a:t>
+            </a:r>
+          </a:p>
+        </p:txBody>
+      </p:sp>
+      <p:sp>
+        <p:nvSpPr>
+          <p:cNvPr id="4" name="TextBox 3">
+            <a:extLst>
+              <a:ext uri="{FF2B5EF4-FFF2-40B4-BE49-F238E27FC236}">
+                <a16:creationId xmlns:a16="http://schemas.microsoft.com/office/drawing/2014/main" id="{2F9828CF-241A-46F9-A781-5303448DA346}"/>
+              </a:ext>
+            </a:extLst>
+          </p:cNvPr>
+          <p:cNvSpPr txBox="1"/>
+          <p:nvPr/>
+        </p:nvSpPr>
+        <p:spPr>
+          <a:xfrm>
+            <a:off x="2214282" y="5056094"/>
+            <a:ext cx="7835153" cy="923330"/>
+          </a:xfrm>
+          <a:prstGeom prst="rect">
+            <a:avLst/>
+          </a:prstGeom>
+          <a:noFill/>
+        </p:spPr>
+        <p:txBody>
+          <a:bodyPr wrap="square" rtlCol="0">
+            <a:spAutoFit/>
+          </a:bodyPr>
+          <a:lstStyle/>
+          <a:p>
+            <a:r>
+              <a:rPr lang="ko-KR" altLang="en-US" dirty="0"/>
+              <a:t>인터페이스를 적절하게 분리하고 확장하는 방법을 통해 오브젝트 사이의 의존관계를 명확하게 해주고</a:t>
+            </a:r>
+            <a:r>
+              <a:rPr lang="en-US" altLang="ko-KR" dirty="0"/>
+              <a:t>, </a:t>
+            </a:r>
+            <a:r>
+              <a:rPr lang="ko-KR" altLang="en-US" dirty="0"/>
+              <a:t>기존 의존관계에 영향을 주지 않으면서 유연한 확장성을 얻는 장법이 무엇인지 항상 고민 해야함</a:t>
+            </a:r>
+          </a:p>
+        </p:txBody>
+      </p:sp>
     </p:spTree>
     <p:extLst>
       <p:ext uri="{BB962C8B-B14F-4D97-AF65-F5344CB8AC3E}">
@@ -9481,10 +9968,1765 @@
           <a:chExt cx="0" cy="0"/>
         </a:xfrm>
       </p:grpSpPr>
+      <p:sp>
+        <p:nvSpPr>
+          <p:cNvPr id="2" name="TextBox 1">
+            <a:extLst>
+              <a:ext uri="{FF2B5EF4-FFF2-40B4-BE49-F238E27FC236}">
+                <a16:creationId xmlns:a16="http://schemas.microsoft.com/office/drawing/2014/main" id="{64BCE22C-6D97-4909-A6E6-60C1E5B94959}"/>
+              </a:ext>
+            </a:extLst>
+          </p:cNvPr>
+          <p:cNvSpPr txBox="1"/>
+          <p:nvPr/>
+        </p:nvSpPr>
+        <p:spPr>
+          <a:xfrm>
+            <a:off x="2689412" y="1479176"/>
+            <a:ext cx="3209364" cy="369332"/>
+          </a:xfrm>
+          <a:prstGeom prst="rect">
+            <a:avLst/>
+          </a:prstGeom>
+          <a:noFill/>
+        </p:spPr>
+        <p:txBody>
+          <a:bodyPr wrap="square" rtlCol="0">
+            <a:spAutoFit/>
+          </a:bodyPr>
+          <a:lstStyle/>
+          <a:p>
+            <a:r>
+              <a:rPr lang="en-US" altLang="ko-KR" dirty="0"/>
+              <a:t>7.5 </a:t>
+            </a:r>
+            <a:r>
+              <a:rPr lang="ko-KR" altLang="en-US" dirty="0"/>
+              <a:t>보류</a:t>
+            </a:r>
+          </a:p>
+        </p:txBody>
+      </p:sp>
     </p:spTree>
     <p:extLst>
       <p:ext uri="{BB962C8B-B14F-4D97-AF65-F5344CB8AC3E}">
         <p14:creationId xmlns:p14="http://schemas.microsoft.com/office/powerpoint/2010/main" val="295099099"/>
+      </p:ext>
+    </p:extLst>
+  </p:cSld>
+  <p:clrMapOvr>
+    <a:masterClrMapping/>
+  </p:clrMapOvr>
+</p:sld>
+</file>
+
+<file path=ppt/slides/slide41.xml><?xml version="1.0" encoding="utf-8"?>
+<p:sld xmlns:a="http://schemas.openxmlformats.org/drawingml/2006/main" xmlns:r="http://schemas.openxmlformats.org/officeDocument/2006/relationships" xmlns:p="http://schemas.openxmlformats.org/presentationml/2006/main">
+  <p:cSld>
+    <p:spTree>
+      <p:nvGrpSpPr>
+        <p:cNvPr id="1" name=""/>
+        <p:cNvGrpSpPr/>
+        <p:nvPr/>
+      </p:nvGrpSpPr>
+      <p:grpSpPr>
+        <a:xfrm>
+          <a:off x="0" y="0"/>
+          <a:ext cx="0" cy="0"/>
+          <a:chOff x="0" y="0"/>
+          <a:chExt cx="0" cy="0"/>
+        </a:xfrm>
+      </p:grpSpPr>
+      <p:sp>
+        <p:nvSpPr>
+          <p:cNvPr id="3" name="TextBox 2">
+            <a:extLst>
+              <a:ext uri="{FF2B5EF4-FFF2-40B4-BE49-F238E27FC236}">
+                <a16:creationId xmlns:a16="http://schemas.microsoft.com/office/drawing/2014/main" id="{03648F5B-1DC3-42D7-B0E3-26EFD9D2F253}"/>
+              </a:ext>
+            </a:extLst>
+          </p:cNvPr>
+          <p:cNvSpPr txBox="1"/>
+          <p:nvPr/>
+        </p:nvSpPr>
+        <p:spPr>
+          <a:xfrm>
+            <a:off x="1407459" y="555812"/>
+            <a:ext cx="3209364" cy="369332"/>
+          </a:xfrm>
+          <a:prstGeom prst="rect">
+            <a:avLst/>
+          </a:prstGeom>
+          <a:noFill/>
+        </p:spPr>
+        <p:txBody>
+          <a:bodyPr wrap="square" rtlCol="0">
+            <a:spAutoFit/>
+          </a:bodyPr>
+          <a:lstStyle/>
+          <a:p>
+            <a:r>
+              <a:rPr lang="en-US" altLang="ko-KR" dirty="0"/>
+              <a:t>7.6 </a:t>
+            </a:r>
+            <a:r>
+              <a:rPr lang="ko-KR" altLang="en-US" dirty="0"/>
+              <a:t>스프링 </a:t>
+            </a:r>
+            <a:r>
+              <a:rPr lang="en-US" altLang="ko-KR" dirty="0"/>
+              <a:t>3.1</a:t>
+            </a:r>
+            <a:r>
+              <a:rPr lang="ko-KR" altLang="en-US" dirty="0"/>
+              <a:t>의 </a:t>
+            </a:r>
+            <a:r>
+              <a:rPr lang="en-US" altLang="ko-KR" dirty="0"/>
+              <a:t>DI</a:t>
+            </a:r>
+            <a:endParaRPr lang="ko-KR" altLang="en-US" dirty="0"/>
+          </a:p>
+        </p:txBody>
+      </p:sp>
+      <p:sp>
+        <p:nvSpPr>
+          <p:cNvPr id="4" name="TextBox 3">
+            <a:extLst>
+              <a:ext uri="{FF2B5EF4-FFF2-40B4-BE49-F238E27FC236}">
+                <a16:creationId xmlns:a16="http://schemas.microsoft.com/office/drawing/2014/main" id="{EA346574-37E6-4511-B718-79BD16C00CB2}"/>
+              </a:ext>
+            </a:extLst>
+          </p:cNvPr>
+          <p:cNvSpPr txBox="1"/>
+          <p:nvPr/>
+        </p:nvSpPr>
+        <p:spPr>
+          <a:xfrm>
+            <a:off x="1479176" y="1344706"/>
+            <a:ext cx="5746377" cy="1200329"/>
+          </a:xfrm>
+          <a:prstGeom prst="rect">
+            <a:avLst/>
+          </a:prstGeom>
+          <a:noFill/>
+        </p:spPr>
+        <p:txBody>
+          <a:bodyPr wrap="square" rtlCol="0">
+            <a:spAutoFit/>
+          </a:bodyPr>
+          <a:lstStyle/>
+          <a:p>
+            <a:r>
+              <a:rPr lang="ko-KR" altLang="en-US" dirty="0" err="1"/>
+              <a:t>애노테이션은</a:t>
+            </a:r>
+            <a:r>
+              <a:rPr lang="ko-KR" altLang="en-US" dirty="0"/>
+              <a:t> </a:t>
+            </a:r>
+            <a:r>
+              <a:rPr lang="en-US" altLang="ko-KR" dirty="0"/>
+              <a:t>XML</a:t>
+            </a:r>
+            <a:r>
+              <a:rPr lang="ko-KR" altLang="en-US" dirty="0"/>
+              <a:t>과 달리 자바 코드의 일부로 사용됨</a:t>
+            </a:r>
+            <a:endParaRPr lang="en-US" altLang="ko-KR" dirty="0"/>
+          </a:p>
+          <a:p>
+            <a:r>
+              <a:rPr lang="en-US" altLang="ko-KR" dirty="0"/>
+              <a:t>-&gt; </a:t>
+            </a:r>
+            <a:r>
+              <a:rPr lang="ko-KR" altLang="en-US" dirty="0"/>
+              <a:t>코드의 동작에 직접 영향을 주지는 못하지만 </a:t>
+            </a:r>
+            <a:r>
+              <a:rPr lang="ko-KR" altLang="en-US" b="1" dirty="0"/>
+              <a:t>메타정보</a:t>
+            </a:r>
+            <a:r>
+              <a:rPr lang="ko-KR" altLang="en-US" dirty="0"/>
+              <a:t>로서 활용 </a:t>
+            </a:r>
+            <a:r>
+              <a:rPr lang="ko-KR" altLang="en-US" dirty="0" err="1"/>
+              <a:t>되는데는</a:t>
+            </a:r>
+            <a:r>
+              <a:rPr lang="ko-KR" altLang="en-US" dirty="0"/>
+              <a:t> </a:t>
+            </a:r>
+            <a:r>
+              <a:rPr lang="en-US" altLang="ko-KR" dirty="0"/>
+              <a:t>XML </a:t>
+            </a:r>
+            <a:r>
+              <a:rPr lang="ko-KR" altLang="en-US" dirty="0"/>
+              <a:t>에 비해 유리한 점이 많음</a:t>
+            </a:r>
+          </a:p>
+        </p:txBody>
+      </p:sp>
+      <p:sp>
+        <p:nvSpPr>
+          <p:cNvPr id="5" name="TextBox 4">
+            <a:extLst>
+              <a:ext uri="{FF2B5EF4-FFF2-40B4-BE49-F238E27FC236}">
+                <a16:creationId xmlns:a16="http://schemas.microsoft.com/office/drawing/2014/main" id="{C9320064-00A6-4E70-B4A8-E31D08896B09}"/>
+              </a:ext>
+            </a:extLst>
+          </p:cNvPr>
+          <p:cNvSpPr txBox="1"/>
+          <p:nvPr/>
+        </p:nvSpPr>
+        <p:spPr>
+          <a:xfrm>
+            <a:off x="1595718" y="3218329"/>
+            <a:ext cx="3594847" cy="3693319"/>
+          </a:xfrm>
+          <a:prstGeom prst="rect">
+            <a:avLst/>
+          </a:prstGeom>
+          <a:noFill/>
+        </p:spPr>
+        <p:txBody>
+          <a:bodyPr wrap="square" rtlCol="0">
+            <a:spAutoFit/>
+          </a:bodyPr>
+          <a:lstStyle/>
+          <a:p>
+            <a:r>
+              <a:rPr lang="ko-KR" altLang="en-US" dirty="0"/>
+              <a:t>단순한 </a:t>
+            </a:r>
+            <a:r>
+              <a:rPr lang="ko-KR" altLang="en-US" dirty="0" err="1"/>
+              <a:t>애노테이션</a:t>
+            </a:r>
+            <a:r>
+              <a:rPr lang="ko-KR" altLang="en-US" dirty="0"/>
+              <a:t> 하나를 자바 코드에 넣는 것만으로도</a:t>
+            </a:r>
+            <a:r>
+              <a:rPr lang="en-US" altLang="ko-KR" dirty="0"/>
+              <a:t>, </a:t>
+            </a:r>
+            <a:r>
+              <a:rPr lang="ko-KR" altLang="en-US" dirty="0" err="1"/>
+              <a:t>애노테이션을</a:t>
+            </a:r>
+            <a:r>
+              <a:rPr lang="ko-KR" altLang="en-US" dirty="0"/>
+              <a:t> 참고하는 코드에서는 다양한 부가 정보</a:t>
+            </a:r>
+            <a:r>
+              <a:rPr lang="en-US" altLang="ko-KR" dirty="0"/>
+              <a:t>(</a:t>
+            </a:r>
+            <a:r>
+              <a:rPr lang="ko-KR" altLang="en-US" dirty="0"/>
+              <a:t>클래스 이름</a:t>
+            </a:r>
+            <a:r>
+              <a:rPr lang="en-US" altLang="ko-KR" dirty="0"/>
+              <a:t>, </a:t>
+            </a:r>
+            <a:r>
+              <a:rPr lang="ko-KR" altLang="en-US" dirty="0"/>
+              <a:t>접근제한자 등</a:t>
+            </a:r>
+            <a:r>
+              <a:rPr lang="en-US" altLang="ko-KR" dirty="0"/>
+              <a:t>)</a:t>
+            </a:r>
+            <a:r>
+              <a:rPr lang="ko-KR" altLang="en-US" dirty="0"/>
+              <a:t>를 얻어낼 수 있음</a:t>
+            </a:r>
+            <a:endParaRPr lang="en-US" altLang="ko-KR" dirty="0"/>
+          </a:p>
+          <a:p>
+            <a:endParaRPr lang="en-US" altLang="ko-KR" dirty="0"/>
+          </a:p>
+          <a:p>
+            <a:r>
+              <a:rPr lang="en-US" altLang="ko-KR" dirty="0"/>
+              <a:t>-&gt; </a:t>
+            </a:r>
+            <a:r>
+              <a:rPr lang="ko-KR" altLang="en-US" dirty="0"/>
+              <a:t>반면에 </a:t>
+            </a:r>
+            <a:r>
+              <a:rPr lang="en-US" altLang="ko-KR" dirty="0"/>
+              <a:t>XML</a:t>
+            </a:r>
+            <a:r>
+              <a:rPr lang="ko-KR" altLang="en-US" dirty="0"/>
+              <a:t>로 </a:t>
+            </a:r>
+            <a:r>
+              <a:rPr lang="ko-KR" altLang="en-US" dirty="0" err="1"/>
+              <a:t>나타</a:t>
+            </a:r>
+            <a:r>
+              <a:rPr lang="ko-KR" altLang="en-US" dirty="0"/>
+              <a:t> 내려고 하면 모든 내용을 명시적으로 나타내야 함</a:t>
+            </a:r>
+            <a:endParaRPr lang="en-US" altLang="ko-KR" dirty="0"/>
+          </a:p>
+          <a:p>
+            <a:endParaRPr lang="en-US" altLang="ko-KR" dirty="0"/>
+          </a:p>
+          <a:p>
+            <a:r>
+              <a:rPr lang="en-US" altLang="ko-KR" dirty="0"/>
+              <a:t>-&gt; XML</a:t>
+            </a:r>
+            <a:r>
+              <a:rPr lang="ko-KR" altLang="en-US" dirty="0"/>
+              <a:t>은 텍스트로 되어 있어서 오타가 발생하기 쉽고</a:t>
+            </a:r>
+            <a:r>
+              <a:rPr lang="en-US" altLang="ko-KR" dirty="0"/>
+              <a:t>, </a:t>
+            </a:r>
+            <a:r>
+              <a:rPr lang="ko-KR" altLang="en-US" dirty="0" err="1"/>
+              <a:t>애노테이션에</a:t>
+            </a:r>
+            <a:r>
+              <a:rPr lang="ko-KR" altLang="en-US" dirty="0"/>
+              <a:t> 비해 불편함</a:t>
+            </a:r>
+          </a:p>
+        </p:txBody>
+      </p:sp>
+    </p:spTree>
+    <p:extLst>
+      <p:ext uri="{BB962C8B-B14F-4D97-AF65-F5344CB8AC3E}">
+        <p14:creationId xmlns:p14="http://schemas.microsoft.com/office/powerpoint/2010/main" val="1114844515"/>
+      </p:ext>
+    </p:extLst>
+  </p:cSld>
+  <p:clrMapOvr>
+    <a:masterClrMapping/>
+  </p:clrMapOvr>
+</p:sld>
+</file>
+
+<file path=ppt/slides/slide42.xml><?xml version="1.0" encoding="utf-8"?>
+<p:sld xmlns:a="http://schemas.openxmlformats.org/drawingml/2006/main" xmlns:r="http://schemas.openxmlformats.org/officeDocument/2006/relationships" xmlns:p="http://schemas.openxmlformats.org/presentationml/2006/main">
+  <p:cSld>
+    <p:spTree>
+      <p:nvGrpSpPr>
+        <p:cNvPr id="1" name=""/>
+        <p:cNvGrpSpPr/>
+        <p:nvPr/>
+      </p:nvGrpSpPr>
+      <p:grpSpPr>
+        <a:xfrm>
+          <a:off x="0" y="0"/>
+          <a:ext cx="0" cy="0"/>
+          <a:chOff x="0" y="0"/>
+          <a:chExt cx="0" cy="0"/>
+        </a:xfrm>
+      </p:grpSpPr>
+      <p:sp>
+        <p:nvSpPr>
+          <p:cNvPr id="2" name="TextBox 1">
+            <a:extLst>
+              <a:ext uri="{FF2B5EF4-FFF2-40B4-BE49-F238E27FC236}">
+                <a16:creationId xmlns:a16="http://schemas.microsoft.com/office/drawing/2014/main" id="{CDA38202-CDC4-4C13-9F29-E47EDC1847F1}"/>
+              </a:ext>
+            </a:extLst>
+          </p:cNvPr>
+          <p:cNvSpPr txBox="1"/>
+          <p:nvPr/>
+        </p:nvSpPr>
+        <p:spPr>
+          <a:xfrm>
+            <a:off x="1810871" y="896471"/>
+            <a:ext cx="4285129" cy="3416320"/>
+          </a:xfrm>
+          <a:prstGeom prst="rect">
+            <a:avLst/>
+          </a:prstGeom>
+          <a:noFill/>
+        </p:spPr>
+        <p:txBody>
+          <a:bodyPr wrap="square" rtlCol="0">
+            <a:spAutoFit/>
+          </a:bodyPr>
+          <a:lstStyle/>
+          <a:p>
+            <a:r>
+              <a:rPr lang="ko-KR" altLang="en-US" dirty="0" err="1"/>
+              <a:t>애노테이션</a:t>
+            </a:r>
+            <a:r>
+              <a:rPr lang="ko-KR" altLang="en-US" dirty="0"/>
+              <a:t> 단점</a:t>
+            </a:r>
+            <a:endParaRPr lang="en-US" altLang="ko-KR" dirty="0"/>
+          </a:p>
+          <a:p>
+            <a:endParaRPr lang="en-US" altLang="ko-KR" dirty="0"/>
+          </a:p>
+          <a:p>
+            <a:r>
+              <a:rPr lang="en-US" altLang="ko-KR" dirty="0"/>
+              <a:t>-&gt; XML</a:t>
+            </a:r>
+            <a:r>
+              <a:rPr lang="ko-KR" altLang="en-US" dirty="0"/>
+              <a:t>은 어느 환경에서나 손쉽게 편집이 가능하고</a:t>
+            </a:r>
+            <a:r>
+              <a:rPr lang="en-US" altLang="ko-KR" dirty="0"/>
+              <a:t>, </a:t>
+            </a:r>
+            <a:r>
+              <a:rPr lang="ko-KR" altLang="en-US" dirty="0"/>
+              <a:t>내용을 변경하더라도 다시 빌드를 거칠 필요가 없음</a:t>
+            </a:r>
+            <a:endParaRPr lang="en-US" altLang="ko-KR" dirty="0"/>
+          </a:p>
+          <a:p>
+            <a:endParaRPr lang="en-US" altLang="ko-KR" dirty="0"/>
+          </a:p>
+          <a:p>
+            <a:r>
+              <a:rPr lang="en-US" altLang="ko-KR" dirty="0"/>
+              <a:t>-&gt; </a:t>
+            </a:r>
+            <a:r>
+              <a:rPr lang="ko-KR" altLang="en-US" dirty="0"/>
+              <a:t>반면에 </a:t>
+            </a:r>
+            <a:r>
+              <a:rPr lang="ko-KR" altLang="en-US" dirty="0" err="1"/>
+              <a:t>애노테이션은</a:t>
+            </a:r>
+            <a:r>
+              <a:rPr lang="ko-KR" altLang="en-US" dirty="0"/>
+              <a:t> 자바 코드에 존재하므로 변경할 때마다 매번 클래스를 새로 컴파일 해줘야 함</a:t>
+            </a:r>
+            <a:endParaRPr lang="en-US" altLang="ko-KR" dirty="0"/>
+          </a:p>
+          <a:p>
+            <a:endParaRPr lang="en-US" altLang="ko-KR" dirty="0"/>
+          </a:p>
+          <a:p>
+            <a:r>
+              <a:rPr lang="en-US" altLang="ko-KR" dirty="0"/>
+              <a:t>-&gt;</a:t>
+            </a:r>
+            <a:r>
+              <a:rPr lang="ko-KR" altLang="en-US" dirty="0"/>
+              <a:t> 고객에 코드를 </a:t>
+            </a:r>
+            <a:r>
+              <a:rPr lang="ko-KR" altLang="en-US" dirty="0" err="1"/>
+              <a:t>납품할때</a:t>
+            </a:r>
+            <a:r>
+              <a:rPr lang="ko-KR" altLang="en-US" dirty="0"/>
+              <a:t> 설정정보 변경을 위해 소스코드 자체를 제공해야함</a:t>
+            </a:r>
+            <a:endParaRPr lang="en-US" altLang="ko-KR" dirty="0"/>
+          </a:p>
+        </p:txBody>
+      </p:sp>
+    </p:spTree>
+    <p:extLst>
+      <p:ext uri="{BB962C8B-B14F-4D97-AF65-F5344CB8AC3E}">
+        <p14:creationId xmlns:p14="http://schemas.microsoft.com/office/powerpoint/2010/main" val="3174736409"/>
+      </p:ext>
+    </p:extLst>
+  </p:cSld>
+  <p:clrMapOvr>
+    <a:masterClrMapping/>
+  </p:clrMapOvr>
+</p:sld>
+</file>
+
+<file path=ppt/slides/slide43.xml><?xml version="1.0" encoding="utf-8"?>
+<p:sld xmlns:a="http://schemas.openxmlformats.org/drawingml/2006/main" xmlns:r="http://schemas.openxmlformats.org/officeDocument/2006/relationships" xmlns:p="http://schemas.openxmlformats.org/presentationml/2006/main">
+  <p:cSld>
+    <p:spTree>
+      <p:nvGrpSpPr>
+        <p:cNvPr id="1" name=""/>
+        <p:cNvGrpSpPr/>
+        <p:nvPr/>
+      </p:nvGrpSpPr>
+      <p:grpSpPr>
+        <a:xfrm>
+          <a:off x="0" y="0"/>
+          <a:ext cx="0" cy="0"/>
+          <a:chOff x="0" y="0"/>
+          <a:chExt cx="0" cy="0"/>
+        </a:xfrm>
+      </p:grpSpPr>
+      <p:sp>
+        <p:nvSpPr>
+          <p:cNvPr id="2" name="TextBox 1">
+            <a:extLst>
+              <a:ext uri="{FF2B5EF4-FFF2-40B4-BE49-F238E27FC236}">
+                <a16:creationId xmlns:a16="http://schemas.microsoft.com/office/drawing/2014/main" id="{06895020-1B4B-4010-84E4-895F85BD1CD2}"/>
+              </a:ext>
+            </a:extLst>
+          </p:cNvPr>
+          <p:cNvSpPr txBox="1"/>
+          <p:nvPr/>
+        </p:nvSpPr>
+        <p:spPr>
+          <a:xfrm>
+            <a:off x="2115671" y="564776"/>
+            <a:ext cx="3801035" cy="369332"/>
+          </a:xfrm>
+          <a:prstGeom prst="rect">
+            <a:avLst/>
+          </a:prstGeom>
+          <a:noFill/>
+        </p:spPr>
+        <p:txBody>
+          <a:bodyPr wrap="square" rtlCol="0">
+            <a:spAutoFit/>
+          </a:bodyPr>
+          <a:lstStyle/>
+          <a:p>
+            <a:r>
+              <a:rPr lang="ko-KR" altLang="en-US" dirty="0"/>
+              <a:t>정책과 관례를 이용한 프로그래밍</a:t>
+            </a:r>
+          </a:p>
+        </p:txBody>
+      </p:sp>
+      <p:sp>
+        <p:nvSpPr>
+          <p:cNvPr id="3" name="TextBox 2">
+            <a:extLst>
+              <a:ext uri="{FF2B5EF4-FFF2-40B4-BE49-F238E27FC236}">
+                <a16:creationId xmlns:a16="http://schemas.microsoft.com/office/drawing/2014/main" id="{FFC145C9-8380-45A0-BBFC-F0F3085FDF5D}"/>
+              </a:ext>
+            </a:extLst>
+          </p:cNvPr>
+          <p:cNvSpPr txBox="1"/>
+          <p:nvPr/>
+        </p:nvSpPr>
+        <p:spPr>
+          <a:xfrm>
+            <a:off x="2294965" y="1506071"/>
+            <a:ext cx="4392706" cy="4247317"/>
+          </a:xfrm>
+          <a:prstGeom prst="rect">
+            <a:avLst/>
+          </a:prstGeom>
+          <a:noFill/>
+        </p:spPr>
+        <p:txBody>
+          <a:bodyPr wrap="square" rtlCol="0">
+            <a:spAutoFit/>
+          </a:bodyPr>
+          <a:lstStyle/>
+          <a:p>
+            <a:r>
+              <a:rPr lang="ko-KR" altLang="en-US" dirty="0"/>
+              <a:t>자주 반복되는 부분을 </a:t>
+            </a:r>
+            <a:r>
+              <a:rPr lang="ko-KR" altLang="en-US" dirty="0" err="1"/>
+              <a:t>관례화하면</a:t>
+            </a:r>
+            <a:r>
+              <a:rPr lang="ko-KR" altLang="en-US" dirty="0"/>
+              <a:t> 더 많은 내용을 생략할 수 있음</a:t>
+            </a:r>
+            <a:endParaRPr lang="en-US" altLang="ko-KR" dirty="0"/>
+          </a:p>
+          <a:p>
+            <a:endParaRPr lang="en-US" altLang="ko-KR" dirty="0"/>
+          </a:p>
+          <a:p>
+            <a:r>
+              <a:rPr lang="en-US" altLang="ko-KR" dirty="0"/>
+              <a:t>-&gt; </a:t>
+            </a:r>
+            <a:r>
+              <a:rPr lang="ko-KR" altLang="en-US" dirty="0" err="1"/>
+              <a:t>애노테이션은</a:t>
+            </a:r>
+            <a:r>
+              <a:rPr lang="ko-KR" altLang="en-US" dirty="0"/>
+              <a:t> 작성하는 코드의 양에 비해 부가적으로 얻을 수 있는 정보가 많기 때문에 일정한 패턴을 따르는 경우 관례를 부여해 명시적인 설정을 최대한 배제하면 코드가 매우 간략해짐</a:t>
+            </a:r>
+            <a:endParaRPr lang="en-US" altLang="ko-KR" dirty="0"/>
+          </a:p>
+          <a:p>
+            <a:endParaRPr lang="en-US" altLang="ko-KR" dirty="0"/>
+          </a:p>
+          <a:p>
+            <a:r>
+              <a:rPr lang="en-US" altLang="ko-KR" dirty="0"/>
+              <a:t>-&gt; </a:t>
+            </a:r>
+            <a:r>
+              <a:rPr lang="ko-KR" altLang="en-US" dirty="0"/>
+              <a:t>코드로 직접 모든 내용을 작성하는 것보다 간결하고 빠른 개발이 가능</a:t>
+            </a:r>
+            <a:endParaRPr lang="en-US" altLang="ko-KR" dirty="0"/>
+          </a:p>
+          <a:p>
+            <a:endParaRPr lang="en-US" altLang="ko-KR" dirty="0"/>
+          </a:p>
+          <a:p>
+            <a:endParaRPr lang="en-US" altLang="ko-KR" dirty="0"/>
+          </a:p>
+          <a:p>
+            <a:r>
+              <a:rPr lang="en-US" altLang="ko-KR" dirty="0"/>
+              <a:t>-&gt;</a:t>
+            </a:r>
+            <a:r>
+              <a:rPr lang="ko-KR" altLang="en-US" dirty="0"/>
+              <a:t> 대신 정책을 잘 기억하고 사용해야 한다는 단점이 있음</a:t>
+            </a:r>
+            <a:endParaRPr lang="en-US" altLang="ko-KR" dirty="0"/>
+          </a:p>
+        </p:txBody>
+      </p:sp>
+    </p:spTree>
+    <p:extLst>
+      <p:ext uri="{BB962C8B-B14F-4D97-AF65-F5344CB8AC3E}">
+        <p14:creationId xmlns:p14="http://schemas.microsoft.com/office/powerpoint/2010/main" val="2923801935"/>
+      </p:ext>
+    </p:extLst>
+  </p:cSld>
+  <p:clrMapOvr>
+    <a:masterClrMapping/>
+  </p:clrMapOvr>
+</p:sld>
+</file>
+
+<file path=ppt/slides/slide44.xml><?xml version="1.0" encoding="utf-8"?>
+<p:sld xmlns:a="http://schemas.openxmlformats.org/drawingml/2006/main" xmlns:r="http://schemas.openxmlformats.org/officeDocument/2006/relationships" xmlns:p="http://schemas.openxmlformats.org/presentationml/2006/main">
+  <p:cSld>
+    <p:spTree>
+      <p:nvGrpSpPr>
+        <p:cNvPr id="1" name=""/>
+        <p:cNvGrpSpPr/>
+        <p:nvPr/>
+      </p:nvGrpSpPr>
+      <p:grpSpPr>
+        <a:xfrm>
+          <a:off x="0" y="0"/>
+          <a:ext cx="0" cy="0"/>
+          <a:chOff x="0" y="0"/>
+          <a:chExt cx="0" cy="0"/>
+        </a:xfrm>
+      </p:grpSpPr>
+      <p:sp>
+        <p:nvSpPr>
+          <p:cNvPr id="2" name="TextBox 1">
+            <a:extLst>
+              <a:ext uri="{FF2B5EF4-FFF2-40B4-BE49-F238E27FC236}">
+                <a16:creationId xmlns:a16="http://schemas.microsoft.com/office/drawing/2014/main" id="{7D75BE93-7BCB-4719-A129-E7474B68A627}"/>
+              </a:ext>
+            </a:extLst>
+          </p:cNvPr>
+          <p:cNvSpPr txBox="1"/>
+          <p:nvPr/>
+        </p:nvSpPr>
+        <p:spPr>
+          <a:xfrm>
+            <a:off x="1353671" y="735106"/>
+            <a:ext cx="5011270" cy="646331"/>
+          </a:xfrm>
+          <a:prstGeom prst="rect">
+            <a:avLst/>
+          </a:prstGeom>
+          <a:noFill/>
+        </p:spPr>
+        <p:txBody>
+          <a:bodyPr wrap="square" rtlCol="0">
+            <a:spAutoFit/>
+          </a:bodyPr>
+          <a:lstStyle/>
+          <a:p>
+            <a:r>
+              <a:rPr lang="ko-KR" altLang="en-US" dirty="0"/>
+              <a:t>기능의 변경 없이 구조만 개선하는 작업 </a:t>
+            </a:r>
+            <a:r>
+              <a:rPr lang="en-US" altLang="ko-KR" dirty="0"/>
+              <a:t>-&gt; </a:t>
+            </a:r>
+            <a:r>
+              <a:rPr lang="ko-KR" altLang="en-US" dirty="0" err="1"/>
+              <a:t>리팩토링</a:t>
+            </a:r>
+            <a:endParaRPr lang="ko-KR" altLang="en-US" dirty="0"/>
+          </a:p>
+        </p:txBody>
+      </p:sp>
+      <p:sp>
+        <p:nvSpPr>
+          <p:cNvPr id="3" name="TextBox 2">
+            <a:extLst>
+              <a:ext uri="{FF2B5EF4-FFF2-40B4-BE49-F238E27FC236}">
+                <a16:creationId xmlns:a16="http://schemas.microsoft.com/office/drawing/2014/main" id="{552C20B7-294D-4C99-A25F-E1F662A42CA0}"/>
+              </a:ext>
+            </a:extLst>
+          </p:cNvPr>
+          <p:cNvSpPr txBox="1"/>
+          <p:nvPr/>
+        </p:nvSpPr>
+        <p:spPr>
+          <a:xfrm>
+            <a:off x="1353671" y="1857037"/>
+            <a:ext cx="7064188" cy="1200329"/>
+          </a:xfrm>
+          <a:prstGeom prst="rect">
+            <a:avLst/>
+          </a:prstGeom>
+          <a:noFill/>
+        </p:spPr>
+        <p:txBody>
+          <a:bodyPr wrap="square" rtlCol="0">
+            <a:spAutoFit/>
+          </a:bodyPr>
+          <a:lstStyle/>
+          <a:p>
+            <a:r>
+              <a:rPr lang="ko-KR" altLang="en-US" dirty="0" err="1"/>
+              <a:t>리팩토링을</a:t>
+            </a:r>
+            <a:r>
+              <a:rPr lang="ko-KR" altLang="en-US" dirty="0"/>
+              <a:t> 진행할 때 중요한 것은 테스트를 준비하는 일</a:t>
+            </a:r>
+            <a:endParaRPr lang="en-US" altLang="ko-KR" dirty="0"/>
+          </a:p>
+          <a:p>
+            <a:endParaRPr lang="en-US" altLang="ko-KR" dirty="0"/>
+          </a:p>
+          <a:p>
+            <a:r>
+              <a:rPr lang="en-US" altLang="ko-KR" dirty="0"/>
+              <a:t>-&gt; </a:t>
+            </a:r>
+            <a:r>
+              <a:rPr lang="ko-KR" altLang="en-US" dirty="0" err="1"/>
+              <a:t>리팩토링</a:t>
+            </a:r>
+            <a:r>
+              <a:rPr lang="ko-KR" altLang="en-US" dirty="0"/>
+              <a:t> 과정에서 자칫 실수하면 기존에 동작하던 기능이 동작하지 않을 수 있기 때문</a:t>
+            </a:r>
+          </a:p>
+        </p:txBody>
+      </p:sp>
+    </p:spTree>
+    <p:extLst>
+      <p:ext uri="{BB962C8B-B14F-4D97-AF65-F5344CB8AC3E}">
+        <p14:creationId xmlns:p14="http://schemas.microsoft.com/office/powerpoint/2010/main" val="2408800560"/>
+      </p:ext>
+    </p:extLst>
+  </p:cSld>
+  <p:clrMapOvr>
+    <a:masterClrMapping/>
+  </p:clrMapOvr>
+</p:sld>
+</file>
+
+<file path=ppt/slides/slide45.xml><?xml version="1.0" encoding="utf-8"?>
+<p:sld xmlns:a="http://schemas.openxmlformats.org/drawingml/2006/main" xmlns:r="http://schemas.openxmlformats.org/officeDocument/2006/relationships" xmlns:p="http://schemas.openxmlformats.org/presentationml/2006/main">
+  <p:cSld>
+    <p:spTree>
+      <p:nvGrpSpPr>
+        <p:cNvPr id="1" name=""/>
+        <p:cNvGrpSpPr/>
+        <p:nvPr/>
+      </p:nvGrpSpPr>
+      <p:grpSpPr>
+        <a:xfrm>
+          <a:off x="0" y="0"/>
+          <a:ext cx="0" cy="0"/>
+          <a:chOff x="0" y="0"/>
+          <a:chExt cx="0" cy="0"/>
+        </a:xfrm>
+      </p:grpSpPr>
+      <p:sp>
+        <p:nvSpPr>
+          <p:cNvPr id="2" name="TextBox 1">
+            <a:extLst>
+              <a:ext uri="{FF2B5EF4-FFF2-40B4-BE49-F238E27FC236}">
+                <a16:creationId xmlns:a16="http://schemas.microsoft.com/office/drawing/2014/main" id="{D57E314D-9406-49DE-8DCE-6A2B08B5B383}"/>
+              </a:ext>
+            </a:extLst>
+          </p:cNvPr>
+          <p:cNvSpPr txBox="1"/>
+          <p:nvPr/>
+        </p:nvSpPr>
+        <p:spPr>
+          <a:xfrm>
+            <a:off x="1407459" y="645458"/>
+            <a:ext cx="3908611" cy="2031325"/>
+          </a:xfrm>
+          <a:prstGeom prst="rect">
+            <a:avLst/>
+          </a:prstGeom>
+          <a:noFill/>
+        </p:spPr>
+        <p:txBody>
+          <a:bodyPr wrap="square" rtlCol="0">
+            <a:spAutoFit/>
+          </a:bodyPr>
+          <a:lstStyle/>
+          <a:p>
+            <a:r>
+              <a:rPr lang="en-US" altLang="ko-KR" dirty="0"/>
+              <a:t>@ContextConfiguration -&gt; DI </a:t>
+            </a:r>
+            <a:r>
+              <a:rPr lang="ko-KR" altLang="en-US" dirty="0"/>
+              <a:t>정보를 어디서 가져와야 하는지 지정할 때 사용</a:t>
+            </a:r>
+            <a:r>
+              <a:rPr lang="en-US" altLang="ko-KR" dirty="0"/>
+              <a:t>(locations=XML</a:t>
+            </a:r>
+            <a:r>
+              <a:rPr lang="ko-KR" altLang="en-US" dirty="0"/>
+              <a:t>이나 </a:t>
+            </a:r>
+            <a:r>
+              <a:rPr lang="en-US" altLang="ko-KR" dirty="0"/>
+              <a:t>classes=</a:t>
+            </a:r>
+            <a:r>
+              <a:rPr lang="ko-KR" altLang="en-US" dirty="0"/>
+              <a:t>클래스 파일명</a:t>
+            </a:r>
+            <a:r>
+              <a:rPr lang="en-US" altLang="ko-KR" dirty="0"/>
+              <a:t>)</a:t>
+            </a:r>
+          </a:p>
+          <a:p>
+            <a:endParaRPr lang="en-US" altLang="ko-KR" dirty="0"/>
+          </a:p>
+          <a:p>
+            <a:r>
+              <a:rPr lang="en-US" altLang="ko-KR" dirty="0"/>
+              <a:t>@Configuration </a:t>
+            </a:r>
+            <a:r>
+              <a:rPr lang="ko-KR" altLang="en-US" dirty="0"/>
+              <a:t>클래스를 설정 정보로 등록</a:t>
+            </a:r>
+            <a:endParaRPr lang="en-US" altLang="ko-KR" dirty="0"/>
+          </a:p>
+        </p:txBody>
+      </p:sp>
+      <p:sp>
+        <p:nvSpPr>
+          <p:cNvPr id="3" name="TextBox 2">
+            <a:extLst>
+              <a:ext uri="{FF2B5EF4-FFF2-40B4-BE49-F238E27FC236}">
+                <a16:creationId xmlns:a16="http://schemas.microsoft.com/office/drawing/2014/main" id="{D8B38DC6-1DAE-4A0E-8DAA-F990612A8CBD}"/>
+              </a:ext>
+            </a:extLst>
+          </p:cNvPr>
+          <p:cNvSpPr txBox="1"/>
+          <p:nvPr/>
+        </p:nvSpPr>
+        <p:spPr>
+          <a:xfrm>
+            <a:off x="1407459" y="2967335"/>
+            <a:ext cx="6777317" cy="923330"/>
+          </a:xfrm>
+          <a:prstGeom prst="rect">
+            <a:avLst/>
+          </a:prstGeom>
+          <a:noFill/>
+        </p:spPr>
+        <p:txBody>
+          <a:bodyPr wrap="square" rtlCol="0">
+            <a:spAutoFit/>
+          </a:bodyPr>
+          <a:lstStyle/>
+          <a:p>
+            <a:r>
+              <a:rPr lang="en-US" altLang="ko-KR" dirty="0"/>
+              <a:t>@Configuration</a:t>
+            </a:r>
+            <a:r>
+              <a:rPr lang="ko-KR" altLang="en-US" dirty="0"/>
+              <a:t>으로 등록한 클래스에</a:t>
+            </a:r>
+            <a:endParaRPr lang="en-US" altLang="ko-KR" dirty="0"/>
+          </a:p>
+          <a:p>
+            <a:r>
+              <a:rPr lang="en-US" altLang="ko-KR" dirty="0"/>
+              <a:t>@ImportResource</a:t>
+            </a:r>
+            <a:r>
+              <a:rPr lang="ko-KR" altLang="en-US" dirty="0"/>
+              <a:t>를 이용하면 </a:t>
+            </a:r>
+            <a:r>
+              <a:rPr lang="en-US" altLang="ko-KR" dirty="0"/>
+              <a:t>XML </a:t>
+            </a:r>
+            <a:r>
+              <a:rPr lang="ko-KR" altLang="en-US" dirty="0"/>
+              <a:t>파일의 설정정보를 가져오게 만들 수도 있음</a:t>
+            </a:r>
+          </a:p>
+        </p:txBody>
+      </p:sp>
+      <p:sp>
+        <p:nvSpPr>
+          <p:cNvPr id="4" name="TextBox 3">
+            <a:extLst>
+              <a:ext uri="{FF2B5EF4-FFF2-40B4-BE49-F238E27FC236}">
+                <a16:creationId xmlns:a16="http://schemas.microsoft.com/office/drawing/2014/main" id="{6C37E7BC-7F48-4188-90B5-6243B92571AC}"/>
+              </a:ext>
+            </a:extLst>
+          </p:cNvPr>
+          <p:cNvSpPr txBox="1"/>
+          <p:nvPr/>
+        </p:nvSpPr>
+        <p:spPr>
+          <a:xfrm>
+            <a:off x="1407459" y="4401671"/>
+            <a:ext cx="8104094" cy="1200329"/>
+          </a:xfrm>
+          <a:prstGeom prst="rect">
+            <a:avLst/>
+          </a:prstGeom>
+          <a:noFill/>
+        </p:spPr>
+        <p:txBody>
+          <a:bodyPr wrap="square" rtlCol="0">
+            <a:spAutoFit/>
+          </a:bodyPr>
+          <a:lstStyle/>
+          <a:p>
+            <a:r>
+              <a:rPr lang="en-US" altLang="ko-KR" dirty="0"/>
+              <a:t>@PostConstruct (</a:t>
+            </a:r>
+            <a:r>
+              <a:rPr lang="ko-KR" altLang="en-US" dirty="0"/>
+              <a:t>빈 후처리기</a:t>
+            </a:r>
+            <a:r>
+              <a:rPr lang="en-US" altLang="ko-KR" dirty="0"/>
+              <a:t>) </a:t>
+            </a:r>
+            <a:r>
+              <a:rPr lang="ko-KR" altLang="en-US" dirty="0"/>
+              <a:t>를 사용하기 위해 </a:t>
+            </a:r>
+            <a:r>
+              <a:rPr lang="en-US" altLang="ko-KR" dirty="0"/>
+              <a:t>xml</a:t>
+            </a:r>
+            <a:r>
+              <a:rPr lang="ko-KR" altLang="en-US" dirty="0"/>
+              <a:t>에 추가했던 </a:t>
+            </a:r>
+            <a:r>
+              <a:rPr lang="en-US" altLang="ko-KR" dirty="0"/>
+              <a:t>&lt;</a:t>
+            </a:r>
+            <a:r>
+              <a:rPr lang="en-US" altLang="ko-KR" dirty="0" err="1"/>
+              <a:t>context:annotation-config</a:t>
+            </a:r>
+            <a:r>
+              <a:rPr lang="en-US" altLang="ko-KR" dirty="0"/>
+              <a:t>/&gt;</a:t>
+            </a:r>
+            <a:r>
+              <a:rPr lang="ko-KR" altLang="en-US" dirty="0"/>
+              <a:t>태그는 필요 없음</a:t>
+            </a:r>
+            <a:endParaRPr lang="en-US" altLang="ko-KR" dirty="0"/>
+          </a:p>
+          <a:p>
+            <a:r>
+              <a:rPr lang="en-US" altLang="ko-KR" dirty="0"/>
+              <a:t>-&gt; @Configuration </a:t>
+            </a:r>
+            <a:r>
+              <a:rPr lang="ko-KR" altLang="en-US" dirty="0"/>
+              <a:t>으로 설정된 컨테이너에서 직접 처리기를 등록해 주기 때문</a:t>
+            </a:r>
+          </a:p>
+        </p:txBody>
+      </p:sp>
+    </p:spTree>
+    <p:extLst>
+      <p:ext uri="{BB962C8B-B14F-4D97-AF65-F5344CB8AC3E}">
+        <p14:creationId xmlns:p14="http://schemas.microsoft.com/office/powerpoint/2010/main" val="2233944707"/>
+      </p:ext>
+    </p:extLst>
+  </p:cSld>
+  <p:clrMapOvr>
+    <a:masterClrMapping/>
+  </p:clrMapOvr>
+</p:sld>
+</file>
+
+<file path=ppt/slides/slide46.xml><?xml version="1.0" encoding="utf-8"?>
+<p:sld xmlns:a="http://schemas.openxmlformats.org/drawingml/2006/main" xmlns:r="http://schemas.openxmlformats.org/officeDocument/2006/relationships" xmlns:p="http://schemas.openxmlformats.org/presentationml/2006/main">
+  <p:cSld>
+    <p:spTree>
+      <p:nvGrpSpPr>
+        <p:cNvPr id="1" name=""/>
+        <p:cNvGrpSpPr/>
+        <p:nvPr/>
+      </p:nvGrpSpPr>
+      <p:grpSpPr>
+        <a:xfrm>
+          <a:off x="0" y="0"/>
+          <a:ext cx="0" cy="0"/>
+          <a:chOff x="0" y="0"/>
+          <a:chExt cx="0" cy="0"/>
+        </a:xfrm>
+      </p:grpSpPr>
+      <p:sp>
+        <p:nvSpPr>
+          <p:cNvPr id="2" name="TextBox 1">
+            <a:extLst>
+              <a:ext uri="{FF2B5EF4-FFF2-40B4-BE49-F238E27FC236}">
+                <a16:creationId xmlns:a16="http://schemas.microsoft.com/office/drawing/2014/main" id="{BDD36962-EAC5-4190-BFCE-8E10E76E224A}"/>
+              </a:ext>
+            </a:extLst>
+          </p:cNvPr>
+          <p:cNvSpPr txBox="1"/>
+          <p:nvPr/>
+        </p:nvSpPr>
+        <p:spPr>
+          <a:xfrm>
+            <a:off x="1326776" y="618565"/>
+            <a:ext cx="7790330" cy="923330"/>
+          </a:xfrm>
+          <a:prstGeom prst="rect">
+            <a:avLst/>
+          </a:prstGeom>
+          <a:noFill/>
+        </p:spPr>
+        <p:txBody>
+          <a:bodyPr wrap="square" rtlCol="0">
+            <a:spAutoFit/>
+          </a:bodyPr>
+          <a:lstStyle/>
+          <a:p>
+            <a:r>
+              <a:rPr lang="en-US" altLang="ko-KR" dirty="0"/>
+              <a:t>@Bean</a:t>
+            </a:r>
+            <a:r>
+              <a:rPr lang="ko-KR" altLang="en-US" dirty="0"/>
+              <a:t>은 </a:t>
+            </a:r>
+            <a:r>
+              <a:rPr lang="en-US" altLang="ko-KR" dirty="0"/>
+              <a:t>@Configuration</a:t>
+            </a:r>
+            <a:r>
+              <a:rPr lang="ko-KR" altLang="en-US" dirty="0"/>
+              <a:t>이 붙은 </a:t>
+            </a:r>
+            <a:r>
+              <a:rPr lang="en-US" altLang="ko-KR" dirty="0"/>
+              <a:t>DI </a:t>
+            </a:r>
+            <a:r>
+              <a:rPr lang="ko-KR" altLang="en-US" dirty="0"/>
+              <a:t>설정용 클래스에서 주로 사용되는 것으로</a:t>
+            </a:r>
+            <a:r>
+              <a:rPr lang="en-US" altLang="ko-KR" dirty="0"/>
+              <a:t>, </a:t>
+            </a:r>
+            <a:r>
+              <a:rPr lang="ko-KR" altLang="en-US" dirty="0"/>
+              <a:t>메소드를 이용해서 빈 오브젝트의 생성과 의존관계 주입을 직접 자바 코드로 작성할 수 있게 </a:t>
+            </a:r>
+            <a:r>
+              <a:rPr lang="ko-KR" altLang="en-US" dirty="0" err="1"/>
+              <a:t>해줌</a:t>
+            </a:r>
+            <a:endParaRPr lang="ko-KR" altLang="en-US" dirty="0"/>
+          </a:p>
+        </p:txBody>
+      </p:sp>
+      <p:sp>
+        <p:nvSpPr>
+          <p:cNvPr id="3" name="TextBox 2">
+            <a:extLst>
+              <a:ext uri="{FF2B5EF4-FFF2-40B4-BE49-F238E27FC236}">
+                <a16:creationId xmlns:a16="http://schemas.microsoft.com/office/drawing/2014/main" id="{10D89D21-473A-4031-BAD0-BA7BC82701C8}"/>
+              </a:ext>
+            </a:extLst>
+          </p:cNvPr>
+          <p:cNvSpPr txBox="1"/>
+          <p:nvPr/>
+        </p:nvSpPr>
+        <p:spPr>
+          <a:xfrm>
+            <a:off x="1326776" y="2106706"/>
+            <a:ext cx="7189695" cy="1754326"/>
+          </a:xfrm>
+          <a:prstGeom prst="rect">
+            <a:avLst/>
+          </a:prstGeom>
+          <a:noFill/>
+        </p:spPr>
+        <p:txBody>
+          <a:bodyPr wrap="square" rtlCol="0">
+            <a:spAutoFit/>
+          </a:bodyPr>
+          <a:lstStyle/>
+          <a:p>
+            <a:r>
+              <a:rPr lang="en-US" altLang="ko-KR" dirty="0"/>
+              <a:t>@Bean</a:t>
+            </a:r>
+            <a:r>
+              <a:rPr lang="ko-KR" altLang="en-US" dirty="0"/>
+              <a:t>을 이용해서 </a:t>
+            </a:r>
+            <a:r>
+              <a:rPr lang="en-US" altLang="ko-KR" dirty="0"/>
+              <a:t>XML</a:t>
+            </a:r>
+            <a:r>
+              <a:rPr lang="ko-KR" altLang="en-US" dirty="0"/>
+              <a:t>의 </a:t>
+            </a:r>
+            <a:r>
+              <a:rPr lang="en-US" altLang="ko-KR" dirty="0"/>
+              <a:t>class=</a:t>
+            </a:r>
+            <a:r>
+              <a:rPr lang="ko-KR" altLang="en-US" dirty="0"/>
+              <a:t>부분</a:t>
+            </a:r>
+            <a:r>
+              <a:rPr lang="en-US" altLang="ko-KR" dirty="0"/>
+              <a:t>(</a:t>
+            </a:r>
+            <a:r>
+              <a:rPr lang="ko-KR" altLang="en-US" dirty="0"/>
+              <a:t>리턴 타입</a:t>
+            </a:r>
+            <a:r>
+              <a:rPr lang="en-US" altLang="ko-KR" dirty="0"/>
+              <a:t>)</a:t>
+            </a:r>
+            <a:r>
+              <a:rPr lang="ko-KR" altLang="en-US" dirty="0"/>
+              <a:t>을 자바코드로 전환 할 때</a:t>
+            </a:r>
+            <a:r>
+              <a:rPr lang="en-US" altLang="ko-KR" dirty="0"/>
+              <a:t>, </a:t>
+            </a:r>
+            <a:r>
+              <a:rPr lang="ko-KR" altLang="en-US" dirty="0"/>
+              <a:t>리턴 타입을 그대로 명시하는 것보다 인터페이스로 해야함</a:t>
+            </a:r>
+            <a:endParaRPr lang="en-US" altLang="ko-KR" dirty="0"/>
+          </a:p>
+          <a:p>
+            <a:endParaRPr lang="en-US" altLang="ko-KR" dirty="0"/>
+          </a:p>
+          <a:p>
+            <a:r>
+              <a:rPr lang="en-US" altLang="ko-KR" dirty="0"/>
+              <a:t>-&gt; DI</a:t>
+            </a:r>
+            <a:r>
+              <a:rPr lang="ko-KR" altLang="en-US" dirty="0"/>
+              <a:t> 원리에 따라 빈의 구현 클래스는 자유롭게 변경이 가능해야 하기 때문이고 변경하더라도 해당 빈에 의존하는 다른 빈의 코드는 바뀔 필요가 없어야 하기 때문</a:t>
+            </a:r>
+            <a:r>
+              <a:rPr lang="en-US" altLang="ko-KR" dirty="0"/>
+              <a:t> </a:t>
+            </a:r>
+            <a:endParaRPr lang="ko-KR" altLang="en-US" dirty="0"/>
+          </a:p>
+        </p:txBody>
+      </p:sp>
+      <p:sp>
+        <p:nvSpPr>
+          <p:cNvPr id="4" name="TextBox 3">
+            <a:extLst>
+              <a:ext uri="{FF2B5EF4-FFF2-40B4-BE49-F238E27FC236}">
+                <a16:creationId xmlns:a16="http://schemas.microsoft.com/office/drawing/2014/main" id="{EA1ABF13-2B5B-4A6E-9302-A1AAD2632AEC}"/>
+              </a:ext>
+            </a:extLst>
+          </p:cNvPr>
+          <p:cNvSpPr txBox="1"/>
+          <p:nvPr/>
+        </p:nvSpPr>
+        <p:spPr>
+          <a:xfrm>
+            <a:off x="1407459" y="4760259"/>
+            <a:ext cx="7790330" cy="646331"/>
+          </a:xfrm>
+          <a:prstGeom prst="rect">
+            <a:avLst/>
+          </a:prstGeom>
+          <a:noFill/>
+        </p:spPr>
+        <p:txBody>
+          <a:bodyPr wrap="square" rtlCol="0">
+            <a:spAutoFit/>
+          </a:bodyPr>
+          <a:lstStyle/>
+          <a:p>
+            <a:r>
+              <a:rPr lang="en-US" altLang="ko-KR" dirty="0"/>
+              <a:t>@Configuration </a:t>
+            </a:r>
+            <a:r>
+              <a:rPr lang="ko-KR" altLang="en-US" dirty="0"/>
+              <a:t>자바 클래스에서 정의한 빈과 </a:t>
+            </a:r>
+            <a:r>
+              <a:rPr lang="en-US" altLang="ko-KR" dirty="0"/>
+              <a:t>XML</a:t>
+            </a:r>
+            <a:r>
+              <a:rPr lang="ko-KR" altLang="en-US" dirty="0"/>
+              <a:t>에서 정의한 빈은 얼마든지 서로 참조가 가능함</a:t>
+            </a:r>
+          </a:p>
+        </p:txBody>
+      </p:sp>
+    </p:spTree>
+    <p:extLst>
+      <p:ext uri="{BB962C8B-B14F-4D97-AF65-F5344CB8AC3E}">
+        <p14:creationId xmlns:p14="http://schemas.microsoft.com/office/powerpoint/2010/main" val="3096237112"/>
+      </p:ext>
+    </p:extLst>
+  </p:cSld>
+  <p:clrMapOvr>
+    <a:masterClrMapping/>
+  </p:clrMapOvr>
+</p:sld>
+</file>
+
+<file path=ppt/slides/slide47.xml><?xml version="1.0" encoding="utf-8"?>
+<p:sld xmlns:a="http://schemas.openxmlformats.org/drawingml/2006/main" xmlns:r="http://schemas.openxmlformats.org/officeDocument/2006/relationships" xmlns:p="http://schemas.openxmlformats.org/presentationml/2006/main">
+  <p:cSld>
+    <p:spTree>
+      <p:nvGrpSpPr>
+        <p:cNvPr id="1" name=""/>
+        <p:cNvGrpSpPr/>
+        <p:nvPr/>
+      </p:nvGrpSpPr>
+      <p:grpSpPr>
+        <a:xfrm>
+          <a:off x="0" y="0"/>
+          <a:ext cx="0" cy="0"/>
+          <a:chOff x="0" y="0"/>
+          <a:chExt cx="0" cy="0"/>
+        </a:xfrm>
+      </p:grpSpPr>
+      <p:sp>
+        <p:nvSpPr>
+          <p:cNvPr id="2" name="TextBox 1">
+            <a:extLst>
+              <a:ext uri="{FF2B5EF4-FFF2-40B4-BE49-F238E27FC236}">
+                <a16:creationId xmlns:a16="http://schemas.microsoft.com/office/drawing/2014/main" id="{CEB23ED8-D372-49C5-97BC-66BE19B98F79}"/>
+              </a:ext>
+            </a:extLst>
+          </p:cNvPr>
+          <p:cNvSpPr txBox="1"/>
+          <p:nvPr/>
+        </p:nvSpPr>
+        <p:spPr>
+          <a:xfrm>
+            <a:off x="968188" y="475129"/>
+            <a:ext cx="4706471" cy="2862322"/>
+          </a:xfrm>
+          <a:prstGeom prst="rect">
+            <a:avLst/>
+          </a:prstGeom>
+          <a:noFill/>
+        </p:spPr>
+        <p:txBody>
+          <a:bodyPr wrap="square" rtlCol="0">
+            <a:spAutoFit/>
+          </a:bodyPr>
+          <a:lstStyle/>
+          <a:p>
+            <a:r>
+              <a:rPr lang="ko-KR" altLang="en-US" dirty="0"/>
+              <a:t>자바 코드로 정의한 빈은 </a:t>
+            </a:r>
+            <a:r>
+              <a:rPr lang="en-US" altLang="ko-KR" dirty="0"/>
+              <a:t>XML</a:t>
+            </a:r>
+            <a:r>
+              <a:rPr lang="ko-KR" altLang="en-US" dirty="0"/>
+              <a:t>에서 </a:t>
+            </a:r>
+            <a:r>
+              <a:rPr lang="en-US" altLang="ko-KR" dirty="0"/>
+              <a:t>&lt;property&gt;</a:t>
+            </a:r>
+            <a:r>
+              <a:rPr lang="ko-KR" altLang="en-US" dirty="0"/>
+              <a:t>를 이용해 참조 할 수 있음</a:t>
+            </a:r>
+            <a:endParaRPr lang="en-US" altLang="ko-KR" dirty="0"/>
+          </a:p>
+          <a:p>
+            <a:endParaRPr lang="en-US" altLang="ko-KR" dirty="0"/>
+          </a:p>
+          <a:p>
+            <a:r>
+              <a:rPr lang="ko-KR" altLang="en-US" dirty="0"/>
+              <a:t>반대로 자바코드에서 </a:t>
+            </a:r>
+            <a:r>
+              <a:rPr lang="en-US" altLang="ko-KR" dirty="0"/>
+              <a:t>XML</a:t>
+            </a:r>
+            <a:r>
+              <a:rPr lang="ko-KR" altLang="en-US" dirty="0"/>
+              <a:t>에서 정의한 빈을 참조하려면</a:t>
+            </a:r>
+            <a:r>
+              <a:rPr lang="en-US" altLang="ko-KR" dirty="0"/>
+              <a:t>?</a:t>
+            </a:r>
+          </a:p>
+          <a:p>
+            <a:endParaRPr lang="en-US" altLang="ko-KR" dirty="0"/>
+          </a:p>
+          <a:p>
+            <a:r>
+              <a:rPr lang="en-US" altLang="ko-KR" dirty="0"/>
+              <a:t>-&gt; </a:t>
+            </a:r>
+            <a:r>
+              <a:rPr lang="ko-KR" altLang="en-US" dirty="0"/>
+              <a:t>메소드 호출로는 불가</a:t>
+            </a:r>
+            <a:endParaRPr lang="en-US" altLang="ko-KR" dirty="0"/>
+          </a:p>
+          <a:p>
+            <a:r>
+              <a:rPr lang="en-US" altLang="ko-KR" dirty="0"/>
+              <a:t>@Autowired</a:t>
+            </a:r>
+            <a:r>
+              <a:rPr lang="ko-KR" altLang="en-US" dirty="0"/>
+              <a:t>가 붙은 필드를 선언해서 </a:t>
+            </a:r>
+            <a:r>
+              <a:rPr lang="en-US" altLang="ko-KR" dirty="0"/>
+              <a:t>XML</a:t>
+            </a:r>
+            <a:r>
+              <a:rPr lang="ko-KR" altLang="en-US" dirty="0"/>
+              <a:t>에 정의된 빈을 컨테이너가 주입해주게 해야함</a:t>
+            </a:r>
+            <a:endParaRPr lang="en-US" altLang="ko-KR" dirty="0"/>
+          </a:p>
+        </p:txBody>
+      </p:sp>
+      <p:sp>
+        <p:nvSpPr>
+          <p:cNvPr id="3" name="TextBox 2">
+            <a:extLst>
+              <a:ext uri="{FF2B5EF4-FFF2-40B4-BE49-F238E27FC236}">
+                <a16:creationId xmlns:a16="http://schemas.microsoft.com/office/drawing/2014/main" id="{3855E5AC-D8B1-45A2-853B-E9C9BE883125}"/>
+              </a:ext>
+            </a:extLst>
+          </p:cNvPr>
+          <p:cNvSpPr txBox="1"/>
+          <p:nvPr/>
+        </p:nvSpPr>
+        <p:spPr>
+          <a:xfrm>
+            <a:off x="968188" y="5414683"/>
+            <a:ext cx="5782236" cy="646331"/>
+          </a:xfrm>
+          <a:prstGeom prst="rect">
+            <a:avLst/>
+          </a:prstGeom>
+          <a:noFill/>
+        </p:spPr>
+        <p:txBody>
+          <a:bodyPr wrap="square" rtlCol="0">
+            <a:spAutoFit/>
+          </a:bodyPr>
+          <a:lstStyle/>
+          <a:p>
+            <a:r>
+              <a:rPr lang="en-US" altLang="ko-KR" dirty="0"/>
+              <a:t>@Autowired</a:t>
+            </a:r>
+            <a:r>
+              <a:rPr lang="ko-KR" altLang="en-US" dirty="0"/>
+              <a:t>는 필드 타입을 기준으로 빈을 찾고 </a:t>
+            </a:r>
+            <a:r>
+              <a:rPr lang="en-US" altLang="ko-KR" dirty="0"/>
+              <a:t>@Resource</a:t>
+            </a:r>
+            <a:r>
+              <a:rPr lang="ko-KR" altLang="en-US" dirty="0"/>
+              <a:t>는 필드 이름을 기준으로 한다</a:t>
+            </a:r>
+          </a:p>
+        </p:txBody>
+      </p:sp>
+    </p:spTree>
+    <p:extLst>
+      <p:ext uri="{BB962C8B-B14F-4D97-AF65-F5344CB8AC3E}">
+        <p14:creationId xmlns:p14="http://schemas.microsoft.com/office/powerpoint/2010/main" val="2667747897"/>
+      </p:ext>
+    </p:extLst>
+  </p:cSld>
+  <p:clrMapOvr>
+    <a:masterClrMapping/>
+  </p:clrMapOvr>
+</p:sld>
+</file>
+
+<file path=ppt/slides/slide48.xml><?xml version="1.0" encoding="utf-8"?>
+<p:sld xmlns:a="http://schemas.openxmlformats.org/drawingml/2006/main" xmlns:r="http://schemas.openxmlformats.org/officeDocument/2006/relationships" xmlns:p="http://schemas.openxmlformats.org/presentationml/2006/main">
+  <p:cSld>
+    <p:spTree>
+      <p:nvGrpSpPr>
+        <p:cNvPr id="1" name=""/>
+        <p:cNvGrpSpPr/>
+        <p:nvPr/>
+      </p:nvGrpSpPr>
+      <p:grpSpPr>
+        <a:xfrm>
+          <a:off x="0" y="0"/>
+          <a:ext cx="0" cy="0"/>
+          <a:chOff x="0" y="0"/>
+          <a:chExt cx="0" cy="0"/>
+        </a:xfrm>
+      </p:grpSpPr>
+      <p:sp>
+        <p:nvSpPr>
+          <p:cNvPr id="2" name="TextBox 1">
+            <a:extLst>
+              <a:ext uri="{FF2B5EF4-FFF2-40B4-BE49-F238E27FC236}">
+                <a16:creationId xmlns:a16="http://schemas.microsoft.com/office/drawing/2014/main" id="{1FB2D30C-1A67-4EED-972A-A52C2F9BB006}"/>
+              </a:ext>
+            </a:extLst>
+          </p:cNvPr>
+          <p:cNvSpPr txBox="1"/>
+          <p:nvPr/>
+        </p:nvSpPr>
+        <p:spPr>
+          <a:xfrm>
+            <a:off x="1326776" y="744071"/>
+            <a:ext cx="3720353" cy="3416320"/>
+          </a:xfrm>
+          <a:prstGeom prst="rect">
+            <a:avLst/>
+          </a:prstGeom>
+          <a:noFill/>
+        </p:spPr>
+        <p:txBody>
+          <a:bodyPr wrap="square" rtlCol="0">
+            <a:spAutoFit/>
+          </a:bodyPr>
+          <a:lstStyle/>
+          <a:p>
+            <a:r>
+              <a:rPr lang="en-US" altLang="ko-KR" dirty="0"/>
+              <a:t>@Transactional</a:t>
+            </a:r>
+            <a:r>
+              <a:rPr lang="ko-KR" altLang="en-US" dirty="0"/>
+              <a:t>을 이용한  트랜잭션 </a:t>
+            </a:r>
+            <a:r>
+              <a:rPr lang="en-US" altLang="ko-KR" dirty="0"/>
+              <a:t>AOP </a:t>
+            </a:r>
+            <a:r>
+              <a:rPr lang="ko-KR" altLang="en-US" dirty="0"/>
+              <a:t>기능을 사용 하기 위해</a:t>
+            </a:r>
+            <a:r>
+              <a:rPr lang="en-US" altLang="ko-KR" dirty="0"/>
+              <a:t> </a:t>
+            </a:r>
+            <a:r>
+              <a:rPr lang="ko-KR" altLang="en-US" dirty="0"/>
+              <a:t>전용 태그를 </a:t>
+            </a:r>
+            <a:r>
+              <a:rPr lang="en-US" altLang="ko-KR" dirty="0"/>
+              <a:t>XML</a:t>
+            </a:r>
+            <a:r>
+              <a:rPr lang="ko-KR" altLang="en-US" dirty="0"/>
+              <a:t>에서 가져와서 자바코드로 작성하기 어려움</a:t>
+            </a:r>
+            <a:endParaRPr lang="en-US" altLang="ko-KR" dirty="0"/>
+          </a:p>
+          <a:p>
+            <a:r>
+              <a:rPr lang="en-US" altLang="ko-KR" dirty="0"/>
+              <a:t>-&gt; </a:t>
+            </a:r>
+            <a:r>
+              <a:rPr lang="ko-KR" altLang="en-US" dirty="0"/>
+              <a:t>트랜잭션 </a:t>
+            </a:r>
+            <a:r>
+              <a:rPr lang="en-US" altLang="ko-KR" dirty="0"/>
+              <a:t>AOP</a:t>
+            </a:r>
+            <a:r>
+              <a:rPr lang="ko-KR" altLang="en-US" dirty="0"/>
+              <a:t>를 적용하려면 복잡하고 많은 빈이 </a:t>
+            </a:r>
+            <a:r>
+              <a:rPr lang="ko-KR" altLang="en-US" dirty="0" err="1"/>
+              <a:t>동원돼야함</a:t>
+            </a:r>
+            <a:endParaRPr lang="en-US" altLang="ko-KR" dirty="0"/>
+          </a:p>
+          <a:p>
+            <a:endParaRPr lang="en-US" altLang="ko-KR" dirty="0"/>
+          </a:p>
+          <a:p>
+            <a:r>
+              <a:rPr lang="en-US" altLang="ko-KR" dirty="0"/>
+              <a:t>-&gt; XML</a:t>
+            </a:r>
+            <a:r>
+              <a:rPr lang="ko-KR" altLang="en-US" dirty="0"/>
+              <a:t>에서 자주 사용되는 전용 태그를 </a:t>
+            </a:r>
+            <a:r>
+              <a:rPr lang="en-US" altLang="ko-KR" dirty="0"/>
+              <a:t>@Enable</a:t>
+            </a:r>
+            <a:r>
+              <a:rPr lang="ko-KR" altLang="en-US" dirty="0"/>
+              <a:t>로 시작하는 </a:t>
+            </a:r>
+            <a:r>
+              <a:rPr lang="ko-KR" altLang="en-US" dirty="0" err="1"/>
+              <a:t>애노테이션으로</a:t>
+            </a:r>
+            <a:r>
+              <a:rPr lang="ko-KR" altLang="en-US" dirty="0"/>
+              <a:t> 대체할 수 있게 함</a:t>
+            </a:r>
+            <a:endParaRPr lang="en-US" altLang="ko-KR" dirty="0"/>
+          </a:p>
+          <a:p>
+            <a:endParaRPr lang="en-US" altLang="ko-KR" dirty="0"/>
+          </a:p>
+          <a:p>
+            <a:r>
+              <a:rPr lang="en-US" altLang="ko-KR" dirty="0"/>
+              <a:t>@EnableTransactionManagement</a:t>
+            </a:r>
+            <a:endParaRPr lang="ko-KR" altLang="en-US" dirty="0"/>
+          </a:p>
+        </p:txBody>
+      </p:sp>
+    </p:spTree>
+    <p:extLst>
+      <p:ext uri="{BB962C8B-B14F-4D97-AF65-F5344CB8AC3E}">
+        <p14:creationId xmlns:p14="http://schemas.microsoft.com/office/powerpoint/2010/main" val="3786952001"/>
+      </p:ext>
+    </p:extLst>
+  </p:cSld>
+  <p:clrMapOvr>
+    <a:masterClrMapping/>
+  </p:clrMapOvr>
+</p:sld>
+</file>
+
+<file path=ppt/slides/slide49.xml><?xml version="1.0" encoding="utf-8"?>
+<p:sld xmlns:a="http://schemas.openxmlformats.org/drawingml/2006/main" xmlns:r="http://schemas.openxmlformats.org/officeDocument/2006/relationships" xmlns:p="http://schemas.openxmlformats.org/presentationml/2006/main">
+  <p:cSld>
+    <p:spTree>
+      <p:nvGrpSpPr>
+        <p:cNvPr id="1" name=""/>
+        <p:cNvGrpSpPr/>
+        <p:nvPr/>
+      </p:nvGrpSpPr>
+      <p:grpSpPr>
+        <a:xfrm>
+          <a:off x="0" y="0"/>
+          <a:ext cx="0" cy="0"/>
+          <a:chOff x="0" y="0"/>
+          <a:chExt cx="0" cy="0"/>
+        </a:xfrm>
+      </p:grpSpPr>
+      <p:sp>
+        <p:nvSpPr>
+          <p:cNvPr id="3" name="TextBox 2">
+            <a:extLst>
+              <a:ext uri="{FF2B5EF4-FFF2-40B4-BE49-F238E27FC236}">
+                <a16:creationId xmlns:a16="http://schemas.microsoft.com/office/drawing/2014/main" id="{1A76201E-B35B-4639-93E6-C4429DDBD346}"/>
+              </a:ext>
+            </a:extLst>
+          </p:cNvPr>
+          <p:cNvSpPr txBox="1"/>
+          <p:nvPr/>
+        </p:nvSpPr>
+        <p:spPr>
+          <a:xfrm>
+            <a:off x="923365" y="452282"/>
+            <a:ext cx="6096000" cy="3416320"/>
+          </a:xfrm>
+          <a:prstGeom prst="rect">
+            <a:avLst/>
+          </a:prstGeom>
+          <a:noFill/>
+        </p:spPr>
+        <p:txBody>
+          <a:bodyPr wrap="square">
+            <a:spAutoFit/>
+          </a:bodyPr>
+          <a:lstStyle/>
+          <a:p>
+            <a:r>
+              <a:rPr lang="en-US" altLang="ko-KR" dirty="0"/>
+              <a:t>@Autowired</a:t>
+            </a:r>
+            <a:r>
+              <a:rPr lang="ko-KR" altLang="en-US" dirty="0"/>
+              <a:t>는 </a:t>
+            </a:r>
+            <a:r>
+              <a:rPr lang="ko-KR" altLang="en-US" dirty="0" err="1"/>
+              <a:t>자동와이어링</a:t>
+            </a:r>
+            <a:r>
+              <a:rPr lang="ko-KR" altLang="en-US" dirty="0"/>
+              <a:t> 기법을 이용해서 조건에 맞는 빈을 찾아 자동으로 </a:t>
+            </a:r>
+            <a:r>
+              <a:rPr lang="ko-KR" altLang="en-US" dirty="0" err="1"/>
+              <a:t>수정자</a:t>
+            </a:r>
+            <a:r>
+              <a:rPr lang="ko-KR" altLang="en-US" dirty="0"/>
+              <a:t> 메소드나 필드에 </a:t>
+            </a:r>
+            <a:r>
+              <a:rPr lang="ko-KR" altLang="en-US" dirty="0" err="1"/>
+              <a:t>넣어줌</a:t>
+            </a:r>
+            <a:endParaRPr lang="en-US" altLang="ko-KR" dirty="0"/>
+          </a:p>
+          <a:p>
+            <a:endParaRPr lang="en-US" altLang="ko-KR" dirty="0"/>
+          </a:p>
+          <a:p>
+            <a:r>
+              <a:rPr lang="ko-KR" altLang="en-US" dirty="0"/>
+              <a:t>스프링은 </a:t>
+            </a:r>
+            <a:r>
+              <a:rPr lang="en-US" altLang="ko-KR" dirty="0"/>
+              <a:t>@Autowired</a:t>
+            </a:r>
+            <a:r>
+              <a:rPr lang="ko-KR" altLang="en-US" dirty="0"/>
+              <a:t>가 붙은 </a:t>
+            </a:r>
+            <a:r>
+              <a:rPr lang="ko-KR" altLang="en-US" dirty="0" err="1"/>
+              <a:t>수정자</a:t>
+            </a:r>
+            <a:r>
+              <a:rPr lang="ko-KR" altLang="en-US" dirty="0"/>
+              <a:t> 메소드가 있으면 파라미터 타입을 보고 주입 가능한 타입의 빈을 모두 찾는다</a:t>
+            </a:r>
+            <a:r>
+              <a:rPr lang="en-US" altLang="ko-KR" dirty="0"/>
+              <a:t>.</a:t>
+            </a:r>
+          </a:p>
+          <a:p>
+            <a:endParaRPr lang="en-US" altLang="ko-KR" dirty="0"/>
+          </a:p>
+          <a:p>
+            <a:r>
+              <a:rPr lang="ko-KR" altLang="en-US" dirty="0"/>
+              <a:t>주입 가능한 타입의 빈이 하나라면 스프링이 </a:t>
+            </a:r>
+            <a:r>
+              <a:rPr lang="ko-KR" altLang="en-US" dirty="0" err="1"/>
+              <a:t>수정자</a:t>
+            </a:r>
+            <a:r>
+              <a:rPr lang="ko-KR" altLang="en-US" dirty="0"/>
+              <a:t> 메소드를 호출해서 </a:t>
+            </a:r>
+            <a:r>
+              <a:rPr lang="ko-KR" altLang="en-US" dirty="0" err="1"/>
+              <a:t>넣어줌</a:t>
+            </a:r>
+            <a:endParaRPr lang="en-US" altLang="ko-KR" dirty="0"/>
+          </a:p>
+          <a:p>
+            <a:endParaRPr lang="en-US" altLang="ko-KR" dirty="0"/>
+          </a:p>
+          <a:p>
+            <a:r>
+              <a:rPr lang="ko-KR" altLang="en-US" dirty="0"/>
+              <a:t>두 개 이상이 나오면 그 중에서 </a:t>
+            </a:r>
+            <a:r>
+              <a:rPr lang="ko-KR" altLang="en-US" dirty="0" err="1"/>
+              <a:t>수정자</a:t>
+            </a:r>
+            <a:r>
+              <a:rPr lang="ko-KR" altLang="en-US" dirty="0"/>
+              <a:t> 메소드의 프로퍼티와 동일한 이름의 빈이 있는지 찾고 일치하면 이를 </a:t>
+            </a:r>
+            <a:r>
+              <a:rPr lang="ko-KR" altLang="en-US" dirty="0" err="1"/>
+              <a:t>넣어줌</a:t>
+            </a:r>
+            <a:endParaRPr lang="en-US" altLang="ko-KR" dirty="0"/>
+          </a:p>
+          <a:p>
+            <a:endParaRPr lang="en-US" altLang="ko-KR" dirty="0"/>
+          </a:p>
+        </p:txBody>
+      </p:sp>
+    </p:spTree>
+    <p:extLst>
+      <p:ext uri="{BB962C8B-B14F-4D97-AF65-F5344CB8AC3E}">
+        <p14:creationId xmlns:p14="http://schemas.microsoft.com/office/powerpoint/2010/main" val="1592189640"/>
       </p:ext>
     </p:extLst>
   </p:cSld>
@@ -9635,6 +11877,775 @@
     <p:extLst>
       <p:ext uri="{BB962C8B-B14F-4D97-AF65-F5344CB8AC3E}">
         <p14:creationId xmlns:p14="http://schemas.microsoft.com/office/powerpoint/2010/main" val="1557294608"/>
+      </p:ext>
+    </p:extLst>
+  </p:cSld>
+  <p:clrMapOvr>
+    <a:masterClrMapping/>
+  </p:clrMapOvr>
+</p:sld>
+</file>
+
+<file path=ppt/slides/slide50.xml><?xml version="1.0" encoding="utf-8"?>
+<p:sld xmlns:a="http://schemas.openxmlformats.org/drawingml/2006/main" xmlns:r="http://schemas.openxmlformats.org/officeDocument/2006/relationships" xmlns:p="http://schemas.openxmlformats.org/presentationml/2006/main">
+  <p:cSld>
+    <p:spTree>
+      <p:nvGrpSpPr>
+        <p:cNvPr id="1" name=""/>
+        <p:cNvGrpSpPr/>
+        <p:nvPr/>
+      </p:nvGrpSpPr>
+      <p:grpSpPr>
+        <a:xfrm>
+          <a:off x="0" y="0"/>
+          <a:ext cx="0" cy="0"/>
+          <a:chOff x="0" y="0"/>
+          <a:chExt cx="0" cy="0"/>
+        </a:xfrm>
+      </p:grpSpPr>
+      <p:sp>
+        <p:nvSpPr>
+          <p:cNvPr id="2" name="TextBox 1">
+            <a:extLst>
+              <a:ext uri="{FF2B5EF4-FFF2-40B4-BE49-F238E27FC236}">
+                <a16:creationId xmlns:a16="http://schemas.microsoft.com/office/drawing/2014/main" id="{C6117282-3334-4EA9-9D63-1C12F25C7204}"/>
+              </a:ext>
+            </a:extLst>
+          </p:cNvPr>
+          <p:cNvSpPr txBox="1"/>
+          <p:nvPr/>
+        </p:nvSpPr>
+        <p:spPr>
+          <a:xfrm>
+            <a:off x="1819835" y="735106"/>
+            <a:ext cx="3944471" cy="1477328"/>
+          </a:xfrm>
+          <a:prstGeom prst="rect">
+            <a:avLst/>
+          </a:prstGeom>
+          <a:noFill/>
+        </p:spPr>
+        <p:txBody>
+          <a:bodyPr wrap="square" rtlCol="0">
+            <a:spAutoFit/>
+          </a:bodyPr>
+          <a:lstStyle/>
+          <a:p>
+            <a:r>
+              <a:rPr lang="ko-KR" altLang="en-US" dirty="0"/>
+              <a:t>원래</a:t>
+            </a:r>
+            <a:r>
+              <a:rPr lang="en-US" altLang="ko-KR" dirty="0"/>
+              <a:t> </a:t>
+            </a:r>
+            <a:r>
+              <a:rPr lang="ko-KR" altLang="en-US" dirty="0"/>
+              <a:t>자바 언어에서 </a:t>
+            </a:r>
+            <a:r>
+              <a:rPr lang="en-US" altLang="ko-KR" dirty="0"/>
+              <a:t>private </a:t>
+            </a:r>
+            <a:r>
+              <a:rPr lang="ko-KR" altLang="en-US" dirty="0"/>
+              <a:t>필드에는 클래스 외부에서 값을 넣을 수 없게 되어 있지만 스프링은 </a:t>
+            </a:r>
+            <a:r>
+              <a:rPr lang="ko-KR" altLang="en-US" dirty="0" err="1"/>
+              <a:t>리플렉션</a:t>
+            </a:r>
+            <a:r>
+              <a:rPr lang="ko-KR" altLang="en-US" dirty="0"/>
+              <a:t> </a:t>
+            </a:r>
+            <a:r>
+              <a:rPr lang="en-US" altLang="ko-KR" dirty="0"/>
+              <a:t>API</a:t>
+            </a:r>
+            <a:r>
+              <a:rPr lang="ko-KR" altLang="en-US" dirty="0"/>
+              <a:t>를 이용해 제약조건을 우회해서 값을 </a:t>
+            </a:r>
+            <a:r>
+              <a:rPr lang="ko-KR" altLang="en-US" dirty="0" err="1"/>
+              <a:t>넣어줌</a:t>
+            </a:r>
+            <a:endParaRPr lang="ko-KR" altLang="en-US" dirty="0"/>
+          </a:p>
+        </p:txBody>
+      </p:sp>
+      <p:sp>
+        <p:nvSpPr>
+          <p:cNvPr id="3" name="TextBox 2">
+            <a:extLst>
+              <a:ext uri="{FF2B5EF4-FFF2-40B4-BE49-F238E27FC236}">
+                <a16:creationId xmlns:a16="http://schemas.microsoft.com/office/drawing/2014/main" id="{ABBF0C75-EDE3-471E-BF7D-A64C2D2C0C2D}"/>
+              </a:ext>
+            </a:extLst>
+          </p:cNvPr>
+          <p:cNvSpPr txBox="1"/>
+          <p:nvPr/>
+        </p:nvSpPr>
+        <p:spPr>
+          <a:xfrm>
+            <a:off x="2241176" y="2653553"/>
+            <a:ext cx="3854824" cy="1754326"/>
+          </a:xfrm>
+          <a:prstGeom prst="rect">
+            <a:avLst/>
+          </a:prstGeom>
+          <a:noFill/>
+        </p:spPr>
+        <p:txBody>
+          <a:bodyPr wrap="square" rtlCol="0">
+            <a:spAutoFit/>
+          </a:bodyPr>
+          <a:lstStyle/>
+          <a:p>
+            <a:r>
+              <a:rPr lang="en-US" altLang="ko-KR" dirty="0"/>
+              <a:t>@Autowired</a:t>
+            </a:r>
+            <a:r>
+              <a:rPr lang="ko-KR" altLang="en-US" dirty="0"/>
+              <a:t>와 같은 </a:t>
+            </a:r>
+            <a:r>
+              <a:rPr lang="ko-KR" altLang="en-US" dirty="0" err="1"/>
+              <a:t>자동와이어링은</a:t>
+            </a:r>
+            <a:r>
+              <a:rPr lang="ko-KR" altLang="en-US" dirty="0"/>
+              <a:t> 적절히 사용하면 </a:t>
+            </a:r>
+            <a:r>
+              <a:rPr lang="en-US" altLang="ko-KR" dirty="0"/>
+              <a:t>DI </a:t>
+            </a:r>
+            <a:r>
+              <a:rPr lang="ko-KR" altLang="en-US" dirty="0"/>
+              <a:t>관련 코드를 대폭 줄일 수 있어서 편리하지만 빈 설정정보를 보고 다른 빈과 의존관계가 어떻게 맺어져 있는지 한눈에 파악하기 힘듦</a:t>
+            </a:r>
+          </a:p>
+        </p:txBody>
+      </p:sp>
+    </p:spTree>
+    <p:extLst>
+      <p:ext uri="{BB962C8B-B14F-4D97-AF65-F5344CB8AC3E}">
+        <p14:creationId xmlns:p14="http://schemas.microsoft.com/office/powerpoint/2010/main" val="4275656738"/>
+      </p:ext>
+    </p:extLst>
+  </p:cSld>
+  <p:clrMapOvr>
+    <a:masterClrMapping/>
+  </p:clrMapOvr>
+</p:sld>
+</file>
+
+<file path=ppt/slides/slide51.xml><?xml version="1.0" encoding="utf-8"?>
+<p:sld xmlns:a="http://schemas.openxmlformats.org/drawingml/2006/main" xmlns:r="http://schemas.openxmlformats.org/officeDocument/2006/relationships" xmlns:p="http://schemas.openxmlformats.org/presentationml/2006/main">
+  <p:cSld>
+    <p:spTree>
+      <p:nvGrpSpPr>
+        <p:cNvPr id="1" name=""/>
+        <p:cNvGrpSpPr/>
+        <p:nvPr/>
+      </p:nvGrpSpPr>
+      <p:grpSpPr>
+        <a:xfrm>
+          <a:off x="0" y="0"/>
+          <a:ext cx="0" cy="0"/>
+          <a:chOff x="0" y="0"/>
+          <a:chExt cx="0" cy="0"/>
+        </a:xfrm>
+      </p:grpSpPr>
+      <p:sp>
+        <p:nvSpPr>
+          <p:cNvPr id="2" name="TextBox 1">
+            <a:extLst>
+              <a:ext uri="{FF2B5EF4-FFF2-40B4-BE49-F238E27FC236}">
+                <a16:creationId xmlns:a16="http://schemas.microsoft.com/office/drawing/2014/main" id="{FA0F7DDD-97EB-48B8-8381-6E1BD3DFD25C}"/>
+              </a:ext>
+            </a:extLst>
+          </p:cNvPr>
+          <p:cNvSpPr txBox="1"/>
+          <p:nvPr/>
+        </p:nvSpPr>
+        <p:spPr>
+          <a:xfrm>
+            <a:off x="1093694" y="762000"/>
+            <a:ext cx="8489577" cy="923330"/>
+          </a:xfrm>
+          <a:prstGeom prst="rect">
+            <a:avLst/>
+          </a:prstGeom>
+          <a:noFill/>
+        </p:spPr>
+        <p:txBody>
+          <a:bodyPr wrap="square" rtlCol="0">
+            <a:spAutoFit/>
+          </a:bodyPr>
+          <a:lstStyle/>
+          <a:p>
+            <a:r>
+              <a:rPr lang="en-US" altLang="ko-KR" dirty="0"/>
+              <a:t>@Component</a:t>
+            </a:r>
+            <a:r>
+              <a:rPr lang="ko-KR" altLang="en-US" dirty="0"/>
+              <a:t>가 붙은 </a:t>
+            </a:r>
+            <a:r>
+              <a:rPr lang="ko-KR" altLang="en-US" b="1" dirty="0"/>
+              <a:t>클래스</a:t>
+            </a:r>
+            <a:r>
+              <a:rPr lang="ko-KR" altLang="en-US" dirty="0"/>
+              <a:t>는 빈 스캐너를 통해 자동으로 빈으로 등록됨</a:t>
+            </a:r>
+            <a:endParaRPr lang="en-US" altLang="ko-KR" dirty="0"/>
+          </a:p>
+          <a:p>
+            <a:endParaRPr lang="en-US" altLang="ko-KR" dirty="0"/>
+          </a:p>
+          <a:p>
+            <a:r>
+              <a:rPr lang="en-US" altLang="ko-KR" dirty="0"/>
+              <a:t>-&gt; </a:t>
+            </a:r>
+            <a:r>
+              <a:rPr lang="ko-KR" altLang="en-US" dirty="0"/>
+              <a:t>빈으로 등록될 후보 클래스에 붙여주는 일종의 마커라고 보면 됨</a:t>
+            </a:r>
+          </a:p>
+        </p:txBody>
+      </p:sp>
+      <p:sp>
+        <p:nvSpPr>
+          <p:cNvPr id="3" name="TextBox 2">
+            <a:extLst>
+              <a:ext uri="{FF2B5EF4-FFF2-40B4-BE49-F238E27FC236}">
+                <a16:creationId xmlns:a16="http://schemas.microsoft.com/office/drawing/2014/main" id="{83C7DCE7-E319-4AA3-B869-98A076F1D9ED}"/>
+              </a:ext>
+            </a:extLst>
+          </p:cNvPr>
+          <p:cNvSpPr txBox="1"/>
+          <p:nvPr/>
+        </p:nvSpPr>
+        <p:spPr>
+          <a:xfrm>
+            <a:off x="1461247" y="2375647"/>
+            <a:ext cx="3801035" cy="1754326"/>
+          </a:xfrm>
+          <a:prstGeom prst="rect">
+            <a:avLst/>
+          </a:prstGeom>
+          <a:noFill/>
+        </p:spPr>
+        <p:txBody>
+          <a:bodyPr wrap="square" rtlCol="0">
+            <a:spAutoFit/>
+          </a:bodyPr>
+          <a:lstStyle/>
+          <a:p>
+            <a:r>
+              <a:rPr lang="en-US" altLang="ko-KR" dirty="0"/>
+              <a:t>@Component </a:t>
+            </a:r>
+            <a:r>
+              <a:rPr lang="ko-KR" altLang="en-US" dirty="0" err="1"/>
+              <a:t>애노테이션이</a:t>
+            </a:r>
+            <a:r>
+              <a:rPr lang="ko-KR" altLang="en-US" dirty="0"/>
+              <a:t> 달린 클래스를 찾는 것은 부담이 많이 가는 작업임</a:t>
+            </a:r>
+            <a:endParaRPr lang="en-US" altLang="ko-KR" dirty="0"/>
+          </a:p>
+          <a:p>
+            <a:r>
+              <a:rPr lang="en-US" altLang="ko-KR" dirty="0"/>
+              <a:t>-&gt; @ComponentScan</a:t>
+            </a:r>
+            <a:r>
+              <a:rPr lang="ko-KR" altLang="en-US" dirty="0"/>
+              <a:t>을 이용해 특정 패키지 아래서만 찾도록 기준이 되는 패키지를 지정해줌</a:t>
+            </a:r>
+          </a:p>
+        </p:txBody>
+      </p:sp>
+    </p:spTree>
+    <p:extLst>
+      <p:ext uri="{BB962C8B-B14F-4D97-AF65-F5344CB8AC3E}">
+        <p14:creationId xmlns:p14="http://schemas.microsoft.com/office/powerpoint/2010/main" val="634695688"/>
+      </p:ext>
+    </p:extLst>
+  </p:cSld>
+  <p:clrMapOvr>
+    <a:masterClrMapping/>
+  </p:clrMapOvr>
+</p:sld>
+</file>
+
+<file path=ppt/slides/slide52.xml><?xml version="1.0" encoding="utf-8"?>
+<p:sld xmlns:a="http://schemas.openxmlformats.org/drawingml/2006/main" xmlns:r="http://schemas.openxmlformats.org/officeDocument/2006/relationships" xmlns:p="http://schemas.openxmlformats.org/presentationml/2006/main">
+  <p:cSld>
+    <p:spTree>
+      <p:nvGrpSpPr>
+        <p:cNvPr id="1" name=""/>
+        <p:cNvGrpSpPr/>
+        <p:nvPr/>
+      </p:nvGrpSpPr>
+      <p:grpSpPr>
+        <a:xfrm>
+          <a:off x="0" y="0"/>
+          <a:ext cx="0" cy="0"/>
+          <a:chOff x="0" y="0"/>
+          <a:chExt cx="0" cy="0"/>
+        </a:xfrm>
+      </p:grpSpPr>
+      <p:sp>
+        <p:nvSpPr>
+          <p:cNvPr id="2" name="TextBox 1">
+            <a:extLst>
+              <a:ext uri="{FF2B5EF4-FFF2-40B4-BE49-F238E27FC236}">
+                <a16:creationId xmlns:a16="http://schemas.microsoft.com/office/drawing/2014/main" id="{88FF492D-5582-4E55-8F2D-3D75FE79D21E}"/>
+              </a:ext>
+            </a:extLst>
+          </p:cNvPr>
+          <p:cNvSpPr txBox="1"/>
+          <p:nvPr/>
+        </p:nvSpPr>
+        <p:spPr>
+          <a:xfrm>
+            <a:off x="2402541" y="923365"/>
+            <a:ext cx="3693459" cy="5632311"/>
+          </a:xfrm>
+          <a:prstGeom prst="rect">
+            <a:avLst/>
+          </a:prstGeom>
+          <a:noFill/>
+        </p:spPr>
+        <p:txBody>
+          <a:bodyPr wrap="square" rtlCol="0">
+            <a:spAutoFit/>
+          </a:bodyPr>
+          <a:lstStyle/>
+          <a:p>
+            <a:r>
+              <a:rPr lang="ko-KR" altLang="en-US" dirty="0"/>
+              <a:t>빈의 클래스는 </a:t>
+            </a:r>
+            <a:r>
+              <a:rPr lang="en-US" altLang="ko-KR" dirty="0"/>
+              <a:t>@Component</a:t>
+            </a:r>
+            <a:r>
+              <a:rPr lang="ko-KR" altLang="en-US" dirty="0"/>
+              <a:t>가 붙은 클래스이고</a:t>
+            </a:r>
+            <a:r>
+              <a:rPr lang="en-US" altLang="ko-KR" dirty="0"/>
+              <a:t>, </a:t>
+            </a:r>
+            <a:r>
+              <a:rPr lang="ko-KR" altLang="en-US" dirty="0"/>
+              <a:t>빈의 아이디는 따로 지정하지 않았으면 클래스 이름의 첫 글자를 소문자로 바꿔서 사용함</a:t>
+            </a:r>
+            <a:endParaRPr lang="en-US" altLang="ko-KR" dirty="0"/>
+          </a:p>
+          <a:p>
+            <a:endParaRPr lang="en-US" altLang="ko-KR" dirty="0"/>
+          </a:p>
+          <a:p>
+            <a:r>
+              <a:rPr lang="ko-KR" altLang="en-US" dirty="0"/>
+              <a:t>자동 빈 등록을 이용하는 경우 빈의 의존관계를 담은 프로퍼티를 따로 지정할 방법이 없다</a:t>
+            </a:r>
+            <a:endParaRPr lang="en-US" altLang="ko-KR" dirty="0"/>
+          </a:p>
+          <a:p>
+            <a:endParaRPr lang="en-US" altLang="ko-KR" dirty="0"/>
+          </a:p>
+          <a:p>
+            <a:r>
+              <a:rPr lang="ko-KR" altLang="en-US" dirty="0"/>
+              <a:t>그래서 프로퍼티 설정에 </a:t>
+            </a:r>
+            <a:r>
+              <a:rPr lang="en-US" altLang="ko-KR" dirty="0"/>
+              <a:t>@Autowired</a:t>
+            </a:r>
+            <a:r>
+              <a:rPr lang="ko-KR" altLang="en-US" dirty="0"/>
+              <a:t>와 같은 </a:t>
+            </a:r>
+            <a:r>
+              <a:rPr lang="ko-KR" altLang="en-US" dirty="0" err="1"/>
+              <a:t>자동와이어링</a:t>
+            </a:r>
+            <a:r>
+              <a:rPr lang="ko-KR" altLang="en-US" dirty="0"/>
+              <a:t> 방식을 </a:t>
+            </a:r>
+            <a:r>
+              <a:rPr lang="ko-KR" altLang="en-US" dirty="0" err="1"/>
+              <a:t>적용해야함</a:t>
+            </a:r>
+            <a:endParaRPr lang="en-US" altLang="ko-KR" dirty="0"/>
+          </a:p>
+          <a:p>
+            <a:endParaRPr lang="en-US" altLang="ko-KR" dirty="0"/>
+          </a:p>
+          <a:p>
+            <a:r>
+              <a:rPr lang="en-US" altLang="ko-KR" dirty="0"/>
+              <a:t>@Component</a:t>
+            </a:r>
+            <a:r>
+              <a:rPr lang="ko-KR" altLang="en-US" dirty="0"/>
+              <a:t>가 붙은 클래스의 이름 대신 다른 이름을 빈의 아이디로 사용 가능</a:t>
+            </a:r>
+            <a:endParaRPr lang="en-US" altLang="ko-KR" dirty="0"/>
+          </a:p>
+          <a:p>
+            <a:r>
+              <a:rPr lang="ko-KR" altLang="en-US" dirty="0"/>
+              <a:t>예 </a:t>
+            </a:r>
+            <a:r>
+              <a:rPr lang="en-US" altLang="ko-KR" dirty="0"/>
+              <a:t>@Component(“userDao”)</a:t>
+            </a:r>
+          </a:p>
+          <a:p>
+            <a:endParaRPr lang="en-US" altLang="ko-KR" dirty="0"/>
+          </a:p>
+          <a:p>
+            <a:endParaRPr lang="ko-KR" altLang="en-US" dirty="0"/>
+          </a:p>
+        </p:txBody>
+      </p:sp>
+    </p:spTree>
+    <p:extLst>
+      <p:ext uri="{BB962C8B-B14F-4D97-AF65-F5344CB8AC3E}">
+        <p14:creationId xmlns:p14="http://schemas.microsoft.com/office/powerpoint/2010/main" val="635145732"/>
+      </p:ext>
+    </p:extLst>
+  </p:cSld>
+  <p:clrMapOvr>
+    <a:masterClrMapping/>
+  </p:clrMapOvr>
+</p:sld>
+</file>
+
+<file path=ppt/slides/slide53.xml><?xml version="1.0" encoding="utf-8"?>
+<p:sld xmlns:a="http://schemas.openxmlformats.org/drawingml/2006/main" xmlns:r="http://schemas.openxmlformats.org/officeDocument/2006/relationships" xmlns:p="http://schemas.openxmlformats.org/presentationml/2006/main">
+  <p:cSld>
+    <p:spTree>
+      <p:nvGrpSpPr>
+        <p:cNvPr id="1" name=""/>
+        <p:cNvGrpSpPr/>
+        <p:nvPr/>
+      </p:nvGrpSpPr>
+      <p:grpSpPr>
+        <a:xfrm>
+          <a:off x="0" y="0"/>
+          <a:ext cx="0" cy="0"/>
+          <a:chOff x="0" y="0"/>
+          <a:chExt cx="0" cy="0"/>
+        </a:xfrm>
+      </p:grpSpPr>
+      <p:sp>
+        <p:nvSpPr>
+          <p:cNvPr id="2" name="TextBox 1">
+            <a:extLst>
+              <a:ext uri="{FF2B5EF4-FFF2-40B4-BE49-F238E27FC236}">
+                <a16:creationId xmlns:a16="http://schemas.microsoft.com/office/drawing/2014/main" id="{3CB59FF9-E11B-4211-939A-D5D1DCC2FE48}"/>
+              </a:ext>
+            </a:extLst>
+          </p:cNvPr>
+          <p:cNvSpPr txBox="1"/>
+          <p:nvPr/>
+        </p:nvSpPr>
+        <p:spPr>
+          <a:xfrm>
+            <a:off x="2277034" y="770965"/>
+            <a:ext cx="7395883" cy="4801314"/>
+          </a:xfrm>
+          <a:prstGeom prst="rect">
+            <a:avLst/>
+          </a:prstGeom>
+          <a:noFill/>
+        </p:spPr>
+        <p:txBody>
+          <a:bodyPr wrap="square" rtlCol="0">
+            <a:spAutoFit/>
+          </a:bodyPr>
+          <a:lstStyle/>
+          <a:p>
+            <a:r>
+              <a:rPr lang="ko-KR" altLang="en-US" dirty="0"/>
+              <a:t>여러 개의 </a:t>
+            </a:r>
+            <a:r>
+              <a:rPr lang="ko-KR" altLang="en-US" dirty="0" err="1"/>
+              <a:t>애노테이션에</a:t>
+            </a:r>
+            <a:r>
+              <a:rPr lang="ko-KR" altLang="en-US" dirty="0"/>
+              <a:t> 공통적인 속성을 부여하려면 메타 </a:t>
+            </a:r>
+            <a:r>
+              <a:rPr lang="ko-KR" altLang="en-US" dirty="0" err="1"/>
+              <a:t>애노테이션을</a:t>
+            </a:r>
+            <a:r>
+              <a:rPr lang="ko-KR" altLang="en-US" dirty="0"/>
+              <a:t> 이용함</a:t>
+            </a:r>
+            <a:endParaRPr lang="en-US" altLang="ko-KR" dirty="0"/>
+          </a:p>
+          <a:p>
+            <a:endParaRPr lang="en-US" altLang="ko-KR" dirty="0"/>
+          </a:p>
+          <a:p>
+            <a:r>
+              <a:rPr lang="ko-KR" altLang="en-US" dirty="0"/>
+              <a:t>메타 </a:t>
+            </a:r>
+            <a:r>
+              <a:rPr lang="ko-KR" altLang="en-US" dirty="0" err="1"/>
+              <a:t>애노테이션은</a:t>
+            </a:r>
+            <a:r>
+              <a:rPr lang="ko-KR" altLang="en-US" dirty="0"/>
+              <a:t> </a:t>
+            </a:r>
+            <a:r>
+              <a:rPr lang="ko-KR" altLang="en-US" dirty="0" err="1"/>
+              <a:t>애노테이션의</a:t>
+            </a:r>
+            <a:r>
+              <a:rPr lang="ko-KR" altLang="en-US" dirty="0"/>
+              <a:t> 정의에 부여된 </a:t>
+            </a:r>
+            <a:r>
+              <a:rPr lang="ko-KR" altLang="en-US" dirty="0" err="1"/>
+              <a:t>애노테이션을</a:t>
+            </a:r>
+            <a:r>
+              <a:rPr lang="ko-KR" altLang="en-US" dirty="0"/>
+              <a:t> 말함</a:t>
+            </a:r>
+            <a:endParaRPr lang="en-US" altLang="ko-KR" dirty="0"/>
+          </a:p>
+          <a:p>
+            <a:endParaRPr lang="en-US" altLang="ko-KR" dirty="0"/>
+          </a:p>
+          <a:p>
+            <a:r>
+              <a:rPr lang="en-US" altLang="ko-KR" dirty="0"/>
+              <a:t>&lt;@Component </a:t>
+            </a:r>
+            <a:r>
+              <a:rPr lang="ko-KR" altLang="en-US" dirty="0"/>
+              <a:t>메타 </a:t>
+            </a:r>
+            <a:r>
+              <a:rPr lang="ko-KR" altLang="en-US" dirty="0" err="1"/>
+              <a:t>애노테이션을</a:t>
+            </a:r>
+            <a:r>
+              <a:rPr lang="ko-KR" altLang="en-US" dirty="0"/>
+              <a:t> 가진 </a:t>
+            </a:r>
+            <a:r>
+              <a:rPr lang="ko-KR" altLang="en-US" dirty="0" err="1"/>
+              <a:t>애노테이션</a:t>
+            </a:r>
+            <a:r>
+              <a:rPr lang="ko-KR" altLang="en-US" dirty="0"/>
+              <a:t> 정의</a:t>
+            </a:r>
+            <a:r>
+              <a:rPr lang="en-US" altLang="ko-KR" dirty="0"/>
+              <a:t>&gt;</a:t>
+            </a:r>
+          </a:p>
+          <a:p>
+            <a:endParaRPr lang="en-US" altLang="ko-KR" dirty="0"/>
+          </a:p>
+          <a:p>
+            <a:r>
+              <a:rPr lang="en-US" altLang="ko-KR" dirty="0"/>
+              <a:t>@Component</a:t>
+            </a:r>
+          </a:p>
+          <a:p>
+            <a:r>
+              <a:rPr lang="en-US" altLang="ko-KR" dirty="0"/>
+              <a:t>Public @interface </a:t>
+            </a:r>
+            <a:r>
+              <a:rPr lang="en-US" altLang="ko-KR" dirty="0" err="1"/>
+              <a:t>SnsConnector</a:t>
+            </a:r>
+            <a:r>
+              <a:rPr lang="en-US" altLang="ko-KR" dirty="0"/>
+              <a:t> {}</a:t>
+            </a:r>
+          </a:p>
+          <a:p>
+            <a:endParaRPr lang="en-US" altLang="ko-KR" dirty="0"/>
+          </a:p>
+          <a:p>
+            <a:r>
+              <a:rPr lang="en-US" altLang="ko-KR" dirty="0"/>
+              <a:t>@SnsConnector</a:t>
+            </a:r>
+            <a:r>
+              <a:rPr lang="ko-KR" altLang="en-US" dirty="0"/>
+              <a:t>를 클래스에 부여해주면 자동 빈 등록 대상이 됨</a:t>
+            </a:r>
+            <a:endParaRPr lang="en-US" altLang="ko-KR" dirty="0"/>
+          </a:p>
+          <a:p>
+            <a:endParaRPr lang="en-US" altLang="ko-KR" dirty="0"/>
+          </a:p>
+          <a:p>
+            <a:endParaRPr lang="en-US" altLang="ko-KR" dirty="0"/>
+          </a:p>
+          <a:p>
+            <a:endParaRPr lang="en-US" altLang="ko-KR" dirty="0"/>
+          </a:p>
+          <a:p>
+            <a:endParaRPr lang="en-US" altLang="ko-KR" dirty="0"/>
+          </a:p>
+          <a:p>
+            <a:r>
+              <a:rPr lang="en-US" altLang="ko-KR" dirty="0"/>
+              <a:t>DAO</a:t>
+            </a:r>
+            <a:r>
+              <a:rPr lang="ko-KR" altLang="en-US" dirty="0"/>
+              <a:t>기능을 제공하는 클래스에는 </a:t>
+            </a:r>
+            <a:r>
+              <a:rPr lang="en-US" altLang="ko-KR" dirty="0"/>
+              <a:t>@Component </a:t>
+            </a:r>
+            <a:r>
+              <a:rPr lang="ko-KR" altLang="en-US" dirty="0"/>
+              <a:t>대신 </a:t>
+            </a:r>
+            <a:r>
+              <a:rPr lang="en-US" altLang="ko-KR" dirty="0"/>
+              <a:t>@Repository</a:t>
+            </a:r>
+            <a:r>
+              <a:rPr lang="ko-KR" altLang="en-US" dirty="0"/>
+              <a:t>을 이용</a:t>
+            </a:r>
+            <a:endParaRPr lang="en-US" altLang="ko-KR" dirty="0"/>
+          </a:p>
+        </p:txBody>
+      </p:sp>
+    </p:spTree>
+    <p:extLst>
+      <p:ext uri="{BB962C8B-B14F-4D97-AF65-F5344CB8AC3E}">
+        <p14:creationId xmlns:p14="http://schemas.microsoft.com/office/powerpoint/2010/main" val="1972712930"/>
+      </p:ext>
+    </p:extLst>
+  </p:cSld>
+  <p:clrMapOvr>
+    <a:masterClrMapping/>
+  </p:clrMapOvr>
+</p:sld>
+</file>
+
+<file path=ppt/slides/slide54.xml><?xml version="1.0" encoding="utf-8"?>
+<p:sld xmlns:a="http://schemas.openxmlformats.org/drawingml/2006/main" xmlns:r="http://schemas.openxmlformats.org/officeDocument/2006/relationships" xmlns:p="http://schemas.openxmlformats.org/presentationml/2006/main">
+  <p:cSld>
+    <p:spTree>
+      <p:nvGrpSpPr>
+        <p:cNvPr id="1" name=""/>
+        <p:cNvGrpSpPr/>
+        <p:nvPr/>
+      </p:nvGrpSpPr>
+      <p:grpSpPr>
+        <a:xfrm>
+          <a:off x="0" y="0"/>
+          <a:ext cx="0" cy="0"/>
+          <a:chOff x="0" y="0"/>
+          <a:chExt cx="0" cy="0"/>
+        </a:xfrm>
+      </p:grpSpPr>
+    </p:spTree>
+    <p:extLst>
+      <p:ext uri="{BB962C8B-B14F-4D97-AF65-F5344CB8AC3E}">
+        <p14:creationId xmlns:p14="http://schemas.microsoft.com/office/powerpoint/2010/main" val="1958440564"/>
+      </p:ext>
+    </p:extLst>
+  </p:cSld>
+  <p:clrMapOvr>
+    <a:masterClrMapping/>
+  </p:clrMapOvr>
+</p:sld>
+</file>
+
+<file path=ppt/slides/slide55.xml><?xml version="1.0" encoding="utf-8"?>
+<p:sld xmlns:a="http://schemas.openxmlformats.org/drawingml/2006/main" xmlns:r="http://schemas.openxmlformats.org/officeDocument/2006/relationships" xmlns:p="http://schemas.openxmlformats.org/presentationml/2006/main">
+  <p:cSld>
+    <p:spTree>
+      <p:nvGrpSpPr>
+        <p:cNvPr id="1" name=""/>
+        <p:cNvGrpSpPr/>
+        <p:nvPr/>
+      </p:nvGrpSpPr>
+      <p:grpSpPr>
+        <a:xfrm>
+          <a:off x="0" y="0"/>
+          <a:ext cx="0" cy="0"/>
+          <a:chOff x="0" y="0"/>
+          <a:chExt cx="0" cy="0"/>
+        </a:xfrm>
+      </p:grpSpPr>
+    </p:spTree>
+    <p:extLst>
+      <p:ext uri="{BB962C8B-B14F-4D97-AF65-F5344CB8AC3E}">
+        <p14:creationId xmlns:p14="http://schemas.microsoft.com/office/powerpoint/2010/main" val="871601953"/>
+      </p:ext>
+    </p:extLst>
+  </p:cSld>
+  <p:clrMapOvr>
+    <a:masterClrMapping/>
+  </p:clrMapOvr>
+</p:sld>
+</file>
+
+<file path=ppt/slides/slide56.xml><?xml version="1.0" encoding="utf-8"?>
+<p:sld xmlns:a="http://schemas.openxmlformats.org/drawingml/2006/main" xmlns:r="http://schemas.openxmlformats.org/officeDocument/2006/relationships" xmlns:p="http://schemas.openxmlformats.org/presentationml/2006/main">
+  <p:cSld>
+    <p:spTree>
+      <p:nvGrpSpPr>
+        <p:cNvPr id="1" name=""/>
+        <p:cNvGrpSpPr/>
+        <p:nvPr/>
+      </p:nvGrpSpPr>
+      <p:grpSpPr>
+        <a:xfrm>
+          <a:off x="0" y="0"/>
+          <a:ext cx="0" cy="0"/>
+          <a:chOff x="0" y="0"/>
+          <a:chExt cx="0" cy="0"/>
+        </a:xfrm>
+      </p:grpSpPr>
+    </p:spTree>
+    <p:extLst>
+      <p:ext uri="{BB962C8B-B14F-4D97-AF65-F5344CB8AC3E}">
+        <p14:creationId xmlns:p14="http://schemas.microsoft.com/office/powerpoint/2010/main" val="3035403198"/>
       </p:ext>
     </p:extLst>
   </p:cSld>

--- a/프레젠테이션1.pptx
+++ b/프레젠테이션1.pptx
@@ -61,6 +61,12 @@
     <p:sldId id="309" r:id="rId55"/>
     <p:sldId id="310" r:id="rId56"/>
     <p:sldId id="311" r:id="rId57"/>
+    <p:sldId id="312" r:id="rId58"/>
+    <p:sldId id="313" r:id="rId59"/>
+    <p:sldId id="314" r:id="rId60"/>
+    <p:sldId id="315" r:id="rId61"/>
+    <p:sldId id="316" r:id="rId62"/>
+    <p:sldId id="317" r:id="rId63"/>
   </p:sldIdLst>
   <p:sldSz cx="12192000" cy="6858000"/>
   <p:notesSz cx="6858000" cy="9144000"/>
@@ -11667,7 +11673,15 @@
             </a:r>
             <a:r>
               <a:rPr lang="ko-KR" altLang="en-US" dirty="0"/>
-              <a:t> 메소드가 있으면 파라미터 타입을 보고 주입 가능한 타입의 빈을 모두 찾는다</a:t>
+              <a:t> 메소드가 있으면 파라미터 </a:t>
+            </a:r>
+            <a:r>
+              <a:rPr lang="ko-KR" altLang="en-US" b="1" dirty="0"/>
+              <a:t>타입</a:t>
+            </a:r>
+            <a:r>
+              <a:rPr lang="ko-KR" altLang="en-US" dirty="0"/>
+              <a:t>을 보고 주입 가능한 타입의 빈을 모두 찾는다</a:t>
             </a:r>
             <a:r>
               <a:rPr lang="en-US" altLang="ko-KR" dirty="0"/>
@@ -12251,7 +12265,23 @@
             </a:r>
             <a:r>
               <a:rPr lang="ko-KR" altLang="en-US" dirty="0"/>
-              <a:t>빈의 아이디는 따로 지정하지 않았으면 클래스 이름의 첫 글자를 소문자로 바꿔서 사용함</a:t>
+              <a:t>빈의 아이디는 따로 지정하지 않았으면 </a:t>
+            </a:r>
+            <a:r>
+              <a:rPr lang="ko-KR" altLang="en-US" b="1" dirty="0"/>
+              <a:t>클래스 이름</a:t>
+            </a:r>
+            <a:r>
+              <a:rPr lang="ko-KR" altLang="en-US" dirty="0"/>
+              <a:t>의 첫 글자를 </a:t>
+            </a:r>
+            <a:r>
+              <a:rPr lang="ko-KR" altLang="en-US" b="1" dirty="0"/>
+              <a:t>소문자</a:t>
+            </a:r>
+            <a:r>
+              <a:rPr lang="ko-KR" altLang="en-US" dirty="0"/>
+              <a:t>로 바꿔서 사용함</a:t>
             </a:r>
             <a:endParaRPr lang="en-US" altLang="ko-KR" dirty="0"/>
           </a:p>
@@ -12372,7 +12402,7 @@
         <p:spPr>
           <a:xfrm>
             <a:off x="2277034" y="770965"/>
-            <a:ext cx="7395883" cy="4801314"/>
+            <a:ext cx="7395883" cy="5355312"/>
           </a:xfrm>
           <a:prstGeom prst="rect">
             <a:avLst/>
@@ -12549,6 +12579,19 @@
               <a:t>을 이용</a:t>
             </a:r>
             <a:endParaRPr lang="en-US" altLang="ko-KR" dirty="0"/>
+          </a:p>
+          <a:p>
+            <a:endParaRPr lang="en-US" altLang="ko-KR" dirty="0"/>
+          </a:p>
+          <a:p>
+            <a:r>
+              <a:rPr lang="ko-KR" altLang="en-US" dirty="0"/>
+              <a:t>비즈니스 로직을 담는 클래스에는 </a:t>
+            </a:r>
+            <a:r>
+              <a:rPr lang="en-US" altLang="ko-KR" dirty="0"/>
+              <a:t>@Service</a:t>
+            </a:r>
           </a:p>
         </p:txBody>
       </p:sp>
@@ -12582,6 +12625,302 @@
           <a:chExt cx="0" cy="0"/>
         </a:xfrm>
       </p:grpSpPr>
+      <p:sp>
+        <p:nvSpPr>
+          <p:cNvPr id="2" name="TextBox 1">
+            <a:extLst>
+              <a:ext uri="{FF2B5EF4-FFF2-40B4-BE49-F238E27FC236}">
+                <a16:creationId xmlns:a16="http://schemas.microsoft.com/office/drawing/2014/main" id="{0F336ED2-7257-4B2E-AAD9-2E903FEFD4BD}"/>
+              </a:ext>
+            </a:extLst>
+          </p:cNvPr>
+          <p:cNvSpPr txBox="1"/>
+          <p:nvPr/>
+        </p:nvSpPr>
+        <p:spPr>
+          <a:xfrm>
+            <a:off x="1855693" y="663388"/>
+            <a:ext cx="5952565" cy="646331"/>
+          </a:xfrm>
+          <a:prstGeom prst="rect">
+            <a:avLst/>
+          </a:prstGeom>
+          <a:noFill/>
+        </p:spPr>
+        <p:txBody>
+          <a:bodyPr wrap="square" rtlCol="0">
+            <a:spAutoFit/>
+          </a:bodyPr>
+          <a:lstStyle/>
+          <a:p>
+            <a:r>
+              <a:rPr lang="ko-KR" altLang="en-US" dirty="0"/>
+              <a:t>스프링이 제공해준 클래스를 사용하는 빈은 소스코드 </a:t>
+            </a:r>
+            <a:r>
+              <a:rPr lang="en-US" altLang="ko-KR" dirty="0"/>
+              <a:t>@Component</a:t>
+            </a:r>
+            <a:r>
+              <a:rPr lang="ko-KR" altLang="en-US" dirty="0"/>
+              <a:t>나 </a:t>
+            </a:r>
+            <a:r>
+              <a:rPr lang="en-US" altLang="ko-KR" dirty="0"/>
+              <a:t>@Autowired</a:t>
+            </a:r>
+            <a:r>
+              <a:rPr lang="ko-KR" altLang="en-US" dirty="0"/>
+              <a:t>를 적용할 방법이 없음</a:t>
+            </a:r>
+          </a:p>
+        </p:txBody>
+      </p:sp>
+      <p:sp>
+        <p:nvSpPr>
+          <p:cNvPr id="3" name="TextBox 2">
+            <a:extLst>
+              <a:ext uri="{FF2B5EF4-FFF2-40B4-BE49-F238E27FC236}">
+                <a16:creationId xmlns:a16="http://schemas.microsoft.com/office/drawing/2014/main" id="{99834AAA-AC94-4C06-86F9-D623D5265E62}"/>
+              </a:ext>
+            </a:extLst>
+          </p:cNvPr>
+          <p:cNvSpPr txBox="1"/>
+          <p:nvPr/>
+        </p:nvSpPr>
+        <p:spPr>
+          <a:xfrm>
+            <a:off x="2008094" y="2303929"/>
+            <a:ext cx="5800164" cy="1200329"/>
+          </a:xfrm>
+          <a:prstGeom prst="rect">
+            <a:avLst/>
+          </a:prstGeom>
+          <a:noFill/>
+        </p:spPr>
+        <p:txBody>
+          <a:bodyPr wrap="square" rtlCol="0">
+            <a:spAutoFit/>
+          </a:bodyPr>
+          <a:lstStyle/>
+          <a:p>
+            <a:r>
+              <a:rPr lang="ko-KR" altLang="en-US" dirty="0"/>
+              <a:t>하나의 컨텍스트에 실제</a:t>
+            </a:r>
+            <a:r>
+              <a:rPr lang="en-US" altLang="ko-KR" dirty="0"/>
+              <a:t> </a:t>
+            </a:r>
+            <a:r>
+              <a:rPr lang="ko-KR" altLang="en-US" dirty="0"/>
+              <a:t>서비스 기능에 필요한 </a:t>
+            </a:r>
+            <a:r>
+              <a:rPr lang="en-US" altLang="ko-KR" dirty="0"/>
+              <a:t>DI </a:t>
+            </a:r>
+            <a:r>
+              <a:rPr lang="ko-KR" altLang="en-US" dirty="0"/>
+              <a:t>정보와 테스트를 위한 </a:t>
+            </a:r>
+            <a:r>
+              <a:rPr lang="en-US" altLang="ko-KR" dirty="0"/>
+              <a:t>DI</a:t>
+            </a:r>
+            <a:r>
+              <a:rPr lang="ko-KR" altLang="en-US" dirty="0"/>
+              <a:t>정보가 혼재 되어있음</a:t>
+            </a:r>
+            <a:endParaRPr lang="en-US" altLang="ko-KR" dirty="0"/>
+          </a:p>
+          <a:p>
+            <a:r>
+              <a:rPr lang="en-US" altLang="ko-KR" dirty="0"/>
+              <a:t>-&gt; </a:t>
+            </a:r>
+            <a:r>
+              <a:rPr lang="ko-KR" altLang="en-US" dirty="0"/>
+              <a:t>성격이 다른 것들이 혼재 되어 있음</a:t>
+            </a:r>
+            <a:endParaRPr lang="en-US" altLang="ko-KR" dirty="0"/>
+          </a:p>
+          <a:p>
+            <a:r>
+              <a:rPr lang="en-US" altLang="ko-KR" dirty="0"/>
+              <a:t>-&gt; </a:t>
+            </a:r>
+            <a:r>
+              <a:rPr lang="ko-KR" altLang="en-US" dirty="0"/>
+              <a:t>분리를 통해 해결</a:t>
+            </a:r>
+          </a:p>
+        </p:txBody>
+      </p:sp>
+      <p:sp>
+        <p:nvSpPr>
+          <p:cNvPr id="4" name="TextBox 3">
+            <a:extLst>
+              <a:ext uri="{FF2B5EF4-FFF2-40B4-BE49-F238E27FC236}">
+                <a16:creationId xmlns:a16="http://schemas.microsoft.com/office/drawing/2014/main" id="{CA393A94-263D-4222-B2A1-CF2151D2D725}"/>
+              </a:ext>
+            </a:extLst>
+          </p:cNvPr>
+          <p:cNvSpPr txBox="1"/>
+          <p:nvPr/>
+        </p:nvSpPr>
+        <p:spPr>
+          <a:xfrm>
+            <a:off x="2008094" y="3759804"/>
+            <a:ext cx="6149787" cy="1477328"/>
+          </a:xfrm>
+          <a:prstGeom prst="rect">
+            <a:avLst/>
+          </a:prstGeom>
+          <a:noFill/>
+        </p:spPr>
+        <p:txBody>
+          <a:bodyPr wrap="square" rtlCol="0">
+            <a:spAutoFit/>
+          </a:bodyPr>
+          <a:lstStyle/>
+          <a:p>
+            <a:r>
+              <a:rPr lang="en-US" altLang="ko-KR" dirty="0"/>
+              <a:t>@Import</a:t>
+            </a:r>
+            <a:r>
+              <a:rPr lang="ko-KR" altLang="en-US" dirty="0"/>
+              <a:t> </a:t>
+            </a:r>
+            <a:r>
+              <a:rPr lang="ko-KR" altLang="en-US" dirty="0" err="1"/>
+              <a:t>애노테이션을</a:t>
+            </a:r>
+            <a:r>
+              <a:rPr lang="ko-KR" altLang="en-US" dirty="0"/>
+              <a:t> 사용해서 메인 설정정보에 보조 설정정보를 긴밀하게 연결해준다</a:t>
+            </a:r>
+            <a:endParaRPr lang="en-US" altLang="ko-KR" dirty="0"/>
+          </a:p>
+          <a:p>
+            <a:endParaRPr lang="en-US" altLang="ko-KR" dirty="0"/>
+          </a:p>
+          <a:p>
+            <a:r>
+              <a:rPr lang="ko-KR" altLang="en-US" dirty="0" err="1"/>
+              <a:t>예를들어</a:t>
+            </a:r>
+            <a:r>
+              <a:rPr lang="ko-KR" altLang="en-US" dirty="0"/>
+              <a:t> </a:t>
+            </a:r>
+            <a:r>
+              <a:rPr lang="en-US" altLang="ko-KR" dirty="0" err="1"/>
+              <a:t>AppContext</a:t>
+            </a:r>
+            <a:r>
+              <a:rPr lang="en-US" altLang="ko-KR" dirty="0"/>
+              <a:t>(</a:t>
+            </a:r>
+            <a:r>
+              <a:rPr lang="ko-KR" altLang="en-US" dirty="0"/>
+              <a:t>메인</a:t>
+            </a:r>
+            <a:r>
+              <a:rPr lang="en-US" altLang="ko-KR" dirty="0"/>
+              <a:t>)</a:t>
+            </a:r>
+            <a:r>
+              <a:rPr lang="ko-KR" altLang="en-US" dirty="0"/>
+              <a:t>에 </a:t>
+            </a:r>
+            <a:r>
+              <a:rPr lang="en-US" altLang="ko-KR" dirty="0"/>
+              <a:t>SQL </a:t>
+            </a:r>
+            <a:r>
+              <a:rPr lang="ko-KR" altLang="en-US" dirty="0"/>
+              <a:t>서비스 컨텍스트</a:t>
+            </a:r>
+            <a:r>
+              <a:rPr lang="en-US" altLang="ko-KR" dirty="0"/>
+              <a:t>(</a:t>
+            </a:r>
+            <a:r>
+              <a:rPr lang="ko-KR" altLang="en-US" dirty="0"/>
+              <a:t>보조</a:t>
+            </a:r>
+            <a:r>
+              <a:rPr lang="en-US" altLang="ko-KR" dirty="0"/>
+              <a:t>)</a:t>
+            </a:r>
+            <a:r>
+              <a:rPr lang="ko-KR" altLang="en-US" dirty="0"/>
+              <a:t>를 연결</a:t>
+            </a:r>
+          </a:p>
+        </p:txBody>
+      </p:sp>
+      <p:sp>
+        <p:nvSpPr>
+          <p:cNvPr id="5" name="TextBox 4">
+            <a:extLst>
+              <a:ext uri="{FF2B5EF4-FFF2-40B4-BE49-F238E27FC236}">
+                <a16:creationId xmlns:a16="http://schemas.microsoft.com/office/drawing/2014/main" id="{09A5971F-6BDA-4899-A251-DB4EA7CEB06A}"/>
+              </a:ext>
+            </a:extLst>
+          </p:cNvPr>
+          <p:cNvSpPr txBox="1"/>
+          <p:nvPr/>
+        </p:nvSpPr>
+        <p:spPr>
+          <a:xfrm>
+            <a:off x="2008094" y="5737412"/>
+            <a:ext cx="4482353" cy="646331"/>
+          </a:xfrm>
+          <a:prstGeom prst="rect">
+            <a:avLst/>
+          </a:prstGeom>
+          <a:noFill/>
+        </p:spPr>
+        <p:txBody>
+          <a:bodyPr wrap="square" rtlCol="0">
+            <a:spAutoFit/>
+          </a:bodyPr>
+          <a:lstStyle/>
+          <a:p>
+            <a:r>
+              <a:rPr lang="ko-KR" altLang="en-US" dirty="0"/>
+              <a:t>자바 클래스로 된 설정정보를 </a:t>
+            </a:r>
+            <a:r>
+              <a:rPr lang="ko-KR" altLang="en-US" dirty="0" err="1"/>
+              <a:t>가져올때는</a:t>
+            </a:r>
+            <a:r>
+              <a:rPr lang="ko-KR" altLang="en-US" dirty="0"/>
+              <a:t> </a:t>
+            </a:r>
+            <a:r>
+              <a:rPr lang="en-US" altLang="ko-KR" dirty="0"/>
+              <a:t>@ImportResource </a:t>
+            </a:r>
+            <a:r>
+              <a:rPr lang="ko-KR" altLang="en-US" dirty="0"/>
+              <a:t>대신 </a:t>
+            </a:r>
+            <a:r>
+              <a:rPr lang="en-US" altLang="ko-KR" dirty="0"/>
+              <a:t>@Import</a:t>
+            </a:r>
+            <a:r>
+              <a:rPr lang="ko-KR" altLang="en-US" dirty="0"/>
+              <a:t>를 이용</a:t>
+            </a:r>
+          </a:p>
+        </p:txBody>
+      </p:sp>
     </p:spTree>
     <p:extLst>
       <p:ext uri="{BB962C8B-B14F-4D97-AF65-F5344CB8AC3E}">
@@ -12612,6 +12951,220 @@
           <a:chExt cx="0" cy="0"/>
         </a:xfrm>
       </p:grpSpPr>
+      <p:sp>
+        <p:nvSpPr>
+          <p:cNvPr id="2" name="TextBox 1">
+            <a:extLst>
+              <a:ext uri="{FF2B5EF4-FFF2-40B4-BE49-F238E27FC236}">
+                <a16:creationId xmlns:a16="http://schemas.microsoft.com/office/drawing/2014/main" id="{ADFC7937-3072-42B9-AEB1-2654BA258BC8}"/>
+              </a:ext>
+            </a:extLst>
+          </p:cNvPr>
+          <p:cNvSpPr txBox="1"/>
+          <p:nvPr/>
+        </p:nvSpPr>
+        <p:spPr>
+          <a:xfrm>
+            <a:off x="2017059" y="950259"/>
+            <a:ext cx="3065929" cy="1754326"/>
+          </a:xfrm>
+          <a:prstGeom prst="rect">
+            <a:avLst/>
+          </a:prstGeom>
+          <a:noFill/>
+        </p:spPr>
+        <p:txBody>
+          <a:bodyPr wrap="square" rtlCol="0">
+            <a:spAutoFit/>
+          </a:bodyPr>
+          <a:lstStyle/>
+          <a:p>
+            <a:r>
+              <a:rPr lang="ko-KR" altLang="en-US" dirty="0"/>
+              <a:t>실행</a:t>
+            </a:r>
+            <a:r>
+              <a:rPr lang="ko-KR" altLang="en-US" b="1" dirty="0"/>
+              <a:t>환경</a:t>
+            </a:r>
+            <a:r>
+              <a:rPr lang="en-US" altLang="ko-KR" dirty="0"/>
+              <a:t>(</a:t>
+            </a:r>
+            <a:r>
+              <a:rPr lang="ko-KR" altLang="en-US" dirty="0"/>
+              <a:t>테스트환경 </a:t>
+            </a:r>
+            <a:r>
+              <a:rPr lang="en-US" altLang="ko-KR" dirty="0"/>
+              <a:t>or </a:t>
+            </a:r>
+            <a:r>
+              <a:rPr lang="ko-KR" altLang="en-US" dirty="0"/>
+              <a:t>서버환경</a:t>
+            </a:r>
+            <a:r>
+              <a:rPr lang="en-US" altLang="ko-KR" dirty="0"/>
+              <a:t>)</a:t>
+            </a:r>
+            <a:r>
+              <a:rPr lang="ko-KR" altLang="en-US" dirty="0"/>
+              <a:t>에 따라 빈구성이 달라지는 내용을 </a:t>
+            </a:r>
+            <a:r>
+              <a:rPr lang="en-US" altLang="ko-KR" dirty="0"/>
+              <a:t>@Profile</a:t>
+            </a:r>
+            <a:r>
+              <a:rPr lang="ko-KR" altLang="en-US" dirty="0"/>
+              <a:t>로 정의해서 </a:t>
+            </a:r>
+            <a:r>
+              <a:rPr lang="ko-KR" altLang="en-US" dirty="0" err="1"/>
+              <a:t>만들어두고</a:t>
+            </a:r>
+            <a:r>
+              <a:rPr lang="ko-KR" altLang="en-US" dirty="0"/>
+              <a:t> 실행 시점에 어떤 프로파일의 빈 설정을 사용할지 지정함</a:t>
+            </a:r>
+          </a:p>
+        </p:txBody>
+      </p:sp>
+      <p:sp>
+        <p:nvSpPr>
+          <p:cNvPr id="3" name="TextBox 2">
+            <a:extLst>
+              <a:ext uri="{FF2B5EF4-FFF2-40B4-BE49-F238E27FC236}">
+                <a16:creationId xmlns:a16="http://schemas.microsoft.com/office/drawing/2014/main" id="{CD9F2FF6-9630-4F1F-9436-A0981327A358}"/>
+              </a:ext>
+            </a:extLst>
+          </p:cNvPr>
+          <p:cNvSpPr txBox="1"/>
+          <p:nvPr/>
+        </p:nvSpPr>
+        <p:spPr>
+          <a:xfrm>
+            <a:off x="2124635" y="3003176"/>
+            <a:ext cx="4885765" cy="2031325"/>
+          </a:xfrm>
+          <a:prstGeom prst="rect">
+            <a:avLst/>
+          </a:prstGeom>
+          <a:noFill/>
+        </p:spPr>
+        <p:txBody>
+          <a:bodyPr wrap="square" rtlCol="0">
+            <a:spAutoFit/>
+          </a:bodyPr>
+          <a:lstStyle/>
+          <a:p>
+            <a:r>
+              <a:rPr lang="en-US" altLang="ko-KR" dirty="0"/>
+              <a:t>@Profile </a:t>
+            </a:r>
+            <a:r>
+              <a:rPr lang="ko-KR" altLang="en-US" dirty="0" err="1"/>
+              <a:t>애너테이션을</a:t>
+            </a:r>
+            <a:r>
+              <a:rPr lang="ko-KR" altLang="en-US" dirty="0"/>
+              <a:t> 클래스 레벨에 부여하고 프로파일 이름을 </a:t>
+            </a:r>
+            <a:r>
+              <a:rPr lang="ko-KR" altLang="en-US" dirty="0" err="1"/>
+              <a:t>넣어주면됨</a:t>
+            </a:r>
+            <a:endParaRPr lang="en-US" altLang="ko-KR" dirty="0"/>
+          </a:p>
+          <a:p>
+            <a:endParaRPr lang="en-US" altLang="ko-KR" dirty="0"/>
+          </a:p>
+          <a:p>
+            <a:r>
+              <a:rPr lang="en-US" altLang="ko-KR" dirty="0"/>
+              <a:t>@Configuration</a:t>
+            </a:r>
+          </a:p>
+          <a:p>
+            <a:r>
+              <a:rPr lang="en-US" altLang="ko-KR" dirty="0"/>
+              <a:t>@Profile(“test”)</a:t>
+            </a:r>
+          </a:p>
+          <a:p>
+            <a:r>
+              <a:rPr lang="en-US" altLang="ko-KR" dirty="0"/>
+              <a:t>public class </a:t>
+            </a:r>
+            <a:r>
+              <a:rPr lang="en-US" altLang="ko-KR" dirty="0" err="1"/>
+              <a:t>TestAppContext</a:t>
+            </a:r>
+            <a:r>
+              <a:rPr lang="en-US" altLang="ko-KR" dirty="0"/>
+              <a:t> {}</a:t>
+            </a:r>
+          </a:p>
+          <a:p>
+            <a:endParaRPr lang="ko-KR" altLang="en-US" dirty="0"/>
+          </a:p>
+        </p:txBody>
+      </p:sp>
+      <p:sp>
+        <p:nvSpPr>
+          <p:cNvPr id="4" name="TextBox 3">
+            <a:extLst>
+              <a:ext uri="{FF2B5EF4-FFF2-40B4-BE49-F238E27FC236}">
+                <a16:creationId xmlns:a16="http://schemas.microsoft.com/office/drawing/2014/main" id="{B1CAD197-A27E-4354-BE52-3492E87E1CC4}"/>
+              </a:ext>
+            </a:extLst>
+          </p:cNvPr>
+          <p:cNvSpPr txBox="1"/>
+          <p:nvPr/>
+        </p:nvSpPr>
+        <p:spPr>
+          <a:xfrm>
+            <a:off x="2259106" y="5755341"/>
+            <a:ext cx="2160494" cy="923330"/>
+          </a:xfrm>
+          <a:prstGeom prst="rect">
+            <a:avLst/>
+          </a:prstGeom>
+          <a:noFill/>
+        </p:spPr>
+        <p:txBody>
+          <a:bodyPr wrap="square" rtlCol="0">
+            <a:spAutoFit/>
+          </a:bodyPr>
+          <a:lstStyle/>
+          <a:p>
+            <a:r>
+              <a:rPr lang="en-US" altLang="ko-KR" dirty="0"/>
+              <a:t>@Profile</a:t>
+            </a:r>
+            <a:r>
+              <a:rPr lang="ko-KR" altLang="en-US" dirty="0"/>
+              <a:t>을 적용하면 </a:t>
+            </a:r>
+            <a:r>
+              <a:rPr lang="ko-KR" altLang="en-US" dirty="0" err="1"/>
+              <a:t>부담없이</a:t>
+            </a:r>
+            <a:r>
+              <a:rPr lang="ko-KR" altLang="en-US" dirty="0"/>
+              <a:t> </a:t>
+            </a:r>
+            <a:r>
+              <a:rPr lang="en-US" altLang="ko-KR" dirty="0"/>
+              <a:t>@Import </a:t>
+            </a:r>
+            <a:r>
+              <a:rPr lang="ko-KR" altLang="en-US" dirty="0"/>
+              <a:t>가능</a:t>
+            </a:r>
+          </a:p>
+        </p:txBody>
+      </p:sp>
     </p:spTree>
     <p:extLst>
       <p:ext uri="{BB962C8B-B14F-4D97-AF65-F5344CB8AC3E}">
@@ -12642,10 +13195,441 @@
           <a:chExt cx="0" cy="0"/>
         </a:xfrm>
       </p:grpSpPr>
+      <p:sp>
+        <p:nvSpPr>
+          <p:cNvPr id="2" name="TextBox 1">
+            <a:extLst>
+              <a:ext uri="{FF2B5EF4-FFF2-40B4-BE49-F238E27FC236}">
+                <a16:creationId xmlns:a16="http://schemas.microsoft.com/office/drawing/2014/main" id="{1AB794BF-EB0F-41CD-A30A-EE685F4959CB}"/>
+              </a:ext>
+            </a:extLst>
+          </p:cNvPr>
+          <p:cNvSpPr txBox="1"/>
+          <p:nvPr/>
+        </p:nvSpPr>
+        <p:spPr>
+          <a:xfrm>
+            <a:off x="2070847" y="502024"/>
+            <a:ext cx="4473388" cy="2031325"/>
+          </a:xfrm>
+          <a:prstGeom prst="rect">
+            <a:avLst/>
+          </a:prstGeom>
+          <a:noFill/>
+        </p:spPr>
+        <p:txBody>
+          <a:bodyPr wrap="square" rtlCol="0">
+            <a:spAutoFit/>
+          </a:bodyPr>
+          <a:lstStyle/>
+          <a:p>
+            <a:r>
+              <a:rPr lang="ko-KR" altLang="en-US" dirty="0"/>
+              <a:t>프로파일을 적용해서 가져온 후에는 활성 프로파일을 지정해서 사용</a:t>
+            </a:r>
+            <a:endParaRPr lang="en-US" altLang="ko-KR" dirty="0"/>
+          </a:p>
+          <a:p>
+            <a:endParaRPr lang="en-US" altLang="ko-KR" dirty="0"/>
+          </a:p>
+          <a:p>
+            <a:r>
+              <a:rPr lang="en-US" altLang="ko-KR" dirty="0"/>
+              <a:t>-&gt; @ActiveProfiles </a:t>
+            </a:r>
+            <a:r>
+              <a:rPr lang="ko-KR" altLang="en-US" dirty="0" err="1"/>
+              <a:t>애노테이션을</a:t>
+            </a:r>
+            <a:r>
+              <a:rPr lang="ko-KR" altLang="en-US" dirty="0"/>
+              <a:t> 클래스 레벨에 적용해서 특정 클래스가 실행 </a:t>
+            </a:r>
+            <a:r>
+              <a:rPr lang="ko-KR" altLang="en-US" dirty="0" err="1"/>
+              <a:t>될때</a:t>
+            </a:r>
+            <a:r>
+              <a:rPr lang="ko-KR" altLang="en-US" dirty="0"/>
+              <a:t>  프로파일을 활성 프로파일로 사용하게 </a:t>
+            </a:r>
+            <a:r>
+              <a:rPr lang="ko-KR" altLang="en-US" dirty="0" err="1"/>
+              <a:t>해줌</a:t>
+            </a:r>
+            <a:endParaRPr lang="ko-KR" altLang="en-US" dirty="0"/>
+          </a:p>
+        </p:txBody>
+      </p:sp>
+      <p:sp>
+        <p:nvSpPr>
+          <p:cNvPr id="3" name="TextBox 2">
+            <a:extLst>
+              <a:ext uri="{FF2B5EF4-FFF2-40B4-BE49-F238E27FC236}">
+                <a16:creationId xmlns:a16="http://schemas.microsoft.com/office/drawing/2014/main" id="{8D401587-5229-4F0A-9249-7148A3C9F05B}"/>
+              </a:ext>
+            </a:extLst>
+          </p:cNvPr>
+          <p:cNvSpPr txBox="1"/>
+          <p:nvPr/>
+        </p:nvSpPr>
+        <p:spPr>
+          <a:xfrm>
+            <a:off x="2572871" y="3155576"/>
+            <a:ext cx="3523129" cy="1477328"/>
+          </a:xfrm>
+          <a:prstGeom prst="rect">
+            <a:avLst/>
+          </a:prstGeom>
+          <a:noFill/>
+        </p:spPr>
+        <p:txBody>
+          <a:bodyPr wrap="square" rtlCol="0">
+            <a:spAutoFit/>
+          </a:bodyPr>
+          <a:lstStyle/>
+          <a:p>
+            <a:r>
+              <a:rPr lang="ko-KR" altLang="en-US" dirty="0"/>
+              <a:t>한 클래스에 두가지 같은 타입의 빈설정이 되어 있고 활성 프로파일을 적용했다면</a:t>
+            </a:r>
+            <a:r>
+              <a:rPr lang="en-US" altLang="ko-KR" dirty="0"/>
+              <a:t>, </a:t>
+            </a:r>
+            <a:r>
+              <a:rPr lang="ko-KR" altLang="en-US" dirty="0"/>
+              <a:t>프로파일로 지정된 빈설정을 사용하고 다른 빈설정은 무시함</a:t>
+            </a:r>
+          </a:p>
+        </p:txBody>
+      </p:sp>
     </p:spTree>
     <p:extLst>
       <p:ext uri="{BB962C8B-B14F-4D97-AF65-F5344CB8AC3E}">
         <p14:creationId xmlns:p14="http://schemas.microsoft.com/office/powerpoint/2010/main" val="3035403198"/>
+      </p:ext>
+    </p:extLst>
+  </p:cSld>
+  <p:clrMapOvr>
+    <a:masterClrMapping/>
+  </p:clrMapOvr>
+</p:sld>
+</file>
+
+<file path=ppt/slides/slide57.xml><?xml version="1.0" encoding="utf-8"?>
+<p:sld xmlns:a="http://schemas.openxmlformats.org/drawingml/2006/main" xmlns:r="http://schemas.openxmlformats.org/officeDocument/2006/relationships" xmlns:p="http://schemas.openxmlformats.org/presentationml/2006/main">
+  <p:cSld>
+    <p:spTree>
+      <p:nvGrpSpPr>
+        <p:cNvPr id="1" name=""/>
+        <p:cNvGrpSpPr/>
+        <p:nvPr/>
+      </p:nvGrpSpPr>
+      <p:grpSpPr>
+        <a:xfrm>
+          <a:off x="0" y="0"/>
+          <a:ext cx="0" cy="0"/>
+          <a:chOff x="0" y="0"/>
+          <a:chExt cx="0" cy="0"/>
+        </a:xfrm>
+      </p:grpSpPr>
+      <p:sp>
+        <p:nvSpPr>
+          <p:cNvPr id="4" name="TextBox 3">
+            <a:extLst>
+              <a:ext uri="{FF2B5EF4-FFF2-40B4-BE49-F238E27FC236}">
+                <a16:creationId xmlns:a16="http://schemas.microsoft.com/office/drawing/2014/main" id="{EADFE570-4562-4972-B9E1-05485B154EBB}"/>
+              </a:ext>
+            </a:extLst>
+          </p:cNvPr>
+          <p:cNvSpPr txBox="1"/>
+          <p:nvPr/>
+        </p:nvSpPr>
+        <p:spPr>
+          <a:xfrm>
+            <a:off x="1685365" y="564776"/>
+            <a:ext cx="5889811" cy="2031325"/>
+          </a:xfrm>
+          <a:prstGeom prst="rect">
+            <a:avLst/>
+          </a:prstGeom>
+          <a:noFill/>
+        </p:spPr>
+        <p:txBody>
+          <a:bodyPr wrap="square" rtlCol="0">
+            <a:spAutoFit/>
+          </a:bodyPr>
+          <a:lstStyle/>
+          <a:p>
+            <a:r>
+              <a:rPr lang="ko-KR" altLang="en-US" dirty="0"/>
+              <a:t>활성 프로파일이 제대로 적용돼서 지정한 프로파일의 빈 설정이 제대로 적용됐는지 확인 하는 방법</a:t>
+            </a:r>
+            <a:endParaRPr lang="en-US" altLang="ko-KR" dirty="0"/>
+          </a:p>
+          <a:p>
+            <a:endParaRPr lang="en-US" altLang="ko-KR" dirty="0"/>
+          </a:p>
+          <a:p>
+            <a:endParaRPr lang="en-US" altLang="ko-KR" dirty="0"/>
+          </a:p>
+          <a:p>
+            <a:r>
+              <a:rPr lang="en-US" altLang="ko-KR" dirty="0"/>
+              <a:t>-&gt; </a:t>
+            </a:r>
+            <a:r>
+              <a:rPr lang="en-US" altLang="ko-KR" dirty="0" err="1"/>
+              <a:t>BeanFactory</a:t>
+            </a:r>
+            <a:r>
+              <a:rPr lang="ko-KR" altLang="en-US" dirty="0"/>
+              <a:t>에 구현 클래스를 이용</a:t>
+            </a:r>
+            <a:endParaRPr lang="en-US" altLang="ko-KR" dirty="0"/>
+          </a:p>
+          <a:p>
+            <a:endParaRPr lang="en-US" altLang="ko-KR" dirty="0"/>
+          </a:p>
+          <a:p>
+            <a:r>
+              <a:rPr lang="en-US" altLang="ko-KR" dirty="0" err="1"/>
+              <a:t>BeanFactory</a:t>
+            </a:r>
+            <a:r>
+              <a:rPr lang="ko-KR" altLang="en-US" dirty="0"/>
+              <a:t>의 역할</a:t>
+            </a:r>
+            <a:r>
+              <a:rPr lang="en-US" altLang="ko-KR" dirty="0"/>
+              <a:t>: </a:t>
+            </a:r>
+            <a:r>
+              <a:rPr lang="ko-KR" altLang="en-US" dirty="0"/>
+              <a:t>빈을 등록하고 관리해줌</a:t>
+            </a:r>
+          </a:p>
+        </p:txBody>
+      </p:sp>
+    </p:spTree>
+    <p:extLst>
+      <p:ext uri="{BB962C8B-B14F-4D97-AF65-F5344CB8AC3E}">
+        <p14:creationId xmlns:p14="http://schemas.microsoft.com/office/powerpoint/2010/main" val="2287476798"/>
+      </p:ext>
+    </p:extLst>
+  </p:cSld>
+  <p:clrMapOvr>
+    <a:masterClrMapping/>
+  </p:clrMapOvr>
+</p:sld>
+</file>
+
+<file path=ppt/slides/slide58.xml><?xml version="1.0" encoding="utf-8"?>
+<p:sld xmlns:a="http://schemas.openxmlformats.org/drawingml/2006/main" xmlns:r="http://schemas.openxmlformats.org/officeDocument/2006/relationships" xmlns:p="http://schemas.openxmlformats.org/presentationml/2006/main">
+  <p:cSld>
+    <p:spTree>
+      <p:nvGrpSpPr>
+        <p:cNvPr id="1" name=""/>
+        <p:cNvGrpSpPr/>
+        <p:nvPr/>
+      </p:nvGrpSpPr>
+      <p:grpSpPr>
+        <a:xfrm>
+          <a:off x="0" y="0"/>
+          <a:ext cx="0" cy="0"/>
+          <a:chOff x="0" y="0"/>
+          <a:chExt cx="0" cy="0"/>
+        </a:xfrm>
+      </p:grpSpPr>
+      <p:sp>
+        <p:nvSpPr>
+          <p:cNvPr id="2" name="TextBox 1">
+            <a:extLst>
+              <a:ext uri="{FF2B5EF4-FFF2-40B4-BE49-F238E27FC236}">
+                <a16:creationId xmlns:a16="http://schemas.microsoft.com/office/drawing/2014/main" id="{ED61B14B-F3D7-4BB0-B5CE-D87E2A2BEE6A}"/>
+              </a:ext>
+            </a:extLst>
+          </p:cNvPr>
+          <p:cNvSpPr txBox="1"/>
+          <p:nvPr/>
+        </p:nvSpPr>
+        <p:spPr>
+          <a:xfrm>
+            <a:off x="2142565" y="4267201"/>
+            <a:ext cx="4563035" cy="1477328"/>
+          </a:xfrm>
+          <a:prstGeom prst="rect">
+            <a:avLst/>
+          </a:prstGeom>
+          <a:noFill/>
+        </p:spPr>
+        <p:txBody>
+          <a:bodyPr wrap="square" rtlCol="0">
+            <a:spAutoFit/>
+          </a:bodyPr>
+          <a:lstStyle/>
+          <a:p>
+            <a:r>
+              <a:rPr lang="ko-KR" altLang="en-US" dirty="0" err="1"/>
+              <a:t>스태틱</a:t>
+            </a:r>
+            <a:r>
+              <a:rPr lang="ko-KR" altLang="en-US" dirty="0"/>
+              <a:t> 중첩 클래스로 넣은 </a:t>
+            </a:r>
+            <a:r>
+              <a:rPr lang="en-US" altLang="ko-KR" dirty="0"/>
+              <a:t>@Configuration </a:t>
+            </a:r>
+            <a:r>
+              <a:rPr lang="ko-KR" altLang="en-US" dirty="0"/>
+              <a:t>클래스는 스프링이 자동으로 포함해준다</a:t>
+            </a:r>
+            <a:endParaRPr lang="en-US" altLang="ko-KR" dirty="0"/>
+          </a:p>
+          <a:p>
+            <a:endParaRPr lang="en-US" altLang="ko-KR" dirty="0"/>
+          </a:p>
+          <a:p>
+            <a:endParaRPr lang="ko-KR" altLang="en-US" dirty="0"/>
+          </a:p>
+        </p:txBody>
+      </p:sp>
+      <p:sp>
+        <p:nvSpPr>
+          <p:cNvPr id="3" name="TextBox 2">
+            <a:extLst>
+              <a:ext uri="{FF2B5EF4-FFF2-40B4-BE49-F238E27FC236}">
+                <a16:creationId xmlns:a16="http://schemas.microsoft.com/office/drawing/2014/main" id="{638A8DC8-0E2E-4DD8-B007-195EFB3347CE}"/>
+              </a:ext>
+            </a:extLst>
+          </p:cNvPr>
+          <p:cNvSpPr txBox="1"/>
+          <p:nvPr/>
+        </p:nvSpPr>
+        <p:spPr>
+          <a:xfrm>
+            <a:off x="2761129" y="0"/>
+            <a:ext cx="3460377" cy="3416320"/>
+          </a:xfrm>
+          <a:prstGeom prst="rect">
+            <a:avLst/>
+          </a:prstGeom>
+          <a:noFill/>
+        </p:spPr>
+        <p:txBody>
+          <a:bodyPr wrap="square" rtlCol="0">
+            <a:spAutoFit/>
+          </a:bodyPr>
+          <a:lstStyle/>
+          <a:p>
+            <a:r>
+              <a:rPr lang="ko-KR" altLang="en-US" dirty="0"/>
+              <a:t>분리를 해서 세부정보 파악을 한눈에 보기 </a:t>
+            </a:r>
+            <a:r>
+              <a:rPr lang="ko-KR" altLang="en-US" dirty="0" err="1"/>
+              <a:t>힘듬</a:t>
+            </a:r>
+            <a:r>
+              <a:rPr lang="ko-KR" altLang="en-US" dirty="0"/>
+              <a:t> </a:t>
+            </a:r>
+            <a:r>
+              <a:rPr lang="en-US" altLang="ko-KR" dirty="0"/>
+              <a:t>-&gt; </a:t>
+            </a:r>
+            <a:r>
+              <a:rPr lang="ko-KR" altLang="en-US" dirty="0" err="1"/>
+              <a:t>스태틱</a:t>
+            </a:r>
+            <a:r>
+              <a:rPr lang="ko-KR" altLang="en-US" dirty="0"/>
+              <a:t> 중첩클래스를 이용해서 프로파일 적용한 클래스를 합침</a:t>
+            </a:r>
+            <a:endParaRPr lang="en-US" altLang="ko-KR" dirty="0"/>
+          </a:p>
+          <a:p>
+            <a:r>
+              <a:rPr lang="en-US" altLang="ko-KR" dirty="0"/>
+              <a:t>-&gt; </a:t>
+            </a:r>
+            <a:r>
+              <a:rPr lang="ko-KR" altLang="en-US" dirty="0"/>
+              <a:t>프로파일에 따라 </a:t>
+            </a:r>
+            <a:r>
+              <a:rPr lang="ko-KR" altLang="en-US" dirty="0" err="1"/>
+              <a:t>어떤빈이</a:t>
+            </a:r>
+            <a:r>
+              <a:rPr lang="ko-KR" altLang="en-US" dirty="0"/>
+              <a:t> 등록되는지 구현클래스가 어떻게 달라지는지를 손쉽게 확인 가능하게 </a:t>
+            </a:r>
+            <a:r>
+              <a:rPr lang="ko-KR" altLang="en-US" dirty="0" err="1"/>
+              <a:t>됐음</a:t>
+            </a:r>
+            <a:endParaRPr lang="en-US" altLang="ko-KR" dirty="0"/>
+          </a:p>
+          <a:p>
+            <a:endParaRPr lang="en-US" altLang="ko-KR" dirty="0"/>
+          </a:p>
+          <a:p>
+            <a:r>
+              <a:rPr lang="en-US" altLang="ko-KR" dirty="0"/>
+              <a:t>-&gt; </a:t>
+            </a:r>
+            <a:r>
+              <a:rPr lang="ko-KR" altLang="en-US" dirty="0"/>
+              <a:t>프로파일에 정의한 빈설정양이 많지 </a:t>
+            </a:r>
+            <a:r>
+              <a:rPr lang="ko-KR" altLang="en-US" dirty="0" err="1"/>
+              <a:t>않을때</a:t>
+            </a:r>
+            <a:r>
+              <a:rPr lang="ko-KR" altLang="en-US" dirty="0"/>
+              <a:t> 메인 컨텍스트에 모으는 방법은 괜찮음</a:t>
+            </a:r>
+          </a:p>
+        </p:txBody>
+      </p:sp>
+    </p:spTree>
+    <p:extLst>
+      <p:ext uri="{BB962C8B-B14F-4D97-AF65-F5344CB8AC3E}">
+        <p14:creationId xmlns:p14="http://schemas.microsoft.com/office/powerpoint/2010/main" val="829492030"/>
+      </p:ext>
+    </p:extLst>
+  </p:cSld>
+  <p:clrMapOvr>
+    <a:masterClrMapping/>
+  </p:clrMapOvr>
+</p:sld>
+</file>
+
+<file path=ppt/slides/slide59.xml><?xml version="1.0" encoding="utf-8"?>
+<p:sld xmlns:a="http://schemas.openxmlformats.org/drawingml/2006/main" xmlns:r="http://schemas.openxmlformats.org/officeDocument/2006/relationships" xmlns:p="http://schemas.openxmlformats.org/presentationml/2006/main">
+  <p:cSld>
+    <p:spTree>
+      <p:nvGrpSpPr>
+        <p:cNvPr id="1" name=""/>
+        <p:cNvGrpSpPr/>
+        <p:nvPr/>
+      </p:nvGrpSpPr>
+      <p:grpSpPr>
+        <a:xfrm>
+          <a:off x="0" y="0"/>
+          <a:ext cx="0" cy="0"/>
+          <a:chOff x="0" y="0"/>
+          <a:chExt cx="0" cy="0"/>
+        </a:xfrm>
+      </p:grpSpPr>
+    </p:spTree>
+    <p:extLst>
+      <p:ext uri="{BB962C8B-B14F-4D97-AF65-F5344CB8AC3E}">
+        <p14:creationId xmlns:p14="http://schemas.microsoft.com/office/powerpoint/2010/main" val="873886319"/>
       </p:ext>
     </p:extLst>
   </p:cSld>
@@ -12867,6 +13851,96 @@
     <p:extLst>
       <p:ext uri="{BB962C8B-B14F-4D97-AF65-F5344CB8AC3E}">
         <p14:creationId xmlns:p14="http://schemas.microsoft.com/office/powerpoint/2010/main" val="2143333445"/>
+      </p:ext>
+    </p:extLst>
+  </p:cSld>
+  <p:clrMapOvr>
+    <a:masterClrMapping/>
+  </p:clrMapOvr>
+</p:sld>
+</file>
+
+<file path=ppt/slides/slide60.xml><?xml version="1.0" encoding="utf-8"?>
+<p:sld xmlns:a="http://schemas.openxmlformats.org/drawingml/2006/main" xmlns:r="http://schemas.openxmlformats.org/officeDocument/2006/relationships" xmlns:p="http://schemas.openxmlformats.org/presentationml/2006/main">
+  <p:cSld>
+    <p:spTree>
+      <p:nvGrpSpPr>
+        <p:cNvPr id="1" name=""/>
+        <p:cNvGrpSpPr/>
+        <p:nvPr/>
+      </p:nvGrpSpPr>
+      <p:grpSpPr>
+        <a:xfrm>
+          <a:off x="0" y="0"/>
+          <a:ext cx="0" cy="0"/>
+          <a:chOff x="0" y="0"/>
+          <a:chExt cx="0" cy="0"/>
+        </a:xfrm>
+      </p:grpSpPr>
+    </p:spTree>
+    <p:extLst>
+      <p:ext uri="{BB962C8B-B14F-4D97-AF65-F5344CB8AC3E}">
+        <p14:creationId xmlns:p14="http://schemas.microsoft.com/office/powerpoint/2010/main" val="2405069336"/>
+      </p:ext>
+    </p:extLst>
+  </p:cSld>
+  <p:clrMapOvr>
+    <a:masterClrMapping/>
+  </p:clrMapOvr>
+</p:sld>
+</file>
+
+<file path=ppt/slides/slide61.xml><?xml version="1.0" encoding="utf-8"?>
+<p:sld xmlns:a="http://schemas.openxmlformats.org/drawingml/2006/main" xmlns:r="http://schemas.openxmlformats.org/officeDocument/2006/relationships" xmlns:p="http://schemas.openxmlformats.org/presentationml/2006/main">
+  <p:cSld>
+    <p:spTree>
+      <p:nvGrpSpPr>
+        <p:cNvPr id="1" name=""/>
+        <p:cNvGrpSpPr/>
+        <p:nvPr/>
+      </p:nvGrpSpPr>
+      <p:grpSpPr>
+        <a:xfrm>
+          <a:off x="0" y="0"/>
+          <a:ext cx="0" cy="0"/>
+          <a:chOff x="0" y="0"/>
+          <a:chExt cx="0" cy="0"/>
+        </a:xfrm>
+      </p:grpSpPr>
+    </p:spTree>
+    <p:extLst>
+      <p:ext uri="{BB962C8B-B14F-4D97-AF65-F5344CB8AC3E}">
+        <p14:creationId xmlns:p14="http://schemas.microsoft.com/office/powerpoint/2010/main" val="3263872307"/>
+      </p:ext>
+    </p:extLst>
+  </p:cSld>
+  <p:clrMapOvr>
+    <a:masterClrMapping/>
+  </p:clrMapOvr>
+</p:sld>
+</file>
+
+<file path=ppt/slides/slide62.xml><?xml version="1.0" encoding="utf-8"?>
+<p:sld xmlns:a="http://schemas.openxmlformats.org/drawingml/2006/main" xmlns:r="http://schemas.openxmlformats.org/officeDocument/2006/relationships" xmlns:p="http://schemas.openxmlformats.org/presentationml/2006/main">
+  <p:cSld>
+    <p:spTree>
+      <p:nvGrpSpPr>
+        <p:cNvPr id="1" name=""/>
+        <p:cNvGrpSpPr/>
+        <p:nvPr/>
+      </p:nvGrpSpPr>
+      <p:grpSpPr>
+        <a:xfrm>
+          <a:off x="0" y="0"/>
+          <a:ext cx="0" cy="0"/>
+          <a:chOff x="0" y="0"/>
+          <a:chExt cx="0" cy="0"/>
+        </a:xfrm>
+      </p:grpSpPr>
+    </p:spTree>
+    <p:extLst>
+      <p:ext uri="{BB962C8B-B14F-4D97-AF65-F5344CB8AC3E}">
+        <p14:creationId xmlns:p14="http://schemas.microsoft.com/office/powerpoint/2010/main" val="1074491717"/>
       </p:ext>
     </p:extLst>
   </p:cSld>

--- a/프레젠테이션1.pptx
+++ b/프레젠테이션1.pptx
@@ -35,9 +35,9 @@
     <p:sldId id="376" r:id="rId29"/>
     <p:sldId id="377" r:id="rId30"/>
     <p:sldId id="272" r:id="rId31"/>
-    <p:sldId id="256" r:id="rId32"/>
-    <p:sldId id="257" r:id="rId33"/>
-    <p:sldId id="258" r:id="rId34"/>
+    <p:sldId id="257" r:id="rId32"/>
+    <p:sldId id="258" r:id="rId33"/>
+    <p:sldId id="256" r:id="rId34"/>
     <p:sldId id="259" r:id="rId35"/>
     <p:sldId id="260" r:id="rId36"/>
     <p:sldId id="261" r:id="rId37"/>
@@ -377,7 +377,7 @@
           <a:p>
             <a:fld id="{1B0EFBA8-5055-49A1-948A-A0EB42255B5C}" type="datetimeFigureOut">
               <a:rPr lang="ko-KR" altLang="en-US" smtClean="0"/>
-              <a:t>2022-03-30</a:t>
+              <a:t>2022-03-31</a:t>
             </a:fld>
             <a:endParaRPr lang="ko-KR" altLang="en-US"/>
           </a:p>
@@ -575,7 +575,7 @@
           <a:p>
             <a:fld id="{1B0EFBA8-5055-49A1-948A-A0EB42255B5C}" type="datetimeFigureOut">
               <a:rPr lang="ko-KR" altLang="en-US" smtClean="0"/>
-              <a:t>2022-03-30</a:t>
+              <a:t>2022-03-31</a:t>
             </a:fld>
             <a:endParaRPr lang="ko-KR" altLang="en-US"/>
           </a:p>
@@ -783,7 +783,7 @@
           <a:p>
             <a:fld id="{1B0EFBA8-5055-49A1-948A-A0EB42255B5C}" type="datetimeFigureOut">
               <a:rPr lang="ko-KR" altLang="en-US" smtClean="0"/>
-              <a:t>2022-03-30</a:t>
+              <a:t>2022-03-31</a:t>
             </a:fld>
             <a:endParaRPr lang="ko-KR" altLang="en-US"/>
           </a:p>
@@ -981,7 +981,7 @@
           <a:p>
             <a:fld id="{1B0EFBA8-5055-49A1-948A-A0EB42255B5C}" type="datetimeFigureOut">
               <a:rPr lang="ko-KR" altLang="en-US" smtClean="0"/>
-              <a:t>2022-03-30</a:t>
+              <a:t>2022-03-31</a:t>
             </a:fld>
             <a:endParaRPr lang="ko-KR" altLang="en-US"/>
           </a:p>
@@ -1256,7 +1256,7 @@
           <a:p>
             <a:fld id="{1B0EFBA8-5055-49A1-948A-A0EB42255B5C}" type="datetimeFigureOut">
               <a:rPr lang="ko-KR" altLang="en-US" smtClean="0"/>
-              <a:t>2022-03-30</a:t>
+              <a:t>2022-03-31</a:t>
             </a:fld>
             <a:endParaRPr lang="ko-KR" altLang="en-US"/>
           </a:p>
@@ -1521,7 +1521,7 @@
           <a:p>
             <a:fld id="{1B0EFBA8-5055-49A1-948A-A0EB42255B5C}" type="datetimeFigureOut">
               <a:rPr lang="ko-KR" altLang="en-US" smtClean="0"/>
-              <a:t>2022-03-30</a:t>
+              <a:t>2022-03-31</a:t>
             </a:fld>
             <a:endParaRPr lang="ko-KR" altLang="en-US"/>
           </a:p>
@@ -1933,7 +1933,7 @@
           <a:p>
             <a:fld id="{1B0EFBA8-5055-49A1-948A-A0EB42255B5C}" type="datetimeFigureOut">
               <a:rPr lang="ko-KR" altLang="en-US" smtClean="0"/>
-              <a:t>2022-03-30</a:t>
+              <a:t>2022-03-31</a:t>
             </a:fld>
             <a:endParaRPr lang="ko-KR" altLang="en-US"/>
           </a:p>
@@ -2074,7 +2074,7 @@
           <a:p>
             <a:fld id="{1B0EFBA8-5055-49A1-948A-A0EB42255B5C}" type="datetimeFigureOut">
               <a:rPr lang="ko-KR" altLang="en-US" smtClean="0"/>
-              <a:t>2022-03-30</a:t>
+              <a:t>2022-03-31</a:t>
             </a:fld>
             <a:endParaRPr lang="ko-KR" altLang="en-US"/>
           </a:p>
@@ -2187,7 +2187,7 @@
           <a:p>
             <a:fld id="{1B0EFBA8-5055-49A1-948A-A0EB42255B5C}" type="datetimeFigureOut">
               <a:rPr lang="ko-KR" altLang="en-US" smtClean="0"/>
-              <a:t>2022-03-30</a:t>
+              <a:t>2022-03-31</a:t>
             </a:fld>
             <a:endParaRPr lang="ko-KR" altLang="en-US"/>
           </a:p>
@@ -2498,7 +2498,7 @@
           <a:p>
             <a:fld id="{1B0EFBA8-5055-49A1-948A-A0EB42255B5C}" type="datetimeFigureOut">
               <a:rPr lang="ko-KR" altLang="en-US" smtClean="0"/>
-              <a:t>2022-03-30</a:t>
+              <a:t>2022-03-31</a:t>
             </a:fld>
             <a:endParaRPr lang="ko-KR" altLang="en-US"/>
           </a:p>
@@ -2786,7 +2786,7 @@
           <a:p>
             <a:fld id="{1B0EFBA8-5055-49A1-948A-A0EB42255B5C}" type="datetimeFigureOut">
               <a:rPr lang="ko-KR" altLang="en-US" smtClean="0"/>
-              <a:t>2022-03-30</a:t>
+              <a:t>2022-03-31</a:t>
             </a:fld>
             <a:endParaRPr lang="ko-KR" altLang="en-US"/>
           </a:p>
@@ -3027,7 +3027,7 @@
           <a:p>
             <a:fld id="{1B0EFBA8-5055-49A1-948A-A0EB42255B5C}" type="datetimeFigureOut">
               <a:rPr lang="ko-KR" altLang="en-US" smtClean="0"/>
-              <a:t>2022-03-30</a:t>
+              <a:t>2022-03-31</a:t>
             </a:fld>
             <a:endParaRPr lang="ko-KR" altLang="en-US"/>
           </a:p>
@@ -8181,7 +8181,7 @@
           <a:lstStyle/>
           <a:p>
             <a:r>
-              <a:rPr lang="ko-KR" altLang="en-US"/>
+              <a:rPr lang="ko-KR" altLang="en-US" dirty="0"/>
               <a:t>프레임워크와 라이브러리의 차이</a:t>
             </a:r>
           </a:p>
@@ -11941,76 +11941,149 @@
       </p:grpSpPr>
       <p:sp>
         <p:nvSpPr>
+          <p:cNvPr id="2" name="TextBox 1">
+            <a:extLst>
+              <a:ext uri="{FF2B5EF4-FFF2-40B4-BE49-F238E27FC236}">
+                <a16:creationId xmlns:a16="http://schemas.microsoft.com/office/drawing/2014/main" id="{9A79012C-780A-47BE-8A87-AFBF661E4B54}"/>
+              </a:ext>
+            </a:extLst>
+          </p:cNvPr>
+          <p:cNvSpPr txBox="1"/>
+          <p:nvPr/>
+        </p:nvSpPr>
+        <p:spPr>
+          <a:xfrm>
+            <a:off x="1264024" y="1057835"/>
+            <a:ext cx="9888070" cy="923330"/>
+          </a:xfrm>
+          <a:prstGeom prst="rect">
+            <a:avLst/>
+          </a:prstGeom>
+          <a:noFill/>
+        </p:spPr>
+        <p:txBody>
+          <a:bodyPr wrap="square" rtlCol="0">
+            <a:spAutoFit/>
+          </a:bodyPr>
+          <a:lstStyle/>
+          <a:p>
+            <a:r>
+              <a:rPr lang="ko-KR" altLang="en-US" dirty="0"/>
+              <a:t>비즈니스 로직을 담은 코드는 데이터 액세스 로직을 담은 코드와 깔끔하게 분리되는 것이 바람직하다</a:t>
+            </a:r>
+            <a:r>
+              <a:rPr lang="en-US" altLang="ko-KR" dirty="0"/>
+              <a:t>. </a:t>
+            </a:r>
+            <a:r>
+              <a:rPr lang="ko-KR" altLang="en-US" dirty="0"/>
+              <a:t>비즈니스 로직 코드 또한 내부적으로 책임과 역할에 따라서 깔끔하게 메소드로 정리돼야 한다</a:t>
+            </a:r>
+            <a:r>
+              <a:rPr lang="en-US" altLang="ko-KR" dirty="0"/>
+              <a:t>.</a:t>
+            </a:r>
+            <a:endParaRPr lang="ko-KR" altLang="en-US" dirty="0"/>
+          </a:p>
+        </p:txBody>
+      </p:sp>
+      <p:sp>
+        <p:nvSpPr>
+          <p:cNvPr id="3" name="TextBox 2">
+            <a:extLst>
+              <a:ext uri="{FF2B5EF4-FFF2-40B4-BE49-F238E27FC236}">
+                <a16:creationId xmlns:a16="http://schemas.microsoft.com/office/drawing/2014/main" id="{23104174-483E-48B7-A46F-916B978DDA23}"/>
+              </a:ext>
+            </a:extLst>
+          </p:cNvPr>
+          <p:cNvSpPr txBox="1"/>
+          <p:nvPr/>
+        </p:nvSpPr>
+        <p:spPr>
+          <a:xfrm>
+            <a:off x="1434353" y="2294965"/>
+            <a:ext cx="10139082" cy="646331"/>
+          </a:xfrm>
+          <a:prstGeom prst="rect">
+            <a:avLst/>
+          </a:prstGeom>
+          <a:noFill/>
+        </p:spPr>
+        <p:txBody>
+          <a:bodyPr wrap="square" rtlCol="0">
+            <a:spAutoFit/>
+          </a:bodyPr>
+          <a:lstStyle/>
+          <a:p>
+            <a:r>
+              <a:rPr lang="ko-KR" altLang="en-US" dirty="0"/>
+              <a:t>이를 위해서는 </a:t>
+            </a:r>
+            <a:r>
+              <a:rPr lang="en-US" altLang="ko-KR" dirty="0"/>
+              <a:t>DAO</a:t>
+            </a:r>
+            <a:r>
+              <a:rPr lang="ko-KR" altLang="en-US" dirty="0"/>
+              <a:t>의 기술 변화에 서비스 계층의 코드가 영향을 받지 않도록 인터페이스와 </a:t>
+            </a:r>
+            <a:r>
+              <a:rPr lang="en-US" altLang="ko-KR" dirty="0"/>
+              <a:t>DI</a:t>
+            </a:r>
+            <a:r>
+              <a:rPr lang="ko-KR" altLang="en-US" dirty="0"/>
+              <a:t>를 잘 활용해서 결합도를 낮춰줘야 한다</a:t>
+            </a:r>
+            <a:r>
+              <a:rPr lang="en-US" altLang="ko-KR" dirty="0"/>
+              <a:t>.</a:t>
+            </a:r>
+            <a:endParaRPr lang="ko-KR" altLang="en-US" dirty="0"/>
+          </a:p>
+        </p:txBody>
+      </p:sp>
+      <p:sp>
+        <p:nvSpPr>
           <p:cNvPr id="4" name="TextBox 3">
             <a:extLst>
               <a:ext uri="{FF2B5EF4-FFF2-40B4-BE49-F238E27FC236}">
-                <a16:creationId xmlns:a16="http://schemas.microsoft.com/office/drawing/2014/main" id="{A6F9B52D-5581-42AC-B0D5-301470508253}"/>
-              </a:ext>
-            </a:extLst>
-          </p:cNvPr>
-          <p:cNvSpPr txBox="1"/>
-          <p:nvPr/>
-        </p:nvSpPr>
-        <p:spPr>
-          <a:xfrm>
-            <a:off x="1147482" y="519953"/>
-            <a:ext cx="7189694" cy="646331"/>
-          </a:xfrm>
-          <a:prstGeom prst="rect">
-            <a:avLst/>
-          </a:prstGeom>
-          <a:noFill/>
-        </p:spPr>
-        <p:txBody>
-          <a:bodyPr wrap="square" rtlCol="0">
-            <a:spAutoFit/>
-          </a:bodyPr>
-          <a:lstStyle/>
-          <a:p>
-            <a:r>
-              <a:rPr lang="ko-KR" altLang="en-US" dirty="0"/>
-              <a:t>상수를 정의하여 메서드 </a:t>
-            </a:r>
-            <a:r>
-              <a:rPr lang="ko-KR" altLang="en-US" dirty="0" err="1"/>
-              <a:t>호출시</a:t>
-            </a:r>
-            <a:r>
-              <a:rPr lang="ko-KR" altLang="en-US" dirty="0"/>
-              <a:t> 잘못된 값이 출력 </a:t>
-            </a:r>
-            <a:r>
-              <a:rPr lang="ko-KR" altLang="en-US" dirty="0" err="1"/>
-              <a:t>될수</a:t>
-            </a:r>
-            <a:r>
-              <a:rPr lang="ko-KR" altLang="en-US" dirty="0"/>
-              <a:t> 있다 </a:t>
-            </a:r>
-            <a:r>
-              <a:rPr lang="en-US" altLang="ko-KR" dirty="0"/>
-              <a:t>-&gt; </a:t>
-            </a:r>
-            <a:r>
-              <a:rPr lang="ko-KR" altLang="en-US" dirty="0"/>
-              <a:t>상수를 정의 해서 </a:t>
-            </a:r>
-            <a:r>
-              <a:rPr lang="ko-KR" altLang="en-US" dirty="0" err="1"/>
-              <a:t>쓰는것</a:t>
-            </a:r>
-            <a:r>
-              <a:rPr lang="ko-KR" altLang="en-US" dirty="0"/>
-              <a:t> 보다 </a:t>
-            </a:r>
-            <a:r>
-              <a:rPr lang="en-US" altLang="ko-KR" dirty="0" err="1"/>
-              <a:t>enum</a:t>
-            </a:r>
-            <a:r>
-              <a:rPr lang="ko-KR" altLang="en-US" dirty="0"/>
-              <a:t>을 쓰는 것이 더 안전하다</a:t>
-            </a:r>
+                <a16:creationId xmlns:a16="http://schemas.microsoft.com/office/drawing/2014/main" id="{EDB4C9AD-4964-44C8-A6FD-DC36869E40EC}"/>
+              </a:ext>
+            </a:extLst>
+          </p:cNvPr>
+          <p:cNvSpPr txBox="1"/>
+          <p:nvPr/>
+        </p:nvSpPr>
+        <p:spPr>
+          <a:xfrm>
+            <a:off x="1264024" y="3603812"/>
+            <a:ext cx="10676964" cy="369332"/>
+          </a:xfrm>
+          <a:prstGeom prst="rect">
+            <a:avLst/>
+          </a:prstGeom>
+          <a:noFill/>
+        </p:spPr>
+        <p:txBody>
+          <a:bodyPr wrap="square" rtlCol="0">
+            <a:spAutoFit/>
+          </a:bodyPr>
+          <a:lstStyle/>
+          <a:p>
+            <a:r>
+              <a:rPr lang="en-US" altLang="ko-KR" dirty="0"/>
+              <a:t>DAO</a:t>
+            </a:r>
+            <a:r>
+              <a:rPr lang="ko-KR" altLang="en-US" dirty="0"/>
+              <a:t>를 사용하는 비즈니스 로직에는 단위 작업을 보장해주는 트랜잭션이 필요하다</a:t>
+            </a:r>
+            <a:r>
+              <a:rPr lang="en-US" altLang="ko-KR" dirty="0"/>
+              <a:t>.</a:t>
+            </a:r>
+            <a:endParaRPr lang="ko-KR" altLang="en-US" dirty="0"/>
           </a:p>
         </p:txBody>
       </p:sp>
@@ -12019,68 +12092,32 @@
           <p:cNvPr id="5" name="TextBox 4">
             <a:extLst>
               <a:ext uri="{FF2B5EF4-FFF2-40B4-BE49-F238E27FC236}">
-                <a16:creationId xmlns:a16="http://schemas.microsoft.com/office/drawing/2014/main" id="{6F232C2F-4E73-4494-8B49-2B5DBA28D254}"/>
-              </a:ext>
-            </a:extLst>
-          </p:cNvPr>
-          <p:cNvSpPr txBox="1"/>
-          <p:nvPr/>
-        </p:nvSpPr>
-        <p:spPr>
-          <a:xfrm>
-            <a:off x="1228165" y="1783976"/>
-            <a:ext cx="5190564" cy="2308324"/>
-          </a:xfrm>
-          <a:prstGeom prst="rect">
-            <a:avLst/>
-          </a:prstGeom>
-          <a:noFill/>
-        </p:spPr>
-        <p:txBody>
-          <a:bodyPr wrap="square" rtlCol="0">
-            <a:spAutoFit/>
-          </a:bodyPr>
-          <a:lstStyle/>
-          <a:p>
-            <a:r>
-              <a:rPr lang="ko-KR" altLang="en-US" dirty="0"/>
-              <a:t>단</a:t>
-            </a:r>
-            <a:r>
-              <a:rPr lang="en-US" altLang="ko-KR" dirty="0"/>
-              <a:t>, </a:t>
-            </a:r>
-            <a:r>
-              <a:rPr lang="en-US" altLang="ko-KR" dirty="0" err="1"/>
-              <a:t>enum</a:t>
-            </a:r>
-            <a:r>
-              <a:rPr lang="ko-KR" altLang="en-US" dirty="0"/>
-              <a:t>은 오브젝트이므로 </a:t>
-            </a:r>
-            <a:r>
-              <a:rPr lang="en-US" altLang="ko-KR" dirty="0"/>
-              <a:t>DB</a:t>
-            </a:r>
-            <a:r>
-              <a:rPr lang="ko-KR" altLang="en-US" dirty="0"/>
-              <a:t>에 </a:t>
-            </a:r>
-            <a:r>
-              <a:rPr lang="ko-KR" altLang="en-US" dirty="0" err="1"/>
-              <a:t>저장될수</a:t>
-            </a:r>
-            <a:r>
-              <a:rPr lang="ko-KR" altLang="en-US" dirty="0"/>
-              <a:t> 있는 </a:t>
-            </a:r>
-            <a:r>
-              <a:rPr lang="en-US" altLang="ko-KR" dirty="0"/>
-              <a:t>SQL</a:t>
-            </a:r>
-            <a:r>
-              <a:rPr lang="ko-KR" altLang="en-US" dirty="0"/>
-              <a:t>타입이 아니다</a:t>
+                <a16:creationId xmlns:a16="http://schemas.microsoft.com/office/drawing/2014/main" id="{FBBF8FF2-4661-4F25-9A9B-3641E0549B1E}"/>
+              </a:ext>
+            </a:extLst>
+          </p:cNvPr>
+          <p:cNvSpPr txBox="1"/>
+          <p:nvPr/>
+        </p:nvSpPr>
+        <p:spPr>
+          <a:xfrm>
+            <a:off x="1165412" y="4563943"/>
+            <a:ext cx="10676964" cy="646331"/>
+          </a:xfrm>
+          <a:prstGeom prst="rect">
+            <a:avLst/>
+          </a:prstGeom>
+          <a:noFill/>
+        </p:spPr>
+        <p:txBody>
+          <a:bodyPr wrap="square" rtlCol="0">
+            <a:spAutoFit/>
+          </a:bodyPr>
+          <a:lstStyle/>
+          <a:p>
+            <a:r>
+              <a:rPr lang="ko-KR" altLang="en-US" dirty="0"/>
+              <a:t>트랜잭션의 시작과 종료를 지정하는 일을 트랜잭션 경계설정이라고 한다</a:t>
             </a:r>
             <a:r>
               <a:rPr lang="en-US" altLang="ko-KR" dirty="0"/>
@@ -12088,98 +12125,13 @@
             </a:r>
             <a:r>
               <a:rPr lang="ko-KR" altLang="en-US" dirty="0"/>
-              <a:t>따라서 </a:t>
-            </a:r>
-            <a:r>
-              <a:rPr lang="en-US" altLang="ko-KR" dirty="0"/>
-              <a:t>DB</a:t>
-            </a:r>
-            <a:r>
-              <a:rPr lang="ko-KR" altLang="en-US" dirty="0"/>
-              <a:t>에 저장 가능한 정수형 값으로 반환해 줘야한다</a:t>
-            </a:r>
-            <a:r>
-              <a:rPr lang="en-US" altLang="ko-KR" dirty="0"/>
-              <a:t>. (</a:t>
-            </a:r>
-            <a:r>
-              <a:rPr lang="en-US" altLang="ko-KR" dirty="0" err="1"/>
-              <a:t>enum</a:t>
-            </a:r>
-            <a:r>
-              <a:rPr lang="en-US" altLang="ko-KR" dirty="0"/>
-              <a:t> </a:t>
-            </a:r>
-            <a:r>
-              <a:rPr lang="ko-KR" altLang="en-US" dirty="0"/>
-              <a:t>내부에 메서드를 만들어 줌</a:t>
-            </a:r>
-            <a:r>
-              <a:rPr lang="en-US" altLang="ko-KR" dirty="0"/>
-              <a:t>)</a:t>
-            </a:r>
-          </a:p>
-          <a:p>
-            <a:r>
-              <a:rPr lang="ko-KR" altLang="en-US" dirty="0"/>
-              <a:t>반대로 조회를 했을 경우 </a:t>
-            </a:r>
-            <a:r>
-              <a:rPr lang="en-US" altLang="ko-KR" dirty="0" err="1"/>
-              <a:t>ResultSet</a:t>
-            </a:r>
-            <a:r>
-              <a:rPr lang="ko-KR" altLang="en-US" dirty="0"/>
-              <a:t>에서 </a:t>
-            </a:r>
-            <a:r>
-              <a:rPr lang="en-US" altLang="ko-KR" dirty="0"/>
-              <a:t>DB</a:t>
-            </a:r>
-            <a:r>
-              <a:rPr lang="ko-KR" altLang="en-US" dirty="0"/>
-              <a:t>의 타입인 </a:t>
-            </a:r>
-            <a:r>
-              <a:rPr lang="en-US" altLang="ko-KR" dirty="0"/>
-              <a:t>int</a:t>
-            </a:r>
-            <a:r>
-              <a:rPr lang="ko-KR" altLang="en-US" dirty="0"/>
-              <a:t>로 가져오기 때문에 </a:t>
-            </a:r>
-            <a:r>
-              <a:rPr lang="en-US" altLang="ko-KR" dirty="0"/>
-              <a:t>set</a:t>
-            </a:r>
-            <a:r>
-              <a:rPr lang="ko-KR" altLang="en-US" dirty="0"/>
-              <a:t>메서드를 실행 </a:t>
-            </a:r>
-            <a:r>
-              <a:rPr lang="ko-KR" altLang="en-US" dirty="0" err="1"/>
-              <a:t>할때</a:t>
-            </a:r>
-            <a:r>
-              <a:rPr lang="ko-KR" altLang="en-US" dirty="0"/>
-              <a:t> 타입이 일치 하지 않으므로 해당 타입의 </a:t>
-            </a:r>
-            <a:r>
-              <a:rPr lang="ko-KR" altLang="en-US" dirty="0" err="1"/>
-              <a:t>이늄</a:t>
-            </a:r>
-            <a:r>
-              <a:rPr lang="ko-KR" altLang="en-US" dirty="0"/>
-              <a:t> 오브젝트로 바꿔서 </a:t>
-            </a:r>
-            <a:r>
-              <a:rPr lang="en-US" altLang="ko-KR" dirty="0"/>
-              <a:t>set</a:t>
-            </a:r>
-            <a:r>
-              <a:rPr lang="ko-KR" altLang="en-US" dirty="0"/>
-              <a:t>해줘야 함</a:t>
-            </a:r>
+              <a:t>트랜잭션 경계설정은 주로 비즈니스 로직 안에서 일어나는 경우가 많다</a:t>
+            </a:r>
+            <a:r>
+              <a:rPr lang="en-US" altLang="ko-KR" dirty="0"/>
+              <a:t>.</a:t>
+            </a:r>
+            <a:endParaRPr lang="ko-KR" altLang="en-US" dirty="0"/>
           </a:p>
         </p:txBody>
       </p:sp>
@@ -12188,76 +12140,84 @@
           <p:cNvPr id="6" name="TextBox 5">
             <a:extLst>
               <a:ext uri="{FF2B5EF4-FFF2-40B4-BE49-F238E27FC236}">
-                <a16:creationId xmlns:a16="http://schemas.microsoft.com/office/drawing/2014/main" id="{0B1584EF-8269-46E7-9BCD-66FB1CCD0D00}"/>
-              </a:ext>
-            </a:extLst>
-          </p:cNvPr>
-          <p:cNvSpPr txBox="1"/>
-          <p:nvPr/>
-        </p:nvSpPr>
-        <p:spPr>
-          <a:xfrm>
-            <a:off x="1228165" y="5002306"/>
-            <a:ext cx="8408894" cy="923330"/>
-          </a:xfrm>
-          <a:prstGeom prst="rect">
-            <a:avLst/>
-          </a:prstGeom>
-          <a:noFill/>
-        </p:spPr>
-        <p:txBody>
-          <a:bodyPr wrap="square" rtlCol="0">
-            <a:spAutoFit/>
-          </a:bodyPr>
-          <a:lstStyle/>
-          <a:p>
-            <a:r>
-              <a:rPr lang="en-US" altLang="ko-KR" dirty="0"/>
-              <a:t>JDBC</a:t>
-            </a:r>
-            <a:r>
-              <a:rPr lang="ko-KR" altLang="en-US" dirty="0"/>
-              <a:t>가 사용하는 </a:t>
-            </a:r>
-            <a:r>
-              <a:rPr lang="en-US" altLang="ko-KR" dirty="0"/>
-              <a:t>SQL</a:t>
-            </a:r>
-            <a:r>
-              <a:rPr lang="ko-KR" altLang="en-US" dirty="0"/>
-              <a:t>은 컴파일 과정에서는 자동으로 검증이 되지 않는 단순 문자열에 불과 </a:t>
-            </a:r>
-            <a:r>
-              <a:rPr lang="en-US" altLang="ko-KR" dirty="0"/>
-              <a:t>-&gt; </a:t>
-            </a:r>
-            <a:r>
-              <a:rPr lang="ko-KR" altLang="en-US" dirty="0"/>
-              <a:t>빠르게 실행 가능한 포괄적인 테스트를 </a:t>
-            </a:r>
-            <a:r>
-              <a:rPr lang="ko-KR" altLang="en-US" dirty="0" err="1"/>
-              <a:t>만들어두면</a:t>
-            </a:r>
-            <a:r>
-              <a:rPr lang="ko-KR" altLang="en-US" dirty="0"/>
-              <a:t> 기능의 추가나 수정이 </a:t>
-            </a:r>
-            <a:r>
-              <a:rPr lang="ko-KR" altLang="en-US" dirty="0" err="1"/>
-              <a:t>일어날때</a:t>
-            </a:r>
-            <a:r>
-              <a:rPr lang="ko-KR" altLang="en-US" dirty="0"/>
-              <a:t> 문제를 빠르게 </a:t>
-            </a:r>
-            <a:r>
-              <a:rPr lang="ko-KR" altLang="en-US" dirty="0" err="1"/>
-              <a:t>잡아낼수</a:t>
-            </a:r>
-            <a:r>
-              <a:rPr lang="ko-KR" altLang="en-US" dirty="0"/>
-              <a:t> 있음</a:t>
+                <a16:creationId xmlns:a16="http://schemas.microsoft.com/office/drawing/2014/main" id="{DBFBFC47-33B2-4744-9487-F9E7304DB92E}"/>
+              </a:ext>
+            </a:extLst>
+          </p:cNvPr>
+          <p:cNvSpPr txBox="1"/>
+          <p:nvPr/>
+        </p:nvSpPr>
+        <p:spPr>
+          <a:xfrm>
+            <a:off x="1264024" y="5719482"/>
+            <a:ext cx="10309411" cy="646331"/>
+          </a:xfrm>
+          <a:prstGeom prst="rect">
+            <a:avLst/>
+          </a:prstGeom>
+          <a:noFill/>
+        </p:spPr>
+        <p:txBody>
+          <a:bodyPr wrap="square" rtlCol="0">
+            <a:spAutoFit/>
+          </a:bodyPr>
+          <a:lstStyle/>
+          <a:p>
+            <a:r>
+              <a:rPr lang="ko-KR" altLang="en-US" dirty="0"/>
+              <a:t>시작된 트랜잭션 정보를 담은 오브젝트를 파라미터로 </a:t>
+            </a:r>
+            <a:r>
+              <a:rPr lang="en-US" altLang="ko-KR" dirty="0"/>
+              <a:t>DAO</a:t>
+            </a:r>
+            <a:r>
+              <a:rPr lang="ko-KR" altLang="en-US" dirty="0"/>
+              <a:t>에 전달하는 방법은 매우 비효율적이기 때문에 스프링이 제공하는 트랜잭션 동기화 기법을 활용하는 것이 편리하다</a:t>
+            </a:r>
+            <a:r>
+              <a:rPr lang="en-US" altLang="ko-KR" dirty="0"/>
+              <a:t>.</a:t>
+            </a:r>
+            <a:endParaRPr lang="ko-KR" altLang="en-US" dirty="0"/>
+          </a:p>
+        </p:txBody>
+      </p:sp>
+      <p:sp>
+        <p:nvSpPr>
+          <p:cNvPr id="7" name="TextBox 6">
+            <a:extLst>
+              <a:ext uri="{FF2B5EF4-FFF2-40B4-BE49-F238E27FC236}">
+                <a16:creationId xmlns:a16="http://schemas.microsoft.com/office/drawing/2014/main" id="{372B205B-6D60-471C-90D8-2EFCDE48078C}"/>
+              </a:ext>
+            </a:extLst>
+          </p:cNvPr>
+          <p:cNvSpPr txBox="1"/>
+          <p:nvPr/>
+        </p:nvSpPr>
+        <p:spPr>
+          <a:xfrm>
+            <a:off x="1434353" y="295835"/>
+            <a:ext cx="1783976" cy="367553"/>
+          </a:xfrm>
+          <a:prstGeom prst="rect">
+            <a:avLst/>
+          </a:prstGeom>
+          <a:noFill/>
+        </p:spPr>
+        <p:txBody>
+          <a:bodyPr wrap="square" rtlCol="0">
+            <a:spAutoFit/>
+          </a:bodyPr>
+          <a:lstStyle/>
+          <a:p>
+            <a:r>
+              <a:rPr lang="en-US" altLang="ko-KR" dirty="0"/>
+              <a:t>5</a:t>
+            </a:r>
+            <a:r>
+              <a:rPr lang="ko-KR" altLang="en-US" dirty="0"/>
+              <a:t>장 정리 부분</a:t>
             </a:r>
           </a:p>
         </p:txBody>
@@ -12265,7 +12225,7 @@
     </p:spTree>
     <p:extLst>
       <p:ext uri="{BB962C8B-B14F-4D97-AF65-F5344CB8AC3E}">
-        <p14:creationId xmlns:p14="http://schemas.microsoft.com/office/powerpoint/2010/main" val="4020761668"/>
+        <p14:creationId xmlns:p14="http://schemas.microsoft.com/office/powerpoint/2010/main" val="654988685"/>
       </p:ext>
     </p:extLst>
   </p:cSld>
@@ -12294,10 +12254,10 @@
       </p:grpSpPr>
       <p:sp>
         <p:nvSpPr>
-          <p:cNvPr id="2" name="TextBox 1">
-            <a:extLst>
-              <a:ext uri="{FF2B5EF4-FFF2-40B4-BE49-F238E27FC236}">
-                <a16:creationId xmlns:a16="http://schemas.microsoft.com/office/drawing/2014/main" id="{9A79012C-780A-47BE-8A87-AFBF661E4B54}"/>
+          <p:cNvPr id="3" name="TextBox 2">
+            <a:extLst>
+              <a:ext uri="{FF2B5EF4-FFF2-40B4-BE49-F238E27FC236}">
+                <a16:creationId xmlns:a16="http://schemas.microsoft.com/office/drawing/2014/main" id="{91DF19FF-54F2-4350-B6B4-5AB6C51CF647}"/>
               </a:ext>
             </a:extLst>
           </p:cNvPr>
@@ -12307,22 +12267,30 @@
         <p:spPr>
           <a:xfrm>
             <a:off x="1264024" y="1057835"/>
-            <a:ext cx="9888070" cy="923330"/>
-          </a:xfrm>
-          <a:prstGeom prst="rect">
-            <a:avLst/>
-          </a:prstGeom>
-          <a:noFill/>
-        </p:spPr>
-        <p:txBody>
-          <a:bodyPr wrap="square" rtlCol="0">
-            <a:spAutoFit/>
-          </a:bodyPr>
-          <a:lstStyle/>
-          <a:p>
-            <a:r>
-              <a:rPr lang="ko-KR" altLang="en-US" dirty="0"/>
-              <a:t>비즈니스 로직을 담은 코드는 데이터 액세스 로직을 담은 코드와 깔끔하게 분리되는 것이 바람직하다</a:t>
+            <a:ext cx="9888070" cy="646331"/>
+          </a:xfrm>
+          <a:prstGeom prst="rect">
+            <a:avLst/>
+          </a:prstGeom>
+          <a:noFill/>
+        </p:spPr>
+        <p:txBody>
+          <a:bodyPr wrap="square" rtlCol="0">
+            <a:spAutoFit/>
+          </a:bodyPr>
+          <a:lstStyle/>
+          <a:p>
+            <a:r>
+              <a:rPr lang="ko-KR" altLang="en-US" dirty="0"/>
+              <a:t>자바에서 사용되는 트랜잭션 </a:t>
+            </a:r>
+            <a:r>
+              <a:rPr lang="en-US" altLang="ko-KR" dirty="0"/>
+              <a:t>API</a:t>
+            </a:r>
+            <a:r>
+              <a:rPr lang="ko-KR" altLang="en-US" dirty="0"/>
+              <a:t>의 종류와 방법은 다양하다</a:t>
             </a:r>
             <a:r>
               <a:rPr lang="en-US" altLang="ko-KR" dirty="0"/>
@@ -12330,7 +12298,7 @@
             </a:r>
             <a:r>
               <a:rPr lang="ko-KR" altLang="en-US" dirty="0"/>
-              <a:t>비즈니스 로직 코드 또한 내부적으로 책임과 역할에 따라서 깔끔하게 메소드로 정리돼야 한다</a:t>
+              <a:t>환경과 서버에 따라서 트랜잭션 방법이 변경되면 경계설정 코드도 함께 변경돼야 한다</a:t>
             </a:r>
             <a:r>
               <a:rPr lang="en-US" altLang="ko-KR" dirty="0"/>
@@ -12342,51 +12310,43 @@
       </p:sp>
       <p:sp>
         <p:nvSpPr>
-          <p:cNvPr id="3" name="TextBox 2">
-            <a:extLst>
-              <a:ext uri="{FF2B5EF4-FFF2-40B4-BE49-F238E27FC236}">
-                <a16:creationId xmlns:a16="http://schemas.microsoft.com/office/drawing/2014/main" id="{23104174-483E-48B7-A46F-916B978DDA23}"/>
-              </a:ext>
-            </a:extLst>
-          </p:cNvPr>
-          <p:cNvSpPr txBox="1"/>
-          <p:nvPr/>
-        </p:nvSpPr>
-        <p:spPr>
-          <a:xfrm>
-            <a:off x="1434353" y="2294965"/>
-            <a:ext cx="10139082" cy="646331"/>
-          </a:xfrm>
-          <a:prstGeom prst="rect">
-            <a:avLst/>
-          </a:prstGeom>
-          <a:noFill/>
-        </p:spPr>
-        <p:txBody>
-          <a:bodyPr wrap="square" rtlCol="0">
-            <a:spAutoFit/>
-          </a:bodyPr>
-          <a:lstStyle/>
-          <a:p>
-            <a:r>
-              <a:rPr lang="ko-KR" altLang="en-US" dirty="0"/>
-              <a:t>이를 위해서는 </a:t>
-            </a:r>
-            <a:r>
-              <a:rPr lang="en-US" altLang="ko-KR" dirty="0"/>
-              <a:t>DAO</a:t>
-            </a:r>
-            <a:r>
-              <a:rPr lang="ko-KR" altLang="en-US" dirty="0"/>
-              <a:t>의 기술 변화에 서비스 계층의 코드가 영향을 받지 않도록 인터페이스와 </a:t>
-            </a:r>
-            <a:r>
-              <a:rPr lang="en-US" altLang="ko-KR" dirty="0"/>
-              <a:t>DI</a:t>
-            </a:r>
-            <a:r>
-              <a:rPr lang="ko-KR" altLang="en-US" dirty="0"/>
-              <a:t>를 잘 활용해서 결합도를 낮춰줘야 한다</a:t>
+          <p:cNvPr id="4" name="TextBox 3">
+            <a:extLst>
+              <a:ext uri="{FF2B5EF4-FFF2-40B4-BE49-F238E27FC236}">
+                <a16:creationId xmlns:a16="http://schemas.microsoft.com/office/drawing/2014/main" id="{5D3A050B-29A9-47DD-8620-DAB974DE9CBB}"/>
+              </a:ext>
+            </a:extLst>
+          </p:cNvPr>
+          <p:cNvSpPr txBox="1"/>
+          <p:nvPr/>
+        </p:nvSpPr>
+        <p:spPr>
+          <a:xfrm>
+            <a:off x="1308845" y="1918448"/>
+            <a:ext cx="9888070" cy="646331"/>
+          </a:xfrm>
+          <a:prstGeom prst="rect">
+            <a:avLst/>
+          </a:prstGeom>
+          <a:noFill/>
+        </p:spPr>
+        <p:txBody>
+          <a:bodyPr wrap="square" rtlCol="0">
+            <a:spAutoFit/>
+          </a:bodyPr>
+          <a:lstStyle/>
+          <a:p>
+            <a:r>
+              <a:rPr lang="ko-KR" altLang="en-US" dirty="0"/>
+              <a:t>트랜잭션 방법에 따라 비즈니스 로직을 담은 코드가 함께 변경되면 단일 책임 원칙에 위배 되며</a:t>
+            </a:r>
+            <a:r>
+              <a:rPr lang="en-US" altLang="ko-KR" dirty="0"/>
+              <a:t>, DAO</a:t>
+            </a:r>
+            <a:r>
+              <a:rPr lang="ko-KR" altLang="en-US" dirty="0"/>
+              <a:t>가 사용하는 특정 기술에 대해 강한 결합을 만들어낸다</a:t>
             </a:r>
             <a:r>
               <a:rPr lang="en-US" altLang="ko-KR" dirty="0"/>
@@ -12398,39 +12358,35 @@
       </p:sp>
       <p:sp>
         <p:nvSpPr>
-          <p:cNvPr id="4" name="TextBox 3">
-            <a:extLst>
-              <a:ext uri="{FF2B5EF4-FFF2-40B4-BE49-F238E27FC236}">
-                <a16:creationId xmlns:a16="http://schemas.microsoft.com/office/drawing/2014/main" id="{EDB4C9AD-4964-44C8-A6FD-DC36869E40EC}"/>
-              </a:ext>
-            </a:extLst>
-          </p:cNvPr>
-          <p:cNvSpPr txBox="1"/>
-          <p:nvPr/>
-        </p:nvSpPr>
-        <p:spPr>
-          <a:xfrm>
-            <a:off x="1264024" y="3603812"/>
-            <a:ext cx="10676964" cy="369332"/>
-          </a:xfrm>
-          <a:prstGeom prst="rect">
-            <a:avLst/>
-          </a:prstGeom>
-          <a:noFill/>
-        </p:spPr>
-        <p:txBody>
-          <a:bodyPr wrap="square" rtlCol="0">
-            <a:spAutoFit/>
-          </a:bodyPr>
-          <a:lstStyle/>
-          <a:p>
-            <a:r>
-              <a:rPr lang="en-US" altLang="ko-KR" dirty="0"/>
-              <a:t>DAO</a:t>
-            </a:r>
-            <a:r>
-              <a:rPr lang="ko-KR" altLang="en-US" dirty="0"/>
-              <a:t>를 사용하는 비즈니스 로직에는 단위 작업을 보장해주는 트랜잭션이 필요하다</a:t>
+          <p:cNvPr id="5" name="TextBox 4">
+            <a:extLst>
+              <a:ext uri="{FF2B5EF4-FFF2-40B4-BE49-F238E27FC236}">
+                <a16:creationId xmlns:a16="http://schemas.microsoft.com/office/drawing/2014/main" id="{7080AB7E-E18B-4972-8427-0360207789A0}"/>
+              </a:ext>
+            </a:extLst>
+          </p:cNvPr>
+          <p:cNvSpPr txBox="1"/>
+          <p:nvPr/>
+        </p:nvSpPr>
+        <p:spPr>
+          <a:xfrm>
+            <a:off x="1290918" y="2986121"/>
+            <a:ext cx="9888070" cy="646331"/>
+          </a:xfrm>
+          <a:prstGeom prst="rect">
+            <a:avLst/>
+          </a:prstGeom>
+          <a:noFill/>
+        </p:spPr>
+        <p:txBody>
+          <a:bodyPr wrap="square" rtlCol="0">
+            <a:spAutoFit/>
+          </a:bodyPr>
+          <a:lstStyle/>
+          <a:p>
+            <a:r>
+              <a:rPr lang="ko-KR" altLang="en-US" dirty="0"/>
+              <a:t>트랜잭션 경계설정 코드가 비즈니스 로직 코드에 영향을 주지 않게 하려면 스프링이 제공하는 트랜잭션 서비스 추상화를 이용하면 된다</a:t>
             </a:r>
             <a:r>
               <a:rPr lang="en-US" altLang="ko-KR" dirty="0"/>
@@ -12442,35 +12398,111 @@
       </p:sp>
       <p:sp>
         <p:nvSpPr>
-          <p:cNvPr id="5" name="TextBox 4">
-            <a:extLst>
-              <a:ext uri="{FF2B5EF4-FFF2-40B4-BE49-F238E27FC236}">
-                <a16:creationId xmlns:a16="http://schemas.microsoft.com/office/drawing/2014/main" id="{FBBF8FF2-4661-4F25-9A9B-3641E0549B1E}"/>
-              </a:ext>
-            </a:extLst>
-          </p:cNvPr>
-          <p:cNvSpPr txBox="1"/>
-          <p:nvPr/>
-        </p:nvSpPr>
-        <p:spPr>
-          <a:xfrm>
-            <a:off x="1165412" y="4563943"/>
-            <a:ext cx="10676964" cy="646331"/>
-          </a:xfrm>
-          <a:prstGeom prst="rect">
-            <a:avLst/>
-          </a:prstGeom>
-          <a:noFill/>
-        </p:spPr>
-        <p:txBody>
-          <a:bodyPr wrap="square" rtlCol="0">
-            <a:spAutoFit/>
-          </a:bodyPr>
-          <a:lstStyle/>
-          <a:p>
-            <a:r>
-              <a:rPr lang="ko-KR" altLang="en-US" dirty="0"/>
-              <a:t>트랜잭션의 시작과 종료를 지정하는 일을 트랜잭션 경계설정이라고 한다</a:t>
+          <p:cNvPr id="6" name="TextBox 5">
+            <a:extLst>
+              <a:ext uri="{FF2B5EF4-FFF2-40B4-BE49-F238E27FC236}">
+                <a16:creationId xmlns:a16="http://schemas.microsoft.com/office/drawing/2014/main" id="{09BD25D9-D9E5-4964-82C6-8872385E41AB}"/>
+              </a:ext>
+            </a:extLst>
+          </p:cNvPr>
+          <p:cNvSpPr txBox="1"/>
+          <p:nvPr/>
+        </p:nvSpPr>
+        <p:spPr>
+          <a:xfrm>
+            <a:off x="1371598" y="4177554"/>
+            <a:ext cx="9888070" cy="646331"/>
+          </a:xfrm>
+          <a:prstGeom prst="rect">
+            <a:avLst/>
+          </a:prstGeom>
+          <a:noFill/>
+        </p:spPr>
+        <p:txBody>
+          <a:bodyPr wrap="square" rtlCol="0">
+            <a:spAutoFit/>
+          </a:bodyPr>
+          <a:lstStyle/>
+          <a:p>
+            <a:r>
+              <a:rPr lang="ko-KR" altLang="en-US" dirty="0"/>
+              <a:t>서비스 추상화는 </a:t>
+            </a:r>
+            <a:r>
+              <a:rPr lang="ko-KR" altLang="en-US" dirty="0" err="1"/>
+              <a:t>로우레벨의</a:t>
+            </a:r>
+            <a:r>
+              <a:rPr lang="ko-KR" altLang="en-US" dirty="0"/>
+              <a:t> 트랜잭션 기술과 </a:t>
+            </a:r>
+            <a:r>
+              <a:rPr lang="en-US" altLang="ko-KR" dirty="0"/>
+              <a:t>API</a:t>
+            </a:r>
+            <a:r>
+              <a:rPr lang="ko-KR" altLang="en-US" dirty="0"/>
+              <a:t>의 변화에 상관없이 일관된 </a:t>
+            </a:r>
+            <a:r>
+              <a:rPr lang="en-US" altLang="ko-KR" dirty="0"/>
+              <a:t>API</a:t>
+            </a:r>
+            <a:r>
+              <a:rPr lang="ko-KR" altLang="en-US" dirty="0"/>
+              <a:t>를 가진 추상화 계층을 도입한다</a:t>
+            </a:r>
+            <a:r>
+              <a:rPr lang="en-US" altLang="ko-KR" dirty="0"/>
+              <a:t>.</a:t>
+            </a:r>
+            <a:endParaRPr lang="ko-KR" altLang="en-US" dirty="0"/>
+          </a:p>
+        </p:txBody>
+      </p:sp>
+      <p:sp>
+        <p:nvSpPr>
+          <p:cNvPr id="7" name="TextBox 6">
+            <a:extLst>
+              <a:ext uri="{FF2B5EF4-FFF2-40B4-BE49-F238E27FC236}">
+                <a16:creationId xmlns:a16="http://schemas.microsoft.com/office/drawing/2014/main" id="{686C760D-C230-4A7E-B753-3E625FBE1751}"/>
+              </a:ext>
+            </a:extLst>
+          </p:cNvPr>
+          <p:cNvSpPr txBox="1"/>
+          <p:nvPr/>
+        </p:nvSpPr>
+        <p:spPr>
+          <a:xfrm>
+            <a:off x="1264024" y="5245227"/>
+            <a:ext cx="9888070" cy="646331"/>
+          </a:xfrm>
+          <a:prstGeom prst="rect">
+            <a:avLst/>
+          </a:prstGeom>
+          <a:noFill/>
+        </p:spPr>
+        <p:txBody>
+          <a:bodyPr wrap="square" rtlCol="0">
+            <a:spAutoFit/>
+          </a:bodyPr>
+          <a:lstStyle/>
+          <a:p>
+            <a:r>
+              <a:rPr lang="ko-KR" altLang="en-US" dirty="0"/>
+              <a:t>서비스 추상화는 테스트하기 어려운 </a:t>
+            </a:r>
+            <a:r>
+              <a:rPr lang="en-US" altLang="ko-KR" dirty="0" err="1"/>
+              <a:t>JavaMail</a:t>
+            </a:r>
+            <a:r>
+              <a:rPr lang="en-US" altLang="ko-KR" dirty="0"/>
+              <a:t> </a:t>
+            </a:r>
+            <a:r>
+              <a:rPr lang="ko-KR" altLang="en-US" dirty="0"/>
+              <a:t>같은 기술에도 적용할 수 있다</a:t>
             </a:r>
             <a:r>
               <a:rPr lang="en-US" altLang="ko-KR" dirty="0"/>
@@ -12478,107 +12510,20 @@
             </a:r>
             <a:r>
               <a:rPr lang="ko-KR" altLang="en-US" dirty="0"/>
-              <a:t>트랜잭션 경계설정은 주로 비즈니스 로직 안에서 일어나는 경우가 많다</a:t>
+              <a:t>테스트를 편리하게 작성하도록 도와주는 것만으로도 서비스 추상화는 가치가 있다</a:t>
             </a:r>
             <a:r>
               <a:rPr lang="en-US" altLang="ko-KR" dirty="0"/>
               <a:t>.</a:t>
             </a:r>
             <a:endParaRPr lang="ko-KR" altLang="en-US" dirty="0"/>
-          </a:p>
-        </p:txBody>
-      </p:sp>
-      <p:sp>
-        <p:nvSpPr>
-          <p:cNvPr id="6" name="TextBox 5">
-            <a:extLst>
-              <a:ext uri="{FF2B5EF4-FFF2-40B4-BE49-F238E27FC236}">
-                <a16:creationId xmlns:a16="http://schemas.microsoft.com/office/drawing/2014/main" id="{DBFBFC47-33B2-4744-9487-F9E7304DB92E}"/>
-              </a:ext>
-            </a:extLst>
-          </p:cNvPr>
-          <p:cNvSpPr txBox="1"/>
-          <p:nvPr/>
-        </p:nvSpPr>
-        <p:spPr>
-          <a:xfrm>
-            <a:off x="1264024" y="5719482"/>
-            <a:ext cx="10309411" cy="646331"/>
-          </a:xfrm>
-          <a:prstGeom prst="rect">
-            <a:avLst/>
-          </a:prstGeom>
-          <a:noFill/>
-        </p:spPr>
-        <p:txBody>
-          <a:bodyPr wrap="square" rtlCol="0">
-            <a:spAutoFit/>
-          </a:bodyPr>
-          <a:lstStyle/>
-          <a:p>
-            <a:r>
-              <a:rPr lang="ko-KR" altLang="en-US" dirty="0"/>
-              <a:t>시작된 트랜잭션 정보를 담은 오브젝트를 파라미터로 </a:t>
-            </a:r>
-            <a:r>
-              <a:rPr lang="en-US" altLang="ko-KR" dirty="0"/>
-              <a:t>DAO</a:t>
-            </a:r>
-            <a:r>
-              <a:rPr lang="ko-KR" altLang="en-US" dirty="0"/>
-              <a:t>에 전달하는 방법은 매우 비효율적이기 때문에 스프링이 제공하는 트랜잭션 동기화 기법을 활용하는 것이 편리하다</a:t>
-            </a:r>
-            <a:r>
-              <a:rPr lang="en-US" altLang="ko-KR" dirty="0"/>
-              <a:t>.</a:t>
-            </a:r>
-            <a:endParaRPr lang="ko-KR" altLang="en-US" dirty="0"/>
-          </a:p>
-        </p:txBody>
-      </p:sp>
-      <p:sp>
-        <p:nvSpPr>
-          <p:cNvPr id="7" name="TextBox 6">
-            <a:extLst>
-              <a:ext uri="{FF2B5EF4-FFF2-40B4-BE49-F238E27FC236}">
-                <a16:creationId xmlns:a16="http://schemas.microsoft.com/office/drawing/2014/main" id="{372B205B-6D60-471C-90D8-2EFCDE48078C}"/>
-              </a:ext>
-            </a:extLst>
-          </p:cNvPr>
-          <p:cNvSpPr txBox="1"/>
-          <p:nvPr/>
-        </p:nvSpPr>
-        <p:spPr>
-          <a:xfrm>
-            <a:off x="1434353" y="295835"/>
-            <a:ext cx="1783976" cy="367553"/>
-          </a:xfrm>
-          <a:prstGeom prst="rect">
-            <a:avLst/>
-          </a:prstGeom>
-          <a:noFill/>
-        </p:spPr>
-        <p:txBody>
-          <a:bodyPr wrap="square" rtlCol="0">
-            <a:spAutoFit/>
-          </a:bodyPr>
-          <a:lstStyle/>
-          <a:p>
-            <a:r>
-              <a:rPr lang="en-US" altLang="ko-KR" dirty="0"/>
-              <a:t>5</a:t>
-            </a:r>
-            <a:r>
-              <a:rPr lang="ko-KR" altLang="en-US" dirty="0"/>
-              <a:t>장 정리 부분</a:t>
-            </a:r>
           </a:p>
         </p:txBody>
       </p:sp>
     </p:spTree>
     <p:extLst>
       <p:ext uri="{BB962C8B-B14F-4D97-AF65-F5344CB8AC3E}">
-        <p14:creationId xmlns:p14="http://schemas.microsoft.com/office/powerpoint/2010/main" val="654988685"/>
+        <p14:creationId xmlns:p14="http://schemas.microsoft.com/office/powerpoint/2010/main" val="3560600875"/>
       </p:ext>
     </p:extLst>
   </p:cSld>
@@ -12607,43 +12552,146 @@
       </p:grpSpPr>
       <p:sp>
         <p:nvSpPr>
-          <p:cNvPr id="3" name="TextBox 2">
-            <a:extLst>
-              <a:ext uri="{FF2B5EF4-FFF2-40B4-BE49-F238E27FC236}">
-                <a16:creationId xmlns:a16="http://schemas.microsoft.com/office/drawing/2014/main" id="{91DF19FF-54F2-4350-B6B4-5AB6C51CF647}"/>
-              </a:ext>
-            </a:extLst>
-          </p:cNvPr>
-          <p:cNvSpPr txBox="1"/>
-          <p:nvPr/>
-        </p:nvSpPr>
-        <p:spPr>
-          <a:xfrm>
-            <a:off x="1264024" y="1057835"/>
-            <a:ext cx="9888070" cy="646331"/>
-          </a:xfrm>
-          <a:prstGeom prst="rect">
-            <a:avLst/>
-          </a:prstGeom>
-          <a:noFill/>
-        </p:spPr>
-        <p:txBody>
-          <a:bodyPr wrap="square" rtlCol="0">
-            <a:spAutoFit/>
-          </a:bodyPr>
-          <a:lstStyle/>
-          <a:p>
-            <a:r>
-              <a:rPr lang="ko-KR" altLang="en-US" dirty="0"/>
-              <a:t>자바에서 사용되는 트랜잭션 </a:t>
-            </a:r>
-            <a:r>
-              <a:rPr lang="en-US" altLang="ko-KR" dirty="0"/>
-              <a:t>API</a:t>
-            </a:r>
-            <a:r>
-              <a:rPr lang="ko-KR" altLang="en-US" dirty="0"/>
-              <a:t>의 종류와 방법은 다양하다</a:t>
+          <p:cNvPr id="4" name="TextBox 3">
+            <a:extLst>
+              <a:ext uri="{FF2B5EF4-FFF2-40B4-BE49-F238E27FC236}">
+                <a16:creationId xmlns:a16="http://schemas.microsoft.com/office/drawing/2014/main" id="{A6F9B52D-5581-42AC-B0D5-301470508253}"/>
+              </a:ext>
+            </a:extLst>
+          </p:cNvPr>
+          <p:cNvSpPr txBox="1"/>
+          <p:nvPr/>
+        </p:nvSpPr>
+        <p:spPr>
+          <a:xfrm>
+            <a:off x="1147482" y="519953"/>
+            <a:ext cx="7189694" cy="646331"/>
+          </a:xfrm>
+          <a:prstGeom prst="rect">
+            <a:avLst/>
+          </a:prstGeom>
+          <a:noFill/>
+        </p:spPr>
+        <p:txBody>
+          <a:bodyPr wrap="square" rtlCol="0">
+            <a:spAutoFit/>
+          </a:bodyPr>
+          <a:lstStyle/>
+          <a:p>
+            <a:r>
+              <a:rPr lang="ko-KR" altLang="en-US" dirty="0"/>
+              <a:t>상수를 정의하여 메서드 </a:t>
+            </a:r>
+            <a:r>
+              <a:rPr lang="ko-KR" altLang="en-US" dirty="0" err="1"/>
+              <a:t>호출시</a:t>
+            </a:r>
+            <a:r>
+              <a:rPr lang="ko-KR" altLang="en-US" dirty="0"/>
+              <a:t> 잘못된 값이 출력 </a:t>
+            </a:r>
+            <a:r>
+              <a:rPr lang="ko-KR" altLang="en-US" dirty="0" err="1"/>
+              <a:t>될수</a:t>
+            </a:r>
+            <a:r>
+              <a:rPr lang="ko-KR" altLang="en-US" dirty="0"/>
+              <a:t> 있다 </a:t>
+            </a:r>
+            <a:r>
+              <a:rPr lang="en-US" altLang="ko-KR" dirty="0"/>
+              <a:t>-&gt; </a:t>
+            </a:r>
+            <a:r>
+              <a:rPr lang="ko-KR" altLang="en-US" dirty="0"/>
+              <a:t>상수를 정의 해서 </a:t>
+            </a:r>
+            <a:r>
+              <a:rPr lang="ko-KR" altLang="en-US" dirty="0" err="1"/>
+              <a:t>쓰는것</a:t>
+            </a:r>
+            <a:r>
+              <a:rPr lang="ko-KR" altLang="en-US" dirty="0"/>
+              <a:t> 보다 </a:t>
+            </a:r>
+            <a:r>
+              <a:rPr lang="en-US" altLang="ko-KR" dirty="0" err="1"/>
+              <a:t>enum</a:t>
+            </a:r>
+            <a:r>
+              <a:rPr lang="ko-KR" altLang="en-US" dirty="0"/>
+              <a:t>을 쓰는 것이 더 안전하다</a:t>
+            </a:r>
+          </a:p>
+        </p:txBody>
+      </p:sp>
+      <p:sp>
+        <p:nvSpPr>
+          <p:cNvPr id="5" name="TextBox 4">
+            <a:extLst>
+              <a:ext uri="{FF2B5EF4-FFF2-40B4-BE49-F238E27FC236}">
+                <a16:creationId xmlns:a16="http://schemas.microsoft.com/office/drawing/2014/main" id="{6F232C2F-4E73-4494-8B49-2B5DBA28D254}"/>
+              </a:ext>
+            </a:extLst>
+          </p:cNvPr>
+          <p:cNvSpPr txBox="1"/>
+          <p:nvPr/>
+        </p:nvSpPr>
+        <p:spPr>
+          <a:xfrm>
+            <a:off x="1228165" y="1783976"/>
+            <a:ext cx="5190564" cy="2308324"/>
+          </a:xfrm>
+          <a:prstGeom prst="rect">
+            <a:avLst/>
+          </a:prstGeom>
+          <a:noFill/>
+        </p:spPr>
+        <p:txBody>
+          <a:bodyPr wrap="square" rtlCol="0">
+            <a:spAutoFit/>
+          </a:bodyPr>
+          <a:lstStyle/>
+          <a:p>
+            <a:r>
+              <a:rPr lang="ko-KR" altLang="en-US" dirty="0"/>
+              <a:t>단</a:t>
+            </a:r>
+            <a:r>
+              <a:rPr lang="en-US" altLang="ko-KR" dirty="0"/>
+              <a:t>, </a:t>
+            </a:r>
+            <a:r>
+              <a:rPr lang="en-US" altLang="ko-KR" dirty="0" err="1"/>
+              <a:t>enum</a:t>
+            </a:r>
+            <a:r>
+              <a:rPr lang="ko-KR" altLang="en-US" dirty="0"/>
+              <a:t>은 오브젝트이므로 </a:t>
+            </a:r>
+            <a:r>
+              <a:rPr lang="en-US" altLang="ko-KR" dirty="0"/>
+              <a:t>DB</a:t>
+            </a:r>
+            <a:r>
+              <a:rPr lang="ko-KR" altLang="en-US" dirty="0"/>
+              <a:t>에 </a:t>
+            </a:r>
+            <a:r>
+              <a:rPr lang="ko-KR" altLang="en-US" dirty="0" err="1"/>
+              <a:t>저장될수</a:t>
+            </a:r>
+            <a:r>
+              <a:rPr lang="ko-KR" altLang="en-US" dirty="0"/>
+              <a:t> 있는 </a:t>
+            </a:r>
+            <a:r>
+              <a:rPr lang="en-US" altLang="ko-KR" dirty="0"/>
+              <a:t>SQL</a:t>
+            </a:r>
+            <a:r>
+              <a:rPr lang="ko-KR" altLang="en-US" dirty="0"/>
+              <a:t>타입이 아니다</a:t>
             </a:r>
             <a:r>
               <a:rPr lang="en-US" altLang="ko-KR" dirty="0"/>
@@ -12651,101 +12699,98 @@
             </a:r>
             <a:r>
               <a:rPr lang="ko-KR" altLang="en-US" dirty="0"/>
-              <a:t>환경과 서버에 따라서 트랜잭션 방법이 변경되면 경계설정 코드도 함께 변경돼야 한다</a:t>
-            </a:r>
-            <a:r>
-              <a:rPr lang="en-US" altLang="ko-KR" dirty="0"/>
-              <a:t>.</a:t>
-            </a:r>
-            <a:endParaRPr lang="ko-KR" altLang="en-US" dirty="0"/>
-          </a:p>
-        </p:txBody>
-      </p:sp>
-      <p:sp>
-        <p:nvSpPr>
-          <p:cNvPr id="4" name="TextBox 3">
-            <a:extLst>
-              <a:ext uri="{FF2B5EF4-FFF2-40B4-BE49-F238E27FC236}">
-                <a16:creationId xmlns:a16="http://schemas.microsoft.com/office/drawing/2014/main" id="{5D3A050B-29A9-47DD-8620-DAB974DE9CBB}"/>
-              </a:ext>
-            </a:extLst>
-          </p:cNvPr>
-          <p:cNvSpPr txBox="1"/>
-          <p:nvPr/>
-        </p:nvSpPr>
-        <p:spPr>
-          <a:xfrm>
-            <a:off x="1308845" y="1918448"/>
-            <a:ext cx="9888070" cy="646331"/>
-          </a:xfrm>
-          <a:prstGeom prst="rect">
-            <a:avLst/>
-          </a:prstGeom>
-          <a:noFill/>
-        </p:spPr>
-        <p:txBody>
-          <a:bodyPr wrap="square" rtlCol="0">
-            <a:spAutoFit/>
-          </a:bodyPr>
-          <a:lstStyle/>
-          <a:p>
-            <a:r>
-              <a:rPr lang="ko-KR" altLang="en-US" dirty="0"/>
-              <a:t>트랜잭션 방법에 따라 비즈니스 로직을 담은 코드가 함께 변경되면 단일 책임 원칙에 위배 되며</a:t>
-            </a:r>
-            <a:r>
-              <a:rPr lang="en-US" altLang="ko-KR" dirty="0"/>
-              <a:t>, DAO</a:t>
-            </a:r>
-            <a:r>
-              <a:rPr lang="ko-KR" altLang="en-US" dirty="0"/>
-              <a:t>가 사용하는 특정 기술에 대해 강한 결합을 만들어낸다</a:t>
-            </a:r>
-            <a:r>
-              <a:rPr lang="en-US" altLang="ko-KR" dirty="0"/>
-              <a:t>.</a:t>
-            </a:r>
-            <a:endParaRPr lang="ko-KR" altLang="en-US" dirty="0"/>
-          </a:p>
-        </p:txBody>
-      </p:sp>
-      <p:sp>
-        <p:nvSpPr>
-          <p:cNvPr id="5" name="TextBox 4">
-            <a:extLst>
-              <a:ext uri="{FF2B5EF4-FFF2-40B4-BE49-F238E27FC236}">
-                <a16:creationId xmlns:a16="http://schemas.microsoft.com/office/drawing/2014/main" id="{7080AB7E-E18B-4972-8427-0360207789A0}"/>
-              </a:ext>
-            </a:extLst>
-          </p:cNvPr>
-          <p:cNvSpPr txBox="1"/>
-          <p:nvPr/>
-        </p:nvSpPr>
-        <p:spPr>
-          <a:xfrm>
-            <a:off x="1290918" y="2986121"/>
-            <a:ext cx="9888070" cy="646331"/>
-          </a:xfrm>
-          <a:prstGeom prst="rect">
-            <a:avLst/>
-          </a:prstGeom>
-          <a:noFill/>
-        </p:spPr>
-        <p:txBody>
-          <a:bodyPr wrap="square" rtlCol="0">
-            <a:spAutoFit/>
-          </a:bodyPr>
-          <a:lstStyle/>
-          <a:p>
-            <a:r>
-              <a:rPr lang="ko-KR" altLang="en-US" dirty="0"/>
-              <a:t>트랜잭션 경계설정 코드가 비즈니스 로직 코드에 영향을 주지 않게 하려면 스프링이 제공하는 트랜잭션 서비스 추상화를 이용하면 된다</a:t>
-            </a:r>
-            <a:r>
-              <a:rPr lang="en-US" altLang="ko-KR" dirty="0"/>
-              <a:t>.</a:t>
-            </a:r>
-            <a:endParaRPr lang="ko-KR" altLang="en-US" dirty="0"/>
+              <a:t>따라서 </a:t>
+            </a:r>
+            <a:r>
+              <a:rPr lang="en-US" altLang="ko-KR" dirty="0"/>
+              <a:t>DB</a:t>
+            </a:r>
+            <a:r>
+              <a:rPr lang="ko-KR" altLang="en-US" dirty="0"/>
+              <a:t>에 저장 가능한 정수형 값으로 반환해 줘야한다</a:t>
+            </a:r>
+            <a:r>
+              <a:rPr lang="en-US" altLang="ko-KR" dirty="0"/>
+              <a:t>. (</a:t>
+            </a:r>
+            <a:r>
+              <a:rPr lang="en-US" altLang="ko-KR" dirty="0" err="1"/>
+              <a:t>enum</a:t>
+            </a:r>
+            <a:r>
+              <a:rPr lang="en-US" altLang="ko-KR" dirty="0"/>
+              <a:t> </a:t>
+            </a:r>
+            <a:r>
+              <a:rPr lang="ko-KR" altLang="en-US" dirty="0"/>
+              <a:t>내부에 메서드를 만들어 줌</a:t>
+            </a:r>
+            <a:r>
+              <a:rPr lang="en-US" altLang="ko-KR" dirty="0"/>
+              <a:t>)</a:t>
+            </a:r>
+          </a:p>
+          <a:p>
+            <a:r>
+              <a:rPr lang="ko-KR" altLang="en-US" dirty="0"/>
+              <a:t>반대로 조회를 했을 경우 </a:t>
+            </a:r>
+            <a:r>
+              <a:rPr lang="en-US" altLang="ko-KR" dirty="0" err="1"/>
+              <a:t>ResultSet</a:t>
+            </a:r>
+            <a:r>
+              <a:rPr lang="ko-KR" altLang="en-US" dirty="0"/>
+              <a:t>에서 </a:t>
+            </a:r>
+            <a:r>
+              <a:rPr lang="en-US" altLang="ko-KR" dirty="0"/>
+              <a:t>DB</a:t>
+            </a:r>
+            <a:r>
+              <a:rPr lang="ko-KR" altLang="en-US" dirty="0"/>
+              <a:t>의 타입인 </a:t>
+            </a:r>
+            <a:r>
+              <a:rPr lang="en-US" altLang="ko-KR" dirty="0"/>
+              <a:t>int</a:t>
+            </a:r>
+            <a:r>
+              <a:rPr lang="ko-KR" altLang="en-US" dirty="0"/>
+              <a:t>로 가져오기 때문에 </a:t>
+            </a:r>
+            <a:r>
+              <a:rPr lang="en-US" altLang="ko-KR" dirty="0"/>
+              <a:t>set</a:t>
+            </a:r>
+            <a:r>
+              <a:rPr lang="ko-KR" altLang="en-US" dirty="0"/>
+              <a:t>메서드를 실행 </a:t>
+            </a:r>
+            <a:r>
+              <a:rPr lang="ko-KR" altLang="en-US" dirty="0" err="1"/>
+              <a:t>할때</a:t>
+            </a:r>
+            <a:r>
+              <a:rPr lang="ko-KR" altLang="en-US" dirty="0"/>
+              <a:t> 타입이 일치 하지 않으므로 해당 타입의 </a:t>
+            </a:r>
+            <a:r>
+              <a:rPr lang="ko-KR" altLang="en-US" dirty="0" err="1"/>
+              <a:t>이늄</a:t>
+            </a:r>
+            <a:r>
+              <a:rPr lang="ko-KR" altLang="en-US" dirty="0"/>
+              <a:t> 오브젝트로 바꿔서 </a:t>
+            </a:r>
+            <a:r>
+              <a:rPr lang="en-US" altLang="ko-KR" dirty="0"/>
+              <a:t>set</a:t>
+            </a:r>
+            <a:r>
+              <a:rPr lang="ko-KR" altLang="en-US" dirty="0"/>
+              <a:t>해줘야 함</a:t>
+            </a:r>
           </a:p>
         </p:txBody>
       </p:sp>
@@ -12754,129 +12799,84 @@
           <p:cNvPr id="6" name="TextBox 5">
             <a:extLst>
               <a:ext uri="{FF2B5EF4-FFF2-40B4-BE49-F238E27FC236}">
-                <a16:creationId xmlns:a16="http://schemas.microsoft.com/office/drawing/2014/main" id="{09BD25D9-D9E5-4964-82C6-8872385E41AB}"/>
-              </a:ext>
-            </a:extLst>
-          </p:cNvPr>
-          <p:cNvSpPr txBox="1"/>
-          <p:nvPr/>
-        </p:nvSpPr>
-        <p:spPr>
-          <a:xfrm>
-            <a:off x="1371598" y="4177554"/>
-            <a:ext cx="9888070" cy="646331"/>
-          </a:xfrm>
-          <a:prstGeom prst="rect">
-            <a:avLst/>
-          </a:prstGeom>
-          <a:noFill/>
-        </p:spPr>
-        <p:txBody>
-          <a:bodyPr wrap="square" rtlCol="0">
-            <a:spAutoFit/>
-          </a:bodyPr>
-          <a:lstStyle/>
-          <a:p>
-            <a:r>
-              <a:rPr lang="ko-KR" altLang="en-US" dirty="0"/>
-              <a:t>서비스 추상화는 </a:t>
+                <a16:creationId xmlns:a16="http://schemas.microsoft.com/office/drawing/2014/main" id="{0B1584EF-8269-46E7-9BCD-66FB1CCD0D00}"/>
+              </a:ext>
+            </a:extLst>
+          </p:cNvPr>
+          <p:cNvSpPr txBox="1"/>
+          <p:nvPr/>
+        </p:nvSpPr>
+        <p:spPr>
+          <a:xfrm>
+            <a:off x="1228165" y="5002306"/>
+            <a:ext cx="8408894" cy="923330"/>
+          </a:xfrm>
+          <a:prstGeom prst="rect">
+            <a:avLst/>
+          </a:prstGeom>
+          <a:noFill/>
+        </p:spPr>
+        <p:txBody>
+          <a:bodyPr wrap="square" rtlCol="0">
+            <a:spAutoFit/>
+          </a:bodyPr>
+          <a:lstStyle/>
+          <a:p>
+            <a:r>
+              <a:rPr lang="en-US" altLang="ko-KR" dirty="0"/>
+              <a:t>JDBC</a:t>
+            </a:r>
+            <a:r>
+              <a:rPr lang="ko-KR" altLang="en-US" dirty="0"/>
+              <a:t>가 사용하는 </a:t>
+            </a:r>
+            <a:r>
+              <a:rPr lang="en-US" altLang="ko-KR" dirty="0"/>
+              <a:t>SQL</a:t>
+            </a:r>
+            <a:r>
+              <a:rPr lang="ko-KR" altLang="en-US" dirty="0"/>
+              <a:t>은 컴파일 과정에서는 자동으로 검증이 되지 않는 단순 문자열에 불과 </a:t>
+            </a:r>
+            <a:r>
+              <a:rPr lang="en-US" altLang="ko-KR" dirty="0"/>
+              <a:t>-&gt; </a:t>
+            </a:r>
+            <a:r>
+              <a:rPr lang="ko-KR" altLang="en-US" dirty="0"/>
+              <a:t>빠르게 실행 가능한 포괄적인 테스트를 </a:t>
             </a:r>
             <a:r>
               <a:rPr lang="ko-KR" altLang="en-US" dirty="0" err="1"/>
-              <a:t>로우레벨의</a:t>
-            </a:r>
-            <a:r>
-              <a:rPr lang="ko-KR" altLang="en-US" dirty="0"/>
-              <a:t> 트랜잭션 기술과 </a:t>
-            </a:r>
-            <a:r>
-              <a:rPr lang="en-US" altLang="ko-KR" dirty="0"/>
-              <a:t>API</a:t>
-            </a:r>
-            <a:r>
-              <a:rPr lang="ko-KR" altLang="en-US" dirty="0"/>
-              <a:t>의 변화에 상관없이 일관된 </a:t>
-            </a:r>
-            <a:r>
-              <a:rPr lang="en-US" altLang="ko-KR" dirty="0"/>
-              <a:t>API</a:t>
-            </a:r>
-            <a:r>
-              <a:rPr lang="ko-KR" altLang="en-US" dirty="0"/>
-              <a:t>를 가진 추상화 계층을 도입한다</a:t>
-            </a:r>
-            <a:r>
-              <a:rPr lang="en-US" altLang="ko-KR" dirty="0"/>
-              <a:t>.</a:t>
-            </a:r>
-            <a:endParaRPr lang="ko-KR" altLang="en-US" dirty="0"/>
-          </a:p>
-        </p:txBody>
-      </p:sp>
-      <p:sp>
-        <p:nvSpPr>
-          <p:cNvPr id="7" name="TextBox 6">
-            <a:extLst>
-              <a:ext uri="{FF2B5EF4-FFF2-40B4-BE49-F238E27FC236}">
-                <a16:creationId xmlns:a16="http://schemas.microsoft.com/office/drawing/2014/main" id="{686C760D-C230-4A7E-B753-3E625FBE1751}"/>
-              </a:ext>
-            </a:extLst>
-          </p:cNvPr>
-          <p:cNvSpPr txBox="1"/>
-          <p:nvPr/>
-        </p:nvSpPr>
-        <p:spPr>
-          <a:xfrm>
-            <a:off x="1264024" y="5245227"/>
-            <a:ext cx="9888070" cy="646331"/>
-          </a:xfrm>
-          <a:prstGeom prst="rect">
-            <a:avLst/>
-          </a:prstGeom>
-          <a:noFill/>
-        </p:spPr>
-        <p:txBody>
-          <a:bodyPr wrap="square" rtlCol="0">
-            <a:spAutoFit/>
-          </a:bodyPr>
-          <a:lstStyle/>
-          <a:p>
-            <a:r>
-              <a:rPr lang="ko-KR" altLang="en-US" dirty="0"/>
-              <a:t>서비스 추상화는 테스트하기 어려운 </a:t>
-            </a:r>
-            <a:r>
-              <a:rPr lang="en-US" altLang="ko-KR" dirty="0" err="1"/>
-              <a:t>JavaMail</a:t>
-            </a:r>
-            <a:r>
-              <a:rPr lang="en-US" altLang="ko-KR" dirty="0"/>
-              <a:t> </a:t>
-            </a:r>
-            <a:r>
-              <a:rPr lang="ko-KR" altLang="en-US" dirty="0"/>
-              <a:t>같은 기술에도 적용할 수 있다</a:t>
-            </a:r>
-            <a:r>
-              <a:rPr lang="en-US" altLang="ko-KR" dirty="0"/>
-              <a:t>. </a:t>
-            </a:r>
-            <a:r>
-              <a:rPr lang="ko-KR" altLang="en-US" dirty="0"/>
-              <a:t>테스트를 편리하게 작성하도록 도와주는 것만으로도 서비스 추상화는 가치가 있다</a:t>
-            </a:r>
-            <a:r>
-              <a:rPr lang="en-US" altLang="ko-KR" dirty="0"/>
-              <a:t>.</a:t>
-            </a:r>
-            <a:endParaRPr lang="ko-KR" altLang="en-US" dirty="0"/>
+              <a:t>만들어두면</a:t>
+            </a:r>
+            <a:r>
+              <a:rPr lang="ko-KR" altLang="en-US" dirty="0"/>
+              <a:t> 기능의 추가나 수정이 </a:t>
+            </a:r>
+            <a:r>
+              <a:rPr lang="ko-KR" altLang="en-US" dirty="0" err="1"/>
+              <a:t>일어날때</a:t>
+            </a:r>
+            <a:r>
+              <a:rPr lang="ko-KR" altLang="en-US" dirty="0"/>
+              <a:t> 문제를 빠르게 </a:t>
+            </a:r>
+            <a:r>
+              <a:rPr lang="ko-KR" altLang="en-US" dirty="0" err="1"/>
+              <a:t>잡아낼수</a:t>
+            </a:r>
+            <a:r>
+              <a:rPr lang="ko-KR" altLang="en-US" dirty="0"/>
+              <a:t> 있음</a:t>
+            </a:r>
           </a:p>
         </p:txBody>
       </p:sp>
     </p:spTree>
     <p:extLst>
       <p:ext uri="{BB962C8B-B14F-4D97-AF65-F5344CB8AC3E}">
-        <p14:creationId xmlns:p14="http://schemas.microsoft.com/office/powerpoint/2010/main" val="3560600875"/>
+        <p14:creationId xmlns:p14="http://schemas.microsoft.com/office/powerpoint/2010/main" val="4020761668"/>
       </p:ext>
     </p:extLst>
   </p:cSld>
@@ -14623,7 +14623,7 @@
           <a:lstStyle/>
           <a:p>
             <a:r>
-              <a:rPr lang="ko-KR" altLang="en-US"/>
+              <a:rPr lang="ko-KR" altLang="en-US" dirty="0"/>
               <a:t>중간에 예외가 발생해서 작업을 완료할 수 없다면 아예 작업이 시작되지 않은 것처럼 초기 상태로 돌려놔야 함</a:t>
             </a:r>
           </a:p>
